--- a/dsm2/presentations/a3_dsm2_user_group.pptx
+++ b/dsm2/presentations/a3_dsm2_user_group.pptx
@@ -5,22 +5,26 @@
     <p:sldMasterId id="2147483648" r:id="rId1"/>
   </p:sldMasterIdLst>
   <p:notesMasterIdLst>
-    <p:notesMasterId r:id="rId12"/>
+    <p:notesMasterId r:id="rId16"/>
   </p:notesMasterIdLst>
   <p:handoutMasterIdLst>
-    <p:handoutMasterId r:id="rId13"/>
+    <p:handoutMasterId r:id="rId17"/>
   </p:handoutMasterIdLst>
   <p:sldIdLst>
-    <p:sldId id="430" r:id="rId2"/>
-    <p:sldId id="435" r:id="rId3"/>
-    <p:sldId id="431" r:id="rId4"/>
-    <p:sldId id="436" r:id="rId5"/>
-    <p:sldId id="440" r:id="rId6"/>
-    <p:sldId id="441" r:id="rId7"/>
-    <p:sldId id="444" r:id="rId8"/>
-    <p:sldId id="445" r:id="rId9"/>
-    <p:sldId id="439" r:id="rId10"/>
-    <p:sldId id="438" r:id="rId11"/>
+    <p:sldId id="454" r:id="rId2"/>
+    <p:sldId id="430" r:id="rId3"/>
+    <p:sldId id="435" r:id="rId4"/>
+    <p:sldId id="431" r:id="rId5"/>
+    <p:sldId id="436" r:id="rId6"/>
+    <p:sldId id="440" r:id="rId7"/>
+    <p:sldId id="452" r:id="rId8"/>
+    <p:sldId id="453" r:id="rId9"/>
+    <p:sldId id="448" r:id="rId10"/>
+    <p:sldId id="441" r:id="rId11"/>
+    <p:sldId id="444" r:id="rId12"/>
+    <p:sldId id="446" r:id="rId13"/>
+    <p:sldId id="447" r:id="rId14"/>
+    <p:sldId id="438" r:id="rId15"/>
   </p:sldIdLst>
   <p:sldSz cx="9144000" cy="6858000" type="screen4x3"/>
   <p:notesSz cx="7010400" cy="9296400"/>
@@ -1655,6 +1659,1508 @@
 </file>
 
 <file path=ppt/diagrams/colors3.xml><?xml version="1.0" encoding="utf-8"?>
+<dgm:colorsDef xmlns:dgm="http://schemas.openxmlformats.org/drawingml/2006/diagram" xmlns:a="http://schemas.openxmlformats.org/drawingml/2006/main" uniqueId="urn:microsoft.com/office/officeart/2005/8/colors/accent0_3">
+  <dgm:title val=""/>
+  <dgm:desc val=""/>
+  <dgm:catLst>
+    <dgm:cat type="mainScheme" pri="10300"/>
+  </dgm:catLst>
+  <dgm:styleLbl name="node0">
+    <dgm:fillClrLst meth="repeat">
+      <a:schemeClr val="dk2"/>
+    </dgm:fillClrLst>
+    <dgm:linClrLst meth="repeat">
+      <a:schemeClr val="lt2"/>
+    </dgm:linClrLst>
+    <dgm:effectClrLst/>
+    <dgm:txLinClrLst/>
+    <dgm:txFillClrLst/>
+    <dgm:txEffectClrLst/>
+  </dgm:styleLbl>
+  <dgm:styleLbl name="alignNode1">
+    <dgm:fillClrLst meth="repeat">
+      <a:schemeClr val="dk2"/>
+    </dgm:fillClrLst>
+    <dgm:linClrLst meth="repeat">
+      <a:schemeClr val="dk2"/>
+    </dgm:linClrLst>
+    <dgm:effectClrLst/>
+    <dgm:txLinClrLst/>
+    <dgm:txFillClrLst/>
+    <dgm:txEffectClrLst/>
+  </dgm:styleLbl>
+  <dgm:styleLbl name="node1">
+    <dgm:fillClrLst meth="repeat">
+      <a:schemeClr val="dk2"/>
+    </dgm:fillClrLst>
+    <dgm:linClrLst meth="repeat">
+      <a:schemeClr val="lt2"/>
+    </dgm:linClrLst>
+    <dgm:effectClrLst/>
+    <dgm:txLinClrLst/>
+    <dgm:txFillClrLst/>
+    <dgm:txEffectClrLst/>
+  </dgm:styleLbl>
+  <dgm:styleLbl name="lnNode1">
+    <dgm:fillClrLst meth="repeat">
+      <a:schemeClr val="dk2"/>
+    </dgm:fillClrLst>
+    <dgm:linClrLst meth="repeat">
+      <a:schemeClr val="lt2"/>
+    </dgm:linClrLst>
+    <dgm:effectClrLst/>
+    <dgm:txLinClrLst/>
+    <dgm:txFillClrLst/>
+    <dgm:txEffectClrLst/>
+  </dgm:styleLbl>
+  <dgm:styleLbl name="vennNode1">
+    <dgm:fillClrLst meth="repeat">
+      <a:schemeClr val="dk2">
+        <a:alpha val="50000"/>
+      </a:schemeClr>
+    </dgm:fillClrLst>
+    <dgm:linClrLst meth="repeat">
+      <a:schemeClr val="lt2"/>
+    </dgm:linClrLst>
+    <dgm:effectClrLst/>
+    <dgm:txLinClrLst/>
+    <dgm:txFillClrLst/>
+    <dgm:txEffectClrLst/>
+  </dgm:styleLbl>
+  <dgm:styleLbl name="node2">
+    <dgm:fillClrLst meth="repeat">
+      <a:schemeClr val="dk2"/>
+    </dgm:fillClrLst>
+    <dgm:linClrLst meth="repeat">
+      <a:schemeClr val="lt2"/>
+    </dgm:linClrLst>
+    <dgm:effectClrLst/>
+    <dgm:txLinClrLst/>
+    <dgm:txFillClrLst/>
+    <dgm:txEffectClrLst/>
+  </dgm:styleLbl>
+  <dgm:styleLbl name="node3">
+    <dgm:fillClrLst meth="repeat">
+      <a:schemeClr val="dk2"/>
+    </dgm:fillClrLst>
+    <dgm:linClrLst meth="repeat">
+      <a:schemeClr val="lt2"/>
+    </dgm:linClrLst>
+    <dgm:effectClrLst/>
+    <dgm:txLinClrLst/>
+    <dgm:txFillClrLst/>
+    <dgm:txEffectClrLst/>
+  </dgm:styleLbl>
+  <dgm:styleLbl name="node4">
+    <dgm:fillClrLst meth="repeat">
+      <a:schemeClr val="dk2"/>
+    </dgm:fillClrLst>
+    <dgm:linClrLst meth="repeat">
+      <a:schemeClr val="lt2"/>
+    </dgm:linClrLst>
+    <dgm:effectClrLst/>
+    <dgm:txLinClrLst/>
+    <dgm:txFillClrLst/>
+    <dgm:txEffectClrLst/>
+  </dgm:styleLbl>
+  <dgm:styleLbl name="fgImgPlace1">
+    <dgm:fillClrLst meth="repeat">
+      <a:schemeClr val="dk2">
+        <a:tint val="50000"/>
+      </a:schemeClr>
+    </dgm:fillClrLst>
+    <dgm:linClrLst meth="repeat">
+      <a:schemeClr val="lt2"/>
+    </dgm:linClrLst>
+    <dgm:effectClrLst/>
+    <dgm:txLinClrLst/>
+    <dgm:txFillClrLst meth="repeat">
+      <a:schemeClr val="lt2"/>
+    </dgm:txFillClrLst>
+    <dgm:txEffectClrLst/>
+  </dgm:styleLbl>
+  <dgm:styleLbl name="alignImgPlace1">
+    <dgm:fillClrLst meth="repeat">
+      <a:schemeClr val="dk2">
+        <a:tint val="50000"/>
+      </a:schemeClr>
+    </dgm:fillClrLst>
+    <dgm:linClrLst meth="repeat">
+      <a:schemeClr val="dk2">
+        <a:shade val="80000"/>
+      </a:schemeClr>
+    </dgm:linClrLst>
+    <dgm:effectClrLst/>
+    <dgm:txLinClrLst/>
+    <dgm:txFillClrLst meth="repeat">
+      <a:schemeClr val="lt2"/>
+    </dgm:txFillClrLst>
+    <dgm:txEffectClrLst/>
+  </dgm:styleLbl>
+  <dgm:styleLbl name="bgImgPlace1">
+    <dgm:fillClrLst meth="repeat">
+      <a:schemeClr val="dk2">
+        <a:tint val="50000"/>
+      </a:schemeClr>
+    </dgm:fillClrLst>
+    <dgm:linClrLst meth="repeat">
+      <a:schemeClr val="dk2">
+        <a:shade val="80000"/>
+      </a:schemeClr>
+    </dgm:linClrLst>
+    <dgm:effectClrLst/>
+    <dgm:txLinClrLst/>
+    <dgm:txFillClrLst meth="repeat">
+      <a:schemeClr val="lt2"/>
+    </dgm:txFillClrLst>
+    <dgm:txEffectClrLst/>
+  </dgm:styleLbl>
+  <dgm:styleLbl name="sibTrans2D1">
+    <dgm:fillClrLst meth="repeat">
+      <a:schemeClr val="dk2">
+        <a:tint val="60000"/>
+      </a:schemeClr>
+    </dgm:fillClrLst>
+    <dgm:linClrLst meth="repeat">
+      <a:schemeClr val="dk2">
+        <a:tint val="60000"/>
+      </a:schemeClr>
+    </dgm:linClrLst>
+    <dgm:effectClrLst/>
+    <dgm:txLinClrLst/>
+    <dgm:txFillClrLst/>
+    <dgm:txEffectClrLst/>
+  </dgm:styleLbl>
+  <dgm:styleLbl name="fgSibTrans2D1">
+    <dgm:fillClrLst meth="repeat">
+      <a:schemeClr val="dk2">
+        <a:tint val="60000"/>
+      </a:schemeClr>
+    </dgm:fillClrLst>
+    <dgm:linClrLst meth="repeat">
+      <a:schemeClr val="dk2">
+        <a:tint val="60000"/>
+      </a:schemeClr>
+    </dgm:linClrLst>
+    <dgm:effectClrLst/>
+    <dgm:txLinClrLst/>
+    <dgm:txFillClrLst/>
+    <dgm:txEffectClrLst/>
+  </dgm:styleLbl>
+  <dgm:styleLbl name="bgSibTrans2D1">
+    <dgm:fillClrLst meth="repeat">
+      <a:schemeClr val="dk2">
+        <a:tint val="60000"/>
+      </a:schemeClr>
+    </dgm:fillClrLst>
+    <dgm:linClrLst meth="repeat">
+      <a:schemeClr val="dk2">
+        <a:tint val="60000"/>
+      </a:schemeClr>
+    </dgm:linClrLst>
+    <dgm:effectClrLst/>
+    <dgm:txLinClrLst/>
+    <dgm:txFillClrLst/>
+    <dgm:txEffectClrLst/>
+  </dgm:styleLbl>
+  <dgm:styleLbl name="sibTrans1D1">
+    <dgm:fillClrLst meth="repeat">
+      <a:schemeClr val="dk2"/>
+    </dgm:fillClrLst>
+    <dgm:linClrLst meth="repeat">
+      <a:schemeClr val="dk2"/>
+    </dgm:linClrLst>
+    <dgm:effectClrLst/>
+    <dgm:txLinClrLst/>
+    <dgm:txFillClrLst meth="repeat">
+      <a:schemeClr val="lt2"/>
+    </dgm:txFillClrLst>
+    <dgm:txEffectClrLst/>
+  </dgm:styleLbl>
+  <dgm:styleLbl name="callout">
+    <dgm:fillClrLst meth="repeat">
+      <a:schemeClr val="dk2"/>
+    </dgm:fillClrLst>
+    <dgm:linClrLst meth="repeat">
+      <a:schemeClr val="dk2">
+        <a:tint val="50000"/>
+      </a:schemeClr>
+    </dgm:linClrLst>
+    <dgm:effectClrLst/>
+    <dgm:txLinClrLst/>
+    <dgm:txFillClrLst meth="repeat">
+      <a:schemeClr val="lt2"/>
+    </dgm:txFillClrLst>
+    <dgm:txEffectClrLst/>
+  </dgm:styleLbl>
+  <dgm:styleLbl name="asst0">
+    <dgm:fillClrLst meth="repeat">
+      <a:schemeClr val="dk2"/>
+    </dgm:fillClrLst>
+    <dgm:linClrLst meth="repeat">
+      <a:schemeClr val="lt2"/>
+    </dgm:linClrLst>
+    <dgm:effectClrLst/>
+    <dgm:txLinClrLst/>
+    <dgm:txFillClrLst/>
+    <dgm:txEffectClrLst/>
+  </dgm:styleLbl>
+  <dgm:styleLbl name="asst1">
+    <dgm:fillClrLst meth="repeat">
+      <a:schemeClr val="dk2"/>
+    </dgm:fillClrLst>
+    <dgm:linClrLst meth="repeat">
+      <a:schemeClr val="lt2"/>
+    </dgm:linClrLst>
+    <dgm:effectClrLst/>
+    <dgm:txLinClrLst/>
+    <dgm:txFillClrLst/>
+    <dgm:txEffectClrLst/>
+  </dgm:styleLbl>
+  <dgm:styleLbl name="asst2">
+    <dgm:fillClrLst meth="repeat">
+      <a:schemeClr val="dk2"/>
+    </dgm:fillClrLst>
+    <dgm:linClrLst meth="repeat">
+      <a:schemeClr val="lt2"/>
+    </dgm:linClrLst>
+    <dgm:effectClrLst/>
+    <dgm:txLinClrLst/>
+    <dgm:txFillClrLst/>
+    <dgm:txEffectClrLst/>
+  </dgm:styleLbl>
+  <dgm:styleLbl name="asst3">
+    <dgm:fillClrLst meth="repeat">
+      <a:schemeClr val="dk2"/>
+    </dgm:fillClrLst>
+    <dgm:linClrLst meth="repeat">
+      <a:schemeClr val="lt2"/>
+    </dgm:linClrLst>
+    <dgm:effectClrLst/>
+    <dgm:txLinClrLst/>
+    <dgm:txFillClrLst/>
+    <dgm:txEffectClrLst/>
+  </dgm:styleLbl>
+  <dgm:styleLbl name="asst4">
+    <dgm:fillClrLst meth="repeat">
+      <a:schemeClr val="dk2"/>
+    </dgm:fillClrLst>
+    <dgm:linClrLst meth="repeat">
+      <a:schemeClr val="lt2"/>
+    </dgm:linClrLst>
+    <dgm:effectClrLst/>
+    <dgm:txLinClrLst/>
+    <dgm:txFillClrLst/>
+    <dgm:txEffectClrLst/>
+  </dgm:styleLbl>
+  <dgm:styleLbl name="parChTrans2D1">
+    <dgm:fillClrLst meth="repeat">
+      <a:schemeClr val="dk2">
+        <a:tint val="60000"/>
+      </a:schemeClr>
+    </dgm:fillClrLst>
+    <dgm:linClrLst meth="repeat">
+      <a:schemeClr val="dk2">
+        <a:tint val="60000"/>
+      </a:schemeClr>
+    </dgm:linClrLst>
+    <dgm:effectClrLst/>
+    <dgm:txLinClrLst/>
+    <dgm:txFillClrLst meth="repeat">
+      <a:schemeClr val="lt2"/>
+    </dgm:txFillClrLst>
+    <dgm:txEffectClrLst/>
+  </dgm:styleLbl>
+  <dgm:styleLbl name="parChTrans2D2">
+    <dgm:fillClrLst meth="repeat">
+      <a:schemeClr val="dk2"/>
+    </dgm:fillClrLst>
+    <dgm:linClrLst meth="repeat">
+      <a:schemeClr val="dk2"/>
+    </dgm:linClrLst>
+    <dgm:effectClrLst/>
+    <dgm:txLinClrLst/>
+    <dgm:txFillClrLst meth="repeat">
+      <a:schemeClr val="lt2"/>
+    </dgm:txFillClrLst>
+    <dgm:txEffectClrLst/>
+  </dgm:styleLbl>
+  <dgm:styleLbl name="parChTrans2D3">
+    <dgm:fillClrLst meth="repeat">
+      <a:schemeClr val="dk2"/>
+    </dgm:fillClrLst>
+    <dgm:linClrLst meth="repeat">
+      <a:schemeClr val="dk2"/>
+    </dgm:linClrLst>
+    <dgm:effectClrLst/>
+    <dgm:txLinClrLst/>
+    <dgm:txFillClrLst meth="repeat">
+      <a:schemeClr val="lt2"/>
+    </dgm:txFillClrLst>
+    <dgm:txEffectClrLst/>
+  </dgm:styleLbl>
+  <dgm:styleLbl name="parChTrans2D4">
+    <dgm:fillClrLst meth="repeat">
+      <a:schemeClr val="dk2"/>
+    </dgm:fillClrLst>
+    <dgm:linClrLst meth="repeat">
+      <a:schemeClr val="dk2"/>
+    </dgm:linClrLst>
+    <dgm:effectClrLst/>
+    <dgm:txLinClrLst/>
+    <dgm:txFillClrLst meth="repeat">
+      <a:schemeClr val="lt2"/>
+    </dgm:txFillClrLst>
+    <dgm:txEffectClrLst/>
+  </dgm:styleLbl>
+  <dgm:styleLbl name="parChTrans1D1">
+    <dgm:fillClrLst meth="repeat">
+      <a:schemeClr val="dk2"/>
+    </dgm:fillClrLst>
+    <dgm:linClrLst meth="repeat">
+      <a:schemeClr val="dk2">
+        <a:shade val="60000"/>
+      </a:schemeClr>
+    </dgm:linClrLst>
+    <dgm:effectClrLst/>
+    <dgm:txLinClrLst/>
+    <dgm:txFillClrLst meth="repeat">
+      <a:schemeClr val="tx1"/>
+    </dgm:txFillClrLst>
+    <dgm:txEffectClrLst/>
+  </dgm:styleLbl>
+  <dgm:styleLbl name="parChTrans1D2">
+    <dgm:fillClrLst meth="repeat">
+      <a:schemeClr val="dk2"/>
+    </dgm:fillClrLst>
+    <dgm:linClrLst meth="repeat">
+      <a:schemeClr val="dk2">
+        <a:shade val="60000"/>
+      </a:schemeClr>
+    </dgm:linClrLst>
+    <dgm:effectClrLst/>
+    <dgm:txLinClrLst/>
+    <dgm:txFillClrLst meth="repeat">
+      <a:schemeClr val="tx1"/>
+    </dgm:txFillClrLst>
+    <dgm:txEffectClrLst/>
+  </dgm:styleLbl>
+  <dgm:styleLbl name="parChTrans1D3">
+    <dgm:fillClrLst meth="repeat">
+      <a:schemeClr val="dk2"/>
+    </dgm:fillClrLst>
+    <dgm:linClrLst meth="repeat">
+      <a:schemeClr val="dk2">
+        <a:shade val="80000"/>
+      </a:schemeClr>
+    </dgm:linClrLst>
+    <dgm:effectClrLst/>
+    <dgm:txLinClrLst/>
+    <dgm:txFillClrLst meth="repeat">
+      <a:schemeClr val="tx1"/>
+    </dgm:txFillClrLst>
+    <dgm:txEffectClrLst/>
+  </dgm:styleLbl>
+  <dgm:styleLbl name="parChTrans1D4">
+    <dgm:fillClrLst meth="repeat">
+      <a:schemeClr val="dk2"/>
+    </dgm:fillClrLst>
+    <dgm:linClrLst meth="repeat">
+      <a:schemeClr val="dk2">
+        <a:shade val="80000"/>
+      </a:schemeClr>
+    </dgm:linClrLst>
+    <dgm:effectClrLst/>
+    <dgm:txLinClrLst/>
+    <dgm:txFillClrLst meth="repeat">
+      <a:schemeClr val="tx1"/>
+    </dgm:txFillClrLst>
+    <dgm:txEffectClrLst/>
+  </dgm:styleLbl>
+  <dgm:styleLbl name="fgAcc1">
+    <dgm:fillClrLst meth="repeat">
+      <a:schemeClr val="lt2">
+        <a:alpha val="90000"/>
+      </a:schemeClr>
+    </dgm:fillClrLst>
+    <dgm:linClrLst meth="repeat">
+      <a:schemeClr val="dk2"/>
+    </dgm:linClrLst>
+    <dgm:effectClrLst/>
+    <dgm:txLinClrLst/>
+    <dgm:txFillClrLst meth="repeat">
+      <a:schemeClr val="dk1"/>
+    </dgm:txFillClrLst>
+    <dgm:txEffectClrLst/>
+  </dgm:styleLbl>
+  <dgm:styleLbl name="conFgAcc1">
+    <dgm:fillClrLst meth="repeat">
+      <a:schemeClr val="lt2">
+        <a:alpha val="90000"/>
+      </a:schemeClr>
+    </dgm:fillClrLst>
+    <dgm:linClrLst meth="repeat">
+      <a:schemeClr val="dk2"/>
+    </dgm:linClrLst>
+    <dgm:effectClrLst/>
+    <dgm:txLinClrLst/>
+    <dgm:txFillClrLst meth="repeat">
+      <a:schemeClr val="dk1"/>
+    </dgm:txFillClrLst>
+    <dgm:txEffectClrLst/>
+  </dgm:styleLbl>
+  <dgm:styleLbl name="alignAcc1">
+    <dgm:fillClrLst meth="repeat">
+      <a:schemeClr val="lt2">
+        <a:alpha val="90000"/>
+      </a:schemeClr>
+    </dgm:fillClrLst>
+    <dgm:linClrLst meth="repeat">
+      <a:schemeClr val="dk2"/>
+    </dgm:linClrLst>
+    <dgm:effectClrLst/>
+    <dgm:txLinClrLst/>
+    <dgm:txFillClrLst meth="repeat">
+      <a:schemeClr val="dk1"/>
+    </dgm:txFillClrLst>
+    <dgm:txEffectClrLst/>
+  </dgm:styleLbl>
+  <dgm:styleLbl name="trAlignAcc1">
+    <dgm:fillClrLst meth="repeat">
+      <a:schemeClr val="lt2">
+        <a:alpha val="40000"/>
+      </a:schemeClr>
+    </dgm:fillClrLst>
+    <dgm:linClrLst meth="repeat">
+      <a:schemeClr val="dk2"/>
+    </dgm:linClrLst>
+    <dgm:effectClrLst/>
+    <dgm:txLinClrLst/>
+    <dgm:txFillClrLst meth="repeat">
+      <a:schemeClr val="dk1"/>
+    </dgm:txFillClrLst>
+    <dgm:txEffectClrLst/>
+  </dgm:styleLbl>
+  <dgm:styleLbl name="bgAcc1">
+    <dgm:fillClrLst meth="repeat">
+      <a:schemeClr val="lt2">
+        <a:alpha val="90000"/>
+      </a:schemeClr>
+    </dgm:fillClrLst>
+    <dgm:linClrLst meth="repeat">
+      <a:schemeClr val="dk2"/>
+    </dgm:linClrLst>
+    <dgm:effectClrLst/>
+    <dgm:txLinClrLst/>
+    <dgm:txFillClrLst meth="repeat">
+      <a:schemeClr val="dk1"/>
+    </dgm:txFillClrLst>
+    <dgm:txEffectClrLst/>
+  </dgm:styleLbl>
+  <dgm:styleLbl name="solidFgAcc1">
+    <dgm:fillClrLst meth="repeat">
+      <a:schemeClr val="lt2"/>
+    </dgm:fillClrLst>
+    <dgm:linClrLst meth="repeat">
+      <a:schemeClr val="dk2"/>
+    </dgm:linClrLst>
+    <dgm:effectClrLst/>
+    <dgm:txLinClrLst/>
+    <dgm:txFillClrLst meth="repeat">
+      <a:schemeClr val="dk1"/>
+    </dgm:txFillClrLst>
+    <dgm:txEffectClrLst/>
+  </dgm:styleLbl>
+  <dgm:styleLbl name="solidAlignAcc1">
+    <dgm:fillClrLst meth="repeat">
+      <a:schemeClr val="lt2"/>
+    </dgm:fillClrLst>
+    <dgm:linClrLst meth="repeat">
+      <a:schemeClr val="dk2"/>
+    </dgm:linClrLst>
+    <dgm:effectClrLst/>
+    <dgm:txLinClrLst/>
+    <dgm:txFillClrLst meth="repeat">
+      <a:schemeClr val="dk1"/>
+    </dgm:txFillClrLst>
+    <dgm:txEffectClrLst/>
+  </dgm:styleLbl>
+  <dgm:styleLbl name="solidBgAcc1">
+    <dgm:fillClrLst meth="repeat">
+      <a:schemeClr val="lt2"/>
+    </dgm:fillClrLst>
+    <dgm:linClrLst meth="repeat">
+      <a:schemeClr val="dk2"/>
+    </dgm:linClrLst>
+    <dgm:effectClrLst/>
+    <dgm:txLinClrLst/>
+    <dgm:txFillClrLst meth="repeat">
+      <a:schemeClr val="dk1"/>
+    </dgm:txFillClrLst>
+    <dgm:txEffectClrLst/>
+  </dgm:styleLbl>
+  <dgm:styleLbl name="fgAccFollowNode1">
+    <dgm:fillClrLst meth="repeat">
+      <a:schemeClr val="dk2">
+        <a:alpha val="90000"/>
+        <a:tint val="40000"/>
+      </a:schemeClr>
+    </dgm:fillClrLst>
+    <dgm:linClrLst meth="repeat">
+      <a:schemeClr val="dk2">
+        <a:alpha val="90000"/>
+        <a:tint val="40000"/>
+      </a:schemeClr>
+    </dgm:linClrLst>
+    <dgm:effectClrLst/>
+    <dgm:txLinClrLst/>
+    <dgm:txFillClrLst meth="repeat">
+      <a:schemeClr val="dk1"/>
+    </dgm:txFillClrLst>
+    <dgm:txEffectClrLst/>
+  </dgm:styleLbl>
+  <dgm:styleLbl name="alignAccFollowNode1">
+    <dgm:fillClrLst meth="repeat">
+      <a:schemeClr val="dk2">
+        <a:alpha val="90000"/>
+        <a:tint val="40000"/>
+      </a:schemeClr>
+    </dgm:fillClrLst>
+    <dgm:linClrLst meth="repeat">
+      <a:schemeClr val="dk2">
+        <a:alpha val="90000"/>
+        <a:tint val="40000"/>
+      </a:schemeClr>
+    </dgm:linClrLst>
+    <dgm:effectClrLst/>
+    <dgm:txLinClrLst/>
+    <dgm:txFillClrLst meth="repeat">
+      <a:schemeClr val="dk1"/>
+    </dgm:txFillClrLst>
+    <dgm:txEffectClrLst/>
+  </dgm:styleLbl>
+  <dgm:styleLbl name="bgAccFollowNode1">
+    <dgm:fillClrLst meth="repeat">
+      <a:schemeClr val="dk2">
+        <a:alpha val="90000"/>
+        <a:tint val="40000"/>
+      </a:schemeClr>
+    </dgm:fillClrLst>
+    <dgm:linClrLst meth="repeat">
+      <a:schemeClr val="dk2">
+        <a:alpha val="90000"/>
+        <a:tint val="40000"/>
+      </a:schemeClr>
+    </dgm:linClrLst>
+    <dgm:effectClrLst/>
+    <dgm:txLinClrLst/>
+    <dgm:txFillClrLst meth="repeat">
+      <a:schemeClr val="dk1"/>
+    </dgm:txFillClrLst>
+    <dgm:txEffectClrLst/>
+  </dgm:styleLbl>
+  <dgm:styleLbl name="fgAcc0">
+    <dgm:fillClrLst meth="repeat">
+      <a:schemeClr val="lt2">
+        <a:alpha val="90000"/>
+      </a:schemeClr>
+    </dgm:fillClrLst>
+    <dgm:linClrLst meth="repeat">
+      <a:schemeClr val="dk2"/>
+    </dgm:linClrLst>
+    <dgm:effectClrLst/>
+    <dgm:txLinClrLst/>
+    <dgm:txFillClrLst meth="repeat">
+      <a:schemeClr val="dk1"/>
+    </dgm:txFillClrLst>
+    <dgm:txEffectClrLst/>
+  </dgm:styleLbl>
+  <dgm:styleLbl name="fgAcc2">
+    <dgm:fillClrLst meth="repeat">
+      <a:schemeClr val="lt2">
+        <a:alpha val="90000"/>
+      </a:schemeClr>
+    </dgm:fillClrLst>
+    <dgm:linClrLst meth="repeat">
+      <a:schemeClr val="dk2"/>
+    </dgm:linClrLst>
+    <dgm:effectClrLst/>
+    <dgm:txLinClrLst/>
+    <dgm:txFillClrLst meth="repeat">
+      <a:schemeClr val="dk1"/>
+    </dgm:txFillClrLst>
+    <dgm:txEffectClrLst/>
+  </dgm:styleLbl>
+  <dgm:styleLbl name="fgAcc3">
+    <dgm:fillClrLst meth="repeat">
+      <a:schemeClr val="lt2">
+        <a:alpha val="90000"/>
+      </a:schemeClr>
+    </dgm:fillClrLst>
+    <dgm:linClrLst meth="repeat">
+      <a:schemeClr val="dk2"/>
+    </dgm:linClrLst>
+    <dgm:effectClrLst/>
+    <dgm:txLinClrLst/>
+    <dgm:txFillClrLst meth="repeat">
+      <a:schemeClr val="dk1"/>
+    </dgm:txFillClrLst>
+    <dgm:txEffectClrLst/>
+  </dgm:styleLbl>
+  <dgm:styleLbl name="fgAcc4">
+    <dgm:fillClrLst meth="repeat">
+      <a:schemeClr val="lt2">
+        <a:alpha val="90000"/>
+      </a:schemeClr>
+    </dgm:fillClrLst>
+    <dgm:linClrLst meth="repeat">
+      <a:schemeClr val="dk2"/>
+    </dgm:linClrLst>
+    <dgm:effectClrLst/>
+    <dgm:txLinClrLst/>
+    <dgm:txFillClrLst meth="repeat">
+      <a:schemeClr val="dk1"/>
+    </dgm:txFillClrLst>
+    <dgm:txEffectClrLst/>
+  </dgm:styleLbl>
+  <dgm:styleLbl name="bgShp">
+    <dgm:fillClrLst meth="repeat">
+      <a:schemeClr val="dk2">
+        <a:tint val="40000"/>
+      </a:schemeClr>
+    </dgm:fillClrLst>
+    <dgm:linClrLst meth="repeat">
+      <a:schemeClr val="dk2"/>
+    </dgm:linClrLst>
+    <dgm:effectClrLst/>
+    <dgm:txLinClrLst/>
+    <dgm:txFillClrLst meth="repeat">
+      <a:schemeClr val="dk1"/>
+    </dgm:txFillClrLst>
+    <dgm:txEffectClrLst/>
+  </dgm:styleLbl>
+  <dgm:styleLbl name="dkBgShp">
+    <dgm:fillClrLst meth="repeat">
+      <a:schemeClr val="dk2">
+        <a:shade val="80000"/>
+      </a:schemeClr>
+    </dgm:fillClrLst>
+    <dgm:linClrLst meth="repeat">
+      <a:schemeClr val="dk2"/>
+    </dgm:linClrLst>
+    <dgm:effectClrLst/>
+    <dgm:txLinClrLst/>
+    <dgm:txFillClrLst meth="repeat">
+      <a:schemeClr val="lt1"/>
+    </dgm:txFillClrLst>
+    <dgm:txEffectClrLst/>
+  </dgm:styleLbl>
+  <dgm:styleLbl name="trBgShp">
+    <dgm:fillClrLst meth="repeat">
+      <a:schemeClr val="dk2">
+        <a:tint val="50000"/>
+        <a:alpha val="40000"/>
+      </a:schemeClr>
+    </dgm:fillClrLst>
+    <dgm:linClrLst meth="repeat">
+      <a:schemeClr val="dk2"/>
+    </dgm:linClrLst>
+    <dgm:effectClrLst/>
+    <dgm:txLinClrLst/>
+    <dgm:txFillClrLst meth="repeat">
+      <a:schemeClr val="lt1"/>
+    </dgm:txFillClrLst>
+    <dgm:txEffectClrLst/>
+  </dgm:styleLbl>
+  <dgm:styleLbl name="fgShp">
+    <dgm:fillClrLst meth="repeat">
+      <a:schemeClr val="dk2">
+        <a:tint val="60000"/>
+      </a:schemeClr>
+    </dgm:fillClrLst>
+    <dgm:linClrLst meth="repeat">
+      <a:schemeClr val="lt2"/>
+    </dgm:linClrLst>
+    <dgm:effectClrLst/>
+    <dgm:txLinClrLst/>
+    <dgm:txFillClrLst meth="repeat">
+      <a:schemeClr val="dk1"/>
+    </dgm:txFillClrLst>
+    <dgm:txEffectClrLst/>
+  </dgm:styleLbl>
+  <dgm:styleLbl name="revTx">
+    <dgm:fillClrLst meth="repeat">
+      <a:schemeClr val="lt2">
+        <a:alpha val="0"/>
+      </a:schemeClr>
+    </dgm:fillClrLst>
+    <dgm:linClrLst meth="repeat">
+      <a:schemeClr val="dk1">
+        <a:alpha val="0"/>
+      </a:schemeClr>
+    </dgm:linClrLst>
+    <dgm:effectClrLst/>
+    <dgm:txLinClrLst/>
+    <dgm:txFillClrLst meth="repeat">
+      <a:schemeClr val="tx1"/>
+    </dgm:txFillClrLst>
+    <dgm:txEffectClrLst/>
+  </dgm:styleLbl>
+</dgm:colorsDef>
+</file>
+
+<file path=ppt/diagrams/colors4.xml><?xml version="1.0" encoding="utf-8"?>
+<dgm:colorsDef xmlns:dgm="http://schemas.openxmlformats.org/drawingml/2006/diagram" xmlns:a="http://schemas.openxmlformats.org/drawingml/2006/main" uniqueId="urn:microsoft.com/office/officeart/2005/8/colors/accent0_3">
+  <dgm:title val=""/>
+  <dgm:desc val=""/>
+  <dgm:catLst>
+    <dgm:cat type="mainScheme" pri="10300"/>
+  </dgm:catLst>
+  <dgm:styleLbl name="node0">
+    <dgm:fillClrLst meth="repeat">
+      <a:schemeClr val="dk2"/>
+    </dgm:fillClrLst>
+    <dgm:linClrLst meth="repeat">
+      <a:schemeClr val="lt2"/>
+    </dgm:linClrLst>
+    <dgm:effectClrLst/>
+    <dgm:txLinClrLst/>
+    <dgm:txFillClrLst/>
+    <dgm:txEffectClrLst/>
+  </dgm:styleLbl>
+  <dgm:styleLbl name="alignNode1">
+    <dgm:fillClrLst meth="repeat">
+      <a:schemeClr val="dk2"/>
+    </dgm:fillClrLst>
+    <dgm:linClrLst meth="repeat">
+      <a:schemeClr val="dk2"/>
+    </dgm:linClrLst>
+    <dgm:effectClrLst/>
+    <dgm:txLinClrLst/>
+    <dgm:txFillClrLst/>
+    <dgm:txEffectClrLst/>
+  </dgm:styleLbl>
+  <dgm:styleLbl name="node1">
+    <dgm:fillClrLst meth="repeat">
+      <a:schemeClr val="dk2"/>
+    </dgm:fillClrLst>
+    <dgm:linClrLst meth="repeat">
+      <a:schemeClr val="lt2"/>
+    </dgm:linClrLst>
+    <dgm:effectClrLst/>
+    <dgm:txLinClrLst/>
+    <dgm:txFillClrLst/>
+    <dgm:txEffectClrLst/>
+  </dgm:styleLbl>
+  <dgm:styleLbl name="lnNode1">
+    <dgm:fillClrLst meth="repeat">
+      <a:schemeClr val="dk2"/>
+    </dgm:fillClrLst>
+    <dgm:linClrLst meth="repeat">
+      <a:schemeClr val="lt2"/>
+    </dgm:linClrLst>
+    <dgm:effectClrLst/>
+    <dgm:txLinClrLst/>
+    <dgm:txFillClrLst/>
+    <dgm:txEffectClrLst/>
+  </dgm:styleLbl>
+  <dgm:styleLbl name="vennNode1">
+    <dgm:fillClrLst meth="repeat">
+      <a:schemeClr val="dk2">
+        <a:alpha val="50000"/>
+      </a:schemeClr>
+    </dgm:fillClrLst>
+    <dgm:linClrLst meth="repeat">
+      <a:schemeClr val="lt2"/>
+    </dgm:linClrLst>
+    <dgm:effectClrLst/>
+    <dgm:txLinClrLst/>
+    <dgm:txFillClrLst/>
+    <dgm:txEffectClrLst/>
+  </dgm:styleLbl>
+  <dgm:styleLbl name="node2">
+    <dgm:fillClrLst meth="repeat">
+      <a:schemeClr val="dk2"/>
+    </dgm:fillClrLst>
+    <dgm:linClrLst meth="repeat">
+      <a:schemeClr val="lt2"/>
+    </dgm:linClrLst>
+    <dgm:effectClrLst/>
+    <dgm:txLinClrLst/>
+    <dgm:txFillClrLst/>
+    <dgm:txEffectClrLst/>
+  </dgm:styleLbl>
+  <dgm:styleLbl name="node3">
+    <dgm:fillClrLst meth="repeat">
+      <a:schemeClr val="dk2"/>
+    </dgm:fillClrLst>
+    <dgm:linClrLst meth="repeat">
+      <a:schemeClr val="lt2"/>
+    </dgm:linClrLst>
+    <dgm:effectClrLst/>
+    <dgm:txLinClrLst/>
+    <dgm:txFillClrLst/>
+    <dgm:txEffectClrLst/>
+  </dgm:styleLbl>
+  <dgm:styleLbl name="node4">
+    <dgm:fillClrLst meth="repeat">
+      <a:schemeClr val="dk2"/>
+    </dgm:fillClrLst>
+    <dgm:linClrLst meth="repeat">
+      <a:schemeClr val="lt2"/>
+    </dgm:linClrLst>
+    <dgm:effectClrLst/>
+    <dgm:txLinClrLst/>
+    <dgm:txFillClrLst/>
+    <dgm:txEffectClrLst/>
+  </dgm:styleLbl>
+  <dgm:styleLbl name="fgImgPlace1">
+    <dgm:fillClrLst meth="repeat">
+      <a:schemeClr val="dk2">
+        <a:tint val="50000"/>
+      </a:schemeClr>
+    </dgm:fillClrLst>
+    <dgm:linClrLst meth="repeat">
+      <a:schemeClr val="lt2"/>
+    </dgm:linClrLst>
+    <dgm:effectClrLst/>
+    <dgm:txLinClrLst/>
+    <dgm:txFillClrLst meth="repeat">
+      <a:schemeClr val="lt2"/>
+    </dgm:txFillClrLst>
+    <dgm:txEffectClrLst/>
+  </dgm:styleLbl>
+  <dgm:styleLbl name="alignImgPlace1">
+    <dgm:fillClrLst meth="repeat">
+      <a:schemeClr val="dk2">
+        <a:tint val="50000"/>
+      </a:schemeClr>
+    </dgm:fillClrLst>
+    <dgm:linClrLst meth="repeat">
+      <a:schemeClr val="dk2">
+        <a:shade val="80000"/>
+      </a:schemeClr>
+    </dgm:linClrLst>
+    <dgm:effectClrLst/>
+    <dgm:txLinClrLst/>
+    <dgm:txFillClrLst meth="repeat">
+      <a:schemeClr val="lt2"/>
+    </dgm:txFillClrLst>
+    <dgm:txEffectClrLst/>
+  </dgm:styleLbl>
+  <dgm:styleLbl name="bgImgPlace1">
+    <dgm:fillClrLst meth="repeat">
+      <a:schemeClr val="dk2">
+        <a:tint val="50000"/>
+      </a:schemeClr>
+    </dgm:fillClrLst>
+    <dgm:linClrLst meth="repeat">
+      <a:schemeClr val="dk2">
+        <a:shade val="80000"/>
+      </a:schemeClr>
+    </dgm:linClrLst>
+    <dgm:effectClrLst/>
+    <dgm:txLinClrLst/>
+    <dgm:txFillClrLst meth="repeat">
+      <a:schemeClr val="lt2"/>
+    </dgm:txFillClrLst>
+    <dgm:txEffectClrLst/>
+  </dgm:styleLbl>
+  <dgm:styleLbl name="sibTrans2D1">
+    <dgm:fillClrLst meth="repeat">
+      <a:schemeClr val="dk2">
+        <a:tint val="60000"/>
+      </a:schemeClr>
+    </dgm:fillClrLst>
+    <dgm:linClrLst meth="repeat">
+      <a:schemeClr val="dk2">
+        <a:tint val="60000"/>
+      </a:schemeClr>
+    </dgm:linClrLst>
+    <dgm:effectClrLst/>
+    <dgm:txLinClrLst/>
+    <dgm:txFillClrLst/>
+    <dgm:txEffectClrLst/>
+  </dgm:styleLbl>
+  <dgm:styleLbl name="fgSibTrans2D1">
+    <dgm:fillClrLst meth="repeat">
+      <a:schemeClr val="dk2">
+        <a:tint val="60000"/>
+      </a:schemeClr>
+    </dgm:fillClrLst>
+    <dgm:linClrLst meth="repeat">
+      <a:schemeClr val="dk2">
+        <a:tint val="60000"/>
+      </a:schemeClr>
+    </dgm:linClrLst>
+    <dgm:effectClrLst/>
+    <dgm:txLinClrLst/>
+    <dgm:txFillClrLst/>
+    <dgm:txEffectClrLst/>
+  </dgm:styleLbl>
+  <dgm:styleLbl name="bgSibTrans2D1">
+    <dgm:fillClrLst meth="repeat">
+      <a:schemeClr val="dk2">
+        <a:tint val="60000"/>
+      </a:schemeClr>
+    </dgm:fillClrLst>
+    <dgm:linClrLst meth="repeat">
+      <a:schemeClr val="dk2">
+        <a:tint val="60000"/>
+      </a:schemeClr>
+    </dgm:linClrLst>
+    <dgm:effectClrLst/>
+    <dgm:txLinClrLst/>
+    <dgm:txFillClrLst/>
+    <dgm:txEffectClrLst/>
+  </dgm:styleLbl>
+  <dgm:styleLbl name="sibTrans1D1">
+    <dgm:fillClrLst meth="repeat">
+      <a:schemeClr val="dk2"/>
+    </dgm:fillClrLst>
+    <dgm:linClrLst meth="repeat">
+      <a:schemeClr val="dk2"/>
+    </dgm:linClrLst>
+    <dgm:effectClrLst/>
+    <dgm:txLinClrLst/>
+    <dgm:txFillClrLst meth="repeat">
+      <a:schemeClr val="lt2"/>
+    </dgm:txFillClrLst>
+    <dgm:txEffectClrLst/>
+  </dgm:styleLbl>
+  <dgm:styleLbl name="callout">
+    <dgm:fillClrLst meth="repeat">
+      <a:schemeClr val="dk2"/>
+    </dgm:fillClrLst>
+    <dgm:linClrLst meth="repeat">
+      <a:schemeClr val="dk2">
+        <a:tint val="50000"/>
+      </a:schemeClr>
+    </dgm:linClrLst>
+    <dgm:effectClrLst/>
+    <dgm:txLinClrLst/>
+    <dgm:txFillClrLst meth="repeat">
+      <a:schemeClr val="lt2"/>
+    </dgm:txFillClrLst>
+    <dgm:txEffectClrLst/>
+  </dgm:styleLbl>
+  <dgm:styleLbl name="asst0">
+    <dgm:fillClrLst meth="repeat">
+      <a:schemeClr val="dk2"/>
+    </dgm:fillClrLst>
+    <dgm:linClrLst meth="repeat">
+      <a:schemeClr val="lt2"/>
+    </dgm:linClrLst>
+    <dgm:effectClrLst/>
+    <dgm:txLinClrLst/>
+    <dgm:txFillClrLst/>
+    <dgm:txEffectClrLst/>
+  </dgm:styleLbl>
+  <dgm:styleLbl name="asst1">
+    <dgm:fillClrLst meth="repeat">
+      <a:schemeClr val="dk2"/>
+    </dgm:fillClrLst>
+    <dgm:linClrLst meth="repeat">
+      <a:schemeClr val="lt2"/>
+    </dgm:linClrLst>
+    <dgm:effectClrLst/>
+    <dgm:txLinClrLst/>
+    <dgm:txFillClrLst/>
+    <dgm:txEffectClrLst/>
+  </dgm:styleLbl>
+  <dgm:styleLbl name="asst2">
+    <dgm:fillClrLst meth="repeat">
+      <a:schemeClr val="dk2"/>
+    </dgm:fillClrLst>
+    <dgm:linClrLst meth="repeat">
+      <a:schemeClr val="lt2"/>
+    </dgm:linClrLst>
+    <dgm:effectClrLst/>
+    <dgm:txLinClrLst/>
+    <dgm:txFillClrLst/>
+    <dgm:txEffectClrLst/>
+  </dgm:styleLbl>
+  <dgm:styleLbl name="asst3">
+    <dgm:fillClrLst meth="repeat">
+      <a:schemeClr val="dk2"/>
+    </dgm:fillClrLst>
+    <dgm:linClrLst meth="repeat">
+      <a:schemeClr val="lt2"/>
+    </dgm:linClrLst>
+    <dgm:effectClrLst/>
+    <dgm:txLinClrLst/>
+    <dgm:txFillClrLst/>
+    <dgm:txEffectClrLst/>
+  </dgm:styleLbl>
+  <dgm:styleLbl name="asst4">
+    <dgm:fillClrLst meth="repeat">
+      <a:schemeClr val="dk2"/>
+    </dgm:fillClrLst>
+    <dgm:linClrLst meth="repeat">
+      <a:schemeClr val="lt2"/>
+    </dgm:linClrLst>
+    <dgm:effectClrLst/>
+    <dgm:txLinClrLst/>
+    <dgm:txFillClrLst/>
+    <dgm:txEffectClrLst/>
+  </dgm:styleLbl>
+  <dgm:styleLbl name="parChTrans2D1">
+    <dgm:fillClrLst meth="repeat">
+      <a:schemeClr val="dk2">
+        <a:tint val="60000"/>
+      </a:schemeClr>
+    </dgm:fillClrLst>
+    <dgm:linClrLst meth="repeat">
+      <a:schemeClr val="dk2">
+        <a:tint val="60000"/>
+      </a:schemeClr>
+    </dgm:linClrLst>
+    <dgm:effectClrLst/>
+    <dgm:txLinClrLst/>
+    <dgm:txFillClrLst meth="repeat">
+      <a:schemeClr val="lt2"/>
+    </dgm:txFillClrLst>
+    <dgm:txEffectClrLst/>
+  </dgm:styleLbl>
+  <dgm:styleLbl name="parChTrans2D2">
+    <dgm:fillClrLst meth="repeat">
+      <a:schemeClr val="dk2"/>
+    </dgm:fillClrLst>
+    <dgm:linClrLst meth="repeat">
+      <a:schemeClr val="dk2"/>
+    </dgm:linClrLst>
+    <dgm:effectClrLst/>
+    <dgm:txLinClrLst/>
+    <dgm:txFillClrLst meth="repeat">
+      <a:schemeClr val="lt2"/>
+    </dgm:txFillClrLst>
+    <dgm:txEffectClrLst/>
+  </dgm:styleLbl>
+  <dgm:styleLbl name="parChTrans2D3">
+    <dgm:fillClrLst meth="repeat">
+      <a:schemeClr val="dk2"/>
+    </dgm:fillClrLst>
+    <dgm:linClrLst meth="repeat">
+      <a:schemeClr val="dk2"/>
+    </dgm:linClrLst>
+    <dgm:effectClrLst/>
+    <dgm:txLinClrLst/>
+    <dgm:txFillClrLst meth="repeat">
+      <a:schemeClr val="lt2"/>
+    </dgm:txFillClrLst>
+    <dgm:txEffectClrLst/>
+  </dgm:styleLbl>
+  <dgm:styleLbl name="parChTrans2D4">
+    <dgm:fillClrLst meth="repeat">
+      <a:schemeClr val="dk2"/>
+    </dgm:fillClrLst>
+    <dgm:linClrLst meth="repeat">
+      <a:schemeClr val="dk2"/>
+    </dgm:linClrLst>
+    <dgm:effectClrLst/>
+    <dgm:txLinClrLst/>
+    <dgm:txFillClrLst meth="repeat">
+      <a:schemeClr val="lt2"/>
+    </dgm:txFillClrLst>
+    <dgm:txEffectClrLst/>
+  </dgm:styleLbl>
+  <dgm:styleLbl name="parChTrans1D1">
+    <dgm:fillClrLst meth="repeat">
+      <a:schemeClr val="dk2"/>
+    </dgm:fillClrLst>
+    <dgm:linClrLst meth="repeat">
+      <a:schemeClr val="dk2">
+        <a:shade val="60000"/>
+      </a:schemeClr>
+    </dgm:linClrLst>
+    <dgm:effectClrLst/>
+    <dgm:txLinClrLst/>
+    <dgm:txFillClrLst meth="repeat">
+      <a:schemeClr val="tx1"/>
+    </dgm:txFillClrLst>
+    <dgm:txEffectClrLst/>
+  </dgm:styleLbl>
+  <dgm:styleLbl name="parChTrans1D2">
+    <dgm:fillClrLst meth="repeat">
+      <a:schemeClr val="dk2"/>
+    </dgm:fillClrLst>
+    <dgm:linClrLst meth="repeat">
+      <a:schemeClr val="dk2">
+        <a:shade val="60000"/>
+      </a:schemeClr>
+    </dgm:linClrLst>
+    <dgm:effectClrLst/>
+    <dgm:txLinClrLst/>
+    <dgm:txFillClrLst meth="repeat">
+      <a:schemeClr val="tx1"/>
+    </dgm:txFillClrLst>
+    <dgm:txEffectClrLst/>
+  </dgm:styleLbl>
+  <dgm:styleLbl name="parChTrans1D3">
+    <dgm:fillClrLst meth="repeat">
+      <a:schemeClr val="dk2"/>
+    </dgm:fillClrLst>
+    <dgm:linClrLst meth="repeat">
+      <a:schemeClr val="dk2">
+        <a:shade val="80000"/>
+      </a:schemeClr>
+    </dgm:linClrLst>
+    <dgm:effectClrLst/>
+    <dgm:txLinClrLst/>
+    <dgm:txFillClrLst meth="repeat">
+      <a:schemeClr val="tx1"/>
+    </dgm:txFillClrLst>
+    <dgm:txEffectClrLst/>
+  </dgm:styleLbl>
+  <dgm:styleLbl name="parChTrans1D4">
+    <dgm:fillClrLst meth="repeat">
+      <a:schemeClr val="dk2"/>
+    </dgm:fillClrLst>
+    <dgm:linClrLst meth="repeat">
+      <a:schemeClr val="dk2">
+        <a:shade val="80000"/>
+      </a:schemeClr>
+    </dgm:linClrLst>
+    <dgm:effectClrLst/>
+    <dgm:txLinClrLst/>
+    <dgm:txFillClrLst meth="repeat">
+      <a:schemeClr val="tx1"/>
+    </dgm:txFillClrLst>
+    <dgm:txEffectClrLst/>
+  </dgm:styleLbl>
+  <dgm:styleLbl name="fgAcc1">
+    <dgm:fillClrLst meth="repeat">
+      <a:schemeClr val="lt2">
+        <a:alpha val="90000"/>
+      </a:schemeClr>
+    </dgm:fillClrLst>
+    <dgm:linClrLst meth="repeat">
+      <a:schemeClr val="dk2"/>
+    </dgm:linClrLst>
+    <dgm:effectClrLst/>
+    <dgm:txLinClrLst/>
+    <dgm:txFillClrLst meth="repeat">
+      <a:schemeClr val="dk1"/>
+    </dgm:txFillClrLst>
+    <dgm:txEffectClrLst/>
+  </dgm:styleLbl>
+  <dgm:styleLbl name="conFgAcc1">
+    <dgm:fillClrLst meth="repeat">
+      <a:schemeClr val="lt2">
+        <a:alpha val="90000"/>
+      </a:schemeClr>
+    </dgm:fillClrLst>
+    <dgm:linClrLst meth="repeat">
+      <a:schemeClr val="dk2"/>
+    </dgm:linClrLst>
+    <dgm:effectClrLst/>
+    <dgm:txLinClrLst/>
+    <dgm:txFillClrLst meth="repeat">
+      <a:schemeClr val="dk1"/>
+    </dgm:txFillClrLst>
+    <dgm:txEffectClrLst/>
+  </dgm:styleLbl>
+  <dgm:styleLbl name="alignAcc1">
+    <dgm:fillClrLst meth="repeat">
+      <a:schemeClr val="lt2">
+        <a:alpha val="90000"/>
+      </a:schemeClr>
+    </dgm:fillClrLst>
+    <dgm:linClrLst meth="repeat">
+      <a:schemeClr val="dk2"/>
+    </dgm:linClrLst>
+    <dgm:effectClrLst/>
+    <dgm:txLinClrLst/>
+    <dgm:txFillClrLst meth="repeat">
+      <a:schemeClr val="dk1"/>
+    </dgm:txFillClrLst>
+    <dgm:txEffectClrLst/>
+  </dgm:styleLbl>
+  <dgm:styleLbl name="trAlignAcc1">
+    <dgm:fillClrLst meth="repeat">
+      <a:schemeClr val="lt2">
+        <a:alpha val="40000"/>
+      </a:schemeClr>
+    </dgm:fillClrLst>
+    <dgm:linClrLst meth="repeat">
+      <a:schemeClr val="dk2"/>
+    </dgm:linClrLst>
+    <dgm:effectClrLst/>
+    <dgm:txLinClrLst/>
+    <dgm:txFillClrLst meth="repeat">
+      <a:schemeClr val="dk1"/>
+    </dgm:txFillClrLst>
+    <dgm:txEffectClrLst/>
+  </dgm:styleLbl>
+  <dgm:styleLbl name="bgAcc1">
+    <dgm:fillClrLst meth="repeat">
+      <a:schemeClr val="lt2">
+        <a:alpha val="90000"/>
+      </a:schemeClr>
+    </dgm:fillClrLst>
+    <dgm:linClrLst meth="repeat">
+      <a:schemeClr val="dk2"/>
+    </dgm:linClrLst>
+    <dgm:effectClrLst/>
+    <dgm:txLinClrLst/>
+    <dgm:txFillClrLst meth="repeat">
+      <a:schemeClr val="dk1"/>
+    </dgm:txFillClrLst>
+    <dgm:txEffectClrLst/>
+  </dgm:styleLbl>
+  <dgm:styleLbl name="solidFgAcc1">
+    <dgm:fillClrLst meth="repeat">
+      <a:schemeClr val="lt2"/>
+    </dgm:fillClrLst>
+    <dgm:linClrLst meth="repeat">
+      <a:schemeClr val="dk2"/>
+    </dgm:linClrLst>
+    <dgm:effectClrLst/>
+    <dgm:txLinClrLst/>
+    <dgm:txFillClrLst meth="repeat">
+      <a:schemeClr val="dk1"/>
+    </dgm:txFillClrLst>
+    <dgm:txEffectClrLst/>
+  </dgm:styleLbl>
+  <dgm:styleLbl name="solidAlignAcc1">
+    <dgm:fillClrLst meth="repeat">
+      <a:schemeClr val="lt2"/>
+    </dgm:fillClrLst>
+    <dgm:linClrLst meth="repeat">
+      <a:schemeClr val="dk2"/>
+    </dgm:linClrLst>
+    <dgm:effectClrLst/>
+    <dgm:txLinClrLst/>
+    <dgm:txFillClrLst meth="repeat">
+      <a:schemeClr val="dk1"/>
+    </dgm:txFillClrLst>
+    <dgm:txEffectClrLst/>
+  </dgm:styleLbl>
+  <dgm:styleLbl name="solidBgAcc1">
+    <dgm:fillClrLst meth="repeat">
+      <a:schemeClr val="lt2"/>
+    </dgm:fillClrLst>
+    <dgm:linClrLst meth="repeat">
+      <a:schemeClr val="dk2"/>
+    </dgm:linClrLst>
+    <dgm:effectClrLst/>
+    <dgm:txLinClrLst/>
+    <dgm:txFillClrLst meth="repeat">
+      <a:schemeClr val="dk1"/>
+    </dgm:txFillClrLst>
+    <dgm:txEffectClrLst/>
+  </dgm:styleLbl>
+  <dgm:styleLbl name="fgAccFollowNode1">
+    <dgm:fillClrLst meth="repeat">
+      <a:schemeClr val="dk2">
+        <a:alpha val="90000"/>
+        <a:tint val="40000"/>
+      </a:schemeClr>
+    </dgm:fillClrLst>
+    <dgm:linClrLst meth="repeat">
+      <a:schemeClr val="dk2">
+        <a:alpha val="90000"/>
+        <a:tint val="40000"/>
+      </a:schemeClr>
+    </dgm:linClrLst>
+    <dgm:effectClrLst/>
+    <dgm:txLinClrLst/>
+    <dgm:txFillClrLst meth="repeat">
+      <a:schemeClr val="dk1"/>
+    </dgm:txFillClrLst>
+    <dgm:txEffectClrLst/>
+  </dgm:styleLbl>
+  <dgm:styleLbl name="alignAccFollowNode1">
+    <dgm:fillClrLst meth="repeat">
+      <a:schemeClr val="dk2">
+        <a:alpha val="90000"/>
+        <a:tint val="40000"/>
+      </a:schemeClr>
+    </dgm:fillClrLst>
+    <dgm:linClrLst meth="repeat">
+      <a:schemeClr val="dk2">
+        <a:alpha val="90000"/>
+        <a:tint val="40000"/>
+      </a:schemeClr>
+    </dgm:linClrLst>
+    <dgm:effectClrLst/>
+    <dgm:txLinClrLst/>
+    <dgm:txFillClrLst meth="repeat">
+      <a:schemeClr val="dk1"/>
+    </dgm:txFillClrLst>
+    <dgm:txEffectClrLst/>
+  </dgm:styleLbl>
+  <dgm:styleLbl name="bgAccFollowNode1">
+    <dgm:fillClrLst meth="repeat">
+      <a:schemeClr val="dk2">
+        <a:alpha val="90000"/>
+        <a:tint val="40000"/>
+      </a:schemeClr>
+    </dgm:fillClrLst>
+    <dgm:linClrLst meth="repeat">
+      <a:schemeClr val="dk2">
+        <a:alpha val="90000"/>
+        <a:tint val="40000"/>
+      </a:schemeClr>
+    </dgm:linClrLst>
+    <dgm:effectClrLst/>
+    <dgm:txLinClrLst/>
+    <dgm:txFillClrLst meth="repeat">
+      <a:schemeClr val="dk1"/>
+    </dgm:txFillClrLst>
+    <dgm:txEffectClrLst/>
+  </dgm:styleLbl>
+  <dgm:styleLbl name="fgAcc0">
+    <dgm:fillClrLst meth="repeat">
+      <a:schemeClr val="lt2">
+        <a:alpha val="90000"/>
+      </a:schemeClr>
+    </dgm:fillClrLst>
+    <dgm:linClrLst meth="repeat">
+      <a:schemeClr val="dk2"/>
+    </dgm:linClrLst>
+    <dgm:effectClrLst/>
+    <dgm:txLinClrLst/>
+    <dgm:txFillClrLst meth="repeat">
+      <a:schemeClr val="dk1"/>
+    </dgm:txFillClrLst>
+    <dgm:txEffectClrLst/>
+  </dgm:styleLbl>
+  <dgm:styleLbl name="fgAcc2">
+    <dgm:fillClrLst meth="repeat">
+      <a:schemeClr val="lt2">
+        <a:alpha val="90000"/>
+      </a:schemeClr>
+    </dgm:fillClrLst>
+    <dgm:linClrLst meth="repeat">
+      <a:schemeClr val="dk2"/>
+    </dgm:linClrLst>
+    <dgm:effectClrLst/>
+    <dgm:txLinClrLst/>
+    <dgm:txFillClrLst meth="repeat">
+      <a:schemeClr val="dk1"/>
+    </dgm:txFillClrLst>
+    <dgm:txEffectClrLst/>
+  </dgm:styleLbl>
+  <dgm:styleLbl name="fgAcc3">
+    <dgm:fillClrLst meth="repeat">
+      <a:schemeClr val="lt2">
+        <a:alpha val="90000"/>
+      </a:schemeClr>
+    </dgm:fillClrLst>
+    <dgm:linClrLst meth="repeat">
+      <a:schemeClr val="dk2"/>
+    </dgm:linClrLst>
+    <dgm:effectClrLst/>
+    <dgm:txLinClrLst/>
+    <dgm:txFillClrLst meth="repeat">
+      <a:schemeClr val="dk1"/>
+    </dgm:txFillClrLst>
+    <dgm:txEffectClrLst/>
+  </dgm:styleLbl>
+  <dgm:styleLbl name="fgAcc4">
+    <dgm:fillClrLst meth="repeat">
+      <a:schemeClr val="lt2">
+        <a:alpha val="90000"/>
+      </a:schemeClr>
+    </dgm:fillClrLst>
+    <dgm:linClrLst meth="repeat">
+      <a:schemeClr val="dk2"/>
+    </dgm:linClrLst>
+    <dgm:effectClrLst/>
+    <dgm:txLinClrLst/>
+    <dgm:txFillClrLst meth="repeat">
+      <a:schemeClr val="dk1"/>
+    </dgm:txFillClrLst>
+    <dgm:txEffectClrLst/>
+  </dgm:styleLbl>
+  <dgm:styleLbl name="bgShp">
+    <dgm:fillClrLst meth="repeat">
+      <a:schemeClr val="dk2">
+        <a:tint val="40000"/>
+      </a:schemeClr>
+    </dgm:fillClrLst>
+    <dgm:linClrLst meth="repeat">
+      <a:schemeClr val="dk2"/>
+    </dgm:linClrLst>
+    <dgm:effectClrLst/>
+    <dgm:txLinClrLst/>
+    <dgm:txFillClrLst meth="repeat">
+      <a:schemeClr val="dk1"/>
+    </dgm:txFillClrLst>
+    <dgm:txEffectClrLst/>
+  </dgm:styleLbl>
+  <dgm:styleLbl name="dkBgShp">
+    <dgm:fillClrLst meth="repeat">
+      <a:schemeClr val="dk2">
+        <a:shade val="80000"/>
+      </a:schemeClr>
+    </dgm:fillClrLst>
+    <dgm:linClrLst meth="repeat">
+      <a:schemeClr val="dk2"/>
+    </dgm:linClrLst>
+    <dgm:effectClrLst/>
+    <dgm:txLinClrLst/>
+    <dgm:txFillClrLst meth="repeat">
+      <a:schemeClr val="lt1"/>
+    </dgm:txFillClrLst>
+    <dgm:txEffectClrLst/>
+  </dgm:styleLbl>
+  <dgm:styleLbl name="trBgShp">
+    <dgm:fillClrLst meth="repeat">
+      <a:schemeClr val="dk2">
+        <a:tint val="50000"/>
+        <a:alpha val="40000"/>
+      </a:schemeClr>
+    </dgm:fillClrLst>
+    <dgm:linClrLst meth="repeat">
+      <a:schemeClr val="dk2"/>
+    </dgm:linClrLst>
+    <dgm:effectClrLst/>
+    <dgm:txLinClrLst/>
+    <dgm:txFillClrLst meth="repeat">
+      <a:schemeClr val="lt1"/>
+    </dgm:txFillClrLst>
+    <dgm:txEffectClrLst/>
+  </dgm:styleLbl>
+  <dgm:styleLbl name="fgShp">
+    <dgm:fillClrLst meth="repeat">
+      <a:schemeClr val="dk2">
+        <a:tint val="60000"/>
+      </a:schemeClr>
+    </dgm:fillClrLst>
+    <dgm:linClrLst meth="repeat">
+      <a:schemeClr val="lt2"/>
+    </dgm:linClrLst>
+    <dgm:effectClrLst/>
+    <dgm:txLinClrLst/>
+    <dgm:txFillClrLst meth="repeat">
+      <a:schemeClr val="dk1"/>
+    </dgm:txFillClrLst>
+    <dgm:txEffectClrLst/>
+  </dgm:styleLbl>
+  <dgm:styleLbl name="revTx">
+    <dgm:fillClrLst meth="repeat">
+      <a:schemeClr val="lt2">
+        <a:alpha val="0"/>
+      </a:schemeClr>
+    </dgm:fillClrLst>
+    <dgm:linClrLst meth="repeat">
+      <a:schemeClr val="dk1">
+        <a:alpha val="0"/>
+      </a:schemeClr>
+    </dgm:linClrLst>
+    <dgm:effectClrLst/>
+    <dgm:txLinClrLst/>
+    <dgm:txFillClrLst meth="repeat">
+      <a:schemeClr val="tx1"/>
+    </dgm:txFillClrLst>
+    <dgm:txEffectClrLst/>
+  </dgm:styleLbl>
+</dgm:colorsDef>
+</file>
+
+<file path=ppt/diagrams/colors5.xml><?xml version="1.0" encoding="utf-8"?>
 <dgm:colorsDef xmlns:dgm="http://schemas.openxmlformats.org/drawingml/2006/diagram" xmlns:a="http://schemas.openxmlformats.org/drawingml/2006/main" uniqueId="urn:microsoft.com/office/officeart/2005/8/colors/accent0_3">
   <dgm:title val=""/>
   <dgm:desc val=""/>
@@ -2750,6 +4256,631 @@
 <file path=ppt/diagrams/data2.xml><?xml version="1.0" encoding="utf-8"?>
 <dgm:dataModel xmlns:dgm="http://schemas.openxmlformats.org/drawingml/2006/diagram" xmlns:a="http://schemas.openxmlformats.org/drawingml/2006/main">
   <dgm:ptLst>
+    <dgm:pt modelId="{53BD7E24-413F-4765-968D-2A61F1853500}" type="doc">
+      <dgm:prSet loTypeId="urn:microsoft.com/office/officeart/2005/8/layout/vList5" loCatId="list" qsTypeId="urn:microsoft.com/office/officeart/2005/8/quickstyle/simple2" qsCatId="simple" csTypeId="urn:microsoft.com/office/officeart/2005/8/colors/accent0_3" csCatId="mainScheme" phldr="1"/>
+      <dgm:spPr/>
+      <dgm:t>
+        <a:bodyPr/>
+        <a:lstStyle/>
+        <a:p>
+          <a:endParaRPr lang="en-US"/>
+        </a:p>
+      </dgm:t>
+    </dgm:pt>
+    <dgm:pt modelId="{250FE39D-5398-40E0-A864-C193EEF8C677}">
+      <dgm:prSet phldrT="[Text]"/>
+      <dgm:spPr/>
+      <dgm:t>
+        <a:bodyPr/>
+        <a:lstStyle/>
+        <a:p>
+          <a:r>
+            <a:rPr lang="en-US" dirty="0" smtClean="0"/>
+            <a:t>To subscribe</a:t>
+          </a:r>
+          <a:endParaRPr lang="en-US" dirty="0"/>
+        </a:p>
+      </dgm:t>
+    </dgm:pt>
+    <dgm:pt modelId="{000CAABC-4612-4300-A499-16C4DAE3CCE0}" type="parTrans" cxnId="{C5A95B91-CD92-42F3-86DA-A4B15BB8E104}">
+      <dgm:prSet/>
+      <dgm:spPr/>
+      <dgm:t>
+        <a:bodyPr/>
+        <a:lstStyle/>
+        <a:p>
+          <a:endParaRPr lang="en-US"/>
+        </a:p>
+      </dgm:t>
+    </dgm:pt>
+    <dgm:pt modelId="{A9104625-147F-4A9C-9E6A-F58FB409602C}" type="sibTrans" cxnId="{C5A95B91-CD92-42F3-86DA-A4B15BB8E104}">
+      <dgm:prSet/>
+      <dgm:spPr/>
+      <dgm:t>
+        <a:bodyPr/>
+        <a:lstStyle/>
+        <a:p>
+          <a:endParaRPr lang="en-US"/>
+        </a:p>
+      </dgm:t>
+    </dgm:pt>
+    <dgm:pt modelId="{B8907C77-4637-41EE-A0F2-06FE8DBD769B}">
+      <dgm:prSet phldrT="[Text]" custT="1"/>
+      <dgm:spPr>
+        <a:solidFill>
+          <a:srgbClr val="FFFFCC"/>
+        </a:solidFill>
+        <a:ln w="38100">
+          <a:solidFill>
+            <a:schemeClr val="accent4">
+              <a:alpha val="90000"/>
+            </a:schemeClr>
+          </a:solidFill>
+        </a:ln>
+      </dgm:spPr>
+      <dgm:t>
+        <a:bodyPr lIns="45720" rIns="91440"/>
+        <a:lstStyle/>
+        <a:p>
+          <a:r>
+            <a:rPr lang="en-US" sz="1600" i="1" u="none" dirty="0" smtClean="0">
+              <a:solidFill>
+                <a:schemeClr val="bg2"/>
+              </a:solidFill>
+            </a:rPr>
+            <a:t>http://listhost2.water.ca.gov/mailman/listinfo/dsm2-user</a:t>
+          </a:r>
+          <a:endParaRPr lang="en-US" sz="1600" i="1" u="none" baseline="0" dirty="0">
+            <a:solidFill>
+              <a:schemeClr val="bg2"/>
+            </a:solidFill>
+          </a:endParaRPr>
+        </a:p>
+      </dgm:t>
+    </dgm:pt>
+    <dgm:pt modelId="{BCAADC4C-5C23-440E-8CA5-39084D966EE8}" type="parTrans" cxnId="{69F95FC1-B6D0-4D53-A678-8E0C99664F97}">
+      <dgm:prSet/>
+      <dgm:spPr/>
+      <dgm:t>
+        <a:bodyPr/>
+        <a:lstStyle/>
+        <a:p>
+          <a:endParaRPr lang="en-US"/>
+        </a:p>
+      </dgm:t>
+    </dgm:pt>
+    <dgm:pt modelId="{41D2AE71-1160-4641-BD91-A0F710A66F79}" type="sibTrans" cxnId="{69F95FC1-B6D0-4D53-A678-8E0C99664F97}">
+      <dgm:prSet/>
+      <dgm:spPr/>
+      <dgm:t>
+        <a:bodyPr/>
+        <a:lstStyle/>
+        <a:p>
+          <a:endParaRPr lang="en-US"/>
+        </a:p>
+      </dgm:t>
+    </dgm:pt>
+    <dgm:pt modelId="{383720A0-91EF-419E-8B7F-733367C07FCA}">
+      <dgm:prSet phldrT="[Text]"/>
+      <dgm:spPr/>
+      <dgm:t>
+        <a:bodyPr/>
+        <a:lstStyle/>
+        <a:p>
+          <a:r>
+            <a:rPr lang="en-US" dirty="0" smtClean="0"/>
+            <a:t>To view archived messages </a:t>
+          </a:r>
+          <a:endParaRPr lang="en-US" dirty="0"/>
+        </a:p>
+      </dgm:t>
+    </dgm:pt>
+    <dgm:pt modelId="{3585C3B7-BD7F-4F60-86E1-412C864D3B36}" type="parTrans" cxnId="{3D516E23-1740-43DB-B3CE-A6A4AFD77FB2}">
+      <dgm:prSet/>
+      <dgm:spPr/>
+      <dgm:t>
+        <a:bodyPr/>
+        <a:lstStyle/>
+        <a:p>
+          <a:endParaRPr lang="en-US"/>
+        </a:p>
+      </dgm:t>
+    </dgm:pt>
+    <dgm:pt modelId="{A0E7B6AE-E341-4A49-B1E5-7887FFD57D21}" type="sibTrans" cxnId="{3D516E23-1740-43DB-B3CE-A6A4AFD77FB2}">
+      <dgm:prSet/>
+      <dgm:spPr/>
+      <dgm:t>
+        <a:bodyPr/>
+        <a:lstStyle/>
+        <a:p>
+          <a:endParaRPr lang="en-US"/>
+        </a:p>
+      </dgm:t>
+    </dgm:pt>
+    <dgm:pt modelId="{880525BB-9B05-426F-8123-673878A9EC22}">
+      <dgm:prSet phldrT="[Text]" custT="1"/>
+      <dgm:spPr>
+        <a:solidFill>
+          <a:srgbClr val="FFFFCC"/>
+        </a:solidFill>
+      </dgm:spPr>
+      <dgm:t>
+        <a:bodyPr lIns="45720"/>
+        <a:lstStyle/>
+        <a:p>
+          <a:r>
+            <a:rPr lang="en-US" sz="1600" i="1" u="none" dirty="0" smtClean="0"/>
+            <a:t>http://listhost2.water.ca.gov/pipermail/dsm2-user</a:t>
+          </a:r>
+          <a:r>
+            <a:rPr lang="en-US" sz="1300" i="1" u="none" dirty="0" smtClean="0"/>
+            <a:t>/</a:t>
+          </a:r>
+          <a:endParaRPr lang="en-US" sz="1300" i="1" u="none" dirty="0"/>
+        </a:p>
+      </dgm:t>
+    </dgm:pt>
+    <dgm:pt modelId="{CE7F980A-7527-4E41-B08F-3D6B14DCBED8}" type="parTrans" cxnId="{304CAB19-D64E-4E22-B44D-4A096B7C2B97}">
+      <dgm:prSet/>
+      <dgm:spPr/>
+      <dgm:t>
+        <a:bodyPr/>
+        <a:lstStyle/>
+        <a:p>
+          <a:endParaRPr lang="en-US"/>
+        </a:p>
+      </dgm:t>
+    </dgm:pt>
+    <dgm:pt modelId="{81635DEE-C0B9-4A8B-9FF6-833E5631D4BC}" type="sibTrans" cxnId="{304CAB19-D64E-4E22-B44D-4A096B7C2B97}">
+      <dgm:prSet/>
+      <dgm:spPr/>
+      <dgm:t>
+        <a:bodyPr/>
+        <a:lstStyle/>
+        <a:p>
+          <a:endParaRPr lang="en-US"/>
+        </a:p>
+      </dgm:t>
+    </dgm:pt>
+    <dgm:pt modelId="{64F5D8B4-BB51-472F-A07A-4D1E6654A213}">
+      <dgm:prSet phldrT="[Text]"/>
+      <dgm:spPr/>
+      <dgm:t>
+        <a:bodyPr/>
+        <a:lstStyle/>
+        <a:p>
+          <a:r>
+            <a:rPr lang="en-US" dirty="0" smtClean="0"/>
+            <a:t>To post a message</a:t>
+          </a:r>
+          <a:endParaRPr lang="en-US" dirty="0"/>
+        </a:p>
+      </dgm:t>
+    </dgm:pt>
+    <dgm:pt modelId="{7B8AC2D0-B6F6-49CB-9E12-7C6DA1E5E513}" type="parTrans" cxnId="{2DC3AE60-85FB-4DF8-80A6-C6C0A074E833}">
+      <dgm:prSet/>
+      <dgm:spPr/>
+      <dgm:t>
+        <a:bodyPr/>
+        <a:lstStyle/>
+        <a:p>
+          <a:endParaRPr lang="en-US"/>
+        </a:p>
+      </dgm:t>
+    </dgm:pt>
+    <dgm:pt modelId="{3EC82D66-C8E9-43B0-8ED9-AB819E7FCE9F}" type="sibTrans" cxnId="{2DC3AE60-85FB-4DF8-80A6-C6C0A074E833}">
+      <dgm:prSet/>
+      <dgm:spPr/>
+      <dgm:t>
+        <a:bodyPr/>
+        <a:lstStyle/>
+        <a:p>
+          <a:endParaRPr lang="en-US"/>
+        </a:p>
+      </dgm:t>
+    </dgm:pt>
+    <dgm:pt modelId="{3E80EF76-27F8-45AF-B90D-C8C70528C33C}">
+      <dgm:prSet phldrT="[Text]" custT="1"/>
+      <dgm:spPr>
+        <a:solidFill>
+          <a:srgbClr val="FFFFCC"/>
+        </a:solidFill>
+      </dgm:spPr>
+      <dgm:t>
+        <a:bodyPr lIns="45720"/>
+        <a:lstStyle/>
+        <a:p>
+          <a:r>
+            <a:rPr lang="en-US" sz="1600" dirty="0" smtClean="0"/>
+            <a:t>Type </a:t>
+          </a:r>
+          <a:r>
+            <a:rPr lang="en-US" sz="1600" i="1" u="none" dirty="0" smtClean="0">
+              <a:solidFill>
+                <a:schemeClr val="bg2"/>
+              </a:solidFill>
+            </a:rPr>
+            <a:t>dsm2-user@water.ca.gov </a:t>
+          </a:r>
+          <a:r>
+            <a:rPr lang="en-US" sz="1600" dirty="0" smtClean="0"/>
+            <a:t>in the "To:" line. </a:t>
+          </a:r>
+          <a:endParaRPr lang="en-US" sz="1600" dirty="0"/>
+        </a:p>
+      </dgm:t>
+    </dgm:pt>
+    <dgm:pt modelId="{672D796F-03C2-43FD-8408-C896063A0B6B}" type="parTrans" cxnId="{53823FC2-1D98-4E82-AFF7-2B3E7395A877}">
+      <dgm:prSet/>
+      <dgm:spPr/>
+      <dgm:t>
+        <a:bodyPr/>
+        <a:lstStyle/>
+        <a:p>
+          <a:endParaRPr lang="en-US"/>
+        </a:p>
+      </dgm:t>
+    </dgm:pt>
+    <dgm:pt modelId="{C1FC978D-25C4-4C1B-B755-FEBCCE2A294D}" type="sibTrans" cxnId="{53823FC2-1D98-4E82-AFF7-2B3E7395A877}">
+      <dgm:prSet/>
+      <dgm:spPr/>
+      <dgm:t>
+        <a:bodyPr/>
+        <a:lstStyle/>
+        <a:p>
+          <a:endParaRPr lang="en-US"/>
+        </a:p>
+      </dgm:t>
+    </dgm:pt>
+    <dgm:pt modelId="{2E8AFEEB-275B-46B9-AC37-D77265287697}">
+      <dgm:prSet/>
+      <dgm:spPr/>
+      <dgm:t>
+        <a:bodyPr/>
+        <a:lstStyle/>
+        <a:p>
+          <a:r>
+            <a:rPr lang="en-US" dirty="0" smtClean="0"/>
+            <a:t>To reply</a:t>
+          </a:r>
+          <a:endParaRPr lang="en-US" dirty="0"/>
+        </a:p>
+      </dgm:t>
+    </dgm:pt>
+    <dgm:pt modelId="{667DB3A7-D571-4291-98E8-728E753633F4}" type="parTrans" cxnId="{C16A153D-B92A-4E0A-B5CF-6365553ADA4E}">
+      <dgm:prSet/>
+      <dgm:spPr/>
+      <dgm:t>
+        <a:bodyPr/>
+        <a:lstStyle/>
+        <a:p>
+          <a:endParaRPr lang="en-US"/>
+        </a:p>
+      </dgm:t>
+    </dgm:pt>
+    <dgm:pt modelId="{AB137900-ECCB-47C7-A05F-AA7FC43BD836}" type="sibTrans" cxnId="{C16A153D-B92A-4E0A-B5CF-6365553ADA4E}">
+      <dgm:prSet/>
+      <dgm:spPr/>
+      <dgm:t>
+        <a:bodyPr/>
+        <a:lstStyle/>
+        <a:p>
+          <a:endParaRPr lang="en-US"/>
+        </a:p>
+      </dgm:t>
+    </dgm:pt>
+    <dgm:pt modelId="{5FC6A914-36D9-47BD-930B-0AF28F363A6D}">
+      <dgm:prSet custT="1"/>
+      <dgm:spPr>
+        <a:solidFill>
+          <a:srgbClr val="FFFFCC"/>
+        </a:solidFill>
+      </dgm:spPr>
+      <dgm:t>
+        <a:bodyPr lIns="45720"/>
+        <a:lstStyle/>
+        <a:p>
+          <a:r>
+            <a:rPr lang="en-US" sz="1400" dirty="0" smtClean="0"/>
+            <a:t>Click "Reply" to send the </a:t>
+          </a:r>
+          <a:r>
+            <a:rPr lang="en-US" sz="1400" dirty="0" err="1" smtClean="0"/>
+            <a:t>msg</a:t>
+          </a:r>
+          <a:r>
+            <a:rPr lang="en-US" sz="1400" dirty="0" smtClean="0"/>
+            <a:t> to the original poster</a:t>
+          </a:r>
+          <a:endParaRPr lang="en-US" sz="1400" dirty="0"/>
+        </a:p>
+      </dgm:t>
+    </dgm:pt>
+    <dgm:pt modelId="{0322255A-7D14-4D4C-BB5F-EE86EDE481A7}" type="parTrans" cxnId="{7ACCCB34-E3A4-416B-8840-DCBE7291CDEA}">
+      <dgm:prSet/>
+      <dgm:spPr/>
+      <dgm:t>
+        <a:bodyPr/>
+        <a:lstStyle/>
+        <a:p>
+          <a:endParaRPr lang="en-US"/>
+        </a:p>
+      </dgm:t>
+    </dgm:pt>
+    <dgm:pt modelId="{4BE62B14-C876-4A85-A10B-095CF392EEE7}" type="sibTrans" cxnId="{7ACCCB34-E3A4-416B-8840-DCBE7291CDEA}">
+      <dgm:prSet/>
+      <dgm:spPr/>
+      <dgm:t>
+        <a:bodyPr/>
+        <a:lstStyle/>
+        <a:p>
+          <a:endParaRPr lang="en-US"/>
+        </a:p>
+      </dgm:t>
+    </dgm:pt>
+    <dgm:pt modelId="{D43AFD19-9CC0-453E-8690-82C77C9C3ABF}">
+      <dgm:prSet custT="1"/>
+      <dgm:spPr>
+        <a:solidFill>
+          <a:srgbClr val="FFFFCC"/>
+        </a:solidFill>
+      </dgm:spPr>
+      <dgm:t>
+        <a:bodyPr lIns="45720"/>
+        <a:lstStyle/>
+        <a:p>
+          <a:r>
+            <a:rPr lang="en-US" sz="1400" dirty="0" smtClean="0"/>
+            <a:t>Click "Reply All” to send the </a:t>
+          </a:r>
+          <a:r>
+            <a:rPr lang="en-US" sz="1400" dirty="0" err="1" smtClean="0"/>
+            <a:t>msg</a:t>
+          </a:r>
+          <a:r>
+            <a:rPr lang="en-US" sz="1400" dirty="0" smtClean="0"/>
+            <a:t> to everyone on the list</a:t>
+          </a:r>
+          <a:endParaRPr lang="en-US" sz="1400" dirty="0"/>
+        </a:p>
+      </dgm:t>
+    </dgm:pt>
+    <dgm:pt modelId="{21FF414F-2510-46EC-A4DE-5F9DBDC36C17}" type="parTrans" cxnId="{C111176E-0AD1-4E0E-AFD1-76950BA6A5DE}">
+      <dgm:prSet/>
+      <dgm:spPr/>
+      <dgm:t>
+        <a:bodyPr/>
+        <a:lstStyle/>
+        <a:p>
+          <a:endParaRPr lang="en-US"/>
+        </a:p>
+      </dgm:t>
+    </dgm:pt>
+    <dgm:pt modelId="{86FDC81C-9E43-4B9F-902B-14C85815F7B8}" type="sibTrans" cxnId="{C111176E-0AD1-4E0E-AFD1-76950BA6A5DE}">
+      <dgm:prSet/>
+      <dgm:spPr/>
+      <dgm:t>
+        <a:bodyPr/>
+        <a:lstStyle/>
+        <a:p>
+          <a:endParaRPr lang="en-US"/>
+        </a:p>
+      </dgm:t>
+    </dgm:pt>
+    <dgm:pt modelId="{BA133CD9-4093-432D-9D61-76E13DD21DD7}" type="pres">
+      <dgm:prSet presAssocID="{53BD7E24-413F-4765-968D-2A61F1853500}" presName="Name0" presStyleCnt="0">
+        <dgm:presLayoutVars>
+          <dgm:dir/>
+          <dgm:animLvl val="lvl"/>
+          <dgm:resizeHandles val="exact"/>
+        </dgm:presLayoutVars>
+      </dgm:prSet>
+      <dgm:spPr/>
+      <dgm:t>
+        <a:bodyPr/>
+        <a:lstStyle/>
+        <a:p>
+          <a:endParaRPr lang="en-US"/>
+        </a:p>
+      </dgm:t>
+    </dgm:pt>
+    <dgm:pt modelId="{D9D52773-2047-4BA8-8C36-989AAAC367D4}" type="pres">
+      <dgm:prSet presAssocID="{250FE39D-5398-40E0-A864-C193EEF8C677}" presName="linNode" presStyleCnt="0"/>
+      <dgm:spPr/>
+    </dgm:pt>
+    <dgm:pt modelId="{0EB18026-EF7D-4F1B-86BD-5C0D9BD92B67}" type="pres">
+      <dgm:prSet presAssocID="{250FE39D-5398-40E0-A864-C193EEF8C677}" presName="parentText" presStyleLbl="node1" presStyleIdx="0" presStyleCnt="4">
+        <dgm:presLayoutVars>
+          <dgm:chMax val="1"/>
+          <dgm:bulletEnabled val="1"/>
+        </dgm:presLayoutVars>
+      </dgm:prSet>
+      <dgm:spPr/>
+      <dgm:t>
+        <a:bodyPr/>
+        <a:lstStyle/>
+        <a:p>
+          <a:endParaRPr lang="en-US"/>
+        </a:p>
+      </dgm:t>
+    </dgm:pt>
+    <dgm:pt modelId="{F67FB5C7-652D-4EEB-AEBC-B712BC6B41FC}" type="pres">
+      <dgm:prSet presAssocID="{250FE39D-5398-40E0-A864-C193EEF8C677}" presName="descendantText" presStyleLbl="alignAccFollowNode1" presStyleIdx="0" presStyleCnt="4">
+        <dgm:presLayoutVars>
+          <dgm:bulletEnabled val="1"/>
+        </dgm:presLayoutVars>
+      </dgm:prSet>
+      <dgm:spPr/>
+      <dgm:t>
+        <a:bodyPr/>
+        <a:lstStyle/>
+        <a:p>
+          <a:endParaRPr lang="en-US"/>
+        </a:p>
+      </dgm:t>
+    </dgm:pt>
+    <dgm:pt modelId="{10FB644E-D1D4-4958-B0C7-EE2C717BB03A}" type="pres">
+      <dgm:prSet presAssocID="{A9104625-147F-4A9C-9E6A-F58FB409602C}" presName="sp" presStyleCnt="0"/>
+      <dgm:spPr/>
+    </dgm:pt>
+    <dgm:pt modelId="{D7E9C560-86F9-44E0-A049-F66C815963C7}" type="pres">
+      <dgm:prSet presAssocID="{383720A0-91EF-419E-8B7F-733367C07FCA}" presName="linNode" presStyleCnt="0"/>
+      <dgm:spPr/>
+    </dgm:pt>
+    <dgm:pt modelId="{21B67BC7-1565-422C-A707-2F3AC33D8B3F}" type="pres">
+      <dgm:prSet presAssocID="{383720A0-91EF-419E-8B7F-733367C07FCA}" presName="parentText" presStyleLbl="node1" presStyleIdx="1" presStyleCnt="4">
+        <dgm:presLayoutVars>
+          <dgm:chMax val="1"/>
+          <dgm:bulletEnabled val="1"/>
+        </dgm:presLayoutVars>
+      </dgm:prSet>
+      <dgm:spPr/>
+      <dgm:t>
+        <a:bodyPr/>
+        <a:lstStyle/>
+        <a:p>
+          <a:endParaRPr lang="en-US"/>
+        </a:p>
+      </dgm:t>
+    </dgm:pt>
+    <dgm:pt modelId="{D23383D2-4F99-496E-BF2E-E95737B9EC0B}" type="pres">
+      <dgm:prSet presAssocID="{383720A0-91EF-419E-8B7F-733367C07FCA}" presName="descendantText" presStyleLbl="alignAccFollowNode1" presStyleIdx="1" presStyleCnt="4">
+        <dgm:presLayoutVars>
+          <dgm:bulletEnabled val="1"/>
+        </dgm:presLayoutVars>
+      </dgm:prSet>
+      <dgm:spPr/>
+      <dgm:t>
+        <a:bodyPr/>
+        <a:lstStyle/>
+        <a:p>
+          <a:endParaRPr lang="en-US"/>
+        </a:p>
+      </dgm:t>
+    </dgm:pt>
+    <dgm:pt modelId="{EB2A2BBE-DCB0-4C33-A6A7-09CA7D2B1CAE}" type="pres">
+      <dgm:prSet presAssocID="{A0E7B6AE-E341-4A49-B1E5-7887FFD57D21}" presName="sp" presStyleCnt="0"/>
+      <dgm:spPr/>
+    </dgm:pt>
+    <dgm:pt modelId="{A980D830-8FC0-4046-8BC5-B87C574F2402}" type="pres">
+      <dgm:prSet presAssocID="{64F5D8B4-BB51-472F-A07A-4D1E6654A213}" presName="linNode" presStyleCnt="0"/>
+      <dgm:spPr/>
+    </dgm:pt>
+    <dgm:pt modelId="{CFA80452-6A9F-4195-9B12-E6CD494C7C50}" type="pres">
+      <dgm:prSet presAssocID="{64F5D8B4-BB51-472F-A07A-4D1E6654A213}" presName="parentText" presStyleLbl="node1" presStyleIdx="2" presStyleCnt="4">
+        <dgm:presLayoutVars>
+          <dgm:chMax val="1"/>
+          <dgm:bulletEnabled val="1"/>
+        </dgm:presLayoutVars>
+      </dgm:prSet>
+      <dgm:spPr/>
+      <dgm:t>
+        <a:bodyPr/>
+        <a:lstStyle/>
+        <a:p>
+          <a:endParaRPr lang="en-US"/>
+        </a:p>
+      </dgm:t>
+    </dgm:pt>
+    <dgm:pt modelId="{CEF99DA4-525B-4C69-AFF9-2DDF6093BEB3}" type="pres">
+      <dgm:prSet presAssocID="{64F5D8B4-BB51-472F-A07A-4D1E6654A213}" presName="descendantText" presStyleLbl="alignAccFollowNode1" presStyleIdx="2" presStyleCnt="4">
+        <dgm:presLayoutVars>
+          <dgm:bulletEnabled val="1"/>
+        </dgm:presLayoutVars>
+      </dgm:prSet>
+      <dgm:spPr/>
+      <dgm:t>
+        <a:bodyPr/>
+        <a:lstStyle/>
+        <a:p>
+          <a:endParaRPr lang="en-US"/>
+        </a:p>
+      </dgm:t>
+    </dgm:pt>
+    <dgm:pt modelId="{5F2497BD-6129-4881-BFA2-321F03C22EC7}" type="pres">
+      <dgm:prSet presAssocID="{3EC82D66-C8E9-43B0-8ED9-AB819E7FCE9F}" presName="sp" presStyleCnt="0"/>
+      <dgm:spPr/>
+    </dgm:pt>
+    <dgm:pt modelId="{C2617E7C-AED6-417D-AFBD-EE157F37389B}" type="pres">
+      <dgm:prSet presAssocID="{2E8AFEEB-275B-46B9-AC37-D77265287697}" presName="linNode" presStyleCnt="0"/>
+      <dgm:spPr/>
+    </dgm:pt>
+    <dgm:pt modelId="{A75452C9-25D2-4B42-8EFC-1122FCF0016D}" type="pres">
+      <dgm:prSet presAssocID="{2E8AFEEB-275B-46B9-AC37-D77265287697}" presName="parentText" presStyleLbl="node1" presStyleIdx="3" presStyleCnt="4">
+        <dgm:presLayoutVars>
+          <dgm:chMax val="1"/>
+          <dgm:bulletEnabled val="1"/>
+        </dgm:presLayoutVars>
+      </dgm:prSet>
+      <dgm:spPr/>
+      <dgm:t>
+        <a:bodyPr/>
+        <a:lstStyle/>
+        <a:p>
+          <a:endParaRPr lang="en-US"/>
+        </a:p>
+      </dgm:t>
+    </dgm:pt>
+    <dgm:pt modelId="{96C64243-B499-46F0-B485-A05A3E0538AE}" type="pres">
+      <dgm:prSet presAssocID="{2E8AFEEB-275B-46B9-AC37-D77265287697}" presName="descendantText" presStyleLbl="alignAccFollowNode1" presStyleIdx="3" presStyleCnt="4">
+        <dgm:presLayoutVars>
+          <dgm:bulletEnabled val="1"/>
+        </dgm:presLayoutVars>
+      </dgm:prSet>
+      <dgm:spPr/>
+      <dgm:t>
+        <a:bodyPr/>
+        <a:lstStyle/>
+        <a:p>
+          <a:endParaRPr lang="en-US"/>
+        </a:p>
+      </dgm:t>
+    </dgm:pt>
+  </dgm:ptLst>
+  <dgm:cxnLst>
+    <dgm:cxn modelId="{DA5B2266-1C71-4D94-B0F5-FDAD871B792F}" type="presOf" srcId="{880525BB-9B05-426F-8123-673878A9EC22}" destId="{D23383D2-4F99-496E-BF2E-E95737B9EC0B}" srcOrd="0" destOrd="0" presId="urn:microsoft.com/office/officeart/2005/8/layout/vList5"/>
+    <dgm:cxn modelId="{5E50ABE0-17E2-4C9A-BB6A-D08758DFB1E2}" type="presOf" srcId="{250FE39D-5398-40E0-A864-C193EEF8C677}" destId="{0EB18026-EF7D-4F1B-86BD-5C0D9BD92B67}" srcOrd="0" destOrd="0" presId="urn:microsoft.com/office/officeart/2005/8/layout/vList5"/>
+    <dgm:cxn modelId="{2DC3AE60-85FB-4DF8-80A6-C6C0A074E833}" srcId="{53BD7E24-413F-4765-968D-2A61F1853500}" destId="{64F5D8B4-BB51-472F-A07A-4D1E6654A213}" srcOrd="2" destOrd="0" parTransId="{7B8AC2D0-B6F6-49CB-9E12-7C6DA1E5E513}" sibTransId="{3EC82D66-C8E9-43B0-8ED9-AB819E7FCE9F}"/>
+    <dgm:cxn modelId="{53823FC2-1D98-4E82-AFF7-2B3E7395A877}" srcId="{64F5D8B4-BB51-472F-A07A-4D1E6654A213}" destId="{3E80EF76-27F8-45AF-B90D-C8C70528C33C}" srcOrd="0" destOrd="0" parTransId="{672D796F-03C2-43FD-8408-C896063A0B6B}" sibTransId="{C1FC978D-25C4-4C1B-B755-FEBCCE2A294D}"/>
+    <dgm:cxn modelId="{3D516E23-1740-43DB-B3CE-A6A4AFD77FB2}" srcId="{53BD7E24-413F-4765-968D-2A61F1853500}" destId="{383720A0-91EF-419E-8B7F-733367C07FCA}" srcOrd="1" destOrd="0" parTransId="{3585C3B7-BD7F-4F60-86E1-412C864D3B36}" sibTransId="{A0E7B6AE-E341-4A49-B1E5-7887FFD57D21}"/>
+    <dgm:cxn modelId="{304CAB19-D64E-4E22-B44D-4A096B7C2B97}" srcId="{383720A0-91EF-419E-8B7F-733367C07FCA}" destId="{880525BB-9B05-426F-8123-673878A9EC22}" srcOrd="0" destOrd="0" parTransId="{CE7F980A-7527-4E41-B08F-3D6B14DCBED8}" sibTransId="{81635DEE-C0B9-4A8B-9FF6-833E5631D4BC}"/>
+    <dgm:cxn modelId="{3BDEDC78-A162-481B-9B47-ACAD94AB4E6B}" type="presOf" srcId="{B8907C77-4637-41EE-A0F2-06FE8DBD769B}" destId="{F67FB5C7-652D-4EEB-AEBC-B712BC6B41FC}" srcOrd="0" destOrd="0" presId="urn:microsoft.com/office/officeart/2005/8/layout/vList5"/>
+    <dgm:cxn modelId="{C111176E-0AD1-4E0E-AFD1-76950BA6A5DE}" srcId="{2E8AFEEB-275B-46B9-AC37-D77265287697}" destId="{D43AFD19-9CC0-453E-8690-82C77C9C3ABF}" srcOrd="1" destOrd="0" parTransId="{21FF414F-2510-46EC-A4DE-5F9DBDC36C17}" sibTransId="{86FDC81C-9E43-4B9F-902B-14C85815F7B8}"/>
+    <dgm:cxn modelId="{69F95FC1-B6D0-4D53-A678-8E0C99664F97}" srcId="{250FE39D-5398-40E0-A864-C193EEF8C677}" destId="{B8907C77-4637-41EE-A0F2-06FE8DBD769B}" srcOrd="0" destOrd="0" parTransId="{BCAADC4C-5C23-440E-8CA5-39084D966EE8}" sibTransId="{41D2AE71-1160-4641-BD91-A0F710A66F79}"/>
+    <dgm:cxn modelId="{7ACCCB34-E3A4-416B-8840-DCBE7291CDEA}" srcId="{2E8AFEEB-275B-46B9-AC37-D77265287697}" destId="{5FC6A914-36D9-47BD-930B-0AF28F363A6D}" srcOrd="0" destOrd="0" parTransId="{0322255A-7D14-4D4C-BB5F-EE86EDE481A7}" sibTransId="{4BE62B14-C876-4A85-A10B-095CF392EEE7}"/>
+    <dgm:cxn modelId="{E415B29E-D7DC-43DE-A1FD-02947B95DE13}" type="presOf" srcId="{383720A0-91EF-419E-8B7F-733367C07FCA}" destId="{21B67BC7-1565-422C-A707-2F3AC33D8B3F}" srcOrd="0" destOrd="0" presId="urn:microsoft.com/office/officeart/2005/8/layout/vList5"/>
+    <dgm:cxn modelId="{A0052DB1-3C0A-4F89-9C55-3CEAF4BF65F5}" type="presOf" srcId="{64F5D8B4-BB51-472F-A07A-4D1E6654A213}" destId="{CFA80452-6A9F-4195-9B12-E6CD494C7C50}" srcOrd="0" destOrd="0" presId="urn:microsoft.com/office/officeart/2005/8/layout/vList5"/>
+    <dgm:cxn modelId="{645DDEBB-91F7-4845-ADD0-4DC9CAD00313}" type="presOf" srcId="{5FC6A914-36D9-47BD-930B-0AF28F363A6D}" destId="{96C64243-B499-46F0-B485-A05A3E0538AE}" srcOrd="0" destOrd="0" presId="urn:microsoft.com/office/officeart/2005/8/layout/vList5"/>
+    <dgm:cxn modelId="{C79DB1E6-E3B3-4A64-B535-E955BE66468E}" type="presOf" srcId="{53BD7E24-413F-4765-968D-2A61F1853500}" destId="{BA133CD9-4093-432D-9D61-76E13DD21DD7}" srcOrd="0" destOrd="0" presId="urn:microsoft.com/office/officeart/2005/8/layout/vList5"/>
+    <dgm:cxn modelId="{C5A95B91-CD92-42F3-86DA-A4B15BB8E104}" srcId="{53BD7E24-413F-4765-968D-2A61F1853500}" destId="{250FE39D-5398-40E0-A864-C193EEF8C677}" srcOrd="0" destOrd="0" parTransId="{000CAABC-4612-4300-A499-16C4DAE3CCE0}" sibTransId="{A9104625-147F-4A9C-9E6A-F58FB409602C}"/>
+    <dgm:cxn modelId="{C16A153D-B92A-4E0A-B5CF-6365553ADA4E}" srcId="{53BD7E24-413F-4765-968D-2A61F1853500}" destId="{2E8AFEEB-275B-46B9-AC37-D77265287697}" srcOrd="3" destOrd="0" parTransId="{667DB3A7-D571-4291-98E8-728E753633F4}" sibTransId="{AB137900-ECCB-47C7-A05F-AA7FC43BD836}"/>
+    <dgm:cxn modelId="{267FDE8A-6D7F-41F9-9FDD-2EAC0148CAD6}" type="presOf" srcId="{D43AFD19-9CC0-453E-8690-82C77C9C3ABF}" destId="{96C64243-B499-46F0-B485-A05A3E0538AE}" srcOrd="0" destOrd="1" presId="urn:microsoft.com/office/officeart/2005/8/layout/vList5"/>
+    <dgm:cxn modelId="{B55F60AD-F286-4A68-B4E3-7134EBDC1A8E}" type="presOf" srcId="{2E8AFEEB-275B-46B9-AC37-D77265287697}" destId="{A75452C9-25D2-4B42-8EFC-1122FCF0016D}" srcOrd="0" destOrd="0" presId="urn:microsoft.com/office/officeart/2005/8/layout/vList5"/>
+    <dgm:cxn modelId="{FC85AC10-DE98-458C-9A03-AF9F6C2D9CC6}" type="presOf" srcId="{3E80EF76-27F8-45AF-B90D-C8C70528C33C}" destId="{CEF99DA4-525B-4C69-AFF9-2DDF6093BEB3}" srcOrd="0" destOrd="0" presId="urn:microsoft.com/office/officeart/2005/8/layout/vList5"/>
+    <dgm:cxn modelId="{C74D4FAC-ED63-4F68-BD1A-BAC19A05696D}" type="presParOf" srcId="{BA133CD9-4093-432D-9D61-76E13DD21DD7}" destId="{D9D52773-2047-4BA8-8C36-989AAAC367D4}" srcOrd="0" destOrd="0" presId="urn:microsoft.com/office/officeart/2005/8/layout/vList5"/>
+    <dgm:cxn modelId="{071DDFDE-DDDE-48A6-A0B7-9F0E3EBD7399}" type="presParOf" srcId="{D9D52773-2047-4BA8-8C36-989AAAC367D4}" destId="{0EB18026-EF7D-4F1B-86BD-5C0D9BD92B67}" srcOrd="0" destOrd="0" presId="urn:microsoft.com/office/officeart/2005/8/layout/vList5"/>
+    <dgm:cxn modelId="{52799049-40BE-46E3-8BA2-CE9E961D4944}" type="presParOf" srcId="{D9D52773-2047-4BA8-8C36-989AAAC367D4}" destId="{F67FB5C7-652D-4EEB-AEBC-B712BC6B41FC}" srcOrd="1" destOrd="0" presId="urn:microsoft.com/office/officeart/2005/8/layout/vList5"/>
+    <dgm:cxn modelId="{7B9163F6-8D37-4C29-AD3C-802619AE5032}" type="presParOf" srcId="{BA133CD9-4093-432D-9D61-76E13DD21DD7}" destId="{10FB644E-D1D4-4958-B0C7-EE2C717BB03A}" srcOrd="1" destOrd="0" presId="urn:microsoft.com/office/officeart/2005/8/layout/vList5"/>
+    <dgm:cxn modelId="{24178E67-B159-4185-8E4E-57DD3B75C536}" type="presParOf" srcId="{BA133CD9-4093-432D-9D61-76E13DD21DD7}" destId="{D7E9C560-86F9-44E0-A049-F66C815963C7}" srcOrd="2" destOrd="0" presId="urn:microsoft.com/office/officeart/2005/8/layout/vList5"/>
+    <dgm:cxn modelId="{E508CB1C-8BA8-4B4A-8BF7-4C509D0E7E43}" type="presParOf" srcId="{D7E9C560-86F9-44E0-A049-F66C815963C7}" destId="{21B67BC7-1565-422C-A707-2F3AC33D8B3F}" srcOrd="0" destOrd="0" presId="urn:microsoft.com/office/officeart/2005/8/layout/vList5"/>
+    <dgm:cxn modelId="{2FF43B52-7B8F-43DE-BABA-8AC18CF8B983}" type="presParOf" srcId="{D7E9C560-86F9-44E0-A049-F66C815963C7}" destId="{D23383D2-4F99-496E-BF2E-E95737B9EC0B}" srcOrd="1" destOrd="0" presId="urn:microsoft.com/office/officeart/2005/8/layout/vList5"/>
+    <dgm:cxn modelId="{5CA2CAD7-C0FD-4ADD-87B0-8CACD98FD1B1}" type="presParOf" srcId="{BA133CD9-4093-432D-9D61-76E13DD21DD7}" destId="{EB2A2BBE-DCB0-4C33-A6A7-09CA7D2B1CAE}" srcOrd="3" destOrd="0" presId="urn:microsoft.com/office/officeart/2005/8/layout/vList5"/>
+    <dgm:cxn modelId="{6D6DF5AF-91A3-4D65-8276-285BBDBDBCB0}" type="presParOf" srcId="{BA133CD9-4093-432D-9D61-76E13DD21DD7}" destId="{A980D830-8FC0-4046-8BC5-B87C574F2402}" srcOrd="4" destOrd="0" presId="urn:microsoft.com/office/officeart/2005/8/layout/vList5"/>
+    <dgm:cxn modelId="{55CE6CB9-1C7E-4B17-B3AF-2FBC04195DD7}" type="presParOf" srcId="{A980D830-8FC0-4046-8BC5-B87C574F2402}" destId="{CFA80452-6A9F-4195-9B12-E6CD494C7C50}" srcOrd="0" destOrd="0" presId="urn:microsoft.com/office/officeart/2005/8/layout/vList5"/>
+    <dgm:cxn modelId="{54BD3B27-687C-4F4C-85FA-615C05D18E01}" type="presParOf" srcId="{A980D830-8FC0-4046-8BC5-B87C574F2402}" destId="{CEF99DA4-525B-4C69-AFF9-2DDF6093BEB3}" srcOrd="1" destOrd="0" presId="urn:microsoft.com/office/officeart/2005/8/layout/vList5"/>
+    <dgm:cxn modelId="{B12006F1-E532-41DA-8B79-DF5A98F6E30F}" type="presParOf" srcId="{BA133CD9-4093-432D-9D61-76E13DD21DD7}" destId="{5F2497BD-6129-4881-BFA2-321F03C22EC7}" srcOrd="5" destOrd="0" presId="urn:microsoft.com/office/officeart/2005/8/layout/vList5"/>
+    <dgm:cxn modelId="{29A394B0-5302-4A46-B2F6-7A384894680E}" type="presParOf" srcId="{BA133CD9-4093-432D-9D61-76E13DD21DD7}" destId="{C2617E7C-AED6-417D-AFBD-EE157F37389B}" srcOrd="6" destOrd="0" presId="urn:microsoft.com/office/officeart/2005/8/layout/vList5"/>
+    <dgm:cxn modelId="{875625E3-BD45-4370-AE91-48EA40825AC8}" type="presParOf" srcId="{C2617E7C-AED6-417D-AFBD-EE157F37389B}" destId="{A75452C9-25D2-4B42-8EFC-1122FCF0016D}" srcOrd="0" destOrd="0" presId="urn:microsoft.com/office/officeart/2005/8/layout/vList5"/>
+    <dgm:cxn modelId="{DB520A95-5D4E-430D-9B31-81601DB68893}" type="presParOf" srcId="{C2617E7C-AED6-417D-AFBD-EE157F37389B}" destId="{96C64243-B499-46F0-B485-A05A3E0538AE}" srcOrd="1" destOrd="0" presId="urn:microsoft.com/office/officeart/2005/8/layout/vList5"/>
+  </dgm:cxnLst>
+  <dgm:bg/>
+  <dgm:whole/>
+</dgm:dataModel>
+</file>
+
+<file path=ppt/diagrams/data3.xml><?xml version="1.0" encoding="utf-8"?>
+<dgm:dataModel xmlns:dgm="http://schemas.openxmlformats.org/drawingml/2006/diagram" xmlns:a="http://schemas.openxmlformats.org/drawingml/2006/main">
+  <dgm:ptLst>
     <dgm:pt modelId="{E2F0EC3A-468B-4774-A497-6820C3EB246D}" type="doc">
       <dgm:prSet loTypeId="urn:microsoft.com/office/officeart/2005/8/layout/lProcess3" loCatId="process" qsTypeId="urn:microsoft.com/office/officeart/2005/8/quickstyle/simple2" qsCatId="simple" csTypeId="urn:microsoft.com/office/officeart/2005/8/colors/accent0_3" csCatId="mainScheme" phldr="1"/>
       <dgm:spPr/>
@@ -2769,24 +4900,9 @@
         <a:lstStyle/>
         <a:p>
           <a:r>
-            <a:rPr lang="en-US" sz="1400" dirty="0" smtClean="0"/>
-            <a:t>Email questions  to Min directly</a:t>
+            <a:rPr lang="en-US" sz="1800" dirty="0" smtClean="0"/>
+            <a:t>Email questions to Min directly</a:t>
           </a:r>
-        </a:p>
-        <a:p>
-          <a:r>
-            <a:rPr lang="en-US" sz="1400" dirty="0" smtClean="0"/>
-            <a:t>(</a:t>
-          </a:r>
-          <a:r>
-            <a:rPr lang="en-US" sz="1200" dirty="0" smtClean="0"/>
-            <a:t>minyu@water.ca.gov</a:t>
-          </a:r>
-          <a:r>
-            <a:rPr lang="en-US" sz="1400" dirty="0" smtClean="0"/>
-            <a:t>)</a:t>
-          </a:r>
-          <a:endParaRPr lang="en-US" sz="1400" dirty="0"/>
         </a:p>
       </dgm:t>
     </dgm:pt>
@@ -2815,29 +4931,9 @@
     <dgm:pt modelId="{DD430224-AED3-4771-B43C-3920368C34DB}">
       <dgm:prSet phldrT="[Text]" custT="1"/>
       <dgm:spPr>
-        <a:gradFill flip="none" rotWithShape="1">
-          <a:gsLst>
-            <a:gs pos="0">
-              <a:schemeClr val="accent6"/>
-            </a:gs>
-            <a:gs pos="50000">
-              <a:schemeClr val="accent1">
-                <a:tint val="44500"/>
-                <a:satMod val="160000"/>
-              </a:schemeClr>
-            </a:gs>
-            <a:gs pos="100000">
-              <a:schemeClr val="accent1">
-                <a:tint val="23500"/>
-                <a:satMod val="160000"/>
-              </a:schemeClr>
-            </a:gs>
-          </a:gsLst>
-          <a:path path="circle">
-            <a:fillToRect l="100000" t="100000"/>
-          </a:path>
-          <a:tileRect r="-100000" b="-100000"/>
-        </a:gradFill>
+        <a:solidFill>
+          <a:srgbClr val="FFFFCC"/>
+        </a:solidFill>
         <a:scene3d>
           <a:camera prst="orthographicFront"/>
           <a:lightRig rig="threePt" dir="t"/>
@@ -2851,14 +4947,14 @@
         <a:lstStyle/>
         <a:p>
           <a:r>
-            <a:rPr lang="en-US" sz="1400" dirty="0" smtClean="0">
+            <a:rPr lang="en-US" sz="1600" dirty="0" smtClean="0">
               <a:solidFill>
                 <a:schemeClr val="bg2"/>
               </a:solidFill>
             </a:rPr>
-            <a:t>Questions will be assigned to a staff member</a:t>
+            <a:t>Questions   will be assigned to a staff member</a:t>
           </a:r>
-          <a:endParaRPr lang="en-US" sz="1400" dirty="0">
+          <a:endParaRPr lang="en-US" sz="1600" dirty="0">
             <a:solidFill>
               <a:schemeClr val="bg2"/>
             </a:solidFill>
@@ -2896,10 +4992,10 @@
         <a:lstStyle/>
         <a:p>
           <a:r>
-            <a:rPr lang="en-US" sz="1400" dirty="0" smtClean="0"/>
-            <a:t>Send an email to DSM2-User-List</a:t>
+            <a:rPr lang="en-US" sz="1800" dirty="0" smtClean="0"/>
+            <a:t>Send an email to DSM2-User   mailing list</a:t>
           </a:r>
-          <a:endParaRPr lang="en-US" sz="1400" dirty="0"/>
+          <a:endParaRPr lang="en-US" sz="1800" dirty="0"/>
         </a:p>
       </dgm:t>
     </dgm:pt>
@@ -2928,29 +5024,9 @@
     <dgm:pt modelId="{16292835-D752-4F7F-9E41-3FB599259C1F}">
       <dgm:prSet phldrT="[Text]" custT="1"/>
       <dgm:spPr>
-        <a:gradFill flip="none" rotWithShape="1">
-          <a:gsLst>
-            <a:gs pos="0">
-              <a:schemeClr val="accent6"/>
-            </a:gs>
-            <a:gs pos="50000">
-              <a:schemeClr val="accent1">
-                <a:tint val="44500"/>
-                <a:satMod val="160000"/>
-              </a:schemeClr>
-            </a:gs>
-            <a:gs pos="100000">
-              <a:schemeClr val="accent1">
-                <a:tint val="23500"/>
-                <a:satMod val="160000"/>
-              </a:schemeClr>
-            </a:gs>
-          </a:gsLst>
-          <a:path path="circle">
-            <a:fillToRect l="100000" t="100000"/>
-          </a:path>
-          <a:tileRect r="-100000" b="-100000"/>
-        </a:gradFill>
+        <a:solidFill>
+          <a:srgbClr val="FFFFCC"/>
+        </a:solidFill>
         <a:scene3d>
           <a:camera prst="orthographicFront"/>
           <a:lightRig rig="threePt" dir="t"/>
@@ -2964,16 +5040,18 @@
         <a:lstStyle/>
         <a:p>
           <a:r>
-            <a:rPr lang="en-US" sz="1400" dirty="0" smtClean="0"/>
-            <a:t>Staff members and other users will </a:t>
+            <a:rPr lang="en-US" sz="1600" dirty="0" smtClean="0"/>
+            <a:t>Staff members </a:t>
           </a:r>
-        </a:p>
-        <a:p>
           <a:r>
-            <a:rPr lang="en-US" sz="1400" dirty="0" smtClean="0"/>
-            <a:t>review and respond</a:t>
+            <a:rPr lang="en-US" sz="1600" smtClean="0"/>
+            <a:t>and other users   </a:t>
           </a:r>
-          <a:endParaRPr lang="en-US" sz="1400" dirty="0"/>
+          <a:r>
+            <a:rPr lang="en-US" sz="1600" dirty="0" smtClean="0"/>
+            <a:t>will review and respond</a:t>
+          </a:r>
+          <a:endParaRPr lang="en-US" sz="1600" dirty="0"/>
         </a:p>
       </dgm:t>
     </dgm:pt>
@@ -3002,29 +5080,9 @@
     <dgm:pt modelId="{6B2A20BF-8E72-4181-9AD4-1F4DED7172BA}">
       <dgm:prSet phldrT="[Text]" custT="1"/>
       <dgm:spPr>
-        <a:gradFill flip="none" rotWithShape="1">
-          <a:gsLst>
-            <a:gs pos="0">
-              <a:schemeClr val="accent6"/>
-            </a:gs>
-            <a:gs pos="50000">
-              <a:schemeClr val="accent1">
-                <a:tint val="44500"/>
-                <a:satMod val="160000"/>
-              </a:schemeClr>
-            </a:gs>
-            <a:gs pos="100000">
-              <a:schemeClr val="accent1">
-                <a:tint val="23500"/>
-                <a:satMod val="160000"/>
-              </a:schemeClr>
-            </a:gs>
-          </a:gsLst>
-          <a:path path="circle">
-            <a:fillToRect l="100000" t="100000"/>
-          </a:path>
-          <a:tileRect r="-100000" b="-100000"/>
-        </a:gradFill>
+        <a:solidFill>
+          <a:srgbClr val="FFFFCC"/>
+        </a:solidFill>
         <a:scene3d>
           <a:camera prst="orthographicFront"/>
           <a:lightRig rig="threePt" dir="t"/>
@@ -3038,14 +5096,14 @@
         <a:lstStyle/>
         <a:p>
           <a:r>
-            <a:rPr lang="en-US" sz="1400" dirty="0" smtClean="0">
+            <a:rPr lang="en-US" sz="1600" dirty="0" smtClean="0">
               <a:solidFill>
                 <a:schemeClr val="bg2"/>
               </a:solidFill>
             </a:rPr>
             <a:t>Min will email you back with an answer</a:t>
           </a:r>
-          <a:endParaRPr lang="en-US" sz="1400" dirty="0">
+          <a:endParaRPr lang="en-US" sz="1600" dirty="0">
             <a:solidFill>
               <a:schemeClr val="bg2"/>
             </a:solidFill>
@@ -3214,7 +5272,7 @@
 </dgm:dataModel>
 </file>
 
-<file path=ppt/diagrams/data3.xml><?xml version="1.0" encoding="utf-8"?>
+<file path=ppt/diagrams/data4.xml><?xml version="1.0" encoding="utf-8"?>
 <dgm:dataModel xmlns:dgm="http://schemas.openxmlformats.org/drawingml/2006/diagram" xmlns:a="http://schemas.openxmlformats.org/drawingml/2006/main">
   <dgm:ptLst>
     <dgm:pt modelId="{AA280606-02C3-4A17-944E-4B5A8B5AEFF7}" type="doc">
@@ -3229,33 +5287,39 @@
       </dgm:t>
     </dgm:pt>
     <dgm:pt modelId="{7582380D-17B0-43D1-B7BA-C8B8C3AD199E}">
-      <dgm:prSet phldrT="[Text]"/>
+      <dgm:prSet phldrT="[Text]" custT="1"/>
       <dgm:spPr/>
       <dgm:t>
         <a:bodyPr/>
         <a:lstStyle/>
         <a:p>
           <a:r>
-            <a:rPr lang="en-US" b="0" dirty="0" smtClean="0"/>
+            <a:rPr lang="en-US" sz="1600" b="0" dirty="0" smtClean="0"/>
             <a:t>Email Min (</a:t>
           </a:r>
           <a:r>
-            <a:rPr lang="en-US" b="0" dirty="0" smtClean="0">
+            <a:rPr lang="en-US" sz="1600" b="0" dirty="0" smtClean="0">
               <a:hlinkClick xmlns:r="http://schemas.openxmlformats.org/officeDocument/2006/relationships" r:id="rId1"/>
             </a:rPr>
             <a:t>minyu@water.ca.gov</a:t>
           </a:r>
           <a:r>
-            <a:rPr lang="en-US" b="0" dirty="0" smtClean="0"/>
+            <a:rPr lang="en-US" sz="1600" b="0" dirty="0" smtClean="0"/>
             <a:t>); </a:t>
           </a:r>
         </a:p>
         <a:p>
           <a:r>
-            <a:rPr lang="en-US" b="0" dirty="0" smtClean="0"/>
-            <a:t>Issues will be assigned &amp; go into the issue tracking system</a:t>
+            <a:rPr lang="en-US" sz="1600" b="0" dirty="0" smtClean="0"/>
+            <a:t>Issues will be assigned &amp;</a:t>
           </a:r>
-          <a:endParaRPr lang="en-US" dirty="0"/>
+        </a:p>
+        <a:p>
+          <a:r>
+            <a:rPr lang="en-US" sz="1600" b="0" dirty="0" smtClean="0"/>
+            <a:t>go into the issue tracking system</a:t>
+          </a:r>
+          <a:endParaRPr lang="en-US" sz="1600" dirty="0"/>
         </a:p>
       </dgm:t>
     </dgm:pt>
@@ -3283,7 +5347,16 @@
     </dgm:pt>
     <dgm:pt modelId="{76848634-698E-49A8-A5A0-9DA3A10254AE}">
       <dgm:prSet phldrT="[Text]"/>
-      <dgm:spPr/>
+      <dgm:spPr>
+        <a:solidFill>
+          <a:srgbClr val="FFFFCC"/>
+        </a:solidFill>
+        <a:ln>
+          <a:solidFill>
+            <a:schemeClr val="accent4"/>
+          </a:solidFill>
+        </a:ln>
+      </dgm:spPr>
       <dgm:t>
         <a:bodyPr/>
         <a:lstStyle/>
@@ -3319,7 +5392,16 @@
     </dgm:pt>
     <dgm:pt modelId="{5E14DAC8-63F1-4032-9CF4-93490DB30692}">
       <dgm:prSet phldrT="[Text]"/>
-      <dgm:spPr/>
+      <dgm:spPr>
+        <a:solidFill>
+          <a:srgbClr val="FFFFCC"/>
+        </a:solidFill>
+        <a:ln>
+          <a:solidFill>
+            <a:schemeClr val="accent4"/>
+          </a:solidFill>
+        </a:ln>
+      </dgm:spPr>
       <dgm:t>
         <a:bodyPr/>
         <a:lstStyle/>
@@ -3356,7 +5438,16 @@
     </dgm:pt>
     <dgm:pt modelId="{F651184C-DE81-4A9D-9E8B-EE9A038BC587}">
       <dgm:prSet phldrT="[Text]"/>
-      <dgm:spPr/>
+      <dgm:spPr>
+        <a:solidFill>
+          <a:srgbClr val="FFFFCC"/>
+        </a:solidFill>
+        <a:ln>
+          <a:solidFill>
+            <a:schemeClr val="accent4"/>
+          </a:solidFill>
+        </a:ln>
+      </dgm:spPr>
       <dgm:t>
         <a:bodyPr/>
         <a:lstStyle/>
@@ -3524,30 +5615,173 @@
     </dgm:pt>
   </dgm:ptLst>
   <dgm:cxnLst>
-    <dgm:cxn modelId="{42B647D3-A34A-4AFD-B1F6-B28C2AE9B5A0}" type="presOf" srcId="{7582380D-17B0-43D1-B7BA-C8B8C3AD199E}" destId="{4F64A97E-09D8-46D0-9923-ECE82CDD28C5}" srcOrd="0" destOrd="0" presId="urn:microsoft.com/office/officeart/2005/8/layout/hierarchy3"/>
-    <dgm:cxn modelId="{705FCE6D-D847-4128-991D-0F7D0E35B340}" type="presOf" srcId="{7582380D-17B0-43D1-B7BA-C8B8C3AD199E}" destId="{E183083E-A5B3-4E33-9AFB-DC125F2C9BCE}" srcOrd="1" destOrd="0" presId="urn:microsoft.com/office/officeart/2005/8/layout/hierarchy3"/>
-    <dgm:cxn modelId="{3A9747FA-887E-46C8-A7A7-B21822854631}" type="presOf" srcId="{F1E04F0F-F61F-432A-81AA-5C95B6504582}" destId="{1491F6F2-99D9-4DF7-9C50-A8B5C66A38EE}" srcOrd="0" destOrd="0" presId="urn:microsoft.com/office/officeart/2005/8/layout/hierarchy3"/>
+    <dgm:cxn modelId="{051B1F54-69C3-4C49-B343-6631A3E3A2B0}" srcId="{AA280606-02C3-4A17-944E-4B5A8B5AEFF7}" destId="{7582380D-17B0-43D1-B7BA-C8B8C3AD199E}" srcOrd="0" destOrd="0" parTransId="{571439FA-7B13-45EB-BBC5-3AD487E7E801}" sibTransId="{72B31700-68A9-427B-BB67-E66F014D58BB}"/>
+    <dgm:cxn modelId="{349B9D16-74BB-4EE1-8B44-32EA0BFB7A58}" type="presOf" srcId="{F1E04F0F-F61F-432A-81AA-5C95B6504582}" destId="{1491F6F2-99D9-4DF7-9C50-A8B5C66A38EE}" srcOrd="0" destOrd="0" presId="urn:microsoft.com/office/officeart/2005/8/layout/hierarchy3"/>
+    <dgm:cxn modelId="{E13F4B24-F94C-4A85-B9EE-8F58D9F94DD4}" type="presOf" srcId="{F651184C-DE81-4A9D-9E8B-EE9A038BC587}" destId="{F5DFB7CE-291A-4308-A917-42EFF0BA4C74}" srcOrd="0" destOrd="0" presId="urn:microsoft.com/office/officeart/2005/8/layout/hierarchy3"/>
+    <dgm:cxn modelId="{F5B5E4B8-5671-41E5-8017-9B3400AC2DD5}" type="presOf" srcId="{72C3ACBA-68FF-4033-8DA3-B002EBDF5D81}" destId="{EA512B1E-978D-4A73-99E7-EBD849F38FD6}" srcOrd="0" destOrd="0" presId="urn:microsoft.com/office/officeart/2005/8/layout/hierarchy3"/>
+    <dgm:cxn modelId="{44EDA7B4-E66F-4DBC-BC45-E10C6B609884}" srcId="{7582380D-17B0-43D1-B7BA-C8B8C3AD199E}" destId="{76848634-698E-49A8-A5A0-9DA3A10254AE}" srcOrd="0" destOrd="0" parTransId="{F1E04F0F-F61F-432A-81AA-5C95B6504582}" sibTransId="{437FB433-DE9D-47C6-A2E3-844F0372355C}"/>
+    <dgm:cxn modelId="{EE8897B7-2400-4EEB-9BE1-74F97AC939A2}" srcId="{7582380D-17B0-43D1-B7BA-C8B8C3AD199E}" destId="{5E14DAC8-63F1-4032-9CF4-93490DB30692}" srcOrd="1" destOrd="0" parTransId="{72C3ACBA-68FF-4033-8DA3-B002EBDF5D81}" sibTransId="{1EB4B9AE-B3FF-437A-9196-F05D7657CAD7}"/>
+    <dgm:cxn modelId="{D5D6D344-D64F-4AE1-B67C-179EACF088F7}" type="presOf" srcId="{7582380D-17B0-43D1-B7BA-C8B8C3AD199E}" destId="{E183083E-A5B3-4E33-9AFB-DC125F2C9BCE}" srcOrd="1" destOrd="0" presId="urn:microsoft.com/office/officeart/2005/8/layout/hierarchy3"/>
+    <dgm:cxn modelId="{D6C3D6B5-BF44-4079-9EAD-25DD552A53B6}" type="presOf" srcId="{AA280606-02C3-4A17-944E-4B5A8B5AEFF7}" destId="{246A0D8C-DB12-4CEC-8040-2ACB4517E24D}" srcOrd="0" destOrd="0" presId="urn:microsoft.com/office/officeart/2005/8/layout/hierarchy3"/>
+    <dgm:cxn modelId="{658C597C-7FD2-4578-9C1D-57AAE49472E0}" type="presOf" srcId="{7582380D-17B0-43D1-B7BA-C8B8C3AD199E}" destId="{4F64A97E-09D8-46D0-9923-ECE82CDD28C5}" srcOrd="0" destOrd="0" presId="urn:microsoft.com/office/officeart/2005/8/layout/hierarchy3"/>
+    <dgm:cxn modelId="{30517ED1-C67D-4868-BDF8-AE15D61B8A3B}" type="presOf" srcId="{EF0BA484-2E48-4FAC-8A4A-790EA4901BAD}" destId="{D81BC273-01F8-4E97-9557-DACF2BA2D596}" srcOrd="0" destOrd="0" presId="urn:microsoft.com/office/officeart/2005/8/layout/hierarchy3"/>
+    <dgm:cxn modelId="{79E48517-9A97-4DBC-A986-267E7FB53FF3}" type="presOf" srcId="{76848634-698E-49A8-A5A0-9DA3A10254AE}" destId="{EE586D91-EF05-4B42-A6EC-917515E9E885}" srcOrd="0" destOrd="0" presId="urn:microsoft.com/office/officeart/2005/8/layout/hierarchy3"/>
     <dgm:cxn modelId="{4C60F6E4-45E4-44E6-B7C8-582C2B9013DC}" srcId="{7582380D-17B0-43D1-B7BA-C8B8C3AD199E}" destId="{F651184C-DE81-4A9D-9E8B-EE9A038BC587}" srcOrd="2" destOrd="0" parTransId="{EF0BA484-2E48-4FAC-8A4A-790EA4901BAD}" sibTransId="{B08BC45C-9A12-4264-A60D-00EB6D3B629F}"/>
+    <dgm:cxn modelId="{7F85DE12-16A1-45C5-A349-06D745CE062E}" type="presOf" srcId="{5E14DAC8-63F1-4032-9CF4-93490DB30692}" destId="{7A709509-009A-444E-AF53-26191083BC4A}" srcOrd="0" destOrd="0" presId="urn:microsoft.com/office/officeart/2005/8/layout/hierarchy3"/>
+    <dgm:cxn modelId="{CCC57B8C-7181-4CD3-BCEF-103F3B7EB8B0}" type="presParOf" srcId="{246A0D8C-DB12-4CEC-8040-2ACB4517E24D}" destId="{066C028A-19FC-4D6C-9685-B61DFF5E4CF8}" srcOrd="0" destOrd="0" presId="urn:microsoft.com/office/officeart/2005/8/layout/hierarchy3"/>
+    <dgm:cxn modelId="{23569299-3D41-4E32-BB06-E5B4F732214C}" type="presParOf" srcId="{066C028A-19FC-4D6C-9685-B61DFF5E4CF8}" destId="{B73B6924-6860-42E5-9B0D-9C9A8A5C3101}" srcOrd="0" destOrd="0" presId="urn:microsoft.com/office/officeart/2005/8/layout/hierarchy3"/>
+    <dgm:cxn modelId="{74F07857-1ADF-453F-8F38-6329AD42EC2C}" type="presParOf" srcId="{B73B6924-6860-42E5-9B0D-9C9A8A5C3101}" destId="{4F64A97E-09D8-46D0-9923-ECE82CDD28C5}" srcOrd="0" destOrd="0" presId="urn:microsoft.com/office/officeart/2005/8/layout/hierarchy3"/>
+    <dgm:cxn modelId="{9C3CC0C9-4697-428F-BCE0-45C535C9EC8A}" type="presParOf" srcId="{B73B6924-6860-42E5-9B0D-9C9A8A5C3101}" destId="{E183083E-A5B3-4E33-9AFB-DC125F2C9BCE}" srcOrd="1" destOrd="0" presId="urn:microsoft.com/office/officeart/2005/8/layout/hierarchy3"/>
+    <dgm:cxn modelId="{C1D5DF8D-9CE2-4BD4-916C-B5088D8BFBE4}" type="presParOf" srcId="{066C028A-19FC-4D6C-9685-B61DFF5E4CF8}" destId="{A0DCCD3B-E78E-450D-A0D6-AC2E64AAABBF}" srcOrd="1" destOrd="0" presId="urn:microsoft.com/office/officeart/2005/8/layout/hierarchy3"/>
+    <dgm:cxn modelId="{61EE03ED-9893-4706-B489-09178C51F038}" type="presParOf" srcId="{A0DCCD3B-E78E-450D-A0D6-AC2E64AAABBF}" destId="{1491F6F2-99D9-4DF7-9C50-A8B5C66A38EE}" srcOrd="0" destOrd="0" presId="urn:microsoft.com/office/officeart/2005/8/layout/hierarchy3"/>
+    <dgm:cxn modelId="{0A3694DE-74EF-424B-8D33-257D1FD9A3F3}" type="presParOf" srcId="{A0DCCD3B-E78E-450D-A0D6-AC2E64AAABBF}" destId="{EE586D91-EF05-4B42-A6EC-917515E9E885}" srcOrd="1" destOrd="0" presId="urn:microsoft.com/office/officeart/2005/8/layout/hierarchy3"/>
+    <dgm:cxn modelId="{7643B55F-438B-4819-9135-9022CD03546F}" type="presParOf" srcId="{A0DCCD3B-E78E-450D-A0D6-AC2E64AAABBF}" destId="{EA512B1E-978D-4A73-99E7-EBD849F38FD6}" srcOrd="2" destOrd="0" presId="urn:microsoft.com/office/officeart/2005/8/layout/hierarchy3"/>
+    <dgm:cxn modelId="{42374D62-6CE5-47CF-BCA2-4E9E91831700}" type="presParOf" srcId="{A0DCCD3B-E78E-450D-A0D6-AC2E64AAABBF}" destId="{7A709509-009A-444E-AF53-26191083BC4A}" srcOrd="3" destOrd="0" presId="urn:microsoft.com/office/officeart/2005/8/layout/hierarchy3"/>
+    <dgm:cxn modelId="{AA7F73E8-69E8-410D-A87B-EC9B997962DB}" type="presParOf" srcId="{A0DCCD3B-E78E-450D-A0D6-AC2E64AAABBF}" destId="{D81BC273-01F8-4E97-9557-DACF2BA2D596}" srcOrd="4" destOrd="0" presId="urn:microsoft.com/office/officeart/2005/8/layout/hierarchy3"/>
+    <dgm:cxn modelId="{230B0FDD-950E-4834-8531-BD2BC5127DB1}" type="presParOf" srcId="{A0DCCD3B-E78E-450D-A0D6-AC2E64AAABBF}" destId="{F5DFB7CE-291A-4308-A917-42EFF0BA4C74}" srcOrd="5" destOrd="0" presId="urn:microsoft.com/office/officeart/2005/8/layout/hierarchy3"/>
+  </dgm:cxnLst>
+  <dgm:bg/>
+  <dgm:whole/>
+</dgm:dataModel>
+</file>
+
+<file path=ppt/diagrams/data5.xml><?xml version="1.0" encoding="utf-8"?>
+<dgm:dataModel xmlns:dgm="http://schemas.openxmlformats.org/drawingml/2006/diagram" xmlns:a="http://schemas.openxmlformats.org/drawingml/2006/main">
+  <dgm:ptLst>
+    <dgm:pt modelId="{AA280606-02C3-4A17-944E-4B5A8B5AEFF7}" type="doc">
+      <dgm:prSet loTypeId="urn:microsoft.com/office/officeart/2005/8/layout/hierarchy3" loCatId="list" qsTypeId="urn:microsoft.com/office/officeart/2005/8/quickstyle/simple2" qsCatId="simple" csTypeId="urn:microsoft.com/office/officeart/2005/8/colors/accent0_3" csCatId="mainScheme" phldr="1"/>
+      <dgm:spPr/>
+      <dgm:t>
+        <a:bodyPr/>
+        <a:lstStyle/>
+        <a:p>
+          <a:endParaRPr lang="en-US"/>
+        </a:p>
+      </dgm:t>
+    </dgm:pt>
+    <dgm:pt modelId="{7582380D-17B0-43D1-B7BA-C8B8C3AD199E}">
+      <dgm:prSet phldrT="[Text]" custT="1"/>
+      <dgm:spPr/>
+      <dgm:t>
+        <a:bodyPr/>
+        <a:lstStyle/>
+        <a:p>
+          <a:r>
+            <a:rPr lang="en-US" sz="1600" dirty="0" smtClean="0"/>
+            <a:t>Email Min (</a:t>
+          </a:r>
+          <a:r>
+            <a:rPr lang="en-US" sz="1600" dirty="0" smtClean="0">
+              <a:hlinkClick xmlns:r="http://schemas.openxmlformats.org/officeDocument/2006/relationships" r:id="rId1"/>
+            </a:rPr>
+            <a:t>minyu@water.ca.gov</a:t>
+          </a:r>
+          <a:r>
+            <a:rPr lang="en-US" sz="1600" dirty="0" smtClean="0"/>
+            <a:t>);</a:t>
+          </a:r>
+        </a:p>
+        <a:p>
+          <a:r>
+            <a:rPr lang="en-US" sz="1600" dirty="0" smtClean="0"/>
+            <a:t>Requested features will get put in a cue</a:t>
+          </a:r>
+        </a:p>
+        <a:p>
+          <a:r>
+            <a:rPr lang="en-US" sz="1600" dirty="0" smtClean="0"/>
+            <a:t>in the issue tracking system</a:t>
+          </a:r>
+          <a:endParaRPr lang="en-US" sz="1600" dirty="0"/>
+        </a:p>
+      </dgm:t>
+    </dgm:pt>
+    <dgm:pt modelId="{571439FA-7B13-45EB-BBC5-3AD487E7E801}" type="parTrans" cxnId="{051B1F54-69C3-4C49-B343-6631A3E3A2B0}">
+      <dgm:prSet/>
+      <dgm:spPr/>
+      <dgm:t>
+        <a:bodyPr/>
+        <a:lstStyle/>
+        <a:p>
+          <a:endParaRPr lang="en-US"/>
+        </a:p>
+      </dgm:t>
+    </dgm:pt>
+    <dgm:pt modelId="{72B31700-68A9-427B-BB67-E66F014D58BB}" type="sibTrans" cxnId="{051B1F54-69C3-4C49-B343-6631A3E3A2B0}">
+      <dgm:prSet/>
+      <dgm:spPr/>
+      <dgm:t>
+        <a:bodyPr/>
+        <a:lstStyle/>
+        <a:p>
+          <a:endParaRPr lang="en-US"/>
+        </a:p>
+      </dgm:t>
+    </dgm:pt>
+    <dgm:pt modelId="{246A0D8C-DB12-4CEC-8040-2ACB4517E24D}" type="pres">
+      <dgm:prSet presAssocID="{AA280606-02C3-4A17-944E-4B5A8B5AEFF7}" presName="diagram" presStyleCnt="0">
+        <dgm:presLayoutVars>
+          <dgm:chPref val="1"/>
+          <dgm:dir/>
+          <dgm:animOne val="branch"/>
+          <dgm:animLvl val="lvl"/>
+          <dgm:resizeHandles/>
+        </dgm:presLayoutVars>
+      </dgm:prSet>
+      <dgm:spPr/>
+      <dgm:t>
+        <a:bodyPr/>
+        <a:lstStyle/>
+        <a:p>
+          <a:endParaRPr lang="en-US"/>
+        </a:p>
+      </dgm:t>
+    </dgm:pt>
+    <dgm:pt modelId="{066C028A-19FC-4D6C-9685-B61DFF5E4CF8}" type="pres">
+      <dgm:prSet presAssocID="{7582380D-17B0-43D1-B7BA-C8B8C3AD199E}" presName="root" presStyleCnt="0"/>
+      <dgm:spPr/>
+    </dgm:pt>
+    <dgm:pt modelId="{B73B6924-6860-42E5-9B0D-9C9A8A5C3101}" type="pres">
+      <dgm:prSet presAssocID="{7582380D-17B0-43D1-B7BA-C8B8C3AD199E}" presName="rootComposite" presStyleCnt="0"/>
+      <dgm:spPr/>
+    </dgm:pt>
+    <dgm:pt modelId="{4F64A97E-09D8-46D0-9923-ECE82CDD28C5}" type="pres">
+      <dgm:prSet presAssocID="{7582380D-17B0-43D1-B7BA-C8B8C3AD199E}" presName="rootText" presStyleLbl="node1" presStyleIdx="0" presStyleCnt="1" custScaleX="394062" custScaleY="153413"/>
+      <dgm:spPr/>
+      <dgm:t>
+        <a:bodyPr/>
+        <a:lstStyle/>
+        <a:p>
+          <a:endParaRPr lang="en-US"/>
+        </a:p>
+      </dgm:t>
+    </dgm:pt>
+    <dgm:pt modelId="{E183083E-A5B3-4E33-9AFB-DC125F2C9BCE}" type="pres">
+      <dgm:prSet presAssocID="{7582380D-17B0-43D1-B7BA-C8B8C3AD199E}" presName="rootConnector" presStyleLbl="node1" presStyleIdx="0" presStyleCnt="1"/>
+      <dgm:spPr/>
+      <dgm:t>
+        <a:bodyPr/>
+        <a:lstStyle/>
+        <a:p>
+          <a:endParaRPr lang="en-US"/>
+        </a:p>
+      </dgm:t>
+    </dgm:pt>
+    <dgm:pt modelId="{A0DCCD3B-E78E-450D-A0D6-AC2E64AAABBF}" type="pres">
+      <dgm:prSet presAssocID="{7582380D-17B0-43D1-B7BA-C8B8C3AD199E}" presName="childShape" presStyleCnt="0"/>
+      <dgm:spPr/>
+    </dgm:pt>
+  </dgm:ptLst>
+  <dgm:cxnLst>
     <dgm:cxn modelId="{051B1F54-69C3-4C49-B343-6631A3E3A2B0}" srcId="{AA280606-02C3-4A17-944E-4B5A8B5AEFF7}" destId="{7582380D-17B0-43D1-B7BA-C8B8C3AD199E}" srcOrd="0" destOrd="0" parTransId="{571439FA-7B13-45EB-BBC5-3AD487E7E801}" sibTransId="{72B31700-68A9-427B-BB67-E66F014D58BB}"/>
-    <dgm:cxn modelId="{43837B21-5FC3-4959-A7FC-461560C1E37D}" type="presOf" srcId="{5E14DAC8-63F1-4032-9CF4-93490DB30692}" destId="{7A709509-009A-444E-AF53-26191083BC4A}" srcOrd="0" destOrd="0" presId="urn:microsoft.com/office/officeart/2005/8/layout/hierarchy3"/>
-    <dgm:cxn modelId="{E2EC7908-FF30-4F85-AF98-3975D5CC1D0A}" type="presOf" srcId="{76848634-698E-49A8-A5A0-9DA3A10254AE}" destId="{EE586D91-EF05-4B42-A6EC-917515E9E885}" srcOrd="0" destOrd="0" presId="urn:microsoft.com/office/officeart/2005/8/layout/hierarchy3"/>
-    <dgm:cxn modelId="{6AB55A4B-727C-464E-9EC8-B6FA95B6F82C}" type="presOf" srcId="{AA280606-02C3-4A17-944E-4B5A8B5AEFF7}" destId="{246A0D8C-DB12-4CEC-8040-2ACB4517E24D}" srcOrd="0" destOrd="0" presId="urn:microsoft.com/office/officeart/2005/8/layout/hierarchy3"/>
-    <dgm:cxn modelId="{44EDA7B4-E66F-4DBC-BC45-E10C6B609884}" srcId="{7582380D-17B0-43D1-B7BA-C8B8C3AD199E}" destId="{76848634-698E-49A8-A5A0-9DA3A10254AE}" srcOrd="0" destOrd="0" parTransId="{F1E04F0F-F61F-432A-81AA-5C95B6504582}" sibTransId="{437FB433-DE9D-47C6-A2E3-844F0372355C}"/>
-    <dgm:cxn modelId="{DEC8EA87-E59C-4971-9AA1-6A90B41B9A7F}" type="presOf" srcId="{F651184C-DE81-4A9D-9E8B-EE9A038BC587}" destId="{F5DFB7CE-291A-4308-A917-42EFF0BA4C74}" srcOrd="0" destOrd="0" presId="urn:microsoft.com/office/officeart/2005/8/layout/hierarchy3"/>
-    <dgm:cxn modelId="{D2FABA71-84F8-4AEA-91CD-97987F722841}" type="presOf" srcId="{72C3ACBA-68FF-4033-8DA3-B002EBDF5D81}" destId="{EA512B1E-978D-4A73-99E7-EBD849F38FD6}" srcOrd="0" destOrd="0" presId="urn:microsoft.com/office/officeart/2005/8/layout/hierarchy3"/>
-    <dgm:cxn modelId="{EE8897B7-2400-4EEB-9BE1-74F97AC939A2}" srcId="{7582380D-17B0-43D1-B7BA-C8B8C3AD199E}" destId="{5E14DAC8-63F1-4032-9CF4-93490DB30692}" srcOrd="1" destOrd="0" parTransId="{72C3ACBA-68FF-4033-8DA3-B002EBDF5D81}" sibTransId="{1EB4B9AE-B3FF-437A-9196-F05D7657CAD7}"/>
-    <dgm:cxn modelId="{9235D8CE-6862-44BF-BE91-A9C5DB281473}" type="presOf" srcId="{EF0BA484-2E48-4FAC-8A4A-790EA4901BAD}" destId="{D81BC273-01F8-4E97-9557-DACF2BA2D596}" srcOrd="0" destOrd="0" presId="urn:microsoft.com/office/officeart/2005/8/layout/hierarchy3"/>
-    <dgm:cxn modelId="{61258307-E484-46F5-AA51-E61E70DFF41E}" type="presParOf" srcId="{246A0D8C-DB12-4CEC-8040-2ACB4517E24D}" destId="{066C028A-19FC-4D6C-9685-B61DFF5E4CF8}" srcOrd="0" destOrd="0" presId="urn:microsoft.com/office/officeart/2005/8/layout/hierarchy3"/>
-    <dgm:cxn modelId="{4CDAEBE3-7FE7-4D7C-9143-ABD97D965525}" type="presParOf" srcId="{066C028A-19FC-4D6C-9685-B61DFF5E4CF8}" destId="{B73B6924-6860-42E5-9B0D-9C9A8A5C3101}" srcOrd="0" destOrd="0" presId="urn:microsoft.com/office/officeart/2005/8/layout/hierarchy3"/>
-    <dgm:cxn modelId="{E5910A47-3EC4-4C1C-A140-A029D11E3813}" type="presParOf" srcId="{B73B6924-6860-42E5-9B0D-9C9A8A5C3101}" destId="{4F64A97E-09D8-46D0-9923-ECE82CDD28C5}" srcOrd="0" destOrd="0" presId="urn:microsoft.com/office/officeart/2005/8/layout/hierarchy3"/>
-    <dgm:cxn modelId="{21E443D0-516B-4113-9067-AFC9CAF9C5DE}" type="presParOf" srcId="{B73B6924-6860-42E5-9B0D-9C9A8A5C3101}" destId="{E183083E-A5B3-4E33-9AFB-DC125F2C9BCE}" srcOrd="1" destOrd="0" presId="urn:microsoft.com/office/officeart/2005/8/layout/hierarchy3"/>
-    <dgm:cxn modelId="{5DB52DAA-169F-4F13-9ECC-A0C3D202F970}" type="presParOf" srcId="{066C028A-19FC-4D6C-9685-B61DFF5E4CF8}" destId="{A0DCCD3B-E78E-450D-A0D6-AC2E64AAABBF}" srcOrd="1" destOrd="0" presId="urn:microsoft.com/office/officeart/2005/8/layout/hierarchy3"/>
-    <dgm:cxn modelId="{7C5903EC-6E26-4D5C-9DCB-F90764CF70BB}" type="presParOf" srcId="{A0DCCD3B-E78E-450D-A0D6-AC2E64AAABBF}" destId="{1491F6F2-99D9-4DF7-9C50-A8B5C66A38EE}" srcOrd="0" destOrd="0" presId="urn:microsoft.com/office/officeart/2005/8/layout/hierarchy3"/>
-    <dgm:cxn modelId="{FBF6D9CD-EF0C-460B-AA73-1B058FFAAF91}" type="presParOf" srcId="{A0DCCD3B-E78E-450D-A0D6-AC2E64AAABBF}" destId="{EE586D91-EF05-4B42-A6EC-917515E9E885}" srcOrd="1" destOrd="0" presId="urn:microsoft.com/office/officeart/2005/8/layout/hierarchy3"/>
-    <dgm:cxn modelId="{FFCE1461-8AC8-439C-919A-96219C3D001E}" type="presParOf" srcId="{A0DCCD3B-E78E-450D-A0D6-AC2E64AAABBF}" destId="{EA512B1E-978D-4A73-99E7-EBD849F38FD6}" srcOrd="2" destOrd="0" presId="urn:microsoft.com/office/officeart/2005/8/layout/hierarchy3"/>
-    <dgm:cxn modelId="{EEFDB03D-3B5C-4AA7-8BF3-3CC72B10FCEC}" type="presParOf" srcId="{A0DCCD3B-E78E-450D-A0D6-AC2E64AAABBF}" destId="{7A709509-009A-444E-AF53-26191083BC4A}" srcOrd="3" destOrd="0" presId="urn:microsoft.com/office/officeart/2005/8/layout/hierarchy3"/>
-    <dgm:cxn modelId="{60342B20-F6FE-4B18-8E8E-7A71F1766359}" type="presParOf" srcId="{A0DCCD3B-E78E-450D-A0D6-AC2E64AAABBF}" destId="{D81BC273-01F8-4E97-9557-DACF2BA2D596}" srcOrd="4" destOrd="0" presId="urn:microsoft.com/office/officeart/2005/8/layout/hierarchy3"/>
-    <dgm:cxn modelId="{AA5FEA5C-43BF-43C3-870F-9A8CFAD9E568}" type="presParOf" srcId="{A0DCCD3B-E78E-450D-A0D6-AC2E64AAABBF}" destId="{F5DFB7CE-291A-4308-A917-42EFF0BA4C74}" srcOrd="5" destOrd="0" presId="urn:microsoft.com/office/officeart/2005/8/layout/hierarchy3"/>
+    <dgm:cxn modelId="{307C56A4-3A7C-4141-8112-FE3D1D1CBCE2}" type="presOf" srcId="{7582380D-17B0-43D1-B7BA-C8B8C3AD199E}" destId="{E183083E-A5B3-4E33-9AFB-DC125F2C9BCE}" srcOrd="1" destOrd="0" presId="urn:microsoft.com/office/officeart/2005/8/layout/hierarchy3"/>
+    <dgm:cxn modelId="{89F6C8D4-3514-4E14-B4D1-D796A29F1283}" type="presOf" srcId="{7582380D-17B0-43D1-B7BA-C8B8C3AD199E}" destId="{4F64A97E-09D8-46D0-9923-ECE82CDD28C5}" srcOrd="0" destOrd="0" presId="urn:microsoft.com/office/officeart/2005/8/layout/hierarchy3"/>
+    <dgm:cxn modelId="{1FE1254D-1E7B-436D-8A1A-BDE3422F63EA}" type="presOf" srcId="{AA280606-02C3-4A17-944E-4B5A8B5AEFF7}" destId="{246A0D8C-DB12-4CEC-8040-2ACB4517E24D}" srcOrd="0" destOrd="0" presId="urn:microsoft.com/office/officeart/2005/8/layout/hierarchy3"/>
+    <dgm:cxn modelId="{A4041EE9-FAC6-4015-8E2E-C67FAEC6C597}" type="presParOf" srcId="{246A0D8C-DB12-4CEC-8040-2ACB4517E24D}" destId="{066C028A-19FC-4D6C-9685-B61DFF5E4CF8}" srcOrd="0" destOrd="0" presId="urn:microsoft.com/office/officeart/2005/8/layout/hierarchy3"/>
+    <dgm:cxn modelId="{6AEE409E-0604-4750-AD0E-2EF37BBDB483}" type="presParOf" srcId="{066C028A-19FC-4D6C-9685-B61DFF5E4CF8}" destId="{B73B6924-6860-42E5-9B0D-9C9A8A5C3101}" srcOrd="0" destOrd="0" presId="urn:microsoft.com/office/officeart/2005/8/layout/hierarchy3"/>
+    <dgm:cxn modelId="{99649F70-5C15-472B-AAF9-7A6F0B91DFBD}" type="presParOf" srcId="{B73B6924-6860-42E5-9B0D-9C9A8A5C3101}" destId="{4F64A97E-09D8-46D0-9923-ECE82CDD28C5}" srcOrd="0" destOrd="0" presId="urn:microsoft.com/office/officeart/2005/8/layout/hierarchy3"/>
+    <dgm:cxn modelId="{FF58D1D3-8D90-4908-A8BC-DE3FF9FFC1F6}" type="presParOf" srcId="{B73B6924-6860-42E5-9B0D-9C9A8A5C3101}" destId="{E183083E-A5B3-4E33-9AFB-DC125F2C9BCE}" srcOrd="1" destOrd="0" presId="urn:microsoft.com/office/officeart/2005/8/layout/hierarchy3"/>
+    <dgm:cxn modelId="{D184A8AB-E751-47FC-A2EA-A07FAEA98823}" type="presParOf" srcId="{066C028A-19FC-4D6C-9685-B61DFF5E4CF8}" destId="{A0DCCD3B-E78E-450D-A0D6-AC2E64AAABBF}" srcOrd="1" destOrd="0" presId="urn:microsoft.com/office/officeart/2005/8/layout/hierarchy3"/>
   </dgm:cxnLst>
   <dgm:bg/>
   <dgm:whole/>
@@ -3742,6 +5976,239 @@
 </file>
 
 <file path=ppt/diagrams/layout2.xml><?xml version="1.0" encoding="utf-8"?>
+<dgm:layoutDef xmlns:dgm="http://schemas.openxmlformats.org/drawingml/2006/diagram" xmlns:a="http://schemas.openxmlformats.org/drawingml/2006/main" uniqueId="urn:microsoft.com/office/officeart/2005/8/layout/vList5">
+  <dgm:title val=""/>
+  <dgm:desc val=""/>
+  <dgm:catLst>
+    <dgm:cat type="list" pri="15000"/>
+    <dgm:cat type="convert" pri="2000"/>
+  </dgm:catLst>
+  <dgm:sampData>
+    <dgm:dataModel>
+      <dgm:ptLst>
+        <dgm:pt modelId="0" type="doc"/>
+        <dgm:pt modelId="1">
+          <dgm:prSet phldr="1"/>
+        </dgm:pt>
+        <dgm:pt modelId="11">
+          <dgm:prSet phldr="1"/>
+        </dgm:pt>
+        <dgm:pt modelId="12">
+          <dgm:prSet phldr="1"/>
+        </dgm:pt>
+        <dgm:pt modelId="2">
+          <dgm:prSet phldr="1"/>
+        </dgm:pt>
+        <dgm:pt modelId="21">
+          <dgm:prSet phldr="1"/>
+        </dgm:pt>
+        <dgm:pt modelId="22">
+          <dgm:prSet phldr="1"/>
+        </dgm:pt>
+        <dgm:pt modelId="3">
+          <dgm:prSet phldr="1"/>
+        </dgm:pt>
+        <dgm:pt modelId="31">
+          <dgm:prSet phldr="1"/>
+        </dgm:pt>
+        <dgm:pt modelId="32">
+          <dgm:prSet phldr="1"/>
+        </dgm:pt>
+      </dgm:ptLst>
+      <dgm:cxnLst>
+        <dgm:cxn modelId="4" srcId="0" destId="1" srcOrd="0" destOrd="0"/>
+        <dgm:cxn modelId="5" srcId="0" destId="2" srcOrd="1" destOrd="0"/>
+        <dgm:cxn modelId="6" srcId="0" destId="3" srcOrd="2" destOrd="0"/>
+        <dgm:cxn modelId="13" srcId="1" destId="11" srcOrd="0" destOrd="0"/>
+        <dgm:cxn modelId="14" srcId="1" destId="12" srcOrd="1" destOrd="0"/>
+        <dgm:cxn modelId="23" srcId="2" destId="21" srcOrd="0" destOrd="0"/>
+        <dgm:cxn modelId="24" srcId="2" destId="22" srcOrd="1" destOrd="0"/>
+        <dgm:cxn modelId="33" srcId="3" destId="31" srcOrd="0" destOrd="0"/>
+        <dgm:cxn modelId="34" srcId="3" destId="32" srcOrd="1" destOrd="0"/>
+      </dgm:cxnLst>
+      <dgm:bg/>
+      <dgm:whole/>
+    </dgm:dataModel>
+  </dgm:sampData>
+  <dgm:styleData>
+    <dgm:dataModel>
+      <dgm:ptLst>
+        <dgm:pt modelId="0" type="doc"/>
+        <dgm:pt modelId="1"/>
+        <dgm:pt modelId="11"/>
+        <dgm:pt modelId="2"/>
+        <dgm:pt modelId="21"/>
+      </dgm:ptLst>
+      <dgm:cxnLst>
+        <dgm:cxn modelId="4" srcId="0" destId="1" srcOrd="0" destOrd="0"/>
+        <dgm:cxn modelId="5" srcId="0" destId="2" srcOrd="1" destOrd="0"/>
+        <dgm:cxn modelId="13" srcId="1" destId="11" srcOrd="0" destOrd="0"/>
+        <dgm:cxn modelId="23" srcId="2" destId="21" srcOrd="0" destOrd="0"/>
+      </dgm:cxnLst>
+      <dgm:bg/>
+      <dgm:whole/>
+    </dgm:dataModel>
+  </dgm:styleData>
+  <dgm:clrData>
+    <dgm:dataModel>
+      <dgm:ptLst>
+        <dgm:pt modelId="0" type="doc"/>
+        <dgm:pt modelId="1"/>
+        <dgm:pt modelId="11"/>
+        <dgm:pt modelId="2"/>
+        <dgm:pt modelId="21"/>
+        <dgm:pt modelId="3"/>
+        <dgm:pt modelId="31"/>
+        <dgm:pt modelId="4"/>
+        <dgm:pt modelId="41"/>
+      </dgm:ptLst>
+      <dgm:cxnLst>
+        <dgm:cxn modelId="5" srcId="0" destId="1" srcOrd="0" destOrd="0"/>
+        <dgm:cxn modelId="6" srcId="0" destId="2" srcOrd="1" destOrd="0"/>
+        <dgm:cxn modelId="7" srcId="0" destId="3" srcOrd="2" destOrd="0"/>
+        <dgm:cxn modelId="8" srcId="0" destId="4" srcOrd="3" destOrd="0"/>
+        <dgm:cxn modelId="13" srcId="1" destId="11" srcOrd="0" destOrd="0"/>
+        <dgm:cxn modelId="23" srcId="2" destId="21" srcOrd="0" destOrd="0"/>
+        <dgm:cxn modelId="33" srcId="3" destId="31" srcOrd="0" destOrd="0"/>
+        <dgm:cxn modelId="43" srcId="4" destId="41" srcOrd="0" destOrd="0"/>
+      </dgm:cxnLst>
+      <dgm:bg/>
+      <dgm:whole/>
+    </dgm:dataModel>
+  </dgm:clrData>
+  <dgm:layoutNode name="Name0">
+    <dgm:varLst>
+      <dgm:dir/>
+      <dgm:animLvl val="lvl"/>
+      <dgm:resizeHandles val="exact"/>
+    </dgm:varLst>
+    <dgm:choose name="Name1">
+      <dgm:if name="Name2" func="var" arg="dir" op="equ" val="norm">
+        <dgm:alg type="lin">
+          <dgm:param type="linDir" val="fromT"/>
+          <dgm:param type="nodeHorzAlign" val="l"/>
+        </dgm:alg>
+      </dgm:if>
+      <dgm:else name="Name3">
+        <dgm:alg type="lin">
+          <dgm:param type="linDir" val="fromT"/>
+          <dgm:param type="nodeHorzAlign" val="r"/>
+        </dgm:alg>
+      </dgm:else>
+    </dgm:choose>
+    <dgm:shape xmlns:r="http://schemas.openxmlformats.org/officeDocument/2006/relationships" r:blip="">
+      <dgm:adjLst/>
+    </dgm:shape>
+    <dgm:presOf/>
+    <dgm:constrLst>
+      <dgm:constr type="h" for="ch" forName="linNode" refType="h"/>
+      <dgm:constr type="w" for="ch" forName="linNode" refType="w"/>
+      <dgm:constr type="h" for="ch" forName="sp" refType="h" fact="0.05"/>
+      <dgm:constr type="primFontSz" for="des" forName="parentText" op="equ" val="65"/>
+      <dgm:constr type="secFontSz" for="des" forName="descendantText" op="equ"/>
+    </dgm:constrLst>
+    <dgm:ruleLst/>
+    <dgm:forEach name="Name4" axis="ch" ptType="node">
+      <dgm:layoutNode name="linNode">
+        <dgm:choose name="Name5">
+          <dgm:if name="Name6" func="var" arg="dir" op="equ" val="norm">
+            <dgm:alg type="lin">
+              <dgm:param type="linDir" val="fromL"/>
+            </dgm:alg>
+          </dgm:if>
+          <dgm:else name="Name7">
+            <dgm:alg type="lin">
+              <dgm:param type="linDir" val="fromR"/>
+            </dgm:alg>
+          </dgm:else>
+        </dgm:choose>
+        <dgm:shape xmlns:r="http://schemas.openxmlformats.org/officeDocument/2006/relationships" r:blip="">
+          <dgm:adjLst/>
+        </dgm:shape>
+        <dgm:presOf/>
+        <dgm:constrLst>
+          <dgm:constr type="w" for="ch" forName="parentText" refType="w" fact="0.36"/>
+          <dgm:constr type="w" for="ch" forName="descendantText" refType="w" fact="0.64"/>
+          <dgm:constr type="h" for="ch" forName="parentText" refType="h"/>
+          <dgm:constr type="h" for="ch" forName="descendantText" refType="h" refFor="ch" refForName="parentText" fact="0.8"/>
+        </dgm:constrLst>
+        <dgm:ruleLst/>
+        <dgm:layoutNode name="parentText">
+          <dgm:varLst>
+            <dgm:chMax val="1"/>
+            <dgm:bulletEnabled val="1"/>
+          </dgm:varLst>
+          <dgm:alg type="tx"/>
+          <dgm:shape xmlns:r="http://schemas.openxmlformats.org/officeDocument/2006/relationships" type="roundRect" r:blip="" zOrderOff="3">
+            <dgm:adjLst/>
+          </dgm:shape>
+          <dgm:presOf axis="self" ptType="node"/>
+          <dgm:constrLst>
+            <dgm:constr type="tMarg" refType="primFontSz" fact="0.15"/>
+            <dgm:constr type="bMarg" refType="primFontSz" fact="0.15"/>
+            <dgm:constr type="lMarg" refType="primFontSz" fact="0.3"/>
+            <dgm:constr type="rMarg" refType="primFontSz" fact="0.3"/>
+          </dgm:constrLst>
+          <dgm:ruleLst>
+            <dgm:rule type="primFontSz" val="5" fact="NaN" max="NaN"/>
+          </dgm:ruleLst>
+        </dgm:layoutNode>
+        <dgm:choose name="Name8">
+          <dgm:if name="Name9" axis="ch" ptType="node" func="cnt" op="gte" val="1">
+            <dgm:layoutNode name="descendantText" styleLbl="alignAccFollowNode1">
+              <dgm:varLst>
+                <dgm:bulletEnabled val="1"/>
+              </dgm:varLst>
+              <dgm:alg type="tx">
+                <dgm:param type="stBulletLvl" val="1"/>
+                <dgm:param type="txAnchorVertCh" val="mid"/>
+              </dgm:alg>
+              <dgm:choose name="Name10">
+                <dgm:if name="Name11" func="var" arg="dir" op="equ" val="norm">
+                  <dgm:shape xmlns:r="http://schemas.openxmlformats.org/officeDocument/2006/relationships" rot="90" type="round2SameRect" r:blip="">
+                    <dgm:adjLst/>
+                  </dgm:shape>
+                </dgm:if>
+                <dgm:else name="Name12">
+                  <dgm:shape xmlns:r="http://schemas.openxmlformats.org/officeDocument/2006/relationships" rot="-90" type="round2SameRect" r:blip="">
+                    <dgm:adjLst/>
+                  </dgm:shape>
+                </dgm:else>
+              </dgm:choose>
+              <dgm:presOf axis="des" ptType="node"/>
+              <dgm:constrLst>
+                <dgm:constr type="secFontSz" val="65"/>
+                <dgm:constr type="primFontSz" refType="secFontSz"/>
+                <dgm:constr type="lMarg" refType="secFontSz" fact="0.3"/>
+                <dgm:constr type="rMarg" refType="secFontSz" fact="0.3"/>
+                <dgm:constr type="tMarg" refType="secFontSz" fact="0.15"/>
+                <dgm:constr type="bMarg" refType="secFontSz" fact="0.15"/>
+              </dgm:constrLst>
+              <dgm:ruleLst>
+                <dgm:rule type="secFontSz" val="5" fact="NaN" max="NaN"/>
+              </dgm:ruleLst>
+            </dgm:layoutNode>
+          </dgm:if>
+          <dgm:else name="Name13"/>
+        </dgm:choose>
+      </dgm:layoutNode>
+      <dgm:forEach name="Name14" axis="followSib" ptType="sibTrans" cnt="1">
+        <dgm:layoutNode name="sp">
+          <dgm:alg type="sp"/>
+          <dgm:shape xmlns:r="http://schemas.openxmlformats.org/officeDocument/2006/relationships" r:blip="">
+            <dgm:adjLst/>
+          </dgm:shape>
+          <dgm:presOf/>
+          <dgm:constrLst/>
+          <dgm:ruleLst/>
+        </dgm:layoutNode>
+      </dgm:forEach>
+    </dgm:forEach>
+  </dgm:layoutNode>
+</dgm:layoutDef>
+</file>
+
+<file path=ppt/diagrams/layout3.xml><?xml version="1.0" encoding="utf-8"?>
 <dgm:layoutDef xmlns:dgm="http://schemas.openxmlformats.org/drawingml/2006/diagram" xmlns:a="http://schemas.openxmlformats.org/drawingml/2006/main" uniqueId="urn:microsoft.com/office/officeart/2005/8/layout/lProcess3">
   <dgm:title val=""/>
   <dgm:desc val=""/>
@@ -4022,7 +6489,299 @@
 </dgm:layoutDef>
 </file>
 
-<file path=ppt/diagrams/layout3.xml><?xml version="1.0" encoding="utf-8"?>
+<file path=ppt/diagrams/layout4.xml><?xml version="1.0" encoding="utf-8"?>
+<dgm:layoutDef xmlns:dgm="http://schemas.openxmlformats.org/drawingml/2006/diagram" xmlns:a="http://schemas.openxmlformats.org/drawingml/2006/main" uniqueId="urn:microsoft.com/office/officeart/2005/8/layout/hierarchy3">
+  <dgm:title val=""/>
+  <dgm:desc val=""/>
+  <dgm:catLst>
+    <dgm:cat type="hierarchy" pri="7000"/>
+    <dgm:cat type="list" pri="23000"/>
+    <dgm:cat type="relationship" pri="15000"/>
+    <dgm:cat type="convert" pri="7000"/>
+  </dgm:catLst>
+  <dgm:sampData>
+    <dgm:dataModel>
+      <dgm:ptLst>
+        <dgm:pt modelId="0" type="doc"/>
+        <dgm:pt modelId="1">
+          <dgm:prSet phldr="1"/>
+        </dgm:pt>
+        <dgm:pt modelId="11">
+          <dgm:prSet phldr="1"/>
+        </dgm:pt>
+        <dgm:pt modelId="12">
+          <dgm:prSet phldr="1"/>
+        </dgm:pt>
+        <dgm:pt modelId="2">
+          <dgm:prSet phldr="1"/>
+        </dgm:pt>
+        <dgm:pt modelId="21">
+          <dgm:prSet phldr="1"/>
+        </dgm:pt>
+        <dgm:pt modelId="22">
+          <dgm:prSet phldr="1"/>
+        </dgm:pt>
+      </dgm:ptLst>
+      <dgm:cxnLst>
+        <dgm:cxn modelId="4" srcId="0" destId="1" srcOrd="0" destOrd="0"/>
+        <dgm:cxn modelId="5" srcId="1" destId="11" srcOrd="0" destOrd="0"/>
+        <dgm:cxn modelId="6" srcId="1" destId="12" srcOrd="1" destOrd="0"/>
+        <dgm:cxn modelId="7" srcId="0" destId="2" srcOrd="1" destOrd="0"/>
+        <dgm:cxn modelId="8" srcId="2" destId="21" srcOrd="0" destOrd="0"/>
+        <dgm:cxn modelId="9" srcId="2" destId="22" srcOrd="1" destOrd="0"/>
+      </dgm:cxnLst>
+      <dgm:bg/>
+      <dgm:whole/>
+    </dgm:dataModel>
+  </dgm:sampData>
+  <dgm:styleData>
+    <dgm:dataModel>
+      <dgm:ptLst>
+        <dgm:pt modelId="0" type="doc"/>
+        <dgm:pt modelId="1"/>
+        <dgm:pt modelId="11"/>
+        <dgm:pt modelId="2"/>
+        <dgm:pt modelId="21"/>
+      </dgm:ptLst>
+      <dgm:cxnLst>
+        <dgm:cxn modelId="4" srcId="0" destId="1" srcOrd="0" destOrd="0"/>
+        <dgm:cxn modelId="5" srcId="0" destId="2" srcOrd="1" destOrd="0"/>
+        <dgm:cxn modelId="13" srcId="1" destId="11" srcOrd="0" destOrd="0"/>
+        <dgm:cxn modelId="23" srcId="2" destId="21" srcOrd="0" destOrd="0"/>
+      </dgm:cxnLst>
+      <dgm:bg/>
+      <dgm:whole/>
+    </dgm:dataModel>
+  </dgm:styleData>
+  <dgm:clrData>
+    <dgm:dataModel>
+      <dgm:ptLst>
+        <dgm:pt modelId="0" type="doc"/>
+        <dgm:pt modelId="1"/>
+        <dgm:pt modelId="11"/>
+        <dgm:pt modelId="2"/>
+        <dgm:pt modelId="21"/>
+        <dgm:pt modelId="3"/>
+        <dgm:pt modelId="31"/>
+        <dgm:pt modelId="4"/>
+        <dgm:pt modelId="41"/>
+      </dgm:ptLst>
+      <dgm:cxnLst>
+        <dgm:cxn modelId="5" srcId="0" destId="1" srcOrd="0" destOrd="0"/>
+        <dgm:cxn modelId="6" srcId="0" destId="2" srcOrd="1" destOrd="0"/>
+        <dgm:cxn modelId="7" srcId="0" destId="3" srcOrd="2" destOrd="0"/>
+        <dgm:cxn modelId="8" srcId="0" destId="4" srcOrd="3" destOrd="0"/>
+        <dgm:cxn modelId="13" srcId="1" destId="11" srcOrd="0" destOrd="0"/>
+        <dgm:cxn modelId="23" srcId="2" destId="21" srcOrd="0" destOrd="0"/>
+        <dgm:cxn modelId="33" srcId="3" destId="31" srcOrd="0" destOrd="0"/>
+        <dgm:cxn modelId="43" srcId="4" destId="41" srcOrd="0" destOrd="0"/>
+      </dgm:cxnLst>
+      <dgm:bg/>
+      <dgm:whole/>
+    </dgm:dataModel>
+  </dgm:clrData>
+  <dgm:layoutNode name="diagram">
+    <dgm:varLst>
+      <dgm:chPref val="1"/>
+      <dgm:dir/>
+      <dgm:animOne val="branch"/>
+      <dgm:animLvl val="lvl"/>
+      <dgm:resizeHandles/>
+    </dgm:varLst>
+    <dgm:choose name="Name0">
+      <dgm:if name="Name1" func="var" arg="dir" op="equ" val="norm">
+        <dgm:alg type="hierChild">
+          <dgm:param type="linDir" val="fromL"/>
+        </dgm:alg>
+      </dgm:if>
+      <dgm:else name="Name2">
+        <dgm:alg type="hierChild">
+          <dgm:param type="linDir" val="fromR"/>
+        </dgm:alg>
+      </dgm:else>
+    </dgm:choose>
+    <dgm:shape xmlns:r="http://schemas.openxmlformats.org/officeDocument/2006/relationships" r:blip="">
+      <dgm:adjLst/>
+    </dgm:shape>
+    <dgm:presOf/>
+    <dgm:constrLst>
+      <dgm:constr type="primFontSz" for="des" forName="rootText" op="equ" val="65"/>
+      <dgm:constr type="primFontSz" for="des" forName="childText" op="equ" val="65"/>
+      <dgm:constr type="w" for="des" forName="rootComposite" refType="w"/>
+      <dgm:constr type="h" for="des" forName="rootComposite" refType="w" fact="0.5"/>
+      <dgm:constr type="w" for="des" forName="childText" refType="w" refFor="des" refForName="rootComposite" fact="0.8"/>
+      <dgm:constr type="h" for="des" forName="childText" refType="h" refFor="des" refForName="rootComposite"/>
+      <dgm:constr type="sibSp" refType="w" refFor="des" refForName="rootComposite" fact="0.25"/>
+      <dgm:constr type="sibSp" for="des" forName="childShape" refType="h" refFor="des" refForName="childText" fact="0.25"/>
+      <dgm:constr type="sp" for="des" forName="root" refType="h" refFor="des" refForName="childText" fact="0.25"/>
+    </dgm:constrLst>
+    <dgm:ruleLst/>
+    <dgm:forEach name="Name3" axis="ch">
+      <dgm:forEach name="Name4" axis="self" ptType="node" cnt="1">
+        <dgm:layoutNode name="root">
+          <dgm:choose name="Name5">
+            <dgm:if name="Name6" func="var" arg="dir" op="equ" val="norm">
+              <dgm:alg type="hierRoot">
+                <dgm:param type="hierAlign" val="tL"/>
+              </dgm:alg>
+            </dgm:if>
+            <dgm:else name="Name7">
+              <dgm:alg type="hierRoot">
+                <dgm:param type="hierAlign" val="tR"/>
+              </dgm:alg>
+            </dgm:else>
+          </dgm:choose>
+          <dgm:shape xmlns:r="http://schemas.openxmlformats.org/officeDocument/2006/relationships" r:blip="">
+            <dgm:adjLst/>
+          </dgm:shape>
+          <dgm:presOf/>
+          <dgm:constrLst>
+            <dgm:constr type="alignOff" val="0.2"/>
+          </dgm:constrLst>
+          <dgm:ruleLst/>
+          <dgm:layoutNode name="rootComposite">
+            <dgm:alg type="composite"/>
+            <dgm:shape xmlns:r="http://schemas.openxmlformats.org/officeDocument/2006/relationships" r:blip="">
+              <dgm:adjLst/>
+            </dgm:shape>
+            <dgm:presOf axis="self" ptType="node" cnt="1"/>
+            <dgm:choose name="Name8">
+              <dgm:if name="Name9" func="var" arg="dir" op="equ" val="norm">
+                <dgm:constrLst>
+                  <dgm:constr type="l" for="ch" forName="rootText"/>
+                  <dgm:constr type="t" for="ch" forName="rootText"/>
+                  <dgm:constr type="w" for="ch" forName="rootText" refType="w"/>
+                  <dgm:constr type="h" for="ch" forName="rootText" refType="h"/>
+                  <dgm:constr type="l" for="ch" forName="rootConnector"/>
+                  <dgm:constr type="t" for="ch" forName="rootConnector"/>
+                  <dgm:constr type="w" for="ch" forName="rootConnector" refType="w" refFor="ch" refForName="rootText" fact="0.2"/>
+                  <dgm:constr type="h" for="ch" forName="rootConnector" refType="h" refFor="ch" refForName="rootText"/>
+                </dgm:constrLst>
+              </dgm:if>
+              <dgm:else name="Name10">
+                <dgm:constrLst>
+                  <dgm:constr type="l" for="ch" forName="rootText"/>
+                  <dgm:constr type="t" for="ch" forName="rootText"/>
+                  <dgm:constr type="w" for="ch" forName="rootText" refType="w"/>
+                  <dgm:constr type="h" for="ch" forName="rootText" refType="h"/>
+                  <dgm:constr type="r" for="ch" forName="rootConnector" refType="w"/>
+                  <dgm:constr type="t" for="ch" forName="rootConnector"/>
+                  <dgm:constr type="w" for="ch" forName="rootConnector" refType="w" refFor="ch" refForName="rootText" fact="0.2"/>
+                  <dgm:constr type="h" for="ch" forName="rootConnector" refType="h" refFor="ch" refForName="rootText"/>
+                </dgm:constrLst>
+              </dgm:else>
+            </dgm:choose>
+            <dgm:ruleLst/>
+            <dgm:layoutNode name="rootText" styleLbl="node1">
+              <dgm:alg type="tx"/>
+              <dgm:shape xmlns:r="http://schemas.openxmlformats.org/officeDocument/2006/relationships" type="roundRect" r:blip="">
+                <dgm:adjLst>
+                  <dgm:adj idx="1" val="0.1"/>
+                </dgm:adjLst>
+              </dgm:shape>
+              <dgm:presOf axis="self" ptType="node" cnt="1"/>
+              <dgm:constrLst>
+                <dgm:constr type="tMarg" refType="primFontSz" fact="0.1"/>
+                <dgm:constr type="bMarg" refType="primFontSz" fact="0.1"/>
+                <dgm:constr type="lMarg" refType="primFontSz" fact="0.15"/>
+                <dgm:constr type="rMarg" refType="primFontSz" fact="0.15"/>
+              </dgm:constrLst>
+              <dgm:ruleLst>
+                <dgm:rule type="primFontSz" val="5" fact="NaN" max="NaN"/>
+              </dgm:ruleLst>
+            </dgm:layoutNode>
+            <dgm:layoutNode name="rootConnector" moveWith="rootText">
+              <dgm:alg type="sp"/>
+              <dgm:shape xmlns:r="http://schemas.openxmlformats.org/officeDocument/2006/relationships" type="roundRect" r:blip="" hideGeom="1">
+                <dgm:adjLst>
+                  <dgm:adj idx="1" val="0.1"/>
+                </dgm:adjLst>
+              </dgm:shape>
+              <dgm:presOf axis="self" ptType="node" cnt="1"/>
+              <dgm:constrLst/>
+              <dgm:ruleLst/>
+            </dgm:layoutNode>
+          </dgm:layoutNode>
+          <dgm:layoutNode name="childShape">
+            <dgm:alg type="hierChild">
+              <dgm:param type="chAlign" val="l"/>
+              <dgm:param type="linDir" val="fromT"/>
+            </dgm:alg>
+            <dgm:shape xmlns:r="http://schemas.openxmlformats.org/officeDocument/2006/relationships" r:blip="">
+              <dgm:adjLst/>
+            </dgm:shape>
+            <dgm:presOf/>
+            <dgm:constrLst/>
+            <dgm:ruleLst/>
+            <dgm:forEach name="Name11" axis="ch">
+              <dgm:forEach name="Name12" axis="self" ptType="parTrans" cnt="1">
+                <dgm:layoutNode name="Name13">
+                  <dgm:choose name="Name14">
+                    <dgm:if name="Name15" func="var" arg="dir" op="equ" val="norm">
+                      <dgm:alg type="conn">
+                        <dgm:param type="dim" val="1D"/>
+                        <dgm:param type="endSty" val="noArr"/>
+                        <dgm:param type="connRout" val="bend"/>
+                        <dgm:param type="srcNode" val="rootConnector"/>
+                        <dgm:param type="begPts" val="bCtr"/>
+                        <dgm:param type="endPts" val="midL"/>
+                      </dgm:alg>
+                    </dgm:if>
+                    <dgm:else name="Name16">
+                      <dgm:alg type="conn">
+                        <dgm:param type="dim" val="1D"/>
+                        <dgm:param type="endSty" val="noArr"/>
+                        <dgm:param type="connRout" val="bend"/>
+                        <dgm:param type="srcNode" val="rootConnector"/>
+                        <dgm:param type="begPts" val="bCtr"/>
+                        <dgm:param type="endPts" val="midR"/>
+                      </dgm:alg>
+                    </dgm:else>
+                  </dgm:choose>
+                  <dgm:shape xmlns:r="http://schemas.openxmlformats.org/officeDocument/2006/relationships" type="conn" r:blip="">
+                    <dgm:adjLst/>
+                  </dgm:shape>
+                  <dgm:presOf axis="self"/>
+                  <dgm:constrLst>
+                    <dgm:constr type="begPad"/>
+                    <dgm:constr type="endPad"/>
+                  </dgm:constrLst>
+                  <dgm:ruleLst/>
+                </dgm:layoutNode>
+              </dgm:forEach>
+              <dgm:forEach name="Name17" axis="self" ptType="node">
+                <dgm:layoutNode name="childText" styleLbl="bgAcc1">
+                  <dgm:varLst>
+                    <dgm:bulletEnabled val="1"/>
+                  </dgm:varLst>
+                  <dgm:alg type="tx"/>
+                  <dgm:shape xmlns:r="http://schemas.openxmlformats.org/officeDocument/2006/relationships" type="roundRect" r:blip="">
+                    <dgm:adjLst>
+                      <dgm:adj idx="1" val="0.1"/>
+                    </dgm:adjLst>
+                  </dgm:shape>
+                  <dgm:presOf axis="self desOrSelf" ptType="node node" st="1 1" cnt="1 0"/>
+                  <dgm:constrLst>
+                    <dgm:constr type="tMarg" refType="primFontSz" fact="0.1"/>
+                    <dgm:constr type="bMarg" refType="primFontSz" fact="0.1"/>
+                    <dgm:constr type="lMarg" refType="primFontSz" fact="0.15"/>
+                    <dgm:constr type="rMarg" refType="primFontSz" fact="0.15"/>
+                  </dgm:constrLst>
+                  <dgm:ruleLst>
+                    <dgm:rule type="primFontSz" val="5" fact="NaN" max="NaN"/>
+                  </dgm:ruleLst>
+                </dgm:layoutNode>
+              </dgm:forEach>
+            </dgm:forEach>
+          </dgm:layoutNode>
+        </dgm:layoutNode>
+      </dgm:forEach>
+    </dgm:forEach>
+  </dgm:layoutNode>
+</dgm:layoutDef>
+</file>
+
+<file path=ppt/diagrams/layout5.xml><?xml version="1.0" encoding="utf-8"?>
 <dgm:layoutDef xmlns:dgm="http://schemas.openxmlformats.org/drawingml/2006/diagram" xmlns:a="http://schemas.openxmlformats.org/drawingml/2006/main" uniqueId="urn:microsoft.com/office/officeart/2005/8/layout/hierarchy3">
   <dgm:title val=""/>
   <dgm:desc val=""/>
@@ -6383,6 +9142,2074 @@
 </file>
 
 <file path=ppt/diagrams/quickStyle3.xml><?xml version="1.0" encoding="utf-8"?>
+<dgm:styleDef xmlns:dgm="http://schemas.openxmlformats.org/drawingml/2006/diagram" xmlns:a="http://schemas.openxmlformats.org/drawingml/2006/main" uniqueId="urn:microsoft.com/office/officeart/2005/8/quickstyle/simple2">
+  <dgm:title val=""/>
+  <dgm:desc val=""/>
+  <dgm:catLst>
+    <dgm:cat type="simple" pri="10200"/>
+  </dgm:catLst>
+  <dgm:scene3d>
+    <a:camera prst="orthographicFront"/>
+    <a:lightRig rig="threePt" dir="t"/>
+  </dgm:scene3d>
+  <dgm:styleLbl name="node0">
+    <dgm:scene3d>
+      <a:camera prst="orthographicFront"/>
+      <a:lightRig rig="threePt" dir="t"/>
+    </dgm:scene3d>
+    <dgm:sp3d/>
+    <dgm:txPr/>
+    <dgm:style>
+      <a:lnRef idx="3">
+        <a:scrgbClr r="0" g="0" b="0"/>
+      </a:lnRef>
+      <a:fillRef idx="1">
+        <a:scrgbClr r="0" g="0" b="0"/>
+      </a:fillRef>
+      <a:effectRef idx="1">
+        <a:scrgbClr r="0" g="0" b="0"/>
+      </a:effectRef>
+      <a:fontRef idx="minor">
+        <a:schemeClr val="lt1"/>
+      </a:fontRef>
+    </dgm:style>
+  </dgm:styleLbl>
+  <dgm:styleLbl name="lnNode1">
+    <dgm:scene3d>
+      <a:camera prst="orthographicFront"/>
+      <a:lightRig rig="threePt" dir="t"/>
+    </dgm:scene3d>
+    <dgm:sp3d/>
+    <dgm:txPr/>
+    <dgm:style>
+      <a:lnRef idx="3">
+        <a:scrgbClr r="0" g="0" b="0"/>
+      </a:lnRef>
+      <a:fillRef idx="1">
+        <a:scrgbClr r="0" g="0" b="0"/>
+      </a:fillRef>
+      <a:effectRef idx="1">
+        <a:scrgbClr r="0" g="0" b="0"/>
+      </a:effectRef>
+      <a:fontRef idx="minor">
+        <a:schemeClr val="lt1"/>
+      </a:fontRef>
+    </dgm:style>
+  </dgm:styleLbl>
+  <dgm:styleLbl name="vennNode1">
+    <dgm:scene3d>
+      <a:camera prst="orthographicFront"/>
+      <a:lightRig rig="threePt" dir="t"/>
+    </dgm:scene3d>
+    <dgm:sp3d/>
+    <dgm:txPr/>
+    <dgm:style>
+      <a:lnRef idx="3">
+        <a:scrgbClr r="0" g="0" b="0"/>
+      </a:lnRef>
+      <a:fillRef idx="1">
+        <a:scrgbClr r="0" g="0" b="0"/>
+      </a:fillRef>
+      <a:effectRef idx="0">
+        <a:scrgbClr r="0" g="0" b="0"/>
+      </a:effectRef>
+      <a:fontRef idx="minor">
+        <a:schemeClr val="tx1"/>
+      </a:fontRef>
+    </dgm:style>
+  </dgm:styleLbl>
+  <dgm:styleLbl name="alignNode1">
+    <dgm:scene3d>
+      <a:camera prst="orthographicFront"/>
+      <a:lightRig rig="threePt" dir="t"/>
+    </dgm:scene3d>
+    <dgm:sp3d/>
+    <dgm:txPr/>
+    <dgm:style>
+      <a:lnRef idx="2">
+        <a:scrgbClr r="0" g="0" b="0"/>
+      </a:lnRef>
+      <a:fillRef idx="1">
+        <a:scrgbClr r="0" g="0" b="0"/>
+      </a:fillRef>
+      <a:effectRef idx="1">
+        <a:scrgbClr r="0" g="0" b="0"/>
+      </a:effectRef>
+      <a:fontRef idx="minor">
+        <a:schemeClr val="lt1"/>
+      </a:fontRef>
+    </dgm:style>
+  </dgm:styleLbl>
+  <dgm:styleLbl name="node1">
+    <dgm:scene3d>
+      <a:camera prst="orthographicFront"/>
+      <a:lightRig rig="threePt" dir="t"/>
+    </dgm:scene3d>
+    <dgm:sp3d/>
+    <dgm:txPr/>
+    <dgm:style>
+      <a:lnRef idx="3">
+        <a:scrgbClr r="0" g="0" b="0"/>
+      </a:lnRef>
+      <a:fillRef idx="1">
+        <a:scrgbClr r="0" g="0" b="0"/>
+      </a:fillRef>
+      <a:effectRef idx="1">
+        <a:scrgbClr r="0" g="0" b="0"/>
+      </a:effectRef>
+      <a:fontRef idx="minor">
+        <a:schemeClr val="lt1"/>
+      </a:fontRef>
+    </dgm:style>
+  </dgm:styleLbl>
+  <dgm:styleLbl name="node2">
+    <dgm:scene3d>
+      <a:camera prst="orthographicFront"/>
+      <a:lightRig rig="threePt" dir="t"/>
+    </dgm:scene3d>
+    <dgm:sp3d/>
+    <dgm:txPr/>
+    <dgm:style>
+      <a:lnRef idx="3">
+        <a:scrgbClr r="0" g="0" b="0"/>
+      </a:lnRef>
+      <a:fillRef idx="1">
+        <a:scrgbClr r="0" g="0" b="0"/>
+      </a:fillRef>
+      <a:effectRef idx="1">
+        <a:scrgbClr r="0" g="0" b="0"/>
+      </a:effectRef>
+      <a:fontRef idx="minor">
+        <a:schemeClr val="lt1"/>
+      </a:fontRef>
+    </dgm:style>
+  </dgm:styleLbl>
+  <dgm:styleLbl name="node3">
+    <dgm:scene3d>
+      <a:camera prst="orthographicFront"/>
+      <a:lightRig rig="threePt" dir="t"/>
+    </dgm:scene3d>
+    <dgm:sp3d/>
+    <dgm:txPr/>
+    <dgm:style>
+      <a:lnRef idx="3">
+        <a:scrgbClr r="0" g="0" b="0"/>
+      </a:lnRef>
+      <a:fillRef idx="1">
+        <a:scrgbClr r="0" g="0" b="0"/>
+      </a:fillRef>
+      <a:effectRef idx="1">
+        <a:scrgbClr r="0" g="0" b="0"/>
+      </a:effectRef>
+      <a:fontRef idx="minor">
+        <a:schemeClr val="lt1"/>
+      </a:fontRef>
+    </dgm:style>
+  </dgm:styleLbl>
+  <dgm:styleLbl name="node4">
+    <dgm:scene3d>
+      <a:camera prst="orthographicFront"/>
+      <a:lightRig rig="threePt" dir="t"/>
+    </dgm:scene3d>
+    <dgm:sp3d/>
+    <dgm:txPr/>
+    <dgm:style>
+      <a:lnRef idx="3">
+        <a:scrgbClr r="0" g="0" b="0"/>
+      </a:lnRef>
+      <a:fillRef idx="1">
+        <a:scrgbClr r="0" g="0" b="0"/>
+      </a:fillRef>
+      <a:effectRef idx="1">
+        <a:scrgbClr r="0" g="0" b="0"/>
+      </a:effectRef>
+      <a:fontRef idx="minor">
+        <a:schemeClr val="lt1"/>
+      </a:fontRef>
+    </dgm:style>
+  </dgm:styleLbl>
+  <dgm:styleLbl name="fgImgPlace1">
+    <dgm:scene3d>
+      <a:camera prst="orthographicFront"/>
+      <a:lightRig rig="threePt" dir="t"/>
+    </dgm:scene3d>
+    <dgm:sp3d/>
+    <dgm:txPr/>
+    <dgm:style>
+      <a:lnRef idx="3">
+        <a:scrgbClr r="0" g="0" b="0"/>
+      </a:lnRef>
+      <a:fillRef idx="1">
+        <a:scrgbClr r="0" g="0" b="0"/>
+      </a:fillRef>
+      <a:effectRef idx="1">
+        <a:scrgbClr r="0" g="0" b="0"/>
+      </a:effectRef>
+      <a:fontRef idx="minor"/>
+    </dgm:style>
+  </dgm:styleLbl>
+  <dgm:styleLbl name="alignImgPlace1">
+    <dgm:scene3d>
+      <a:camera prst="orthographicFront"/>
+      <a:lightRig rig="threePt" dir="t"/>
+    </dgm:scene3d>
+    <dgm:sp3d/>
+    <dgm:txPr/>
+    <dgm:style>
+      <a:lnRef idx="3">
+        <a:scrgbClr r="0" g="0" b="0"/>
+      </a:lnRef>
+      <a:fillRef idx="1">
+        <a:scrgbClr r="0" g="0" b="0"/>
+      </a:fillRef>
+      <a:effectRef idx="1">
+        <a:scrgbClr r="0" g="0" b="0"/>
+      </a:effectRef>
+      <a:fontRef idx="minor"/>
+    </dgm:style>
+  </dgm:styleLbl>
+  <dgm:styleLbl name="bgImgPlace1">
+    <dgm:scene3d>
+      <a:camera prst="orthographicFront"/>
+      <a:lightRig rig="threePt" dir="t"/>
+    </dgm:scene3d>
+    <dgm:sp3d/>
+    <dgm:txPr/>
+    <dgm:style>
+      <a:lnRef idx="3">
+        <a:scrgbClr r="0" g="0" b="0"/>
+      </a:lnRef>
+      <a:fillRef idx="1">
+        <a:scrgbClr r="0" g="0" b="0"/>
+      </a:fillRef>
+      <a:effectRef idx="1">
+        <a:scrgbClr r="0" g="0" b="0"/>
+      </a:effectRef>
+      <a:fontRef idx="minor"/>
+    </dgm:style>
+  </dgm:styleLbl>
+  <dgm:styleLbl name="sibTrans2D1">
+    <dgm:scene3d>
+      <a:camera prst="orthographicFront"/>
+      <a:lightRig rig="threePt" dir="t"/>
+    </dgm:scene3d>
+    <dgm:sp3d/>
+    <dgm:txPr/>
+    <dgm:style>
+      <a:lnRef idx="0">
+        <a:scrgbClr r="0" g="0" b="0"/>
+      </a:lnRef>
+      <a:fillRef idx="1">
+        <a:scrgbClr r="0" g="0" b="0"/>
+      </a:fillRef>
+      <a:effectRef idx="1">
+        <a:scrgbClr r="0" g="0" b="0"/>
+      </a:effectRef>
+      <a:fontRef idx="minor">
+        <a:schemeClr val="lt1"/>
+      </a:fontRef>
+    </dgm:style>
+  </dgm:styleLbl>
+  <dgm:styleLbl name="fgSibTrans2D1">
+    <dgm:scene3d>
+      <a:camera prst="orthographicFront"/>
+      <a:lightRig rig="threePt" dir="t"/>
+    </dgm:scene3d>
+    <dgm:sp3d/>
+    <dgm:txPr/>
+    <dgm:style>
+      <a:lnRef idx="0">
+        <a:scrgbClr r="0" g="0" b="0"/>
+      </a:lnRef>
+      <a:fillRef idx="1">
+        <a:scrgbClr r="0" g="0" b="0"/>
+      </a:fillRef>
+      <a:effectRef idx="1">
+        <a:scrgbClr r="0" g="0" b="0"/>
+      </a:effectRef>
+      <a:fontRef idx="minor">
+        <a:schemeClr val="lt1"/>
+      </a:fontRef>
+    </dgm:style>
+  </dgm:styleLbl>
+  <dgm:styleLbl name="bgSibTrans2D1">
+    <dgm:scene3d>
+      <a:camera prst="orthographicFront"/>
+      <a:lightRig rig="threePt" dir="t"/>
+    </dgm:scene3d>
+    <dgm:sp3d/>
+    <dgm:txPr/>
+    <dgm:style>
+      <a:lnRef idx="0">
+        <a:scrgbClr r="0" g="0" b="0"/>
+      </a:lnRef>
+      <a:fillRef idx="1">
+        <a:scrgbClr r="0" g="0" b="0"/>
+      </a:fillRef>
+      <a:effectRef idx="1">
+        <a:scrgbClr r="0" g="0" b="0"/>
+      </a:effectRef>
+      <a:fontRef idx="minor">
+        <a:schemeClr val="lt1"/>
+      </a:fontRef>
+    </dgm:style>
+  </dgm:styleLbl>
+  <dgm:styleLbl name="sibTrans1D1">
+    <dgm:scene3d>
+      <a:camera prst="orthographicFront"/>
+      <a:lightRig rig="threePt" dir="t"/>
+    </dgm:scene3d>
+    <dgm:sp3d/>
+    <dgm:txPr/>
+    <dgm:style>
+      <a:lnRef idx="1">
+        <a:scrgbClr r="0" g="0" b="0"/>
+      </a:lnRef>
+      <a:fillRef idx="0">
+        <a:scrgbClr r="0" g="0" b="0"/>
+      </a:fillRef>
+      <a:effectRef idx="0">
+        <a:scrgbClr r="0" g="0" b="0"/>
+      </a:effectRef>
+      <a:fontRef idx="minor"/>
+    </dgm:style>
+  </dgm:styleLbl>
+  <dgm:styleLbl name="callout">
+    <dgm:scene3d>
+      <a:camera prst="orthographicFront"/>
+      <a:lightRig rig="threePt" dir="t"/>
+    </dgm:scene3d>
+    <dgm:sp3d/>
+    <dgm:txPr/>
+    <dgm:style>
+      <a:lnRef idx="2">
+        <a:scrgbClr r="0" g="0" b="0"/>
+      </a:lnRef>
+      <a:fillRef idx="1">
+        <a:scrgbClr r="0" g="0" b="0"/>
+      </a:fillRef>
+      <a:effectRef idx="1">
+        <a:scrgbClr r="0" g="0" b="0"/>
+      </a:effectRef>
+      <a:fontRef idx="minor"/>
+    </dgm:style>
+  </dgm:styleLbl>
+  <dgm:styleLbl name="asst0">
+    <dgm:scene3d>
+      <a:camera prst="orthographicFront"/>
+      <a:lightRig rig="threePt" dir="t"/>
+    </dgm:scene3d>
+    <dgm:sp3d/>
+    <dgm:txPr/>
+    <dgm:style>
+      <a:lnRef idx="3">
+        <a:scrgbClr r="0" g="0" b="0"/>
+      </a:lnRef>
+      <a:fillRef idx="1">
+        <a:scrgbClr r="0" g="0" b="0"/>
+      </a:fillRef>
+      <a:effectRef idx="1">
+        <a:scrgbClr r="0" g="0" b="0"/>
+      </a:effectRef>
+      <a:fontRef idx="minor">
+        <a:schemeClr val="lt1"/>
+      </a:fontRef>
+    </dgm:style>
+  </dgm:styleLbl>
+  <dgm:styleLbl name="asst1">
+    <dgm:scene3d>
+      <a:camera prst="orthographicFront"/>
+      <a:lightRig rig="threePt" dir="t"/>
+    </dgm:scene3d>
+    <dgm:sp3d/>
+    <dgm:txPr/>
+    <dgm:style>
+      <a:lnRef idx="3">
+        <a:scrgbClr r="0" g="0" b="0"/>
+      </a:lnRef>
+      <a:fillRef idx="1">
+        <a:scrgbClr r="0" g="0" b="0"/>
+      </a:fillRef>
+      <a:effectRef idx="1">
+        <a:scrgbClr r="0" g="0" b="0"/>
+      </a:effectRef>
+      <a:fontRef idx="minor">
+        <a:schemeClr val="lt1"/>
+      </a:fontRef>
+    </dgm:style>
+  </dgm:styleLbl>
+  <dgm:styleLbl name="asst2">
+    <dgm:scene3d>
+      <a:camera prst="orthographicFront"/>
+      <a:lightRig rig="threePt" dir="t"/>
+    </dgm:scene3d>
+    <dgm:sp3d/>
+    <dgm:txPr/>
+    <dgm:style>
+      <a:lnRef idx="3">
+        <a:scrgbClr r="0" g="0" b="0"/>
+      </a:lnRef>
+      <a:fillRef idx="1">
+        <a:scrgbClr r="0" g="0" b="0"/>
+      </a:fillRef>
+      <a:effectRef idx="1">
+        <a:scrgbClr r="0" g="0" b="0"/>
+      </a:effectRef>
+      <a:fontRef idx="minor">
+        <a:schemeClr val="lt1"/>
+      </a:fontRef>
+    </dgm:style>
+  </dgm:styleLbl>
+  <dgm:styleLbl name="asst3">
+    <dgm:scene3d>
+      <a:camera prst="orthographicFront"/>
+      <a:lightRig rig="threePt" dir="t"/>
+    </dgm:scene3d>
+    <dgm:sp3d/>
+    <dgm:txPr/>
+    <dgm:style>
+      <a:lnRef idx="3">
+        <a:scrgbClr r="0" g="0" b="0"/>
+      </a:lnRef>
+      <a:fillRef idx="1">
+        <a:scrgbClr r="0" g="0" b="0"/>
+      </a:fillRef>
+      <a:effectRef idx="1">
+        <a:scrgbClr r="0" g="0" b="0"/>
+      </a:effectRef>
+      <a:fontRef idx="minor">
+        <a:schemeClr val="lt1"/>
+      </a:fontRef>
+    </dgm:style>
+  </dgm:styleLbl>
+  <dgm:styleLbl name="asst4">
+    <dgm:scene3d>
+      <a:camera prst="orthographicFront"/>
+      <a:lightRig rig="threePt" dir="t"/>
+    </dgm:scene3d>
+    <dgm:sp3d/>
+    <dgm:txPr/>
+    <dgm:style>
+      <a:lnRef idx="3">
+        <a:scrgbClr r="0" g="0" b="0"/>
+      </a:lnRef>
+      <a:fillRef idx="1">
+        <a:scrgbClr r="0" g="0" b="0"/>
+      </a:fillRef>
+      <a:effectRef idx="1">
+        <a:scrgbClr r="0" g="0" b="0"/>
+      </a:effectRef>
+      <a:fontRef idx="minor">
+        <a:schemeClr val="lt1"/>
+      </a:fontRef>
+    </dgm:style>
+  </dgm:styleLbl>
+  <dgm:styleLbl name="parChTrans2D1">
+    <dgm:scene3d>
+      <a:camera prst="orthographicFront"/>
+      <a:lightRig rig="threePt" dir="t"/>
+    </dgm:scene3d>
+    <dgm:sp3d/>
+    <dgm:txPr/>
+    <dgm:style>
+      <a:lnRef idx="3">
+        <a:scrgbClr r="0" g="0" b="0"/>
+      </a:lnRef>
+      <a:fillRef idx="1">
+        <a:scrgbClr r="0" g="0" b="0"/>
+      </a:fillRef>
+      <a:effectRef idx="1">
+        <a:scrgbClr r="0" g="0" b="0"/>
+      </a:effectRef>
+      <a:fontRef idx="minor">
+        <a:schemeClr val="lt1"/>
+      </a:fontRef>
+    </dgm:style>
+  </dgm:styleLbl>
+  <dgm:styleLbl name="parChTrans2D2">
+    <dgm:scene3d>
+      <a:camera prst="orthographicFront"/>
+      <a:lightRig rig="threePt" dir="t"/>
+    </dgm:scene3d>
+    <dgm:sp3d/>
+    <dgm:txPr/>
+    <dgm:style>
+      <a:lnRef idx="3">
+        <a:scrgbClr r="0" g="0" b="0"/>
+      </a:lnRef>
+      <a:fillRef idx="1">
+        <a:scrgbClr r="0" g="0" b="0"/>
+      </a:fillRef>
+      <a:effectRef idx="1">
+        <a:scrgbClr r="0" g="0" b="0"/>
+      </a:effectRef>
+      <a:fontRef idx="minor">
+        <a:schemeClr val="lt1"/>
+      </a:fontRef>
+    </dgm:style>
+  </dgm:styleLbl>
+  <dgm:styleLbl name="parChTrans2D3">
+    <dgm:scene3d>
+      <a:camera prst="orthographicFront"/>
+      <a:lightRig rig="threePt" dir="t"/>
+    </dgm:scene3d>
+    <dgm:sp3d/>
+    <dgm:txPr/>
+    <dgm:style>
+      <a:lnRef idx="3">
+        <a:scrgbClr r="0" g="0" b="0"/>
+      </a:lnRef>
+      <a:fillRef idx="1">
+        <a:scrgbClr r="0" g="0" b="0"/>
+      </a:fillRef>
+      <a:effectRef idx="1">
+        <a:scrgbClr r="0" g="0" b="0"/>
+      </a:effectRef>
+      <a:fontRef idx="minor">
+        <a:schemeClr val="lt1"/>
+      </a:fontRef>
+    </dgm:style>
+  </dgm:styleLbl>
+  <dgm:styleLbl name="parChTrans2D4">
+    <dgm:scene3d>
+      <a:camera prst="orthographicFront"/>
+      <a:lightRig rig="threePt" dir="t"/>
+    </dgm:scene3d>
+    <dgm:sp3d/>
+    <dgm:txPr/>
+    <dgm:style>
+      <a:lnRef idx="3">
+        <a:scrgbClr r="0" g="0" b="0"/>
+      </a:lnRef>
+      <a:fillRef idx="1">
+        <a:scrgbClr r="0" g="0" b="0"/>
+      </a:fillRef>
+      <a:effectRef idx="1">
+        <a:scrgbClr r="0" g="0" b="0"/>
+      </a:effectRef>
+      <a:fontRef idx="minor">
+        <a:schemeClr val="lt1"/>
+      </a:fontRef>
+    </dgm:style>
+  </dgm:styleLbl>
+  <dgm:styleLbl name="parChTrans1D1">
+    <dgm:scene3d>
+      <a:camera prst="orthographicFront"/>
+      <a:lightRig rig="threePt" dir="t"/>
+    </dgm:scene3d>
+    <dgm:sp3d/>
+    <dgm:txPr/>
+    <dgm:style>
+      <a:lnRef idx="2">
+        <a:scrgbClr r="0" g="0" b="0"/>
+      </a:lnRef>
+      <a:fillRef idx="0">
+        <a:scrgbClr r="0" g="0" b="0"/>
+      </a:fillRef>
+      <a:effectRef idx="0">
+        <a:scrgbClr r="0" g="0" b="0"/>
+      </a:effectRef>
+      <a:fontRef idx="minor"/>
+    </dgm:style>
+  </dgm:styleLbl>
+  <dgm:styleLbl name="parChTrans1D2">
+    <dgm:scene3d>
+      <a:camera prst="orthographicFront"/>
+      <a:lightRig rig="threePt" dir="t"/>
+    </dgm:scene3d>
+    <dgm:sp3d/>
+    <dgm:txPr/>
+    <dgm:style>
+      <a:lnRef idx="2">
+        <a:scrgbClr r="0" g="0" b="0"/>
+      </a:lnRef>
+      <a:fillRef idx="0">
+        <a:scrgbClr r="0" g="0" b="0"/>
+      </a:fillRef>
+      <a:effectRef idx="0">
+        <a:scrgbClr r="0" g="0" b="0"/>
+      </a:effectRef>
+      <a:fontRef idx="minor"/>
+    </dgm:style>
+  </dgm:styleLbl>
+  <dgm:styleLbl name="parChTrans1D3">
+    <dgm:scene3d>
+      <a:camera prst="orthographicFront"/>
+      <a:lightRig rig="threePt" dir="t"/>
+    </dgm:scene3d>
+    <dgm:sp3d/>
+    <dgm:txPr/>
+    <dgm:style>
+      <a:lnRef idx="2">
+        <a:scrgbClr r="0" g="0" b="0"/>
+      </a:lnRef>
+      <a:fillRef idx="0">
+        <a:scrgbClr r="0" g="0" b="0"/>
+      </a:fillRef>
+      <a:effectRef idx="0">
+        <a:scrgbClr r="0" g="0" b="0"/>
+      </a:effectRef>
+      <a:fontRef idx="minor"/>
+    </dgm:style>
+  </dgm:styleLbl>
+  <dgm:styleLbl name="parChTrans1D4">
+    <dgm:scene3d>
+      <a:camera prst="orthographicFront"/>
+      <a:lightRig rig="threePt" dir="t"/>
+    </dgm:scene3d>
+    <dgm:sp3d/>
+    <dgm:txPr/>
+    <dgm:style>
+      <a:lnRef idx="2">
+        <a:scrgbClr r="0" g="0" b="0"/>
+      </a:lnRef>
+      <a:fillRef idx="0">
+        <a:scrgbClr r="0" g="0" b="0"/>
+      </a:fillRef>
+      <a:effectRef idx="0">
+        <a:scrgbClr r="0" g="0" b="0"/>
+      </a:effectRef>
+      <a:fontRef idx="minor"/>
+    </dgm:style>
+  </dgm:styleLbl>
+  <dgm:styleLbl name="fgAcc1">
+    <dgm:scene3d>
+      <a:camera prst="orthographicFront"/>
+      <a:lightRig rig="threePt" dir="t"/>
+    </dgm:scene3d>
+    <dgm:sp3d/>
+    <dgm:txPr/>
+    <dgm:style>
+      <a:lnRef idx="2">
+        <a:scrgbClr r="0" g="0" b="0"/>
+      </a:lnRef>
+      <a:fillRef idx="1">
+        <a:scrgbClr r="0" g="0" b="0"/>
+      </a:fillRef>
+      <a:effectRef idx="0">
+        <a:scrgbClr r="0" g="0" b="0"/>
+      </a:effectRef>
+      <a:fontRef idx="minor"/>
+    </dgm:style>
+  </dgm:styleLbl>
+  <dgm:styleLbl name="conFgAcc1">
+    <dgm:scene3d>
+      <a:camera prst="orthographicFront"/>
+      <a:lightRig rig="threePt" dir="t"/>
+    </dgm:scene3d>
+    <dgm:sp3d/>
+    <dgm:txPr/>
+    <dgm:style>
+      <a:lnRef idx="2">
+        <a:scrgbClr r="0" g="0" b="0"/>
+      </a:lnRef>
+      <a:fillRef idx="1">
+        <a:scrgbClr r="0" g="0" b="0"/>
+      </a:fillRef>
+      <a:effectRef idx="0">
+        <a:scrgbClr r="0" g="0" b="0"/>
+      </a:effectRef>
+      <a:fontRef idx="minor"/>
+    </dgm:style>
+  </dgm:styleLbl>
+  <dgm:styleLbl name="alignAcc1">
+    <dgm:scene3d>
+      <a:camera prst="orthographicFront"/>
+      <a:lightRig rig="threePt" dir="t"/>
+    </dgm:scene3d>
+    <dgm:sp3d/>
+    <dgm:txPr/>
+    <dgm:style>
+      <a:lnRef idx="2">
+        <a:scrgbClr r="0" g="0" b="0"/>
+      </a:lnRef>
+      <a:fillRef idx="1">
+        <a:scrgbClr r="0" g="0" b="0"/>
+      </a:fillRef>
+      <a:effectRef idx="0">
+        <a:scrgbClr r="0" g="0" b="0"/>
+      </a:effectRef>
+      <a:fontRef idx="minor"/>
+    </dgm:style>
+  </dgm:styleLbl>
+  <dgm:styleLbl name="trAlignAcc1">
+    <dgm:scene3d>
+      <a:camera prst="orthographicFront"/>
+      <a:lightRig rig="threePt" dir="t"/>
+    </dgm:scene3d>
+    <dgm:sp3d/>
+    <dgm:txPr/>
+    <dgm:style>
+      <a:lnRef idx="1">
+        <a:scrgbClr r="0" g="0" b="0"/>
+      </a:lnRef>
+      <a:fillRef idx="1">
+        <a:scrgbClr r="0" g="0" b="0"/>
+      </a:fillRef>
+      <a:effectRef idx="0">
+        <a:scrgbClr r="0" g="0" b="0"/>
+      </a:effectRef>
+      <a:fontRef idx="minor"/>
+    </dgm:style>
+  </dgm:styleLbl>
+  <dgm:styleLbl name="bgAcc1">
+    <dgm:scene3d>
+      <a:camera prst="orthographicFront"/>
+      <a:lightRig rig="threePt" dir="t"/>
+    </dgm:scene3d>
+    <dgm:sp3d/>
+    <dgm:txPr/>
+    <dgm:style>
+      <a:lnRef idx="2">
+        <a:scrgbClr r="0" g="0" b="0"/>
+      </a:lnRef>
+      <a:fillRef idx="1">
+        <a:scrgbClr r="0" g="0" b="0"/>
+      </a:fillRef>
+      <a:effectRef idx="0">
+        <a:scrgbClr r="0" g="0" b="0"/>
+      </a:effectRef>
+      <a:fontRef idx="minor"/>
+    </dgm:style>
+  </dgm:styleLbl>
+  <dgm:styleLbl name="solidFgAcc1">
+    <dgm:scene3d>
+      <a:camera prst="orthographicFront"/>
+      <a:lightRig rig="threePt" dir="t"/>
+    </dgm:scene3d>
+    <dgm:sp3d/>
+    <dgm:txPr/>
+    <dgm:style>
+      <a:lnRef idx="2">
+        <a:scrgbClr r="0" g="0" b="0"/>
+      </a:lnRef>
+      <a:fillRef idx="1">
+        <a:scrgbClr r="0" g="0" b="0"/>
+      </a:fillRef>
+      <a:effectRef idx="0">
+        <a:scrgbClr r="0" g="0" b="0"/>
+      </a:effectRef>
+      <a:fontRef idx="minor"/>
+    </dgm:style>
+  </dgm:styleLbl>
+  <dgm:styleLbl name="solidAlignAcc1">
+    <dgm:scene3d>
+      <a:camera prst="orthographicFront"/>
+      <a:lightRig rig="threePt" dir="t"/>
+    </dgm:scene3d>
+    <dgm:sp3d/>
+    <dgm:txPr/>
+    <dgm:style>
+      <a:lnRef idx="2">
+        <a:scrgbClr r="0" g="0" b="0"/>
+      </a:lnRef>
+      <a:fillRef idx="1">
+        <a:scrgbClr r="0" g="0" b="0"/>
+      </a:fillRef>
+      <a:effectRef idx="0">
+        <a:scrgbClr r="0" g="0" b="0"/>
+      </a:effectRef>
+      <a:fontRef idx="minor"/>
+    </dgm:style>
+  </dgm:styleLbl>
+  <dgm:styleLbl name="solidBgAcc1">
+    <dgm:scene3d>
+      <a:camera prst="orthographicFront"/>
+      <a:lightRig rig="threePt" dir="t"/>
+    </dgm:scene3d>
+    <dgm:sp3d/>
+    <dgm:txPr/>
+    <dgm:style>
+      <a:lnRef idx="2">
+        <a:scrgbClr r="0" g="0" b="0"/>
+      </a:lnRef>
+      <a:fillRef idx="1">
+        <a:scrgbClr r="0" g="0" b="0"/>
+      </a:fillRef>
+      <a:effectRef idx="0">
+        <a:scrgbClr r="0" g="0" b="0"/>
+      </a:effectRef>
+      <a:fontRef idx="minor"/>
+    </dgm:style>
+  </dgm:styleLbl>
+  <dgm:styleLbl name="fgAccFollowNode1">
+    <dgm:scene3d>
+      <a:camera prst="orthographicFront"/>
+      <a:lightRig rig="threePt" dir="t"/>
+    </dgm:scene3d>
+    <dgm:sp3d/>
+    <dgm:txPr/>
+    <dgm:style>
+      <a:lnRef idx="2">
+        <a:scrgbClr r="0" g="0" b="0"/>
+      </a:lnRef>
+      <a:fillRef idx="1">
+        <a:scrgbClr r="0" g="0" b="0"/>
+      </a:fillRef>
+      <a:effectRef idx="0">
+        <a:scrgbClr r="0" g="0" b="0"/>
+      </a:effectRef>
+      <a:fontRef idx="minor"/>
+    </dgm:style>
+  </dgm:styleLbl>
+  <dgm:styleLbl name="alignAccFollowNode1">
+    <dgm:scene3d>
+      <a:camera prst="orthographicFront"/>
+      <a:lightRig rig="threePt" dir="t"/>
+    </dgm:scene3d>
+    <dgm:sp3d/>
+    <dgm:txPr/>
+    <dgm:style>
+      <a:lnRef idx="2">
+        <a:scrgbClr r="0" g="0" b="0"/>
+      </a:lnRef>
+      <a:fillRef idx="1">
+        <a:scrgbClr r="0" g="0" b="0"/>
+      </a:fillRef>
+      <a:effectRef idx="0">
+        <a:scrgbClr r="0" g="0" b="0"/>
+      </a:effectRef>
+      <a:fontRef idx="minor"/>
+    </dgm:style>
+  </dgm:styleLbl>
+  <dgm:styleLbl name="bgAccFollowNode1">
+    <dgm:scene3d>
+      <a:camera prst="orthographicFront"/>
+      <a:lightRig rig="threePt" dir="t"/>
+    </dgm:scene3d>
+    <dgm:sp3d/>
+    <dgm:txPr/>
+    <dgm:style>
+      <a:lnRef idx="2">
+        <a:scrgbClr r="0" g="0" b="0"/>
+      </a:lnRef>
+      <a:fillRef idx="1">
+        <a:scrgbClr r="0" g="0" b="0"/>
+      </a:fillRef>
+      <a:effectRef idx="0">
+        <a:scrgbClr r="0" g="0" b="0"/>
+      </a:effectRef>
+      <a:fontRef idx="minor"/>
+    </dgm:style>
+  </dgm:styleLbl>
+  <dgm:styleLbl name="fgAcc0">
+    <dgm:scene3d>
+      <a:camera prst="orthographicFront"/>
+      <a:lightRig rig="threePt" dir="t"/>
+    </dgm:scene3d>
+    <dgm:sp3d/>
+    <dgm:txPr/>
+    <dgm:style>
+      <a:lnRef idx="2">
+        <a:scrgbClr r="0" g="0" b="0"/>
+      </a:lnRef>
+      <a:fillRef idx="1">
+        <a:scrgbClr r="0" g="0" b="0"/>
+      </a:fillRef>
+      <a:effectRef idx="0">
+        <a:scrgbClr r="0" g="0" b="0"/>
+      </a:effectRef>
+      <a:fontRef idx="minor"/>
+    </dgm:style>
+  </dgm:styleLbl>
+  <dgm:styleLbl name="fgAcc2">
+    <dgm:scene3d>
+      <a:camera prst="orthographicFront"/>
+      <a:lightRig rig="threePt" dir="t"/>
+    </dgm:scene3d>
+    <dgm:sp3d/>
+    <dgm:txPr/>
+    <dgm:style>
+      <a:lnRef idx="2">
+        <a:scrgbClr r="0" g="0" b="0"/>
+      </a:lnRef>
+      <a:fillRef idx="1">
+        <a:scrgbClr r="0" g="0" b="0"/>
+      </a:fillRef>
+      <a:effectRef idx="0">
+        <a:scrgbClr r="0" g="0" b="0"/>
+      </a:effectRef>
+      <a:fontRef idx="minor"/>
+    </dgm:style>
+  </dgm:styleLbl>
+  <dgm:styleLbl name="fgAcc3">
+    <dgm:scene3d>
+      <a:camera prst="orthographicFront"/>
+      <a:lightRig rig="threePt" dir="t"/>
+    </dgm:scene3d>
+    <dgm:sp3d/>
+    <dgm:txPr/>
+    <dgm:style>
+      <a:lnRef idx="2">
+        <a:scrgbClr r="0" g="0" b="0"/>
+      </a:lnRef>
+      <a:fillRef idx="1">
+        <a:scrgbClr r="0" g="0" b="0"/>
+      </a:fillRef>
+      <a:effectRef idx="0">
+        <a:scrgbClr r="0" g="0" b="0"/>
+      </a:effectRef>
+      <a:fontRef idx="minor"/>
+    </dgm:style>
+  </dgm:styleLbl>
+  <dgm:styleLbl name="fgAcc4">
+    <dgm:scene3d>
+      <a:camera prst="orthographicFront"/>
+      <a:lightRig rig="threePt" dir="t"/>
+    </dgm:scene3d>
+    <dgm:sp3d/>
+    <dgm:txPr/>
+    <dgm:style>
+      <a:lnRef idx="2">
+        <a:scrgbClr r="0" g="0" b="0"/>
+      </a:lnRef>
+      <a:fillRef idx="1">
+        <a:scrgbClr r="0" g="0" b="0"/>
+      </a:fillRef>
+      <a:effectRef idx="0">
+        <a:scrgbClr r="0" g="0" b="0"/>
+      </a:effectRef>
+      <a:fontRef idx="minor"/>
+    </dgm:style>
+  </dgm:styleLbl>
+  <dgm:styleLbl name="bgShp">
+    <dgm:scene3d>
+      <a:camera prst="orthographicFront"/>
+      <a:lightRig rig="threePt" dir="t"/>
+    </dgm:scene3d>
+    <dgm:sp3d/>
+    <dgm:txPr/>
+    <dgm:style>
+      <a:lnRef idx="0">
+        <a:scrgbClr r="0" g="0" b="0"/>
+      </a:lnRef>
+      <a:fillRef idx="1">
+        <a:scrgbClr r="0" g="0" b="0"/>
+      </a:fillRef>
+      <a:effectRef idx="0">
+        <a:scrgbClr r="0" g="0" b="0"/>
+      </a:effectRef>
+      <a:fontRef idx="minor"/>
+    </dgm:style>
+  </dgm:styleLbl>
+  <dgm:styleLbl name="dkBgShp">
+    <dgm:scene3d>
+      <a:camera prst="orthographicFront"/>
+      <a:lightRig rig="threePt" dir="t"/>
+    </dgm:scene3d>
+    <dgm:sp3d/>
+    <dgm:txPr/>
+    <dgm:style>
+      <a:lnRef idx="0">
+        <a:scrgbClr r="0" g="0" b="0"/>
+      </a:lnRef>
+      <a:fillRef idx="1">
+        <a:scrgbClr r="0" g="0" b="0"/>
+      </a:fillRef>
+      <a:effectRef idx="0">
+        <a:scrgbClr r="0" g="0" b="0"/>
+      </a:effectRef>
+      <a:fontRef idx="minor"/>
+    </dgm:style>
+  </dgm:styleLbl>
+  <dgm:styleLbl name="trBgShp">
+    <dgm:scene3d>
+      <a:camera prst="orthographicFront"/>
+      <a:lightRig rig="threePt" dir="t"/>
+    </dgm:scene3d>
+    <dgm:sp3d/>
+    <dgm:txPr/>
+    <dgm:style>
+      <a:lnRef idx="0">
+        <a:scrgbClr r="0" g="0" b="0"/>
+      </a:lnRef>
+      <a:fillRef idx="1">
+        <a:scrgbClr r="0" g="0" b="0"/>
+      </a:fillRef>
+      <a:effectRef idx="0">
+        <a:scrgbClr r="0" g="0" b="0"/>
+      </a:effectRef>
+      <a:fontRef idx="minor"/>
+    </dgm:style>
+  </dgm:styleLbl>
+  <dgm:styleLbl name="fgShp">
+    <dgm:scene3d>
+      <a:camera prst="orthographicFront"/>
+      <a:lightRig rig="threePt" dir="t"/>
+    </dgm:scene3d>
+    <dgm:sp3d/>
+    <dgm:txPr/>
+    <dgm:style>
+      <a:lnRef idx="3">
+        <a:scrgbClr r="0" g="0" b="0"/>
+      </a:lnRef>
+      <a:fillRef idx="1">
+        <a:scrgbClr r="0" g="0" b="0"/>
+      </a:fillRef>
+      <a:effectRef idx="1">
+        <a:scrgbClr r="0" g="0" b="0"/>
+      </a:effectRef>
+      <a:fontRef idx="minor"/>
+    </dgm:style>
+  </dgm:styleLbl>
+  <dgm:styleLbl name="revTx">
+    <dgm:scene3d>
+      <a:camera prst="orthographicFront"/>
+      <a:lightRig rig="threePt" dir="t"/>
+    </dgm:scene3d>
+    <dgm:sp3d/>
+    <dgm:txPr/>
+    <dgm:style>
+      <a:lnRef idx="0">
+        <a:scrgbClr r="0" g="0" b="0"/>
+      </a:lnRef>
+      <a:fillRef idx="0">
+        <a:scrgbClr r="0" g="0" b="0"/>
+      </a:fillRef>
+      <a:effectRef idx="0">
+        <a:scrgbClr r="0" g="0" b="0"/>
+      </a:effectRef>
+      <a:fontRef idx="minor"/>
+    </dgm:style>
+  </dgm:styleLbl>
+</dgm:styleDef>
+</file>
+
+<file path=ppt/diagrams/quickStyle4.xml><?xml version="1.0" encoding="utf-8"?>
+<dgm:styleDef xmlns:dgm="http://schemas.openxmlformats.org/drawingml/2006/diagram" xmlns:a="http://schemas.openxmlformats.org/drawingml/2006/main" uniqueId="urn:microsoft.com/office/officeart/2005/8/quickstyle/simple2">
+  <dgm:title val=""/>
+  <dgm:desc val=""/>
+  <dgm:catLst>
+    <dgm:cat type="simple" pri="10200"/>
+  </dgm:catLst>
+  <dgm:scene3d>
+    <a:camera prst="orthographicFront"/>
+    <a:lightRig rig="threePt" dir="t"/>
+  </dgm:scene3d>
+  <dgm:styleLbl name="node0">
+    <dgm:scene3d>
+      <a:camera prst="orthographicFront"/>
+      <a:lightRig rig="threePt" dir="t"/>
+    </dgm:scene3d>
+    <dgm:sp3d/>
+    <dgm:txPr/>
+    <dgm:style>
+      <a:lnRef idx="3">
+        <a:scrgbClr r="0" g="0" b="0"/>
+      </a:lnRef>
+      <a:fillRef idx="1">
+        <a:scrgbClr r="0" g="0" b="0"/>
+      </a:fillRef>
+      <a:effectRef idx="1">
+        <a:scrgbClr r="0" g="0" b="0"/>
+      </a:effectRef>
+      <a:fontRef idx="minor">
+        <a:schemeClr val="lt1"/>
+      </a:fontRef>
+    </dgm:style>
+  </dgm:styleLbl>
+  <dgm:styleLbl name="lnNode1">
+    <dgm:scene3d>
+      <a:camera prst="orthographicFront"/>
+      <a:lightRig rig="threePt" dir="t"/>
+    </dgm:scene3d>
+    <dgm:sp3d/>
+    <dgm:txPr/>
+    <dgm:style>
+      <a:lnRef idx="3">
+        <a:scrgbClr r="0" g="0" b="0"/>
+      </a:lnRef>
+      <a:fillRef idx="1">
+        <a:scrgbClr r="0" g="0" b="0"/>
+      </a:fillRef>
+      <a:effectRef idx="1">
+        <a:scrgbClr r="0" g="0" b="0"/>
+      </a:effectRef>
+      <a:fontRef idx="minor">
+        <a:schemeClr val="lt1"/>
+      </a:fontRef>
+    </dgm:style>
+  </dgm:styleLbl>
+  <dgm:styleLbl name="vennNode1">
+    <dgm:scene3d>
+      <a:camera prst="orthographicFront"/>
+      <a:lightRig rig="threePt" dir="t"/>
+    </dgm:scene3d>
+    <dgm:sp3d/>
+    <dgm:txPr/>
+    <dgm:style>
+      <a:lnRef idx="3">
+        <a:scrgbClr r="0" g="0" b="0"/>
+      </a:lnRef>
+      <a:fillRef idx="1">
+        <a:scrgbClr r="0" g="0" b="0"/>
+      </a:fillRef>
+      <a:effectRef idx="0">
+        <a:scrgbClr r="0" g="0" b="0"/>
+      </a:effectRef>
+      <a:fontRef idx="minor">
+        <a:schemeClr val="tx1"/>
+      </a:fontRef>
+    </dgm:style>
+  </dgm:styleLbl>
+  <dgm:styleLbl name="alignNode1">
+    <dgm:scene3d>
+      <a:camera prst="orthographicFront"/>
+      <a:lightRig rig="threePt" dir="t"/>
+    </dgm:scene3d>
+    <dgm:sp3d/>
+    <dgm:txPr/>
+    <dgm:style>
+      <a:lnRef idx="2">
+        <a:scrgbClr r="0" g="0" b="0"/>
+      </a:lnRef>
+      <a:fillRef idx="1">
+        <a:scrgbClr r="0" g="0" b="0"/>
+      </a:fillRef>
+      <a:effectRef idx="1">
+        <a:scrgbClr r="0" g="0" b="0"/>
+      </a:effectRef>
+      <a:fontRef idx="minor">
+        <a:schemeClr val="lt1"/>
+      </a:fontRef>
+    </dgm:style>
+  </dgm:styleLbl>
+  <dgm:styleLbl name="node1">
+    <dgm:scene3d>
+      <a:camera prst="orthographicFront"/>
+      <a:lightRig rig="threePt" dir="t"/>
+    </dgm:scene3d>
+    <dgm:sp3d/>
+    <dgm:txPr/>
+    <dgm:style>
+      <a:lnRef idx="3">
+        <a:scrgbClr r="0" g="0" b="0"/>
+      </a:lnRef>
+      <a:fillRef idx="1">
+        <a:scrgbClr r="0" g="0" b="0"/>
+      </a:fillRef>
+      <a:effectRef idx="1">
+        <a:scrgbClr r="0" g="0" b="0"/>
+      </a:effectRef>
+      <a:fontRef idx="minor">
+        <a:schemeClr val="lt1"/>
+      </a:fontRef>
+    </dgm:style>
+  </dgm:styleLbl>
+  <dgm:styleLbl name="node2">
+    <dgm:scene3d>
+      <a:camera prst="orthographicFront"/>
+      <a:lightRig rig="threePt" dir="t"/>
+    </dgm:scene3d>
+    <dgm:sp3d/>
+    <dgm:txPr/>
+    <dgm:style>
+      <a:lnRef idx="3">
+        <a:scrgbClr r="0" g="0" b="0"/>
+      </a:lnRef>
+      <a:fillRef idx="1">
+        <a:scrgbClr r="0" g="0" b="0"/>
+      </a:fillRef>
+      <a:effectRef idx="1">
+        <a:scrgbClr r="0" g="0" b="0"/>
+      </a:effectRef>
+      <a:fontRef idx="minor">
+        <a:schemeClr val="lt1"/>
+      </a:fontRef>
+    </dgm:style>
+  </dgm:styleLbl>
+  <dgm:styleLbl name="node3">
+    <dgm:scene3d>
+      <a:camera prst="orthographicFront"/>
+      <a:lightRig rig="threePt" dir="t"/>
+    </dgm:scene3d>
+    <dgm:sp3d/>
+    <dgm:txPr/>
+    <dgm:style>
+      <a:lnRef idx="3">
+        <a:scrgbClr r="0" g="0" b="0"/>
+      </a:lnRef>
+      <a:fillRef idx="1">
+        <a:scrgbClr r="0" g="0" b="0"/>
+      </a:fillRef>
+      <a:effectRef idx="1">
+        <a:scrgbClr r="0" g="0" b="0"/>
+      </a:effectRef>
+      <a:fontRef idx="minor">
+        <a:schemeClr val="lt1"/>
+      </a:fontRef>
+    </dgm:style>
+  </dgm:styleLbl>
+  <dgm:styleLbl name="node4">
+    <dgm:scene3d>
+      <a:camera prst="orthographicFront"/>
+      <a:lightRig rig="threePt" dir="t"/>
+    </dgm:scene3d>
+    <dgm:sp3d/>
+    <dgm:txPr/>
+    <dgm:style>
+      <a:lnRef idx="3">
+        <a:scrgbClr r="0" g="0" b="0"/>
+      </a:lnRef>
+      <a:fillRef idx="1">
+        <a:scrgbClr r="0" g="0" b="0"/>
+      </a:fillRef>
+      <a:effectRef idx="1">
+        <a:scrgbClr r="0" g="0" b="0"/>
+      </a:effectRef>
+      <a:fontRef idx="minor">
+        <a:schemeClr val="lt1"/>
+      </a:fontRef>
+    </dgm:style>
+  </dgm:styleLbl>
+  <dgm:styleLbl name="fgImgPlace1">
+    <dgm:scene3d>
+      <a:camera prst="orthographicFront"/>
+      <a:lightRig rig="threePt" dir="t"/>
+    </dgm:scene3d>
+    <dgm:sp3d/>
+    <dgm:txPr/>
+    <dgm:style>
+      <a:lnRef idx="3">
+        <a:scrgbClr r="0" g="0" b="0"/>
+      </a:lnRef>
+      <a:fillRef idx="1">
+        <a:scrgbClr r="0" g="0" b="0"/>
+      </a:fillRef>
+      <a:effectRef idx="1">
+        <a:scrgbClr r="0" g="0" b="0"/>
+      </a:effectRef>
+      <a:fontRef idx="minor"/>
+    </dgm:style>
+  </dgm:styleLbl>
+  <dgm:styleLbl name="alignImgPlace1">
+    <dgm:scene3d>
+      <a:camera prst="orthographicFront"/>
+      <a:lightRig rig="threePt" dir="t"/>
+    </dgm:scene3d>
+    <dgm:sp3d/>
+    <dgm:txPr/>
+    <dgm:style>
+      <a:lnRef idx="3">
+        <a:scrgbClr r="0" g="0" b="0"/>
+      </a:lnRef>
+      <a:fillRef idx="1">
+        <a:scrgbClr r="0" g="0" b="0"/>
+      </a:fillRef>
+      <a:effectRef idx="1">
+        <a:scrgbClr r="0" g="0" b="0"/>
+      </a:effectRef>
+      <a:fontRef idx="minor"/>
+    </dgm:style>
+  </dgm:styleLbl>
+  <dgm:styleLbl name="bgImgPlace1">
+    <dgm:scene3d>
+      <a:camera prst="orthographicFront"/>
+      <a:lightRig rig="threePt" dir="t"/>
+    </dgm:scene3d>
+    <dgm:sp3d/>
+    <dgm:txPr/>
+    <dgm:style>
+      <a:lnRef idx="3">
+        <a:scrgbClr r="0" g="0" b="0"/>
+      </a:lnRef>
+      <a:fillRef idx="1">
+        <a:scrgbClr r="0" g="0" b="0"/>
+      </a:fillRef>
+      <a:effectRef idx="1">
+        <a:scrgbClr r="0" g="0" b="0"/>
+      </a:effectRef>
+      <a:fontRef idx="minor"/>
+    </dgm:style>
+  </dgm:styleLbl>
+  <dgm:styleLbl name="sibTrans2D1">
+    <dgm:scene3d>
+      <a:camera prst="orthographicFront"/>
+      <a:lightRig rig="threePt" dir="t"/>
+    </dgm:scene3d>
+    <dgm:sp3d/>
+    <dgm:txPr/>
+    <dgm:style>
+      <a:lnRef idx="0">
+        <a:scrgbClr r="0" g="0" b="0"/>
+      </a:lnRef>
+      <a:fillRef idx="1">
+        <a:scrgbClr r="0" g="0" b="0"/>
+      </a:fillRef>
+      <a:effectRef idx="1">
+        <a:scrgbClr r="0" g="0" b="0"/>
+      </a:effectRef>
+      <a:fontRef idx="minor">
+        <a:schemeClr val="lt1"/>
+      </a:fontRef>
+    </dgm:style>
+  </dgm:styleLbl>
+  <dgm:styleLbl name="fgSibTrans2D1">
+    <dgm:scene3d>
+      <a:camera prst="orthographicFront"/>
+      <a:lightRig rig="threePt" dir="t"/>
+    </dgm:scene3d>
+    <dgm:sp3d/>
+    <dgm:txPr/>
+    <dgm:style>
+      <a:lnRef idx="0">
+        <a:scrgbClr r="0" g="0" b="0"/>
+      </a:lnRef>
+      <a:fillRef idx="1">
+        <a:scrgbClr r="0" g="0" b="0"/>
+      </a:fillRef>
+      <a:effectRef idx="1">
+        <a:scrgbClr r="0" g="0" b="0"/>
+      </a:effectRef>
+      <a:fontRef idx="minor">
+        <a:schemeClr val="lt1"/>
+      </a:fontRef>
+    </dgm:style>
+  </dgm:styleLbl>
+  <dgm:styleLbl name="bgSibTrans2D1">
+    <dgm:scene3d>
+      <a:camera prst="orthographicFront"/>
+      <a:lightRig rig="threePt" dir="t"/>
+    </dgm:scene3d>
+    <dgm:sp3d/>
+    <dgm:txPr/>
+    <dgm:style>
+      <a:lnRef idx="0">
+        <a:scrgbClr r="0" g="0" b="0"/>
+      </a:lnRef>
+      <a:fillRef idx="1">
+        <a:scrgbClr r="0" g="0" b="0"/>
+      </a:fillRef>
+      <a:effectRef idx="1">
+        <a:scrgbClr r="0" g="0" b="0"/>
+      </a:effectRef>
+      <a:fontRef idx="minor">
+        <a:schemeClr val="lt1"/>
+      </a:fontRef>
+    </dgm:style>
+  </dgm:styleLbl>
+  <dgm:styleLbl name="sibTrans1D1">
+    <dgm:scene3d>
+      <a:camera prst="orthographicFront"/>
+      <a:lightRig rig="threePt" dir="t"/>
+    </dgm:scene3d>
+    <dgm:sp3d/>
+    <dgm:txPr/>
+    <dgm:style>
+      <a:lnRef idx="1">
+        <a:scrgbClr r="0" g="0" b="0"/>
+      </a:lnRef>
+      <a:fillRef idx="0">
+        <a:scrgbClr r="0" g="0" b="0"/>
+      </a:fillRef>
+      <a:effectRef idx="0">
+        <a:scrgbClr r="0" g="0" b="0"/>
+      </a:effectRef>
+      <a:fontRef idx="minor"/>
+    </dgm:style>
+  </dgm:styleLbl>
+  <dgm:styleLbl name="callout">
+    <dgm:scene3d>
+      <a:camera prst="orthographicFront"/>
+      <a:lightRig rig="threePt" dir="t"/>
+    </dgm:scene3d>
+    <dgm:sp3d/>
+    <dgm:txPr/>
+    <dgm:style>
+      <a:lnRef idx="2">
+        <a:scrgbClr r="0" g="0" b="0"/>
+      </a:lnRef>
+      <a:fillRef idx="1">
+        <a:scrgbClr r="0" g="0" b="0"/>
+      </a:fillRef>
+      <a:effectRef idx="1">
+        <a:scrgbClr r="0" g="0" b="0"/>
+      </a:effectRef>
+      <a:fontRef idx="minor"/>
+    </dgm:style>
+  </dgm:styleLbl>
+  <dgm:styleLbl name="asst0">
+    <dgm:scene3d>
+      <a:camera prst="orthographicFront"/>
+      <a:lightRig rig="threePt" dir="t"/>
+    </dgm:scene3d>
+    <dgm:sp3d/>
+    <dgm:txPr/>
+    <dgm:style>
+      <a:lnRef idx="3">
+        <a:scrgbClr r="0" g="0" b="0"/>
+      </a:lnRef>
+      <a:fillRef idx="1">
+        <a:scrgbClr r="0" g="0" b="0"/>
+      </a:fillRef>
+      <a:effectRef idx="1">
+        <a:scrgbClr r="0" g="0" b="0"/>
+      </a:effectRef>
+      <a:fontRef idx="minor">
+        <a:schemeClr val="lt1"/>
+      </a:fontRef>
+    </dgm:style>
+  </dgm:styleLbl>
+  <dgm:styleLbl name="asst1">
+    <dgm:scene3d>
+      <a:camera prst="orthographicFront"/>
+      <a:lightRig rig="threePt" dir="t"/>
+    </dgm:scene3d>
+    <dgm:sp3d/>
+    <dgm:txPr/>
+    <dgm:style>
+      <a:lnRef idx="3">
+        <a:scrgbClr r="0" g="0" b="0"/>
+      </a:lnRef>
+      <a:fillRef idx="1">
+        <a:scrgbClr r="0" g="0" b="0"/>
+      </a:fillRef>
+      <a:effectRef idx="1">
+        <a:scrgbClr r="0" g="0" b="0"/>
+      </a:effectRef>
+      <a:fontRef idx="minor">
+        <a:schemeClr val="lt1"/>
+      </a:fontRef>
+    </dgm:style>
+  </dgm:styleLbl>
+  <dgm:styleLbl name="asst2">
+    <dgm:scene3d>
+      <a:camera prst="orthographicFront"/>
+      <a:lightRig rig="threePt" dir="t"/>
+    </dgm:scene3d>
+    <dgm:sp3d/>
+    <dgm:txPr/>
+    <dgm:style>
+      <a:lnRef idx="3">
+        <a:scrgbClr r="0" g="0" b="0"/>
+      </a:lnRef>
+      <a:fillRef idx="1">
+        <a:scrgbClr r="0" g="0" b="0"/>
+      </a:fillRef>
+      <a:effectRef idx="1">
+        <a:scrgbClr r="0" g="0" b="0"/>
+      </a:effectRef>
+      <a:fontRef idx="minor">
+        <a:schemeClr val="lt1"/>
+      </a:fontRef>
+    </dgm:style>
+  </dgm:styleLbl>
+  <dgm:styleLbl name="asst3">
+    <dgm:scene3d>
+      <a:camera prst="orthographicFront"/>
+      <a:lightRig rig="threePt" dir="t"/>
+    </dgm:scene3d>
+    <dgm:sp3d/>
+    <dgm:txPr/>
+    <dgm:style>
+      <a:lnRef idx="3">
+        <a:scrgbClr r="0" g="0" b="0"/>
+      </a:lnRef>
+      <a:fillRef idx="1">
+        <a:scrgbClr r="0" g="0" b="0"/>
+      </a:fillRef>
+      <a:effectRef idx="1">
+        <a:scrgbClr r="0" g="0" b="0"/>
+      </a:effectRef>
+      <a:fontRef idx="minor">
+        <a:schemeClr val="lt1"/>
+      </a:fontRef>
+    </dgm:style>
+  </dgm:styleLbl>
+  <dgm:styleLbl name="asst4">
+    <dgm:scene3d>
+      <a:camera prst="orthographicFront"/>
+      <a:lightRig rig="threePt" dir="t"/>
+    </dgm:scene3d>
+    <dgm:sp3d/>
+    <dgm:txPr/>
+    <dgm:style>
+      <a:lnRef idx="3">
+        <a:scrgbClr r="0" g="0" b="0"/>
+      </a:lnRef>
+      <a:fillRef idx="1">
+        <a:scrgbClr r="0" g="0" b="0"/>
+      </a:fillRef>
+      <a:effectRef idx="1">
+        <a:scrgbClr r="0" g="0" b="0"/>
+      </a:effectRef>
+      <a:fontRef idx="minor">
+        <a:schemeClr val="lt1"/>
+      </a:fontRef>
+    </dgm:style>
+  </dgm:styleLbl>
+  <dgm:styleLbl name="parChTrans2D1">
+    <dgm:scene3d>
+      <a:camera prst="orthographicFront"/>
+      <a:lightRig rig="threePt" dir="t"/>
+    </dgm:scene3d>
+    <dgm:sp3d/>
+    <dgm:txPr/>
+    <dgm:style>
+      <a:lnRef idx="3">
+        <a:scrgbClr r="0" g="0" b="0"/>
+      </a:lnRef>
+      <a:fillRef idx="1">
+        <a:scrgbClr r="0" g="0" b="0"/>
+      </a:fillRef>
+      <a:effectRef idx="1">
+        <a:scrgbClr r="0" g="0" b="0"/>
+      </a:effectRef>
+      <a:fontRef idx="minor">
+        <a:schemeClr val="lt1"/>
+      </a:fontRef>
+    </dgm:style>
+  </dgm:styleLbl>
+  <dgm:styleLbl name="parChTrans2D2">
+    <dgm:scene3d>
+      <a:camera prst="orthographicFront"/>
+      <a:lightRig rig="threePt" dir="t"/>
+    </dgm:scene3d>
+    <dgm:sp3d/>
+    <dgm:txPr/>
+    <dgm:style>
+      <a:lnRef idx="3">
+        <a:scrgbClr r="0" g="0" b="0"/>
+      </a:lnRef>
+      <a:fillRef idx="1">
+        <a:scrgbClr r="0" g="0" b="0"/>
+      </a:fillRef>
+      <a:effectRef idx="1">
+        <a:scrgbClr r="0" g="0" b="0"/>
+      </a:effectRef>
+      <a:fontRef idx="minor">
+        <a:schemeClr val="lt1"/>
+      </a:fontRef>
+    </dgm:style>
+  </dgm:styleLbl>
+  <dgm:styleLbl name="parChTrans2D3">
+    <dgm:scene3d>
+      <a:camera prst="orthographicFront"/>
+      <a:lightRig rig="threePt" dir="t"/>
+    </dgm:scene3d>
+    <dgm:sp3d/>
+    <dgm:txPr/>
+    <dgm:style>
+      <a:lnRef idx="3">
+        <a:scrgbClr r="0" g="0" b="0"/>
+      </a:lnRef>
+      <a:fillRef idx="1">
+        <a:scrgbClr r="0" g="0" b="0"/>
+      </a:fillRef>
+      <a:effectRef idx="1">
+        <a:scrgbClr r="0" g="0" b="0"/>
+      </a:effectRef>
+      <a:fontRef idx="minor">
+        <a:schemeClr val="lt1"/>
+      </a:fontRef>
+    </dgm:style>
+  </dgm:styleLbl>
+  <dgm:styleLbl name="parChTrans2D4">
+    <dgm:scene3d>
+      <a:camera prst="orthographicFront"/>
+      <a:lightRig rig="threePt" dir="t"/>
+    </dgm:scene3d>
+    <dgm:sp3d/>
+    <dgm:txPr/>
+    <dgm:style>
+      <a:lnRef idx="3">
+        <a:scrgbClr r="0" g="0" b="0"/>
+      </a:lnRef>
+      <a:fillRef idx="1">
+        <a:scrgbClr r="0" g="0" b="0"/>
+      </a:fillRef>
+      <a:effectRef idx="1">
+        <a:scrgbClr r="0" g="0" b="0"/>
+      </a:effectRef>
+      <a:fontRef idx="minor">
+        <a:schemeClr val="lt1"/>
+      </a:fontRef>
+    </dgm:style>
+  </dgm:styleLbl>
+  <dgm:styleLbl name="parChTrans1D1">
+    <dgm:scene3d>
+      <a:camera prst="orthographicFront"/>
+      <a:lightRig rig="threePt" dir="t"/>
+    </dgm:scene3d>
+    <dgm:sp3d/>
+    <dgm:txPr/>
+    <dgm:style>
+      <a:lnRef idx="2">
+        <a:scrgbClr r="0" g="0" b="0"/>
+      </a:lnRef>
+      <a:fillRef idx="0">
+        <a:scrgbClr r="0" g="0" b="0"/>
+      </a:fillRef>
+      <a:effectRef idx="0">
+        <a:scrgbClr r="0" g="0" b="0"/>
+      </a:effectRef>
+      <a:fontRef idx="minor"/>
+    </dgm:style>
+  </dgm:styleLbl>
+  <dgm:styleLbl name="parChTrans1D2">
+    <dgm:scene3d>
+      <a:camera prst="orthographicFront"/>
+      <a:lightRig rig="threePt" dir="t"/>
+    </dgm:scene3d>
+    <dgm:sp3d/>
+    <dgm:txPr/>
+    <dgm:style>
+      <a:lnRef idx="2">
+        <a:scrgbClr r="0" g="0" b="0"/>
+      </a:lnRef>
+      <a:fillRef idx="0">
+        <a:scrgbClr r="0" g="0" b="0"/>
+      </a:fillRef>
+      <a:effectRef idx="0">
+        <a:scrgbClr r="0" g="0" b="0"/>
+      </a:effectRef>
+      <a:fontRef idx="minor"/>
+    </dgm:style>
+  </dgm:styleLbl>
+  <dgm:styleLbl name="parChTrans1D3">
+    <dgm:scene3d>
+      <a:camera prst="orthographicFront"/>
+      <a:lightRig rig="threePt" dir="t"/>
+    </dgm:scene3d>
+    <dgm:sp3d/>
+    <dgm:txPr/>
+    <dgm:style>
+      <a:lnRef idx="2">
+        <a:scrgbClr r="0" g="0" b="0"/>
+      </a:lnRef>
+      <a:fillRef idx="0">
+        <a:scrgbClr r="0" g="0" b="0"/>
+      </a:fillRef>
+      <a:effectRef idx="0">
+        <a:scrgbClr r="0" g="0" b="0"/>
+      </a:effectRef>
+      <a:fontRef idx="minor"/>
+    </dgm:style>
+  </dgm:styleLbl>
+  <dgm:styleLbl name="parChTrans1D4">
+    <dgm:scene3d>
+      <a:camera prst="orthographicFront"/>
+      <a:lightRig rig="threePt" dir="t"/>
+    </dgm:scene3d>
+    <dgm:sp3d/>
+    <dgm:txPr/>
+    <dgm:style>
+      <a:lnRef idx="2">
+        <a:scrgbClr r="0" g="0" b="0"/>
+      </a:lnRef>
+      <a:fillRef idx="0">
+        <a:scrgbClr r="0" g="0" b="0"/>
+      </a:fillRef>
+      <a:effectRef idx="0">
+        <a:scrgbClr r="0" g="0" b="0"/>
+      </a:effectRef>
+      <a:fontRef idx="minor"/>
+    </dgm:style>
+  </dgm:styleLbl>
+  <dgm:styleLbl name="fgAcc1">
+    <dgm:scene3d>
+      <a:camera prst="orthographicFront"/>
+      <a:lightRig rig="threePt" dir="t"/>
+    </dgm:scene3d>
+    <dgm:sp3d/>
+    <dgm:txPr/>
+    <dgm:style>
+      <a:lnRef idx="2">
+        <a:scrgbClr r="0" g="0" b="0"/>
+      </a:lnRef>
+      <a:fillRef idx="1">
+        <a:scrgbClr r="0" g="0" b="0"/>
+      </a:fillRef>
+      <a:effectRef idx="0">
+        <a:scrgbClr r="0" g="0" b="0"/>
+      </a:effectRef>
+      <a:fontRef idx="minor"/>
+    </dgm:style>
+  </dgm:styleLbl>
+  <dgm:styleLbl name="conFgAcc1">
+    <dgm:scene3d>
+      <a:camera prst="orthographicFront"/>
+      <a:lightRig rig="threePt" dir="t"/>
+    </dgm:scene3d>
+    <dgm:sp3d/>
+    <dgm:txPr/>
+    <dgm:style>
+      <a:lnRef idx="2">
+        <a:scrgbClr r="0" g="0" b="0"/>
+      </a:lnRef>
+      <a:fillRef idx="1">
+        <a:scrgbClr r="0" g="0" b="0"/>
+      </a:fillRef>
+      <a:effectRef idx="0">
+        <a:scrgbClr r="0" g="0" b="0"/>
+      </a:effectRef>
+      <a:fontRef idx="minor"/>
+    </dgm:style>
+  </dgm:styleLbl>
+  <dgm:styleLbl name="alignAcc1">
+    <dgm:scene3d>
+      <a:camera prst="orthographicFront"/>
+      <a:lightRig rig="threePt" dir="t"/>
+    </dgm:scene3d>
+    <dgm:sp3d/>
+    <dgm:txPr/>
+    <dgm:style>
+      <a:lnRef idx="2">
+        <a:scrgbClr r="0" g="0" b="0"/>
+      </a:lnRef>
+      <a:fillRef idx="1">
+        <a:scrgbClr r="0" g="0" b="0"/>
+      </a:fillRef>
+      <a:effectRef idx="0">
+        <a:scrgbClr r="0" g="0" b="0"/>
+      </a:effectRef>
+      <a:fontRef idx="minor"/>
+    </dgm:style>
+  </dgm:styleLbl>
+  <dgm:styleLbl name="trAlignAcc1">
+    <dgm:scene3d>
+      <a:camera prst="orthographicFront"/>
+      <a:lightRig rig="threePt" dir="t"/>
+    </dgm:scene3d>
+    <dgm:sp3d/>
+    <dgm:txPr/>
+    <dgm:style>
+      <a:lnRef idx="1">
+        <a:scrgbClr r="0" g="0" b="0"/>
+      </a:lnRef>
+      <a:fillRef idx="1">
+        <a:scrgbClr r="0" g="0" b="0"/>
+      </a:fillRef>
+      <a:effectRef idx="0">
+        <a:scrgbClr r="0" g="0" b="0"/>
+      </a:effectRef>
+      <a:fontRef idx="minor"/>
+    </dgm:style>
+  </dgm:styleLbl>
+  <dgm:styleLbl name="bgAcc1">
+    <dgm:scene3d>
+      <a:camera prst="orthographicFront"/>
+      <a:lightRig rig="threePt" dir="t"/>
+    </dgm:scene3d>
+    <dgm:sp3d/>
+    <dgm:txPr/>
+    <dgm:style>
+      <a:lnRef idx="2">
+        <a:scrgbClr r="0" g="0" b="0"/>
+      </a:lnRef>
+      <a:fillRef idx="1">
+        <a:scrgbClr r="0" g="0" b="0"/>
+      </a:fillRef>
+      <a:effectRef idx="0">
+        <a:scrgbClr r="0" g="0" b="0"/>
+      </a:effectRef>
+      <a:fontRef idx="minor"/>
+    </dgm:style>
+  </dgm:styleLbl>
+  <dgm:styleLbl name="solidFgAcc1">
+    <dgm:scene3d>
+      <a:camera prst="orthographicFront"/>
+      <a:lightRig rig="threePt" dir="t"/>
+    </dgm:scene3d>
+    <dgm:sp3d/>
+    <dgm:txPr/>
+    <dgm:style>
+      <a:lnRef idx="2">
+        <a:scrgbClr r="0" g="0" b="0"/>
+      </a:lnRef>
+      <a:fillRef idx="1">
+        <a:scrgbClr r="0" g="0" b="0"/>
+      </a:fillRef>
+      <a:effectRef idx="0">
+        <a:scrgbClr r="0" g="0" b="0"/>
+      </a:effectRef>
+      <a:fontRef idx="minor"/>
+    </dgm:style>
+  </dgm:styleLbl>
+  <dgm:styleLbl name="solidAlignAcc1">
+    <dgm:scene3d>
+      <a:camera prst="orthographicFront"/>
+      <a:lightRig rig="threePt" dir="t"/>
+    </dgm:scene3d>
+    <dgm:sp3d/>
+    <dgm:txPr/>
+    <dgm:style>
+      <a:lnRef idx="2">
+        <a:scrgbClr r="0" g="0" b="0"/>
+      </a:lnRef>
+      <a:fillRef idx="1">
+        <a:scrgbClr r="0" g="0" b="0"/>
+      </a:fillRef>
+      <a:effectRef idx="0">
+        <a:scrgbClr r="0" g="0" b="0"/>
+      </a:effectRef>
+      <a:fontRef idx="minor"/>
+    </dgm:style>
+  </dgm:styleLbl>
+  <dgm:styleLbl name="solidBgAcc1">
+    <dgm:scene3d>
+      <a:camera prst="orthographicFront"/>
+      <a:lightRig rig="threePt" dir="t"/>
+    </dgm:scene3d>
+    <dgm:sp3d/>
+    <dgm:txPr/>
+    <dgm:style>
+      <a:lnRef idx="2">
+        <a:scrgbClr r="0" g="0" b="0"/>
+      </a:lnRef>
+      <a:fillRef idx="1">
+        <a:scrgbClr r="0" g="0" b="0"/>
+      </a:fillRef>
+      <a:effectRef idx="0">
+        <a:scrgbClr r="0" g="0" b="0"/>
+      </a:effectRef>
+      <a:fontRef idx="minor"/>
+    </dgm:style>
+  </dgm:styleLbl>
+  <dgm:styleLbl name="fgAccFollowNode1">
+    <dgm:scene3d>
+      <a:camera prst="orthographicFront"/>
+      <a:lightRig rig="threePt" dir="t"/>
+    </dgm:scene3d>
+    <dgm:sp3d/>
+    <dgm:txPr/>
+    <dgm:style>
+      <a:lnRef idx="2">
+        <a:scrgbClr r="0" g="0" b="0"/>
+      </a:lnRef>
+      <a:fillRef idx="1">
+        <a:scrgbClr r="0" g="0" b="0"/>
+      </a:fillRef>
+      <a:effectRef idx="0">
+        <a:scrgbClr r="0" g="0" b="0"/>
+      </a:effectRef>
+      <a:fontRef idx="minor"/>
+    </dgm:style>
+  </dgm:styleLbl>
+  <dgm:styleLbl name="alignAccFollowNode1">
+    <dgm:scene3d>
+      <a:camera prst="orthographicFront"/>
+      <a:lightRig rig="threePt" dir="t"/>
+    </dgm:scene3d>
+    <dgm:sp3d/>
+    <dgm:txPr/>
+    <dgm:style>
+      <a:lnRef idx="2">
+        <a:scrgbClr r="0" g="0" b="0"/>
+      </a:lnRef>
+      <a:fillRef idx="1">
+        <a:scrgbClr r="0" g="0" b="0"/>
+      </a:fillRef>
+      <a:effectRef idx="0">
+        <a:scrgbClr r="0" g="0" b="0"/>
+      </a:effectRef>
+      <a:fontRef idx="minor"/>
+    </dgm:style>
+  </dgm:styleLbl>
+  <dgm:styleLbl name="bgAccFollowNode1">
+    <dgm:scene3d>
+      <a:camera prst="orthographicFront"/>
+      <a:lightRig rig="threePt" dir="t"/>
+    </dgm:scene3d>
+    <dgm:sp3d/>
+    <dgm:txPr/>
+    <dgm:style>
+      <a:lnRef idx="2">
+        <a:scrgbClr r="0" g="0" b="0"/>
+      </a:lnRef>
+      <a:fillRef idx="1">
+        <a:scrgbClr r="0" g="0" b="0"/>
+      </a:fillRef>
+      <a:effectRef idx="0">
+        <a:scrgbClr r="0" g="0" b="0"/>
+      </a:effectRef>
+      <a:fontRef idx="minor"/>
+    </dgm:style>
+  </dgm:styleLbl>
+  <dgm:styleLbl name="fgAcc0">
+    <dgm:scene3d>
+      <a:camera prst="orthographicFront"/>
+      <a:lightRig rig="threePt" dir="t"/>
+    </dgm:scene3d>
+    <dgm:sp3d/>
+    <dgm:txPr/>
+    <dgm:style>
+      <a:lnRef idx="2">
+        <a:scrgbClr r="0" g="0" b="0"/>
+      </a:lnRef>
+      <a:fillRef idx="1">
+        <a:scrgbClr r="0" g="0" b="0"/>
+      </a:fillRef>
+      <a:effectRef idx="0">
+        <a:scrgbClr r="0" g="0" b="0"/>
+      </a:effectRef>
+      <a:fontRef idx="minor"/>
+    </dgm:style>
+  </dgm:styleLbl>
+  <dgm:styleLbl name="fgAcc2">
+    <dgm:scene3d>
+      <a:camera prst="orthographicFront"/>
+      <a:lightRig rig="threePt" dir="t"/>
+    </dgm:scene3d>
+    <dgm:sp3d/>
+    <dgm:txPr/>
+    <dgm:style>
+      <a:lnRef idx="2">
+        <a:scrgbClr r="0" g="0" b="0"/>
+      </a:lnRef>
+      <a:fillRef idx="1">
+        <a:scrgbClr r="0" g="0" b="0"/>
+      </a:fillRef>
+      <a:effectRef idx="0">
+        <a:scrgbClr r="0" g="0" b="0"/>
+      </a:effectRef>
+      <a:fontRef idx="minor"/>
+    </dgm:style>
+  </dgm:styleLbl>
+  <dgm:styleLbl name="fgAcc3">
+    <dgm:scene3d>
+      <a:camera prst="orthographicFront"/>
+      <a:lightRig rig="threePt" dir="t"/>
+    </dgm:scene3d>
+    <dgm:sp3d/>
+    <dgm:txPr/>
+    <dgm:style>
+      <a:lnRef idx="2">
+        <a:scrgbClr r="0" g="0" b="0"/>
+      </a:lnRef>
+      <a:fillRef idx="1">
+        <a:scrgbClr r="0" g="0" b="0"/>
+      </a:fillRef>
+      <a:effectRef idx="0">
+        <a:scrgbClr r="0" g="0" b="0"/>
+      </a:effectRef>
+      <a:fontRef idx="minor"/>
+    </dgm:style>
+  </dgm:styleLbl>
+  <dgm:styleLbl name="fgAcc4">
+    <dgm:scene3d>
+      <a:camera prst="orthographicFront"/>
+      <a:lightRig rig="threePt" dir="t"/>
+    </dgm:scene3d>
+    <dgm:sp3d/>
+    <dgm:txPr/>
+    <dgm:style>
+      <a:lnRef idx="2">
+        <a:scrgbClr r="0" g="0" b="0"/>
+      </a:lnRef>
+      <a:fillRef idx="1">
+        <a:scrgbClr r="0" g="0" b="0"/>
+      </a:fillRef>
+      <a:effectRef idx="0">
+        <a:scrgbClr r="0" g="0" b="0"/>
+      </a:effectRef>
+      <a:fontRef idx="minor"/>
+    </dgm:style>
+  </dgm:styleLbl>
+  <dgm:styleLbl name="bgShp">
+    <dgm:scene3d>
+      <a:camera prst="orthographicFront"/>
+      <a:lightRig rig="threePt" dir="t"/>
+    </dgm:scene3d>
+    <dgm:sp3d/>
+    <dgm:txPr/>
+    <dgm:style>
+      <a:lnRef idx="0">
+        <a:scrgbClr r="0" g="0" b="0"/>
+      </a:lnRef>
+      <a:fillRef idx="1">
+        <a:scrgbClr r="0" g="0" b="0"/>
+      </a:fillRef>
+      <a:effectRef idx="0">
+        <a:scrgbClr r="0" g="0" b="0"/>
+      </a:effectRef>
+      <a:fontRef idx="minor"/>
+    </dgm:style>
+  </dgm:styleLbl>
+  <dgm:styleLbl name="dkBgShp">
+    <dgm:scene3d>
+      <a:camera prst="orthographicFront"/>
+      <a:lightRig rig="threePt" dir="t"/>
+    </dgm:scene3d>
+    <dgm:sp3d/>
+    <dgm:txPr/>
+    <dgm:style>
+      <a:lnRef idx="0">
+        <a:scrgbClr r="0" g="0" b="0"/>
+      </a:lnRef>
+      <a:fillRef idx="1">
+        <a:scrgbClr r="0" g="0" b="0"/>
+      </a:fillRef>
+      <a:effectRef idx="0">
+        <a:scrgbClr r="0" g="0" b="0"/>
+      </a:effectRef>
+      <a:fontRef idx="minor"/>
+    </dgm:style>
+  </dgm:styleLbl>
+  <dgm:styleLbl name="trBgShp">
+    <dgm:scene3d>
+      <a:camera prst="orthographicFront"/>
+      <a:lightRig rig="threePt" dir="t"/>
+    </dgm:scene3d>
+    <dgm:sp3d/>
+    <dgm:txPr/>
+    <dgm:style>
+      <a:lnRef idx="0">
+        <a:scrgbClr r="0" g="0" b="0"/>
+      </a:lnRef>
+      <a:fillRef idx="1">
+        <a:scrgbClr r="0" g="0" b="0"/>
+      </a:fillRef>
+      <a:effectRef idx="0">
+        <a:scrgbClr r="0" g="0" b="0"/>
+      </a:effectRef>
+      <a:fontRef idx="minor"/>
+    </dgm:style>
+  </dgm:styleLbl>
+  <dgm:styleLbl name="fgShp">
+    <dgm:scene3d>
+      <a:camera prst="orthographicFront"/>
+      <a:lightRig rig="threePt" dir="t"/>
+    </dgm:scene3d>
+    <dgm:sp3d/>
+    <dgm:txPr/>
+    <dgm:style>
+      <a:lnRef idx="3">
+        <a:scrgbClr r="0" g="0" b="0"/>
+      </a:lnRef>
+      <a:fillRef idx="1">
+        <a:scrgbClr r="0" g="0" b="0"/>
+      </a:fillRef>
+      <a:effectRef idx="1">
+        <a:scrgbClr r="0" g="0" b="0"/>
+      </a:effectRef>
+      <a:fontRef idx="minor"/>
+    </dgm:style>
+  </dgm:styleLbl>
+  <dgm:styleLbl name="revTx">
+    <dgm:scene3d>
+      <a:camera prst="orthographicFront"/>
+      <a:lightRig rig="threePt" dir="t"/>
+    </dgm:scene3d>
+    <dgm:sp3d/>
+    <dgm:txPr/>
+    <dgm:style>
+      <a:lnRef idx="0">
+        <a:scrgbClr r="0" g="0" b="0"/>
+      </a:lnRef>
+      <a:fillRef idx="0">
+        <a:scrgbClr r="0" g="0" b="0"/>
+      </a:fillRef>
+      <a:effectRef idx="0">
+        <a:scrgbClr r="0" g="0" b="0"/>
+      </a:effectRef>
+      <a:fontRef idx="minor"/>
+    </dgm:style>
+  </dgm:styleLbl>
+</dgm:styleDef>
+</file>
+
+<file path=ppt/diagrams/quickStyle5.xml><?xml version="1.0" encoding="utf-8"?>
 <dgm:styleDef xmlns:dgm="http://schemas.openxmlformats.org/drawingml/2006/diagram" xmlns:a="http://schemas.openxmlformats.org/drawingml/2006/main" uniqueId="urn:microsoft.com/office/officeart/2005/8/quickstyle/simple2">
   <dgm:title val=""/>
   <dgm:desc val=""/>
@@ -8169,7 +12996,7 @@
             <a:fld id="{A1FD88C7-F46E-4F69-9FAD-0E0ED04CBE5A}" type="slidenum">
               <a:rPr lang="en-US"/>
               <a:pPr/>
-              <a:t>1</a:t>
+              <a:t>2</a:t>
             </a:fld>
             <a:endParaRPr lang="en-US"/>
           </a:p>
@@ -10729,202 +15556,12 @@
       </p:grpSpPr>
       <p:sp>
         <p:nvSpPr>
-          <p:cNvPr id="381954" name="AutoShape 2"/>
-          <p:cNvSpPr>
-            <a:spLocks noGrp="1" noChangeArrowheads="1"/>
-          </p:cNvSpPr>
-          <p:nvPr>
-            <p:ph type="ctrTitle"/>
-          </p:nvPr>
-        </p:nvSpPr>
-        <p:spPr>
-          <a:xfrm>
-            <a:off x="685800" y="963613"/>
-            <a:ext cx="8183563" cy="1143000"/>
-          </a:xfrm>
-          <a:prstGeom prst="irregularSeal1">
-            <a:avLst/>
-          </a:prstGeom>
-          <a:ln/>
-        </p:spPr>
-        <p:txBody>
-          <a:bodyPr/>
-          <a:lstStyle/>
-          <a:p>
-            <a:r>
-              <a:rPr lang="en-US" sz="3600" dirty="0" smtClean="0"/>
-              <a:t>DSM2 Users Group</a:t>
-            </a:r>
-            <a:endParaRPr lang="en-US" sz="3600" dirty="0"/>
-          </a:p>
-        </p:txBody>
-      </p:sp>
-      <p:sp>
-        <p:nvSpPr>
-          <p:cNvPr id="381955" name="Rectangle 3"/>
-          <p:cNvSpPr>
-            <a:spLocks noGrp="1" noChangeArrowheads="1"/>
-          </p:cNvSpPr>
-          <p:nvPr>
-            <p:ph type="subTitle" idx="1"/>
-          </p:nvPr>
-        </p:nvSpPr>
-        <p:spPr>
-          <a:xfrm>
-            <a:off x="1212850" y="2732088"/>
-            <a:ext cx="6954838" cy="3355975"/>
-          </a:xfrm>
-        </p:spPr>
-        <p:txBody>
-          <a:bodyPr/>
-          <a:lstStyle/>
-          <a:p>
-            <a:r>
-              <a:rPr lang="en-US" dirty="0"/>
-              <a:t>DSM2 Training</a:t>
-            </a:r>
-          </a:p>
-          <a:p>
-            <a:r>
-              <a:rPr lang="en-US" dirty="0" smtClean="0"/>
-              <a:t>September 15-17, 2009</a:t>
-            </a:r>
-            <a:endParaRPr lang="en-US" dirty="0"/>
-          </a:p>
-          <a:p>
-            <a:endParaRPr lang="en-US" dirty="0"/>
-          </a:p>
-          <a:p>
-            <a:pPr algn="l"/>
-            <a:r>
-              <a:rPr lang="en-US" dirty="0">
-                <a:solidFill>
-                  <a:srgbClr val="6666FF"/>
-                </a:solidFill>
-              </a:rPr>
-              <a:t>	</a:t>
-            </a:r>
-            <a:r>
-              <a:rPr lang="en-US" dirty="0" smtClean="0">
-                <a:solidFill>
-                  <a:srgbClr val="6666FF"/>
-                </a:solidFill>
-              </a:rPr>
-              <a:t>Min Yu, P.E.</a:t>
-            </a:r>
-            <a:endParaRPr lang="en-US" sz="2400" dirty="0">
-              <a:solidFill>
-                <a:srgbClr val="6666FF"/>
-              </a:solidFill>
-            </a:endParaRPr>
-          </a:p>
-          <a:p>
-            <a:pPr algn="l"/>
-            <a:r>
-              <a:rPr lang="en-US" sz="2400" dirty="0">
-                <a:solidFill>
-                  <a:srgbClr val="6666FF"/>
-                </a:solidFill>
-              </a:rPr>
-              <a:t>	Delta Modeling Section</a:t>
-            </a:r>
-          </a:p>
-          <a:p>
-            <a:pPr algn="l"/>
-            <a:r>
-              <a:rPr lang="en-US" sz="2400" dirty="0">
-                <a:solidFill>
-                  <a:srgbClr val="6666FF"/>
-                </a:solidFill>
-              </a:rPr>
-              <a:t>	California Department of Water Resources</a:t>
-            </a:r>
-          </a:p>
-          <a:p>
-            <a:pPr algn="l"/>
-            <a:endParaRPr lang="en-US" sz="2400" dirty="0">
-              <a:solidFill>
-                <a:srgbClr val="6666FF"/>
-              </a:solidFill>
-            </a:endParaRPr>
-          </a:p>
-          <a:p>
-            <a:pPr algn="l"/>
-            <a:endParaRPr lang="en-US" sz="2400" dirty="0">
-              <a:solidFill>
-                <a:srgbClr val="6666FF"/>
-              </a:solidFill>
-            </a:endParaRPr>
-          </a:p>
-        </p:txBody>
-      </p:sp>
-      <p:pic>
-        <p:nvPicPr>
-          <p:cNvPr id="381956" name="Picture 4" descr="dwranim"/>
-          <p:cNvPicPr>
-            <a:picLocks noChangeAspect="1" noChangeArrowheads="1"/>
-          </p:cNvPicPr>
-          <p:nvPr/>
-        </p:nvPicPr>
-        <p:blipFill>
-          <a:blip r:embed="rId3"/>
-          <a:srcRect/>
-          <a:stretch>
-            <a:fillRect/>
-          </a:stretch>
-        </p:blipFill>
-        <p:spPr bwMode="auto">
-          <a:xfrm>
-            <a:off x="1052513" y="4972050"/>
-            <a:ext cx="1035050" cy="1101725"/>
-          </a:xfrm>
-          <a:prstGeom prst="rect">
-            <a:avLst/>
-          </a:prstGeom>
-          <a:noFill/>
-        </p:spPr>
-      </p:pic>
-    </p:spTree>
-  </p:cSld>
-  <p:clrMapOvr>
-    <a:masterClrMapping/>
-  </p:clrMapOvr>
-  <p:transition/>
-  <p:timing>
-    <p:tnLst>
-      <p:par>
-        <p:cTn id="1" dur="indefinite" restart="never" nodeType="tmRoot"/>
-      </p:par>
-    </p:tnLst>
-  </p:timing>
-</p:sld>
-</file>
-
-<file path=ppt/slides/slide10.xml><?xml version="1.0" encoding="utf-8"?>
-<p:sld xmlns:a="http://schemas.openxmlformats.org/drawingml/2006/main" xmlns:r="http://schemas.openxmlformats.org/officeDocument/2006/relationships" xmlns:p="http://schemas.openxmlformats.org/presentationml/2006/main">
-  <p:cSld>
-    <p:spTree>
-      <p:nvGrpSpPr>
-        <p:cNvPr id="1" name=""/>
-        <p:cNvGrpSpPr/>
-        <p:nvPr/>
-      </p:nvGrpSpPr>
-      <p:grpSpPr>
-        <a:xfrm>
-          <a:off x="0" y="0"/>
-          <a:ext cx="0" cy="0"/>
-          <a:chOff x="0" y="0"/>
-          <a:chExt cx="0" cy="0"/>
-        </a:xfrm>
-      </p:grpSpPr>
-      <p:sp>
-        <p:nvSpPr>
           <p:cNvPr id="2" name="Title 1"/>
           <p:cNvSpPr>
             <a:spLocks noGrp="1"/>
           </p:cNvSpPr>
           <p:nvPr>
-            <p:ph type="title"/>
+            <p:ph type="ctrTitle"/>
           </p:nvPr>
         </p:nvSpPr>
         <p:spPr/>
@@ -10933,282 +15570,10 @@
           <a:lstStyle/>
           <a:p>
             <a:r>
-              <a:rPr lang="en-US" dirty="0" smtClean="0"/>
-              <a:t>Contact</a:t>
+              <a:rPr lang="en-US" sz="6600" dirty="0" smtClean="0"/>
+              <a:t>DSM2UG</a:t>
             </a:r>
-            <a:endParaRPr lang="en-US" dirty="0"/>
-          </a:p>
-        </p:txBody>
-      </p:sp>
-      <p:sp>
-        <p:nvSpPr>
-          <p:cNvPr id="3" name="Content Placeholder 2"/>
-          <p:cNvSpPr>
-            <a:spLocks noGrp="1"/>
-          </p:cNvSpPr>
-          <p:nvPr>
-            <p:ph idx="1"/>
-          </p:nvPr>
-        </p:nvSpPr>
-        <p:spPr/>
-        <p:txBody>
-          <a:bodyPr/>
-          <a:lstStyle/>
-          <a:p>
-            <a:pPr algn="ctr">
-              <a:buNone/>
-            </a:pPr>
-            <a:r>
-              <a:rPr lang="en-US" dirty="0" smtClean="0"/>
-              <a:t>Min </a:t>
-            </a:r>
-            <a:r>
-              <a:rPr lang="en-US" dirty="0" smtClean="0"/>
-              <a:t>Yu</a:t>
-            </a:r>
-          </a:p>
-          <a:p>
-            <a:pPr algn="ctr">
-              <a:buNone/>
-            </a:pPr>
-            <a:r>
-              <a:rPr lang="en-US" dirty="0" smtClean="0"/>
-              <a:t>Delta </a:t>
-            </a:r>
-            <a:r>
-              <a:rPr lang="en-US" dirty="0" smtClean="0"/>
-              <a:t>Modeling Section</a:t>
-            </a:r>
-          </a:p>
-          <a:p>
-            <a:pPr algn="ctr">
-              <a:buNone/>
-            </a:pPr>
-            <a:r>
-              <a:rPr lang="en-US" i="1" dirty="0" smtClean="0">
-                <a:hlinkClick r:id="rId2"/>
-              </a:rPr>
-              <a:t>minyu@water.ca.gov</a:t>
-            </a:r>
-            <a:endParaRPr lang="en-US" i="1" dirty="0" smtClean="0"/>
-          </a:p>
-          <a:p>
-            <a:pPr algn="ctr">
-              <a:buNone/>
-            </a:pPr>
-            <a:r>
-              <a:rPr lang="en-US" dirty="0" smtClean="0"/>
-              <a:t>916.653.5225</a:t>
-            </a:r>
-          </a:p>
-          <a:p>
-            <a:pPr algn="ctr">
-              <a:buNone/>
-            </a:pPr>
-            <a:endParaRPr lang="en-US" i="1" dirty="0" smtClean="0"/>
-          </a:p>
-          <a:p>
-            <a:endParaRPr lang="en-US" dirty="0" smtClean="0"/>
-          </a:p>
-          <a:p>
-            <a:pPr>
-              <a:buNone/>
-            </a:pPr>
-            <a:endParaRPr lang="en-US" dirty="0"/>
-          </a:p>
-        </p:txBody>
-      </p:sp>
-      <p:sp>
-        <p:nvSpPr>
-          <p:cNvPr id="4" name="Date Placeholder 3"/>
-          <p:cNvSpPr>
-            <a:spLocks noGrp="1"/>
-          </p:cNvSpPr>
-          <p:nvPr>
-            <p:ph type="dt" sz="half" idx="10"/>
-          </p:nvPr>
-        </p:nvSpPr>
-        <p:spPr/>
-        <p:txBody>
-          <a:bodyPr/>
-          <a:lstStyle/>
-          <a:p>
-            <a:fld id="{AB98F214-5D90-468C-9EE8-E1612B8D2BE2}" type="slidenum">
-              <a:rPr lang="en-US" smtClean="0"/>
-              <a:pPr/>
-              <a:t>10</a:t>
-            </a:fld>
-            <a:endParaRPr lang="en-US"/>
-          </a:p>
-        </p:txBody>
-      </p:sp>
-      <p:pic>
-        <p:nvPicPr>
-          <p:cNvPr id="1034" name="Picture 10" descr="C:\Documents and Settings\minyu\Local Settings\Temporary Internet Files\Content.IE5\M6AMB87K\MCj02873130000[1].wmf"/>
-          <p:cNvPicPr>
-            <a:picLocks noChangeAspect="1" noChangeArrowheads="1"/>
-          </p:cNvPicPr>
-          <p:nvPr/>
-        </p:nvPicPr>
-        <p:blipFill>
-          <a:blip r:embed="rId3"/>
-          <a:srcRect/>
-          <a:stretch>
-            <a:fillRect/>
-          </a:stretch>
-        </p:blipFill>
-        <p:spPr bwMode="auto">
-          <a:xfrm>
-            <a:off x="739834" y="435428"/>
-            <a:ext cx="1887648" cy="1531545"/>
-          </a:xfrm>
-          <a:prstGeom prst="rect">
-            <a:avLst/>
-          </a:prstGeom>
-          <a:noFill/>
-        </p:spPr>
-      </p:pic>
-    </p:spTree>
-  </p:cSld>
-  <p:clrMapOvr>
-    <a:masterClrMapping/>
-  </p:clrMapOvr>
-  <p:transition/>
-  <p:timing>
-    <p:tnLst>
-      <p:par>
-        <p:cTn id="1" dur="indefinite" restart="never" nodeType="tmRoot"/>
-      </p:par>
-    </p:tnLst>
-  </p:timing>
-</p:sld>
-</file>
-
-<file path=ppt/slides/slide2.xml><?xml version="1.0" encoding="utf-8"?>
-<p:sld xmlns:a="http://schemas.openxmlformats.org/drawingml/2006/main" xmlns:r="http://schemas.openxmlformats.org/officeDocument/2006/relationships" xmlns:p="http://schemas.openxmlformats.org/presentationml/2006/main">
-  <p:cSld>
-    <p:spTree>
-      <p:nvGrpSpPr>
-        <p:cNvPr id="1" name=""/>
-        <p:cNvGrpSpPr/>
-        <p:nvPr/>
-      </p:nvGrpSpPr>
-      <p:grpSpPr>
-        <a:xfrm>
-          <a:off x="0" y="0"/>
-          <a:ext cx="0" cy="0"/>
-          <a:chOff x="0" y="0"/>
-          <a:chExt cx="0" cy="0"/>
-        </a:xfrm>
-      </p:grpSpPr>
-      <p:sp>
-        <p:nvSpPr>
-          <p:cNvPr id="2" name="Title 1"/>
-          <p:cNvSpPr>
-            <a:spLocks noGrp="1"/>
-          </p:cNvSpPr>
-          <p:nvPr>
-            <p:ph type="title"/>
-          </p:nvPr>
-        </p:nvSpPr>
-        <p:spPr/>
-        <p:txBody>
-          <a:bodyPr/>
-          <a:lstStyle/>
-          <a:p>
-            <a:r>
-              <a:rPr lang="en-US" dirty="0" smtClean="0"/>
-              <a:t>Outline</a:t>
-            </a:r>
-            <a:endParaRPr lang="en-US" dirty="0"/>
-          </a:p>
-        </p:txBody>
-      </p:sp>
-      <p:sp>
-        <p:nvSpPr>
-          <p:cNvPr id="3" name="Content Placeholder 2"/>
-          <p:cNvSpPr>
-            <a:spLocks noGrp="1"/>
-          </p:cNvSpPr>
-          <p:nvPr>
-            <p:ph idx="1"/>
-          </p:nvPr>
-        </p:nvSpPr>
-        <p:spPr/>
-        <p:txBody>
-          <a:bodyPr/>
-          <a:lstStyle/>
-          <a:p>
-            <a:r>
-              <a:rPr lang="en-US" dirty="0" smtClean="0"/>
-              <a:t>Overview</a:t>
-            </a:r>
-          </a:p>
-          <a:p>
-            <a:r>
-              <a:rPr lang="en-US" dirty="0" smtClean="0"/>
-              <a:t>DSM2UG objective</a:t>
-            </a:r>
-          </a:p>
-          <a:p>
-            <a:r>
-              <a:rPr lang="en-US" dirty="0" smtClean="0"/>
-              <a:t>DSM2UG activities</a:t>
-            </a:r>
-          </a:p>
-          <a:p>
-            <a:r>
-              <a:rPr lang="en-US" dirty="0" smtClean="0"/>
-              <a:t>Additional technical support</a:t>
-            </a:r>
-          </a:p>
-          <a:p>
-            <a:pPr lvl="1"/>
-            <a:r>
-              <a:rPr lang="en-US" dirty="0" smtClean="0"/>
-              <a:t>Questions</a:t>
-            </a:r>
-          </a:p>
-          <a:p>
-            <a:pPr lvl="1"/>
-            <a:r>
-              <a:rPr lang="en-US" dirty="0" smtClean="0"/>
-              <a:t>Issues</a:t>
-            </a:r>
-          </a:p>
-          <a:p>
-            <a:pPr lvl="1"/>
-            <a:r>
-              <a:rPr lang="en-US" dirty="0" smtClean="0"/>
-              <a:t>Features</a:t>
-            </a:r>
-          </a:p>
-          <a:p>
-            <a:endParaRPr lang="en-US" dirty="0"/>
-          </a:p>
-        </p:txBody>
-      </p:sp>
-      <p:sp>
-        <p:nvSpPr>
-          <p:cNvPr id="4" name="Date Placeholder 3"/>
-          <p:cNvSpPr>
-            <a:spLocks noGrp="1"/>
-          </p:cNvSpPr>
-          <p:nvPr>
-            <p:ph type="dt" sz="half" idx="10"/>
-          </p:nvPr>
-        </p:nvSpPr>
-        <p:spPr/>
-        <p:txBody>
-          <a:bodyPr/>
-          <a:lstStyle/>
-          <a:p>
-            <a:fld id="{AB98F214-5D90-468C-9EE8-E1612B8D2BE2}" type="slidenum">
-              <a:rPr lang="en-US" smtClean="0"/>
-              <a:pPr/>
-              <a:t>2</a:t>
-            </a:fld>
-            <a:endParaRPr lang="en-US"/>
+            <a:endParaRPr lang="en-US" sz="6600" dirty="0"/>
           </a:p>
         </p:txBody>
       </p:sp>
@@ -11221,370 +15586,76 @@
   <p:timing>
     <p:tnLst>
       <p:par>
-        <p:cTn id="1" dur="indefinite" restart="never" nodeType="tmRoot"/>
+        <p:cTn id="1" dur="indefinite" restart="never" nodeType="tmRoot">
+          <p:childTnLst>
+            <p:seq concurrent="1" nextAc="seek">
+              <p:cTn id="2" dur="indefinite" nodeType="mainSeq">
+                <p:childTnLst>
+                  <p:par>
+                    <p:cTn id="3" fill="hold">
+                      <p:stCondLst>
+                        <p:cond delay="indefinite"/>
+                      </p:stCondLst>
+                      <p:childTnLst>
+                        <p:par>
+                          <p:cTn id="4" fill="hold">
+                            <p:stCondLst>
+                              <p:cond delay="0"/>
+                            </p:stCondLst>
+                            <p:childTnLst>
+                              <p:par>
+                                <p:cTn id="5" presetID="6" presetClass="emph" presetSubtype="0" fill="hold" grpId="0" nodeType="clickEffect">
+                                  <p:stCondLst>
+                                    <p:cond delay="0"/>
+                                  </p:stCondLst>
+                                  <p:childTnLst>
+                                    <p:animScale>
+                                      <p:cBhvr>
+                                        <p:cTn id="6" dur="2000" fill="hold"/>
+                                        <p:tgtEl>
+                                          <p:spTgt spid="2"/>
+                                        </p:tgtEl>
+                                      </p:cBhvr>
+                                      <p:by x="150000" y="150000"/>
+                                    </p:animScale>
+                                  </p:childTnLst>
+                                </p:cTn>
+                              </p:par>
+                            </p:childTnLst>
+                          </p:cTn>
+                        </p:par>
+                      </p:childTnLst>
+                    </p:cTn>
+                  </p:par>
+                </p:childTnLst>
+              </p:cTn>
+              <p:prevCondLst>
+                <p:cond evt="onPrev" delay="0">
+                  <p:tgtEl>
+                    <p:sldTgt/>
+                  </p:tgtEl>
+                </p:cond>
+              </p:prevCondLst>
+              <p:nextCondLst>
+                <p:cond evt="onNext" delay="0">
+                  <p:tgtEl>
+                    <p:sldTgt/>
+                  </p:tgtEl>
+                </p:cond>
+              </p:nextCondLst>
+            </p:seq>
+          </p:childTnLst>
+        </p:cTn>
       </p:par>
     </p:tnLst>
+    <p:bldLst>
+      <p:bldP spid="2" grpId="0"/>
+    </p:bldLst>
   </p:timing>
 </p:sld>
 </file>
 
-<file path=ppt/slides/slide3.xml><?xml version="1.0" encoding="utf-8"?>
-<p:sld xmlns:a="http://schemas.openxmlformats.org/drawingml/2006/main" xmlns:r="http://schemas.openxmlformats.org/officeDocument/2006/relationships" xmlns:p="http://schemas.openxmlformats.org/presentationml/2006/main">
-  <p:cSld>
-    <p:spTree>
-      <p:nvGrpSpPr>
-        <p:cNvPr id="1" name=""/>
-        <p:cNvGrpSpPr/>
-        <p:nvPr/>
-      </p:nvGrpSpPr>
-      <p:grpSpPr>
-        <a:xfrm>
-          <a:off x="0" y="0"/>
-          <a:ext cx="0" cy="0"/>
-          <a:chOff x="0" y="0"/>
-          <a:chExt cx="0" cy="0"/>
-        </a:xfrm>
-      </p:grpSpPr>
-      <p:sp>
-        <p:nvSpPr>
-          <p:cNvPr id="2" name="Title 1"/>
-          <p:cNvSpPr>
-            <a:spLocks noGrp="1"/>
-          </p:cNvSpPr>
-          <p:nvPr>
-            <p:ph type="title"/>
-          </p:nvPr>
-        </p:nvSpPr>
-        <p:spPr/>
-        <p:txBody>
-          <a:bodyPr/>
-          <a:lstStyle/>
-          <a:p>
-            <a:r>
-              <a:rPr lang="en-US" dirty="0" smtClean="0"/>
-              <a:t>Overview</a:t>
-            </a:r>
-            <a:endParaRPr lang="en-US" dirty="0"/>
-          </a:p>
-        </p:txBody>
-      </p:sp>
-      <p:sp>
-        <p:nvSpPr>
-          <p:cNvPr id="3" name="Content Placeholder 2"/>
-          <p:cNvSpPr>
-            <a:spLocks noGrp="1"/>
-          </p:cNvSpPr>
-          <p:nvPr>
-            <p:ph idx="1"/>
-          </p:nvPr>
-        </p:nvSpPr>
-        <p:spPr/>
-        <p:txBody>
-          <a:bodyPr/>
-          <a:lstStyle/>
-          <a:p>
-            <a:r>
-              <a:rPr lang="en-US" dirty="0" smtClean="0"/>
-              <a:t>DSM2UG was initiated in Jan. 2004</a:t>
-            </a:r>
-          </a:p>
-          <a:p>
-            <a:r>
-              <a:rPr lang="en-US" dirty="0" smtClean="0"/>
-              <a:t>A well-established model user group with 50</a:t>
-            </a:r>
-            <a:r>
-              <a:rPr lang="en-US" baseline="30000" dirty="0" smtClean="0"/>
-              <a:t>+</a:t>
-            </a:r>
-            <a:r>
-              <a:rPr lang="en-US" dirty="0" smtClean="0"/>
-              <a:t> members</a:t>
-            </a:r>
-          </a:p>
-          <a:p>
-            <a:r>
-              <a:rPr lang="en-US" dirty="0" smtClean="0"/>
-              <a:t>How to become a member</a:t>
-            </a:r>
-          </a:p>
-          <a:p>
-            <a:pPr>
-              <a:buNone/>
-            </a:pPr>
-            <a:endParaRPr lang="en-US" dirty="0" smtClean="0"/>
-          </a:p>
-          <a:p>
-            <a:endParaRPr lang="en-US" dirty="0"/>
-          </a:p>
-        </p:txBody>
-      </p:sp>
-      <p:sp>
-        <p:nvSpPr>
-          <p:cNvPr id="4" name="Date Placeholder 3"/>
-          <p:cNvSpPr>
-            <a:spLocks noGrp="1"/>
-          </p:cNvSpPr>
-          <p:nvPr>
-            <p:ph type="dt" sz="half" idx="10"/>
-          </p:nvPr>
-        </p:nvSpPr>
-        <p:spPr/>
-        <p:txBody>
-          <a:bodyPr/>
-          <a:lstStyle/>
-          <a:p>
-            <a:fld id="{AB98F214-5D90-468C-9EE8-E1612B8D2BE2}" type="slidenum">
-              <a:rPr lang="en-US" smtClean="0"/>
-              <a:pPr/>
-              <a:t>3</a:t>
-            </a:fld>
-            <a:endParaRPr lang="en-US"/>
-          </a:p>
-        </p:txBody>
-      </p:sp>
-    </p:spTree>
-  </p:cSld>
-  <p:clrMapOvr>
-    <a:masterClrMapping/>
-  </p:clrMapOvr>
-  <p:transition/>
-  <p:timing>
-    <p:tnLst>
-      <p:par>
-        <p:cTn id="1" dur="indefinite" restart="never" nodeType="tmRoot"/>
-      </p:par>
-    </p:tnLst>
-  </p:timing>
-</p:sld>
-</file>
-
-<file path=ppt/slides/slide4.xml><?xml version="1.0" encoding="utf-8"?>
-<p:sld xmlns:a="http://schemas.openxmlformats.org/drawingml/2006/main" xmlns:r="http://schemas.openxmlformats.org/officeDocument/2006/relationships" xmlns:p="http://schemas.openxmlformats.org/presentationml/2006/main">
-  <p:cSld>
-    <p:spTree>
-      <p:nvGrpSpPr>
-        <p:cNvPr id="1" name=""/>
-        <p:cNvGrpSpPr/>
-        <p:nvPr/>
-      </p:nvGrpSpPr>
-      <p:grpSpPr>
-        <a:xfrm>
-          <a:off x="0" y="0"/>
-          <a:ext cx="0" cy="0"/>
-          <a:chOff x="0" y="0"/>
-          <a:chExt cx="0" cy="0"/>
-        </a:xfrm>
-      </p:grpSpPr>
-      <p:sp>
-        <p:nvSpPr>
-          <p:cNvPr id="2" name="Title 1"/>
-          <p:cNvSpPr>
-            <a:spLocks noGrp="1"/>
-          </p:cNvSpPr>
-          <p:nvPr>
-            <p:ph type="title"/>
-          </p:nvPr>
-        </p:nvSpPr>
-        <p:spPr/>
-        <p:txBody>
-          <a:bodyPr/>
-          <a:lstStyle/>
-          <a:p>
-            <a:r>
-              <a:rPr lang="en-US" dirty="0" smtClean="0"/>
-              <a:t>DSM2UG Objective</a:t>
-            </a:r>
-            <a:endParaRPr lang="en-US" dirty="0"/>
-          </a:p>
-        </p:txBody>
-      </p:sp>
-      <p:sp>
-        <p:nvSpPr>
-          <p:cNvPr id="3" name="Content Placeholder 2"/>
-          <p:cNvSpPr>
-            <a:spLocks noGrp="1"/>
-          </p:cNvSpPr>
-          <p:nvPr>
-            <p:ph idx="1"/>
-          </p:nvPr>
-        </p:nvSpPr>
-        <p:spPr/>
-        <p:txBody>
-          <a:bodyPr/>
-          <a:lstStyle/>
-          <a:p>
-            <a:pPr>
-              <a:buNone/>
-            </a:pPr>
-            <a:r>
-              <a:rPr lang="en-US" dirty="0" smtClean="0"/>
-              <a:t>	To promote the exchange of ideas, information, and issues involving the use of DSM2 and/or the development of any newer version of DSM2 in the future.</a:t>
-            </a:r>
-            <a:r>
-              <a:rPr lang="en-US" sz="2000" dirty="0" smtClean="0"/>
-              <a:t>	</a:t>
-            </a:r>
-            <a:endParaRPr lang="en-US" sz="1800" i="1" dirty="0"/>
-          </a:p>
-        </p:txBody>
-      </p:sp>
-      <p:sp>
-        <p:nvSpPr>
-          <p:cNvPr id="4" name="Date Placeholder 3"/>
-          <p:cNvSpPr>
-            <a:spLocks noGrp="1"/>
-          </p:cNvSpPr>
-          <p:nvPr>
-            <p:ph type="dt" sz="half" idx="10"/>
-          </p:nvPr>
-        </p:nvSpPr>
-        <p:spPr/>
-        <p:txBody>
-          <a:bodyPr/>
-          <a:lstStyle/>
-          <a:p>
-            <a:fld id="{AB98F214-5D90-468C-9EE8-E1612B8D2BE2}" type="slidenum">
-              <a:rPr lang="en-US" smtClean="0"/>
-              <a:pPr/>
-              <a:t>4</a:t>
-            </a:fld>
-            <a:endParaRPr lang="en-US"/>
-          </a:p>
-        </p:txBody>
-      </p:sp>
-    </p:spTree>
-  </p:cSld>
-  <p:clrMapOvr>
-    <a:masterClrMapping/>
-  </p:clrMapOvr>
-  <p:transition/>
-  <p:timing>
-    <p:tnLst>
-      <p:par>
-        <p:cTn id="1" dur="indefinite" restart="never" nodeType="tmRoot"/>
-      </p:par>
-    </p:tnLst>
-  </p:timing>
-</p:sld>
-</file>
-
-<file path=ppt/slides/slide5.xml><?xml version="1.0" encoding="utf-8"?>
-<p:sld xmlns:a="http://schemas.openxmlformats.org/drawingml/2006/main" xmlns:r="http://schemas.openxmlformats.org/officeDocument/2006/relationships" xmlns:p="http://schemas.openxmlformats.org/presentationml/2006/main">
-  <p:cSld>
-    <p:spTree>
-      <p:nvGrpSpPr>
-        <p:cNvPr id="1" name=""/>
-        <p:cNvGrpSpPr/>
-        <p:nvPr/>
-      </p:nvGrpSpPr>
-      <p:grpSpPr>
-        <a:xfrm>
-          <a:off x="0" y="0"/>
-          <a:ext cx="0" cy="0"/>
-          <a:chOff x="0" y="0"/>
-          <a:chExt cx="0" cy="0"/>
-        </a:xfrm>
-      </p:grpSpPr>
-      <p:sp>
-        <p:nvSpPr>
-          <p:cNvPr id="2" name="Title 1"/>
-          <p:cNvSpPr>
-            <a:spLocks noGrp="1"/>
-          </p:cNvSpPr>
-          <p:nvPr>
-            <p:ph type="title"/>
-          </p:nvPr>
-        </p:nvSpPr>
-        <p:spPr/>
-        <p:txBody>
-          <a:bodyPr/>
-          <a:lstStyle/>
-          <a:p>
-            <a:r>
-              <a:rPr lang="en-US" dirty="0" smtClean="0"/>
-              <a:t>DSM2UG Activities</a:t>
-            </a:r>
-            <a:endParaRPr lang="en-US" dirty="0"/>
-          </a:p>
-        </p:txBody>
-      </p:sp>
-      <p:sp>
-        <p:nvSpPr>
-          <p:cNvPr id="3" name="Content Placeholder 2"/>
-          <p:cNvSpPr>
-            <a:spLocks noGrp="1"/>
-          </p:cNvSpPr>
-          <p:nvPr>
-            <p:ph idx="1"/>
-          </p:nvPr>
-        </p:nvSpPr>
-        <p:spPr/>
-        <p:txBody>
-          <a:bodyPr/>
-          <a:lstStyle/>
-          <a:p>
-            <a:endParaRPr lang="en-US" dirty="0" smtClean="0"/>
-          </a:p>
-        </p:txBody>
-      </p:sp>
-      <p:sp>
-        <p:nvSpPr>
-          <p:cNvPr id="4" name="Date Placeholder 3"/>
-          <p:cNvSpPr>
-            <a:spLocks noGrp="1"/>
-          </p:cNvSpPr>
-          <p:nvPr>
-            <p:ph type="dt" sz="half" idx="10"/>
-          </p:nvPr>
-        </p:nvSpPr>
-        <p:spPr/>
-        <p:txBody>
-          <a:bodyPr/>
-          <a:lstStyle/>
-          <a:p>
-            <a:fld id="{AB98F214-5D90-468C-9EE8-E1612B8D2BE2}" type="slidenum">
-              <a:rPr lang="en-US" smtClean="0"/>
-              <a:pPr/>
-              <a:t>5</a:t>
-            </a:fld>
-            <a:endParaRPr lang="en-US" dirty="0"/>
-          </a:p>
-        </p:txBody>
-      </p:sp>
-      <p:graphicFrame>
-        <p:nvGraphicFramePr>
-          <p:cNvPr id="13" name="Diagram 12"/>
-          <p:cNvGraphicFramePr/>
-          <p:nvPr/>
-        </p:nvGraphicFramePr>
-        <p:xfrm>
-          <a:off x="1560648" y="2168218"/>
-          <a:ext cx="6096000" cy="3251200"/>
-        </p:xfrm>
-        <a:graphic>
-          <a:graphicData uri="http://schemas.openxmlformats.org/drawingml/2006/diagram">
-            <dgm:relIds xmlns:dgm="http://schemas.openxmlformats.org/drawingml/2006/diagram" xmlns:r="http://schemas.openxmlformats.org/officeDocument/2006/relationships" r:dm="rId2" r:lo="rId3" r:qs="rId4" r:cs="rId5"/>
-          </a:graphicData>
-        </a:graphic>
-      </p:graphicFrame>
-    </p:spTree>
-  </p:cSld>
-  <p:clrMapOvr>
-    <a:masterClrMapping/>
-  </p:clrMapOvr>
-  <p:transition/>
-  <p:timing>
-    <p:tnLst>
-      <p:par>
-        <p:cTn id="1" dur="indefinite" restart="never" nodeType="tmRoot"/>
-      </p:par>
-    </p:tnLst>
-  </p:timing>
-</p:sld>
-</file>
-
-<file path=ppt/slides/slide6.xml><?xml version="1.0" encoding="utf-8"?>
+<file path=ppt/slides/slide10.xml><?xml version="1.0" encoding="utf-8"?>
 <p:sld xmlns:a="http://schemas.openxmlformats.org/drawingml/2006/main" xmlns:r="http://schemas.openxmlformats.org/officeDocument/2006/relationships" xmlns:p="http://schemas.openxmlformats.org/presentationml/2006/main">
   <p:cSld>
     <p:spTree>
@@ -11618,7 +15689,7 @@
         </p:blipFill>
         <p:spPr bwMode="auto">
           <a:xfrm>
-            <a:off x="6783608" y="2396259"/>
+            <a:off x="6870693" y="2701059"/>
             <a:ext cx="2086824" cy="2278455"/>
           </a:xfrm>
           <a:prstGeom prst="rect">
@@ -11644,9 +15715,9 @@
           <a:p>
             <a:r>
               <a:rPr lang="en-US" dirty="0" smtClean="0"/>
-              <a:t>Questions</a:t>
+              <a:t>Technical Support</a:t>
             </a:r>
-            <a:endParaRPr lang="en-US" dirty="0"/>
+            <a:endParaRPr lang="en-US" sz="3600" dirty="0"/>
           </a:p>
         </p:txBody>
       </p:sp>
@@ -11657,7 +15728,7 @@
             <a:spLocks noGrp="1"/>
           </p:cNvSpPr>
           <p:nvPr>
-            <p:ph idx="1"/>
+            <p:ph sz="half" idx="1"/>
           </p:nvPr>
         </p:nvSpPr>
         <p:spPr/>
@@ -11693,7 +15764,7 @@
             <a:fld id="{AB98F214-5D90-468C-9EE8-E1612B8D2BE2}" type="slidenum">
               <a:rPr lang="en-US" smtClean="0"/>
               <a:pPr/>
-              <a:t>6</a:t>
+              <a:t>10</a:t>
             </a:fld>
             <a:endParaRPr lang="en-US"/>
           </a:p>
@@ -11706,7 +15777,7 @@
           <p:nvPr/>
         </p:nvGraphicFramePr>
         <p:xfrm>
-          <a:off x="449943" y="1480458"/>
+          <a:off x="595086" y="1857828"/>
           <a:ext cx="6551650" cy="4277200"/>
         </p:xfrm>
         <a:graphic>
@@ -11715,6 +15786,76 @@
           </a:graphicData>
         </a:graphic>
       </p:graphicFrame>
+      <p:sp>
+        <p:nvSpPr>
+          <p:cNvPr id="9" name="Content Placeholder 2"/>
+          <p:cNvSpPr txBox="1">
+            <a:spLocks/>
+          </p:cNvSpPr>
+          <p:nvPr/>
+        </p:nvSpPr>
+        <p:spPr bwMode="auto">
+          <a:xfrm>
+            <a:off x="685800" y="1981200"/>
+            <a:ext cx="7772400" cy="4114800"/>
+          </a:xfrm>
+          <a:prstGeom prst="rect">
+            <a:avLst/>
+          </a:prstGeom>
+          <a:noFill/>
+          <a:ln w="9525">
+            <a:noFill/>
+            <a:miter lim="800000"/>
+            <a:headEnd/>
+            <a:tailEnd/>
+          </a:ln>
+          <a:effectLst/>
+        </p:spPr>
+        <p:txBody>
+          <a:bodyPr vert="horz" wrap="square" lIns="91440" tIns="45720" rIns="91440" bIns="45720" numCol="1" anchor="t" anchorCtr="0" compatLnSpc="1">
+            <a:prstTxWarp prst="textNoShape">
+              <a:avLst/>
+            </a:prstTxWarp>
+          </a:bodyPr>
+          <a:lstStyle/>
+          <a:p>
+            <a:pPr marL="342900" marR="0" lvl="0" indent="-342900" algn="l" defTabSz="914400" rtl="0" eaLnBrk="0" fontAlgn="base" latinLnBrk="0" hangingPunct="0">
+              <a:lnSpc>
+                <a:spcPct val="100000"/>
+              </a:lnSpc>
+              <a:spcBef>
+                <a:spcPct val="20000"/>
+              </a:spcBef>
+              <a:spcAft>
+                <a:spcPct val="0"/>
+              </a:spcAft>
+              <a:buClrTx/>
+              <a:buSzTx/>
+              <a:buFontTx/>
+              <a:buNone/>
+              <a:tabLst/>
+              <a:defRPr/>
+            </a:pPr>
+            <a:r>
+              <a:rPr kumimoji="0" lang="en-US" sz="3200" b="0" i="0" u="none" strike="noStrike" kern="0" cap="none" spc="0" normalizeH="0" baseline="0" noProof="0" dirty="0" smtClean="0">
+                <a:ln>
+                  <a:noFill/>
+                </a:ln>
+                <a:solidFill>
+                  <a:schemeClr val="tx1"/>
+                </a:solidFill>
+                <a:effectLst/>
+                <a:uLnTx/>
+                <a:uFillTx/>
+                <a:latin typeface="+mn-lt"/>
+                <a:ea typeface="+mn-ea"/>
+                <a:cs typeface="+mn-cs"/>
+              </a:rPr>
+              <a:t>Questions</a:t>
+            </a:r>
+          </a:p>
+        </p:txBody>
+      </p:sp>
     </p:spTree>
   </p:cSld>
   <p:clrMapOvr>
@@ -11731,7 +15872,7 @@
 </p:sld>
 </file>
 
-<file path=ppt/slides/slide7.xml><?xml version="1.0" encoding="utf-8"?>
+<file path=ppt/slides/slide11.xml><?xml version="1.0" encoding="utf-8"?>
 <p:sld xmlns:a="http://schemas.openxmlformats.org/drawingml/2006/main" xmlns:r="http://schemas.openxmlformats.org/officeDocument/2006/relationships" xmlns:p="http://schemas.openxmlformats.org/presentationml/2006/main">
   <p:cSld>
     <p:spTree>
@@ -11765,9 +15906,9 @@
           <a:p>
             <a:r>
               <a:rPr lang="en-US" dirty="0" smtClean="0"/>
-              <a:t>Issues</a:t>
+              <a:t>Technical Support</a:t>
             </a:r>
-            <a:endParaRPr lang="en-US" dirty="0"/>
+            <a:endParaRPr lang="en-US" sz="3600" dirty="0"/>
           </a:p>
         </p:txBody>
       </p:sp>
@@ -11786,6 +15927,16 @@
           <a:bodyPr/>
           <a:lstStyle/>
           <a:p>
+            <a:pPr>
+              <a:buNone/>
+            </a:pPr>
+            <a:r>
+              <a:rPr lang="en-US" dirty="0" smtClean="0"/>
+              <a:t>Issues</a:t>
+            </a:r>
+          </a:p>
+          <a:p>
+            <a:pPr lvl="1"/>
             <a:r>
               <a:rPr lang="en-US" dirty="0" smtClean="0"/>
               <a:t>How to report issues</a:t>
@@ -11811,7 +15962,7 @@
             <a:fld id="{AB98F214-5D90-468C-9EE8-E1612B8D2BE2}" type="slidenum">
               <a:rPr lang="en-US" smtClean="0"/>
               <a:pPr/>
-              <a:t>7</a:t>
+              <a:t>11</a:t>
             </a:fld>
             <a:endParaRPr lang="en-US"/>
           </a:p>
@@ -11981,7 +16132,7 @@
 </p:sld>
 </file>
 
-<file path=ppt/slides/slide8.xml><?xml version="1.0" encoding="utf-8"?>
+<file path=ppt/slides/slide12.xml><?xml version="1.0" encoding="utf-8"?>
 <p:sld xmlns:a="http://schemas.openxmlformats.org/drawingml/2006/main" xmlns:r="http://schemas.openxmlformats.org/officeDocument/2006/relationships" xmlns:p="http://schemas.openxmlformats.org/presentationml/2006/main">
   <p:cSld>
     <p:spTree>
@@ -12015,9 +16166,9 @@
           <a:p>
             <a:r>
               <a:rPr lang="en-US" dirty="0" smtClean="0"/>
-              <a:t>Issues</a:t>
+              <a:t>Technical Support</a:t>
             </a:r>
-            <a:endParaRPr lang="en-US" dirty="0"/>
+            <a:endParaRPr lang="en-US" sz="3600" dirty="0"/>
           </a:p>
         </p:txBody>
       </p:sp>
@@ -12031,11 +16182,26 @@
             <p:ph idx="1"/>
           </p:nvPr>
         </p:nvSpPr>
-        <p:spPr/>
+        <p:spPr>
+          <a:xfrm>
+            <a:off x="642258" y="1966685"/>
+            <a:ext cx="7772400" cy="4114800"/>
+          </a:xfrm>
+        </p:spPr>
         <p:txBody>
           <a:bodyPr/>
           <a:lstStyle/>
           <a:p>
+            <a:pPr>
+              <a:buNone/>
+            </a:pPr>
+            <a:r>
+              <a:rPr lang="en-US" dirty="0" smtClean="0"/>
+              <a:t>Issues</a:t>
+            </a:r>
+          </a:p>
+          <a:p>
+            <a:pPr lvl="1"/>
             <a:r>
               <a:rPr lang="en-US" dirty="0" smtClean="0"/>
               <a:t>How to report issues</a:t>
@@ -12061,7 +16227,7 @@
             <a:fld id="{AB98F214-5D90-468C-9EE8-E1612B8D2BE2}" type="slidenum">
               <a:rPr lang="en-US" smtClean="0"/>
               <a:pPr/>
-              <a:t>8</a:t>
+              <a:t>12</a:t>
             </a:fld>
             <a:endParaRPr lang="en-US"/>
           </a:p>
@@ -12074,7 +16240,7 @@
           <p:nvPr/>
         </p:nvGraphicFramePr>
         <p:xfrm>
-          <a:off x="1309618" y="2931937"/>
+          <a:off x="1309618" y="3135133"/>
           <a:ext cx="6096000" cy="3432587"/>
         </p:xfrm>
         <a:graphic>
@@ -12093,6 +16259,1537 @@
     <p:tnLst>
       <p:par>
         <p:cTn id="1" dur="indefinite" restart="never" nodeType="tmRoot"/>
+      </p:par>
+    </p:tnLst>
+  </p:timing>
+</p:sld>
+</file>
+
+<file path=ppt/slides/slide13.xml><?xml version="1.0" encoding="utf-8"?>
+<p:sld xmlns:a="http://schemas.openxmlformats.org/drawingml/2006/main" xmlns:r="http://schemas.openxmlformats.org/officeDocument/2006/relationships" xmlns:p="http://schemas.openxmlformats.org/presentationml/2006/main">
+  <p:cSld>
+    <p:spTree>
+      <p:nvGrpSpPr>
+        <p:cNvPr id="1" name=""/>
+        <p:cNvGrpSpPr/>
+        <p:nvPr/>
+      </p:nvGrpSpPr>
+      <p:grpSpPr>
+        <a:xfrm>
+          <a:off x="0" y="0"/>
+          <a:ext cx="0" cy="0"/>
+          <a:chOff x="0" y="0"/>
+          <a:chExt cx="0" cy="0"/>
+        </a:xfrm>
+      </p:grpSpPr>
+      <p:sp>
+        <p:nvSpPr>
+          <p:cNvPr id="2" name="Title 1"/>
+          <p:cNvSpPr>
+            <a:spLocks noGrp="1"/>
+          </p:cNvSpPr>
+          <p:nvPr>
+            <p:ph type="title"/>
+          </p:nvPr>
+        </p:nvSpPr>
+        <p:spPr/>
+        <p:txBody>
+          <a:bodyPr/>
+          <a:lstStyle/>
+          <a:p>
+            <a:r>
+              <a:rPr lang="en-US" dirty="0" smtClean="0"/>
+              <a:t>Technical Support</a:t>
+            </a:r>
+            <a:endParaRPr lang="en-US" sz="3600" dirty="0"/>
+          </a:p>
+        </p:txBody>
+      </p:sp>
+      <p:sp>
+        <p:nvSpPr>
+          <p:cNvPr id="3" name="Content Placeholder 2"/>
+          <p:cNvSpPr>
+            <a:spLocks noGrp="1"/>
+          </p:cNvSpPr>
+          <p:nvPr>
+            <p:ph idx="1"/>
+          </p:nvPr>
+        </p:nvSpPr>
+        <p:spPr/>
+        <p:txBody>
+          <a:bodyPr/>
+          <a:lstStyle/>
+          <a:p>
+            <a:pPr>
+              <a:buNone/>
+            </a:pPr>
+            <a:r>
+              <a:rPr lang="en-US" dirty="0" smtClean="0"/>
+              <a:t>Features</a:t>
+            </a:r>
+          </a:p>
+          <a:p>
+            <a:pPr lvl="1"/>
+            <a:r>
+              <a:rPr lang="en-US" dirty="0" smtClean="0"/>
+              <a:t>How to request features</a:t>
+            </a:r>
+          </a:p>
+          <a:p>
+            <a:pPr lvl="2">
+              <a:buNone/>
+            </a:pPr>
+            <a:endParaRPr lang="en-US" dirty="0" smtClean="0"/>
+          </a:p>
+          <a:p>
+            <a:pPr lvl="2">
+              <a:buNone/>
+            </a:pPr>
+            <a:endParaRPr lang="en-US" dirty="0" smtClean="0"/>
+          </a:p>
+          <a:p>
+            <a:pPr>
+              <a:buNone/>
+            </a:pPr>
+            <a:endParaRPr lang="en-US" dirty="0" smtClean="0"/>
+          </a:p>
+        </p:txBody>
+      </p:sp>
+      <p:sp>
+        <p:nvSpPr>
+          <p:cNvPr id="4" name="Date Placeholder 3"/>
+          <p:cNvSpPr>
+            <a:spLocks noGrp="1"/>
+          </p:cNvSpPr>
+          <p:nvPr>
+            <p:ph type="dt" sz="half" idx="10"/>
+          </p:nvPr>
+        </p:nvSpPr>
+        <p:spPr/>
+        <p:txBody>
+          <a:bodyPr/>
+          <a:lstStyle/>
+          <a:p>
+            <a:fld id="{AB98F214-5D90-468C-9EE8-E1612B8D2BE2}" type="slidenum">
+              <a:rPr lang="en-US" smtClean="0"/>
+              <a:pPr/>
+              <a:t>13</a:t>
+            </a:fld>
+            <a:endParaRPr lang="en-US"/>
+          </a:p>
+        </p:txBody>
+      </p:sp>
+      <p:graphicFrame>
+        <p:nvGraphicFramePr>
+          <p:cNvPr id="6" name="Diagram 5"/>
+          <p:cNvGraphicFramePr/>
+          <p:nvPr/>
+        </p:nvGraphicFramePr>
+        <p:xfrm>
+          <a:off x="1353160" y="2757720"/>
+          <a:ext cx="6096000" cy="2322285"/>
+        </p:xfrm>
+        <a:graphic>
+          <a:graphicData uri="http://schemas.openxmlformats.org/drawingml/2006/diagram">
+            <dgm:relIds xmlns:dgm="http://schemas.openxmlformats.org/drawingml/2006/diagram" xmlns:r="http://schemas.openxmlformats.org/officeDocument/2006/relationships" r:dm="rId2" r:lo="rId3" r:qs="rId4" r:cs="rId5"/>
+          </a:graphicData>
+        </a:graphic>
+      </p:graphicFrame>
+    </p:spTree>
+  </p:cSld>
+  <p:clrMapOvr>
+    <a:masterClrMapping/>
+  </p:clrMapOvr>
+  <p:transition/>
+  <p:timing>
+    <p:tnLst>
+      <p:par>
+        <p:cTn id="1" dur="indefinite" restart="never" nodeType="tmRoot"/>
+      </p:par>
+    </p:tnLst>
+  </p:timing>
+</p:sld>
+</file>
+
+<file path=ppt/slides/slide14.xml><?xml version="1.0" encoding="utf-8"?>
+<p:sld xmlns:a="http://schemas.openxmlformats.org/drawingml/2006/main" xmlns:r="http://schemas.openxmlformats.org/officeDocument/2006/relationships" xmlns:p="http://schemas.openxmlformats.org/presentationml/2006/main">
+  <p:cSld>
+    <p:spTree>
+      <p:nvGrpSpPr>
+        <p:cNvPr id="1" name=""/>
+        <p:cNvGrpSpPr/>
+        <p:nvPr/>
+      </p:nvGrpSpPr>
+      <p:grpSpPr>
+        <a:xfrm>
+          <a:off x="0" y="0"/>
+          <a:ext cx="0" cy="0"/>
+          <a:chOff x="0" y="0"/>
+          <a:chExt cx="0" cy="0"/>
+        </a:xfrm>
+      </p:grpSpPr>
+      <p:sp>
+        <p:nvSpPr>
+          <p:cNvPr id="2" name="Title 1"/>
+          <p:cNvSpPr>
+            <a:spLocks noGrp="1"/>
+          </p:cNvSpPr>
+          <p:nvPr>
+            <p:ph type="title"/>
+          </p:nvPr>
+        </p:nvSpPr>
+        <p:spPr/>
+        <p:txBody>
+          <a:bodyPr/>
+          <a:lstStyle/>
+          <a:p>
+            <a:r>
+              <a:rPr lang="en-US" dirty="0" smtClean="0"/>
+              <a:t>Contact</a:t>
+            </a:r>
+            <a:endParaRPr lang="en-US" dirty="0"/>
+          </a:p>
+        </p:txBody>
+      </p:sp>
+      <p:sp>
+        <p:nvSpPr>
+          <p:cNvPr id="3" name="Content Placeholder 2"/>
+          <p:cNvSpPr>
+            <a:spLocks noGrp="1"/>
+          </p:cNvSpPr>
+          <p:nvPr>
+            <p:ph idx="1"/>
+          </p:nvPr>
+        </p:nvSpPr>
+        <p:spPr/>
+        <p:txBody>
+          <a:bodyPr/>
+          <a:lstStyle/>
+          <a:p>
+            <a:pPr algn="ctr">
+              <a:buNone/>
+            </a:pPr>
+            <a:r>
+              <a:rPr lang="en-US" dirty="0" smtClean="0"/>
+              <a:t>Min Yu</a:t>
+            </a:r>
+          </a:p>
+          <a:p>
+            <a:pPr algn="ctr">
+              <a:buNone/>
+            </a:pPr>
+            <a:r>
+              <a:rPr lang="en-US" dirty="0" smtClean="0"/>
+              <a:t>Delta Modeling Section</a:t>
+            </a:r>
+          </a:p>
+          <a:p>
+            <a:pPr algn="ctr">
+              <a:buNone/>
+            </a:pPr>
+            <a:r>
+              <a:rPr lang="en-US" i="1" dirty="0" smtClean="0">
+                <a:hlinkClick r:id="rId2"/>
+              </a:rPr>
+              <a:t>minyu@water.ca.gov</a:t>
+            </a:r>
+            <a:endParaRPr lang="en-US" i="1" dirty="0" smtClean="0"/>
+          </a:p>
+          <a:p>
+            <a:pPr algn="ctr">
+              <a:buNone/>
+            </a:pPr>
+            <a:r>
+              <a:rPr lang="en-US" dirty="0" smtClean="0"/>
+              <a:t>916.653.5225</a:t>
+            </a:r>
+          </a:p>
+          <a:p>
+            <a:pPr algn="ctr">
+              <a:buNone/>
+            </a:pPr>
+            <a:endParaRPr lang="en-US" i="1" dirty="0" smtClean="0"/>
+          </a:p>
+          <a:p>
+            <a:endParaRPr lang="en-US" dirty="0" smtClean="0"/>
+          </a:p>
+          <a:p>
+            <a:pPr>
+              <a:buNone/>
+            </a:pPr>
+            <a:endParaRPr lang="en-US" dirty="0"/>
+          </a:p>
+        </p:txBody>
+      </p:sp>
+      <p:sp>
+        <p:nvSpPr>
+          <p:cNvPr id="4" name="Date Placeholder 3"/>
+          <p:cNvSpPr>
+            <a:spLocks noGrp="1"/>
+          </p:cNvSpPr>
+          <p:nvPr>
+            <p:ph type="dt" sz="half" idx="10"/>
+          </p:nvPr>
+        </p:nvSpPr>
+        <p:spPr/>
+        <p:txBody>
+          <a:bodyPr/>
+          <a:lstStyle/>
+          <a:p>
+            <a:fld id="{AB98F214-5D90-468C-9EE8-E1612B8D2BE2}" type="slidenum">
+              <a:rPr lang="en-US" smtClean="0"/>
+              <a:pPr/>
+              <a:t>14</a:t>
+            </a:fld>
+            <a:endParaRPr lang="en-US"/>
+          </a:p>
+        </p:txBody>
+      </p:sp>
+      <p:pic>
+        <p:nvPicPr>
+          <p:cNvPr id="1034" name="Picture 10" descr="C:\Documents and Settings\minyu\Local Settings\Temporary Internet Files\Content.IE5\M6AMB87K\MCj02873130000[1].wmf"/>
+          <p:cNvPicPr>
+            <a:picLocks noChangeAspect="1" noChangeArrowheads="1"/>
+          </p:cNvPicPr>
+          <p:nvPr/>
+        </p:nvPicPr>
+        <p:blipFill>
+          <a:blip r:embed="rId3"/>
+          <a:srcRect/>
+          <a:stretch>
+            <a:fillRect/>
+          </a:stretch>
+        </p:blipFill>
+        <p:spPr bwMode="auto">
+          <a:xfrm>
+            <a:off x="739834" y="435428"/>
+            <a:ext cx="1887648" cy="1531545"/>
+          </a:xfrm>
+          <a:prstGeom prst="rect">
+            <a:avLst/>
+          </a:prstGeom>
+          <a:noFill/>
+        </p:spPr>
+      </p:pic>
+    </p:spTree>
+  </p:cSld>
+  <p:clrMapOvr>
+    <a:masterClrMapping/>
+  </p:clrMapOvr>
+  <p:transition/>
+  <p:timing>
+    <p:tnLst>
+      <p:par>
+        <p:cTn id="1" dur="indefinite" restart="never" nodeType="tmRoot"/>
+      </p:par>
+    </p:tnLst>
+  </p:timing>
+</p:sld>
+</file>
+
+<file path=ppt/slides/slide2.xml><?xml version="1.0" encoding="utf-8"?>
+<p:sld xmlns:a="http://schemas.openxmlformats.org/drawingml/2006/main" xmlns:r="http://schemas.openxmlformats.org/officeDocument/2006/relationships" xmlns:p="http://schemas.openxmlformats.org/presentationml/2006/main">
+  <p:cSld>
+    <p:spTree>
+      <p:nvGrpSpPr>
+        <p:cNvPr id="1" name=""/>
+        <p:cNvGrpSpPr/>
+        <p:nvPr/>
+      </p:nvGrpSpPr>
+      <p:grpSpPr>
+        <a:xfrm>
+          <a:off x="0" y="0"/>
+          <a:ext cx="0" cy="0"/>
+          <a:chOff x="0" y="0"/>
+          <a:chExt cx="0" cy="0"/>
+        </a:xfrm>
+      </p:grpSpPr>
+      <p:sp>
+        <p:nvSpPr>
+          <p:cNvPr id="381954" name="AutoShape 2"/>
+          <p:cNvSpPr>
+            <a:spLocks noGrp="1" noChangeArrowheads="1"/>
+          </p:cNvSpPr>
+          <p:nvPr>
+            <p:ph type="ctrTitle"/>
+          </p:nvPr>
+        </p:nvSpPr>
+        <p:spPr>
+          <a:xfrm>
+            <a:off x="685800" y="963613"/>
+            <a:ext cx="8183563" cy="1143000"/>
+          </a:xfrm>
+          <a:prstGeom prst="irregularSeal1">
+            <a:avLst/>
+          </a:prstGeom>
+          <a:ln/>
+        </p:spPr>
+        <p:txBody>
+          <a:bodyPr/>
+          <a:lstStyle/>
+          <a:p>
+            <a:r>
+              <a:rPr lang="en-US" sz="3600" dirty="0" smtClean="0"/>
+              <a:t>DSM2 User Group Intro and Support</a:t>
+            </a:r>
+            <a:endParaRPr lang="en-US" sz="3600" dirty="0"/>
+          </a:p>
+        </p:txBody>
+      </p:sp>
+      <p:sp>
+        <p:nvSpPr>
+          <p:cNvPr id="381955" name="Rectangle 3"/>
+          <p:cNvSpPr>
+            <a:spLocks noGrp="1" noChangeArrowheads="1"/>
+          </p:cNvSpPr>
+          <p:nvPr>
+            <p:ph type="subTitle" idx="1"/>
+          </p:nvPr>
+        </p:nvSpPr>
+        <p:spPr>
+          <a:xfrm>
+            <a:off x="1212850" y="2732088"/>
+            <a:ext cx="6954838" cy="3355975"/>
+          </a:xfrm>
+        </p:spPr>
+        <p:txBody>
+          <a:bodyPr/>
+          <a:lstStyle/>
+          <a:p>
+            <a:r>
+              <a:rPr lang="en-US" dirty="0"/>
+              <a:t>DSM2 Training</a:t>
+            </a:r>
+          </a:p>
+          <a:p>
+            <a:r>
+              <a:rPr lang="en-US" dirty="0" smtClean="0"/>
+              <a:t>September 22, 2009</a:t>
+            </a:r>
+            <a:endParaRPr lang="en-US" dirty="0"/>
+          </a:p>
+          <a:p>
+            <a:endParaRPr lang="en-US" dirty="0"/>
+          </a:p>
+          <a:p>
+            <a:pPr algn="l"/>
+            <a:r>
+              <a:rPr lang="en-US" dirty="0">
+                <a:solidFill>
+                  <a:srgbClr val="6666FF"/>
+                </a:solidFill>
+              </a:rPr>
+              <a:t>	</a:t>
+            </a:r>
+            <a:r>
+              <a:rPr lang="en-US" dirty="0" smtClean="0">
+                <a:solidFill>
+                  <a:srgbClr val="6666FF"/>
+                </a:solidFill>
+              </a:rPr>
+              <a:t>Min Yu, P.E.</a:t>
+            </a:r>
+            <a:endParaRPr lang="en-US" sz="2400" dirty="0">
+              <a:solidFill>
+                <a:srgbClr val="6666FF"/>
+              </a:solidFill>
+            </a:endParaRPr>
+          </a:p>
+          <a:p>
+            <a:pPr algn="l"/>
+            <a:r>
+              <a:rPr lang="en-US" sz="2400" dirty="0">
+                <a:solidFill>
+                  <a:srgbClr val="6666FF"/>
+                </a:solidFill>
+              </a:rPr>
+              <a:t>	</a:t>
+            </a:r>
+            <a:r>
+              <a:rPr lang="en-US" sz="2400" dirty="0" smtClean="0">
+                <a:solidFill>
+                  <a:srgbClr val="6666FF"/>
+                </a:solidFill>
+              </a:rPr>
+              <a:t>Delta </a:t>
+            </a:r>
+            <a:r>
+              <a:rPr lang="en-US" sz="2400" dirty="0">
+                <a:solidFill>
+                  <a:srgbClr val="6666FF"/>
+                </a:solidFill>
+              </a:rPr>
+              <a:t>Modeling Section</a:t>
+            </a:r>
+          </a:p>
+          <a:p>
+            <a:pPr algn="l"/>
+            <a:r>
+              <a:rPr lang="en-US" sz="2400" dirty="0">
+                <a:solidFill>
+                  <a:srgbClr val="6666FF"/>
+                </a:solidFill>
+              </a:rPr>
+              <a:t>	California Department of Water Resources</a:t>
+            </a:r>
+          </a:p>
+          <a:p>
+            <a:pPr algn="l"/>
+            <a:endParaRPr lang="en-US" sz="2400" dirty="0">
+              <a:solidFill>
+                <a:srgbClr val="6666FF"/>
+              </a:solidFill>
+            </a:endParaRPr>
+          </a:p>
+          <a:p>
+            <a:pPr algn="l"/>
+            <a:endParaRPr lang="en-US" sz="2400" dirty="0">
+              <a:solidFill>
+                <a:srgbClr val="6666FF"/>
+              </a:solidFill>
+            </a:endParaRPr>
+          </a:p>
+        </p:txBody>
+      </p:sp>
+      <p:pic>
+        <p:nvPicPr>
+          <p:cNvPr id="381956" name="Picture 4" descr="dwranim"/>
+          <p:cNvPicPr>
+            <a:picLocks noChangeAspect="1" noChangeArrowheads="1"/>
+          </p:cNvPicPr>
+          <p:nvPr/>
+        </p:nvPicPr>
+        <p:blipFill>
+          <a:blip r:embed="rId3"/>
+          <a:srcRect/>
+          <a:stretch>
+            <a:fillRect/>
+          </a:stretch>
+        </p:blipFill>
+        <p:spPr bwMode="auto">
+          <a:xfrm>
+            <a:off x="1052513" y="4972050"/>
+            <a:ext cx="1035050" cy="1101725"/>
+          </a:xfrm>
+          <a:prstGeom prst="rect">
+            <a:avLst/>
+          </a:prstGeom>
+          <a:noFill/>
+        </p:spPr>
+      </p:pic>
+    </p:spTree>
+  </p:cSld>
+  <p:clrMapOvr>
+    <a:masterClrMapping/>
+  </p:clrMapOvr>
+  <p:transition/>
+  <p:timing>
+    <p:tnLst>
+      <p:par>
+        <p:cTn id="1" dur="indefinite" restart="never" nodeType="tmRoot"/>
+      </p:par>
+    </p:tnLst>
+  </p:timing>
+</p:sld>
+</file>
+
+<file path=ppt/slides/slide3.xml><?xml version="1.0" encoding="utf-8"?>
+<p:sld xmlns:a="http://schemas.openxmlformats.org/drawingml/2006/main" xmlns:r="http://schemas.openxmlformats.org/officeDocument/2006/relationships" xmlns:p="http://schemas.openxmlformats.org/presentationml/2006/main">
+  <p:cSld>
+    <p:spTree>
+      <p:nvGrpSpPr>
+        <p:cNvPr id="1" name=""/>
+        <p:cNvGrpSpPr/>
+        <p:nvPr/>
+      </p:nvGrpSpPr>
+      <p:grpSpPr>
+        <a:xfrm>
+          <a:off x="0" y="0"/>
+          <a:ext cx="0" cy="0"/>
+          <a:chOff x="0" y="0"/>
+          <a:chExt cx="0" cy="0"/>
+        </a:xfrm>
+      </p:grpSpPr>
+      <p:sp>
+        <p:nvSpPr>
+          <p:cNvPr id="2" name="Title 1"/>
+          <p:cNvSpPr>
+            <a:spLocks noGrp="1"/>
+          </p:cNvSpPr>
+          <p:nvPr>
+            <p:ph type="title"/>
+          </p:nvPr>
+        </p:nvSpPr>
+        <p:spPr/>
+        <p:txBody>
+          <a:bodyPr/>
+          <a:lstStyle/>
+          <a:p>
+            <a:r>
+              <a:rPr lang="en-US" dirty="0" smtClean="0"/>
+              <a:t>Outline</a:t>
+            </a:r>
+            <a:endParaRPr lang="en-US" dirty="0"/>
+          </a:p>
+        </p:txBody>
+      </p:sp>
+      <p:sp>
+        <p:nvSpPr>
+          <p:cNvPr id="3" name="Content Placeholder 2"/>
+          <p:cNvSpPr>
+            <a:spLocks noGrp="1"/>
+          </p:cNvSpPr>
+          <p:nvPr>
+            <p:ph idx="1"/>
+          </p:nvPr>
+        </p:nvSpPr>
+        <p:spPr/>
+        <p:txBody>
+          <a:bodyPr/>
+          <a:lstStyle/>
+          <a:p>
+            <a:r>
+              <a:rPr lang="en-US" dirty="0" smtClean="0"/>
+              <a:t>Overview</a:t>
+            </a:r>
+          </a:p>
+          <a:p>
+            <a:r>
+              <a:rPr lang="en-US" dirty="0" smtClean="0"/>
+              <a:t>DSM2UG objective</a:t>
+            </a:r>
+          </a:p>
+          <a:p>
+            <a:r>
+              <a:rPr lang="en-US" dirty="0" smtClean="0"/>
+              <a:t>DSM2UG activities</a:t>
+            </a:r>
+          </a:p>
+          <a:p>
+            <a:r>
+              <a:rPr lang="en-US" dirty="0" smtClean="0"/>
+              <a:t>Technical support</a:t>
+            </a:r>
+          </a:p>
+          <a:p>
+            <a:pPr lvl="1"/>
+            <a:r>
+              <a:rPr lang="en-US" dirty="0" smtClean="0"/>
+              <a:t>Questions</a:t>
+            </a:r>
+          </a:p>
+          <a:p>
+            <a:pPr lvl="1"/>
+            <a:r>
+              <a:rPr lang="en-US" dirty="0" smtClean="0"/>
+              <a:t>Issues</a:t>
+            </a:r>
+          </a:p>
+          <a:p>
+            <a:pPr lvl="1"/>
+            <a:r>
+              <a:rPr lang="en-US" dirty="0" smtClean="0"/>
+              <a:t>Features</a:t>
+            </a:r>
+          </a:p>
+          <a:p>
+            <a:endParaRPr lang="en-US" dirty="0"/>
+          </a:p>
+        </p:txBody>
+      </p:sp>
+      <p:sp>
+        <p:nvSpPr>
+          <p:cNvPr id="4" name="Date Placeholder 3"/>
+          <p:cNvSpPr>
+            <a:spLocks noGrp="1"/>
+          </p:cNvSpPr>
+          <p:nvPr>
+            <p:ph type="dt" sz="half" idx="10"/>
+          </p:nvPr>
+        </p:nvSpPr>
+        <p:spPr/>
+        <p:txBody>
+          <a:bodyPr/>
+          <a:lstStyle/>
+          <a:p>
+            <a:fld id="{AB98F214-5D90-468C-9EE8-E1612B8D2BE2}" type="slidenum">
+              <a:rPr lang="en-US" smtClean="0"/>
+              <a:pPr/>
+              <a:t>3</a:t>
+            </a:fld>
+            <a:endParaRPr lang="en-US"/>
+          </a:p>
+        </p:txBody>
+      </p:sp>
+    </p:spTree>
+  </p:cSld>
+  <p:clrMapOvr>
+    <a:masterClrMapping/>
+  </p:clrMapOvr>
+  <p:transition/>
+  <p:timing>
+    <p:tnLst>
+      <p:par>
+        <p:cTn id="1" dur="indefinite" restart="never" nodeType="tmRoot"/>
+      </p:par>
+    </p:tnLst>
+  </p:timing>
+</p:sld>
+</file>
+
+<file path=ppt/slides/slide4.xml><?xml version="1.0" encoding="utf-8"?>
+<p:sld xmlns:a="http://schemas.openxmlformats.org/drawingml/2006/main" xmlns:r="http://schemas.openxmlformats.org/officeDocument/2006/relationships" xmlns:p="http://schemas.openxmlformats.org/presentationml/2006/main">
+  <p:cSld>
+    <p:spTree>
+      <p:nvGrpSpPr>
+        <p:cNvPr id="1" name=""/>
+        <p:cNvGrpSpPr/>
+        <p:nvPr/>
+      </p:nvGrpSpPr>
+      <p:grpSpPr>
+        <a:xfrm>
+          <a:off x="0" y="0"/>
+          <a:ext cx="0" cy="0"/>
+          <a:chOff x="0" y="0"/>
+          <a:chExt cx="0" cy="0"/>
+        </a:xfrm>
+      </p:grpSpPr>
+      <p:sp>
+        <p:nvSpPr>
+          <p:cNvPr id="2" name="Title 1"/>
+          <p:cNvSpPr>
+            <a:spLocks noGrp="1"/>
+          </p:cNvSpPr>
+          <p:nvPr>
+            <p:ph type="title"/>
+          </p:nvPr>
+        </p:nvSpPr>
+        <p:spPr/>
+        <p:txBody>
+          <a:bodyPr/>
+          <a:lstStyle/>
+          <a:p>
+            <a:r>
+              <a:rPr lang="en-US" dirty="0" smtClean="0"/>
+              <a:t>Overview</a:t>
+            </a:r>
+            <a:endParaRPr lang="en-US" dirty="0"/>
+          </a:p>
+        </p:txBody>
+      </p:sp>
+      <p:sp>
+        <p:nvSpPr>
+          <p:cNvPr id="3" name="Content Placeholder 2"/>
+          <p:cNvSpPr>
+            <a:spLocks noGrp="1"/>
+          </p:cNvSpPr>
+          <p:nvPr>
+            <p:ph idx="1"/>
+          </p:nvPr>
+        </p:nvSpPr>
+        <p:spPr/>
+        <p:txBody>
+          <a:bodyPr/>
+          <a:lstStyle/>
+          <a:p>
+            <a:r>
+              <a:rPr lang="en-US" dirty="0" smtClean="0"/>
+              <a:t>DSM2UG </a:t>
+            </a:r>
+            <a:r>
+              <a:rPr lang="en-US" dirty="0" smtClean="0"/>
+              <a:t>initiated </a:t>
+            </a:r>
+            <a:r>
+              <a:rPr lang="en-US" dirty="0" smtClean="0"/>
+              <a:t>in Jan. 2004</a:t>
+            </a:r>
+          </a:p>
+          <a:p>
+            <a:r>
+              <a:rPr lang="en-US" dirty="0" smtClean="0"/>
+              <a:t>A well-established model user group with 50</a:t>
+            </a:r>
+            <a:r>
+              <a:rPr lang="en-US" baseline="30000" dirty="0" smtClean="0"/>
+              <a:t>+</a:t>
+            </a:r>
+            <a:r>
+              <a:rPr lang="en-US" dirty="0" smtClean="0"/>
+              <a:t> members</a:t>
+            </a:r>
+          </a:p>
+          <a:p>
+            <a:r>
+              <a:rPr lang="en-US" dirty="0" smtClean="0"/>
+              <a:t>Becoming a member</a:t>
+            </a:r>
+            <a:endParaRPr lang="en-US" dirty="0" smtClean="0"/>
+          </a:p>
+          <a:p>
+            <a:pPr>
+              <a:buNone/>
+            </a:pPr>
+            <a:endParaRPr lang="en-US" dirty="0" smtClean="0"/>
+          </a:p>
+          <a:p>
+            <a:endParaRPr lang="en-US" dirty="0"/>
+          </a:p>
+        </p:txBody>
+      </p:sp>
+      <p:sp>
+        <p:nvSpPr>
+          <p:cNvPr id="4" name="Date Placeholder 3"/>
+          <p:cNvSpPr>
+            <a:spLocks noGrp="1"/>
+          </p:cNvSpPr>
+          <p:nvPr>
+            <p:ph type="dt" sz="half" idx="10"/>
+          </p:nvPr>
+        </p:nvSpPr>
+        <p:spPr/>
+        <p:txBody>
+          <a:bodyPr/>
+          <a:lstStyle/>
+          <a:p>
+            <a:fld id="{AB98F214-5D90-468C-9EE8-E1612B8D2BE2}" type="slidenum">
+              <a:rPr lang="en-US" smtClean="0"/>
+              <a:pPr/>
+              <a:t>4</a:t>
+            </a:fld>
+            <a:endParaRPr lang="en-US"/>
+          </a:p>
+        </p:txBody>
+      </p:sp>
+    </p:spTree>
+  </p:cSld>
+  <p:clrMapOvr>
+    <a:masterClrMapping/>
+  </p:clrMapOvr>
+  <p:transition/>
+  <p:timing>
+    <p:tnLst>
+      <p:par>
+        <p:cTn id="1" dur="indefinite" restart="never" nodeType="tmRoot"/>
+      </p:par>
+    </p:tnLst>
+  </p:timing>
+</p:sld>
+</file>
+
+<file path=ppt/slides/slide5.xml><?xml version="1.0" encoding="utf-8"?>
+<p:sld xmlns:a="http://schemas.openxmlformats.org/drawingml/2006/main" xmlns:r="http://schemas.openxmlformats.org/officeDocument/2006/relationships" xmlns:p="http://schemas.openxmlformats.org/presentationml/2006/main">
+  <p:cSld>
+    <p:spTree>
+      <p:nvGrpSpPr>
+        <p:cNvPr id="1" name=""/>
+        <p:cNvGrpSpPr/>
+        <p:nvPr/>
+      </p:nvGrpSpPr>
+      <p:grpSpPr>
+        <a:xfrm>
+          <a:off x="0" y="0"/>
+          <a:ext cx="0" cy="0"/>
+          <a:chOff x="0" y="0"/>
+          <a:chExt cx="0" cy="0"/>
+        </a:xfrm>
+      </p:grpSpPr>
+      <p:sp>
+        <p:nvSpPr>
+          <p:cNvPr id="2" name="Title 1"/>
+          <p:cNvSpPr>
+            <a:spLocks noGrp="1"/>
+          </p:cNvSpPr>
+          <p:nvPr>
+            <p:ph type="title"/>
+          </p:nvPr>
+        </p:nvSpPr>
+        <p:spPr/>
+        <p:txBody>
+          <a:bodyPr/>
+          <a:lstStyle/>
+          <a:p>
+            <a:r>
+              <a:rPr lang="en-US" dirty="0" smtClean="0"/>
+              <a:t>DSM2UG Objective</a:t>
+            </a:r>
+            <a:endParaRPr lang="en-US" dirty="0"/>
+          </a:p>
+        </p:txBody>
+      </p:sp>
+      <p:sp>
+        <p:nvSpPr>
+          <p:cNvPr id="3" name="Content Placeholder 2"/>
+          <p:cNvSpPr>
+            <a:spLocks noGrp="1"/>
+          </p:cNvSpPr>
+          <p:nvPr>
+            <p:ph idx="1"/>
+          </p:nvPr>
+        </p:nvSpPr>
+        <p:spPr/>
+        <p:txBody>
+          <a:bodyPr/>
+          <a:lstStyle/>
+          <a:p>
+            <a:pPr>
+              <a:buNone/>
+            </a:pPr>
+            <a:r>
+              <a:rPr lang="en-US" dirty="0" smtClean="0"/>
+              <a:t>	To promote the exchange of ideas, information, and issues involving the use of DSM2 and/or the development of any newer version of DSM2 in the future.</a:t>
+            </a:r>
+            <a:r>
+              <a:rPr lang="en-US" sz="2000" dirty="0" smtClean="0"/>
+              <a:t>	</a:t>
+            </a:r>
+            <a:endParaRPr lang="en-US" sz="1800" i="1" dirty="0"/>
+          </a:p>
+        </p:txBody>
+      </p:sp>
+      <p:sp>
+        <p:nvSpPr>
+          <p:cNvPr id="4" name="Date Placeholder 3"/>
+          <p:cNvSpPr>
+            <a:spLocks noGrp="1"/>
+          </p:cNvSpPr>
+          <p:nvPr>
+            <p:ph type="dt" sz="half" idx="10"/>
+          </p:nvPr>
+        </p:nvSpPr>
+        <p:spPr/>
+        <p:txBody>
+          <a:bodyPr/>
+          <a:lstStyle/>
+          <a:p>
+            <a:fld id="{AB98F214-5D90-468C-9EE8-E1612B8D2BE2}" type="slidenum">
+              <a:rPr lang="en-US" smtClean="0"/>
+              <a:pPr/>
+              <a:t>5</a:t>
+            </a:fld>
+            <a:endParaRPr lang="en-US"/>
+          </a:p>
+        </p:txBody>
+      </p:sp>
+    </p:spTree>
+  </p:cSld>
+  <p:clrMapOvr>
+    <a:masterClrMapping/>
+  </p:clrMapOvr>
+  <p:transition/>
+  <p:timing>
+    <p:tnLst>
+      <p:par>
+        <p:cTn id="1" dur="indefinite" restart="never" nodeType="tmRoot"/>
+      </p:par>
+    </p:tnLst>
+  </p:timing>
+</p:sld>
+</file>
+
+<file path=ppt/slides/slide6.xml><?xml version="1.0" encoding="utf-8"?>
+<p:sld xmlns:a="http://schemas.openxmlformats.org/drawingml/2006/main" xmlns:r="http://schemas.openxmlformats.org/officeDocument/2006/relationships" xmlns:p="http://schemas.openxmlformats.org/presentationml/2006/main">
+  <p:cSld>
+    <p:spTree>
+      <p:nvGrpSpPr>
+        <p:cNvPr id="1" name=""/>
+        <p:cNvGrpSpPr/>
+        <p:nvPr/>
+      </p:nvGrpSpPr>
+      <p:grpSpPr>
+        <a:xfrm>
+          <a:off x="0" y="0"/>
+          <a:ext cx="0" cy="0"/>
+          <a:chOff x="0" y="0"/>
+          <a:chExt cx="0" cy="0"/>
+        </a:xfrm>
+      </p:grpSpPr>
+      <p:sp>
+        <p:nvSpPr>
+          <p:cNvPr id="2" name="Title 1"/>
+          <p:cNvSpPr>
+            <a:spLocks noGrp="1"/>
+          </p:cNvSpPr>
+          <p:nvPr>
+            <p:ph type="title"/>
+          </p:nvPr>
+        </p:nvSpPr>
+        <p:spPr/>
+        <p:txBody>
+          <a:bodyPr/>
+          <a:lstStyle/>
+          <a:p>
+            <a:r>
+              <a:rPr lang="en-US" dirty="0" smtClean="0"/>
+              <a:t>DSM2UG Activities</a:t>
+            </a:r>
+            <a:endParaRPr lang="en-US" dirty="0"/>
+          </a:p>
+        </p:txBody>
+      </p:sp>
+      <p:sp>
+        <p:nvSpPr>
+          <p:cNvPr id="3" name="Content Placeholder 2"/>
+          <p:cNvSpPr>
+            <a:spLocks noGrp="1"/>
+          </p:cNvSpPr>
+          <p:nvPr>
+            <p:ph idx="1"/>
+          </p:nvPr>
+        </p:nvSpPr>
+        <p:spPr/>
+        <p:txBody>
+          <a:bodyPr/>
+          <a:lstStyle/>
+          <a:p>
+            <a:endParaRPr lang="en-US" dirty="0" smtClean="0"/>
+          </a:p>
+        </p:txBody>
+      </p:sp>
+      <p:sp>
+        <p:nvSpPr>
+          <p:cNvPr id="4" name="Date Placeholder 3"/>
+          <p:cNvSpPr>
+            <a:spLocks noGrp="1"/>
+          </p:cNvSpPr>
+          <p:nvPr>
+            <p:ph type="dt" sz="half" idx="10"/>
+          </p:nvPr>
+        </p:nvSpPr>
+        <p:spPr/>
+        <p:txBody>
+          <a:bodyPr/>
+          <a:lstStyle/>
+          <a:p>
+            <a:fld id="{AB98F214-5D90-468C-9EE8-E1612B8D2BE2}" type="slidenum">
+              <a:rPr lang="en-US" smtClean="0"/>
+              <a:pPr/>
+              <a:t>6</a:t>
+            </a:fld>
+            <a:endParaRPr lang="en-US" dirty="0"/>
+          </a:p>
+        </p:txBody>
+      </p:sp>
+      <p:graphicFrame>
+        <p:nvGraphicFramePr>
+          <p:cNvPr id="13" name="Diagram 12"/>
+          <p:cNvGraphicFramePr/>
+          <p:nvPr/>
+        </p:nvGraphicFramePr>
+        <p:xfrm>
+          <a:off x="1560648" y="2168218"/>
+          <a:ext cx="6096000" cy="3251200"/>
+        </p:xfrm>
+        <a:graphic>
+          <a:graphicData uri="http://schemas.openxmlformats.org/drawingml/2006/diagram">
+            <dgm:relIds xmlns:dgm="http://schemas.openxmlformats.org/drawingml/2006/diagram" xmlns:r="http://schemas.openxmlformats.org/officeDocument/2006/relationships" r:dm="rId2" r:lo="rId3" r:qs="rId4" r:cs="rId5"/>
+          </a:graphicData>
+        </a:graphic>
+      </p:graphicFrame>
+    </p:spTree>
+  </p:cSld>
+  <p:clrMapOvr>
+    <a:masterClrMapping/>
+  </p:clrMapOvr>
+  <p:transition/>
+  <p:timing>
+    <p:tnLst>
+      <p:par>
+        <p:cTn id="1" dur="indefinite" restart="never" nodeType="tmRoot"/>
+      </p:par>
+    </p:tnLst>
+  </p:timing>
+</p:sld>
+</file>
+
+<file path=ppt/slides/slide7.xml><?xml version="1.0" encoding="utf-8"?>
+<p:sld xmlns:a="http://schemas.openxmlformats.org/drawingml/2006/main" xmlns:r="http://schemas.openxmlformats.org/officeDocument/2006/relationships" xmlns:p="http://schemas.openxmlformats.org/presentationml/2006/main">
+  <p:cSld>
+    <p:spTree>
+      <p:nvGrpSpPr>
+        <p:cNvPr id="1" name=""/>
+        <p:cNvGrpSpPr/>
+        <p:nvPr/>
+      </p:nvGrpSpPr>
+      <p:grpSpPr>
+        <a:xfrm>
+          <a:off x="0" y="0"/>
+          <a:ext cx="0" cy="0"/>
+          <a:chOff x="0" y="0"/>
+          <a:chExt cx="0" cy="0"/>
+        </a:xfrm>
+      </p:grpSpPr>
+      <p:sp>
+        <p:nvSpPr>
+          <p:cNvPr id="2" name="Title 1"/>
+          <p:cNvSpPr>
+            <a:spLocks noGrp="1"/>
+          </p:cNvSpPr>
+          <p:nvPr>
+            <p:ph type="title"/>
+          </p:nvPr>
+        </p:nvSpPr>
+        <p:spPr/>
+        <p:txBody>
+          <a:bodyPr/>
+          <a:lstStyle/>
+          <a:p>
+            <a:r>
+              <a:rPr lang="en-US" dirty="0" smtClean="0"/>
+              <a:t>DSM2UG Website</a:t>
+            </a:r>
+            <a:endParaRPr lang="en-US" dirty="0"/>
+          </a:p>
+        </p:txBody>
+      </p:sp>
+      <p:sp>
+        <p:nvSpPr>
+          <p:cNvPr id="3" name="Content Placeholder 2"/>
+          <p:cNvSpPr>
+            <a:spLocks noGrp="1"/>
+          </p:cNvSpPr>
+          <p:nvPr>
+            <p:ph idx="1"/>
+          </p:nvPr>
+        </p:nvSpPr>
+        <p:spPr/>
+        <p:txBody>
+          <a:bodyPr/>
+          <a:lstStyle/>
+          <a:p>
+            <a:pPr>
+              <a:buNone/>
+            </a:pPr>
+            <a:r>
+              <a:rPr lang="en-US" sz="3100" dirty="0" smtClean="0"/>
+              <a:t>http://</a:t>
+            </a:r>
+            <a:r>
+              <a:rPr lang="en-US" sz="3100" dirty="0" smtClean="0"/>
+              <a:t>baydeltaoffice.water.ca.gov/modeling/deltamodeling/dsm2usersgroup.cfm</a:t>
+            </a:r>
+            <a:endParaRPr lang="en-US" sz="3100" dirty="0" smtClean="0"/>
+          </a:p>
+          <a:p>
+            <a:pPr>
+              <a:buNone/>
+            </a:pPr>
+            <a:endParaRPr lang="en-US" dirty="0" smtClean="0"/>
+          </a:p>
+          <a:p>
+            <a:pPr>
+              <a:buNone/>
+            </a:pPr>
+            <a:endParaRPr lang="en-US" dirty="0" smtClean="0"/>
+          </a:p>
+          <a:p>
+            <a:endParaRPr lang="en-US" dirty="0"/>
+          </a:p>
+        </p:txBody>
+      </p:sp>
+      <p:sp>
+        <p:nvSpPr>
+          <p:cNvPr id="4" name="Date Placeholder 3"/>
+          <p:cNvSpPr>
+            <a:spLocks noGrp="1"/>
+          </p:cNvSpPr>
+          <p:nvPr>
+            <p:ph type="dt" sz="half" idx="10"/>
+          </p:nvPr>
+        </p:nvSpPr>
+        <p:spPr/>
+        <p:txBody>
+          <a:bodyPr/>
+          <a:lstStyle/>
+          <a:p>
+            <a:fld id="{AB98F214-5D90-468C-9EE8-E1612B8D2BE2}" type="slidenum">
+              <a:rPr lang="en-US" smtClean="0"/>
+              <a:pPr/>
+              <a:t>7</a:t>
+            </a:fld>
+            <a:endParaRPr lang="en-US"/>
+          </a:p>
+        </p:txBody>
+      </p:sp>
+    </p:spTree>
+  </p:cSld>
+  <p:clrMapOvr>
+    <a:masterClrMapping/>
+  </p:clrMapOvr>
+  <p:transition/>
+  <p:timing>
+    <p:tnLst>
+      <p:par>
+        <p:cTn id="1" dur="indefinite" restart="never" nodeType="tmRoot"/>
+      </p:par>
+    </p:tnLst>
+  </p:timing>
+</p:sld>
+</file>
+
+<file path=ppt/slides/slide8.xml><?xml version="1.0" encoding="utf-8"?>
+<p:sld xmlns:a="http://schemas.openxmlformats.org/drawingml/2006/main" xmlns:r="http://schemas.openxmlformats.org/officeDocument/2006/relationships" xmlns:p="http://schemas.openxmlformats.org/presentationml/2006/main">
+  <p:cSld>
+    <p:spTree>
+      <p:nvGrpSpPr>
+        <p:cNvPr id="1" name=""/>
+        <p:cNvGrpSpPr/>
+        <p:nvPr/>
+      </p:nvGrpSpPr>
+      <p:grpSpPr>
+        <a:xfrm>
+          <a:off x="0" y="0"/>
+          <a:ext cx="0" cy="0"/>
+          <a:chOff x="0" y="0"/>
+          <a:chExt cx="0" cy="0"/>
+        </a:xfrm>
+      </p:grpSpPr>
+      <p:sp>
+        <p:nvSpPr>
+          <p:cNvPr id="4" name="Date Placeholder 3"/>
+          <p:cNvSpPr>
+            <a:spLocks noGrp="1"/>
+          </p:cNvSpPr>
+          <p:nvPr>
+            <p:ph type="dt" sz="half" idx="10"/>
+          </p:nvPr>
+        </p:nvSpPr>
+        <p:spPr/>
+        <p:txBody>
+          <a:bodyPr/>
+          <a:lstStyle/>
+          <a:p>
+            <a:fld id="{AB98F214-5D90-468C-9EE8-E1612B8D2BE2}" type="slidenum">
+              <a:rPr lang="en-US" smtClean="0"/>
+              <a:pPr/>
+              <a:t>8</a:t>
+            </a:fld>
+            <a:endParaRPr lang="en-US"/>
+          </a:p>
+        </p:txBody>
+      </p:sp>
+      <p:pic>
+        <p:nvPicPr>
+          <p:cNvPr id="2050" name="Picture 2"/>
+          <p:cNvPicPr>
+            <a:picLocks noGrp="1" noChangeAspect="1" noChangeArrowheads="1"/>
+          </p:cNvPicPr>
+          <p:nvPr>
+            <p:ph idx="1"/>
+          </p:nvPr>
+        </p:nvPicPr>
+        <p:blipFill>
+          <a:blip r:embed="rId2"/>
+          <a:srcRect t="-450" r="-720" b="3222"/>
+          <a:stretch>
+            <a:fillRect/>
+          </a:stretch>
+        </p:blipFill>
+        <p:spPr bwMode="auto">
+          <a:xfrm>
+            <a:off x="1106343" y="1339790"/>
+            <a:ext cx="7205137" cy="5324721"/>
+          </a:xfrm>
+          <a:prstGeom prst="rect">
+            <a:avLst/>
+          </a:prstGeom>
+          <a:noFill/>
+          <a:ln w="9525">
+            <a:noFill/>
+            <a:miter lim="800000"/>
+            <a:headEnd/>
+            <a:tailEnd/>
+          </a:ln>
+        </p:spPr>
+      </p:pic>
+      <p:pic>
+        <p:nvPicPr>
+          <p:cNvPr id="6" name="Picture 2"/>
+          <p:cNvPicPr>
+            <a:picLocks noChangeAspect="1" noChangeArrowheads="1"/>
+          </p:cNvPicPr>
+          <p:nvPr/>
+        </p:nvPicPr>
+        <p:blipFill>
+          <a:blip r:embed="rId3"/>
+          <a:srcRect l="27905" t="33860" r="31361" b="40188"/>
+          <a:stretch>
+            <a:fillRect/>
+          </a:stretch>
+        </p:blipFill>
+        <p:spPr bwMode="auto">
+          <a:xfrm>
+            <a:off x="177421" y="2224585"/>
+            <a:ext cx="4764689" cy="2553077"/>
+          </a:xfrm>
+          <a:prstGeom prst="rect">
+            <a:avLst/>
+          </a:prstGeom>
+          <a:noFill/>
+          <a:ln w="38100">
+            <a:solidFill>
+              <a:srgbClr val="FFFF00"/>
+            </a:solidFill>
+            <a:miter lim="800000"/>
+            <a:headEnd/>
+            <a:tailEnd/>
+          </a:ln>
+          <a:effectLst>
+            <a:outerShdw blurRad="50800" dist="38100" algn="l" rotWithShape="0">
+              <a:prstClr val="black">
+                <a:alpha val="40000"/>
+              </a:prstClr>
+            </a:outerShdw>
+          </a:effectLst>
+        </p:spPr>
+      </p:pic>
+      <p:cxnSp>
+        <p:nvCxnSpPr>
+          <p:cNvPr id="8" name="Straight Arrow Connector 7"/>
+          <p:cNvCxnSpPr/>
+          <p:nvPr/>
+        </p:nvCxnSpPr>
+        <p:spPr bwMode="auto">
+          <a:xfrm rot="16200000" flipV="1">
+            <a:off x="2750024" y="5070144"/>
+            <a:ext cx="1364777" cy="777922"/>
+          </a:xfrm>
+          <a:prstGeom prst="straightConnector1">
+            <a:avLst/>
+          </a:prstGeom>
+          <a:solidFill>
+            <a:srgbClr val="FFFF99"/>
+          </a:solidFill>
+          <a:ln w="9525" cap="flat" cmpd="sng" algn="ctr">
+            <a:noFill/>
+            <a:prstDash val="solid"/>
+            <a:round/>
+            <a:headEnd type="none" w="med" len="med"/>
+            <a:tailEnd type="arrow"/>
+          </a:ln>
+          <a:effectLst/>
+        </p:spPr>
+      </p:cxnSp>
+      <p:cxnSp>
+        <p:nvCxnSpPr>
+          <p:cNvPr id="10" name="Straight Arrow Connector 9"/>
+          <p:cNvCxnSpPr/>
+          <p:nvPr/>
+        </p:nvCxnSpPr>
+        <p:spPr bwMode="auto">
+          <a:xfrm rot="16200000" flipV="1">
+            <a:off x="1937982" y="5227092"/>
+            <a:ext cx="1678676" cy="805220"/>
+          </a:xfrm>
+          <a:prstGeom prst="straightConnector1">
+            <a:avLst/>
+          </a:prstGeom>
+          <a:solidFill>
+            <a:srgbClr val="FFFF99"/>
+          </a:solidFill>
+          <a:ln w="38100" cap="flat" cmpd="sng" algn="ctr">
+            <a:solidFill>
+              <a:schemeClr val="bg1"/>
+            </a:solidFill>
+            <a:prstDash val="solid"/>
+            <a:round/>
+            <a:headEnd type="none" w="med" len="med"/>
+            <a:tailEnd type="arrow"/>
+          </a:ln>
+          <a:effectLst/>
+        </p:spPr>
+      </p:cxnSp>
+      <p:sp>
+        <p:nvSpPr>
+          <p:cNvPr id="23" name="Curved Right Arrow 22"/>
+          <p:cNvSpPr/>
+          <p:nvPr/>
+        </p:nvSpPr>
+        <p:spPr bwMode="auto">
+          <a:xfrm>
+            <a:off x="3657600" y="6209731"/>
+            <a:ext cx="122830" cy="45719"/>
+          </a:xfrm>
+          <a:prstGeom prst="curvedRightArrow">
+            <a:avLst/>
+          </a:prstGeom>
+          <a:solidFill>
+            <a:srgbClr val="FFFF99"/>
+          </a:solidFill>
+          <a:ln w="9525" cap="flat" cmpd="sng" algn="ctr">
+            <a:noFill/>
+            <a:prstDash val="solid"/>
+            <a:round/>
+            <a:headEnd type="none" w="med" len="med"/>
+            <a:tailEnd type="none" w="med" len="med"/>
+          </a:ln>
+          <a:effectLst/>
+        </p:spPr>
+        <p:txBody>
+          <a:bodyPr vert="horz" wrap="square" lIns="91440" tIns="45720" rIns="91440" bIns="45720" numCol="1" rtlCol="0" anchor="ctr" anchorCtr="0" compatLnSpc="1">
+            <a:prstTxWarp prst="textNoShape">
+              <a:avLst/>
+            </a:prstTxWarp>
+          </a:bodyPr>
+          <a:lstStyle/>
+          <a:p>
+            <a:pPr marL="0" marR="0" indent="0" algn="ctr" defTabSz="914400" rtl="0" eaLnBrk="0" fontAlgn="base" latinLnBrk="0" hangingPunct="0">
+              <a:lnSpc>
+                <a:spcPct val="100000"/>
+              </a:lnSpc>
+              <a:spcBef>
+                <a:spcPct val="0"/>
+              </a:spcBef>
+              <a:spcAft>
+                <a:spcPct val="0"/>
+              </a:spcAft>
+              <a:buClrTx/>
+              <a:buSzTx/>
+              <a:buFontTx/>
+              <a:buNone/>
+              <a:tabLst/>
+            </a:pPr>
+            <a:endParaRPr kumimoji="0" lang="en-US" sz="3600" b="1" i="0" u="none" strike="noStrike" cap="none" normalizeH="0" baseline="0" smtClean="0">
+              <a:ln>
+                <a:noFill/>
+              </a:ln>
+              <a:solidFill>
+                <a:schemeClr val="tx1"/>
+              </a:solidFill>
+              <a:effectLst/>
+              <a:latin typeface="Arial" charset="0"/>
+            </a:endParaRPr>
+          </a:p>
+        </p:txBody>
+      </p:sp>
+      <p:sp>
+        <p:nvSpPr>
+          <p:cNvPr id="27" name="Title 1"/>
+          <p:cNvSpPr>
+            <a:spLocks noGrp="1"/>
+          </p:cNvSpPr>
+          <p:nvPr>
+            <p:ph type="title"/>
+          </p:nvPr>
+        </p:nvSpPr>
+        <p:spPr/>
+        <p:txBody>
+          <a:bodyPr/>
+          <a:lstStyle/>
+          <a:p>
+            <a:r>
+              <a:rPr lang="en-US" dirty="0" smtClean="0"/>
+              <a:t>DSM2UG Website</a:t>
+            </a:r>
+            <a:endParaRPr lang="en-US" dirty="0"/>
+          </a:p>
+        </p:txBody>
+      </p:sp>
+    </p:spTree>
+  </p:cSld>
+  <p:clrMapOvr>
+    <a:masterClrMapping/>
+  </p:clrMapOvr>
+  <p:transition/>
+  <p:timing>
+    <p:tnLst>
+      <p:par>
+        <p:cTn id="1" dur="indefinite" restart="never" nodeType="tmRoot">
+          <p:childTnLst>
+            <p:seq concurrent="1" nextAc="seek">
+              <p:cTn id="2" dur="indefinite" nodeType="mainSeq">
+                <p:childTnLst>
+                  <p:par>
+                    <p:cTn id="3" fill="hold">
+                      <p:stCondLst>
+                        <p:cond delay="indefinite"/>
+                      </p:stCondLst>
+                      <p:childTnLst>
+                        <p:par>
+                          <p:cTn id="4" fill="hold">
+                            <p:stCondLst>
+                              <p:cond delay="0"/>
+                            </p:stCondLst>
+                            <p:childTnLst>
+                              <p:par>
+                                <p:cTn id="5" presetID="1" presetClass="entr" presetSubtype="0" fill="hold" nodeType="clickEffect">
+                                  <p:stCondLst>
+                                    <p:cond delay="0"/>
+                                  </p:stCondLst>
+                                  <p:childTnLst>
+                                    <p:set>
+                                      <p:cBhvr>
+                                        <p:cTn id="6" dur="1" fill="hold">
+                                          <p:stCondLst>
+                                            <p:cond delay="0"/>
+                                          </p:stCondLst>
+                                        </p:cTn>
+                                        <p:tgtEl>
+                                          <p:spTgt spid="6"/>
+                                        </p:tgtEl>
+                                        <p:attrNameLst>
+                                          <p:attrName>style.visibility</p:attrName>
+                                        </p:attrNameLst>
+                                      </p:cBhvr>
+                                      <p:to>
+                                        <p:strVal val="visible"/>
+                                      </p:to>
+                                    </p:set>
+                                  </p:childTnLst>
+                                </p:cTn>
+                              </p:par>
+                              <p:par>
+                                <p:cTn id="7" presetID="1" presetClass="entr" presetSubtype="0" fill="hold" nodeType="withEffect">
+                                  <p:stCondLst>
+                                    <p:cond delay="0"/>
+                                  </p:stCondLst>
+                                  <p:childTnLst>
+                                    <p:set>
+                                      <p:cBhvr>
+                                        <p:cTn id="8" dur="1" fill="hold">
+                                          <p:stCondLst>
+                                            <p:cond delay="0"/>
+                                          </p:stCondLst>
+                                        </p:cTn>
+                                        <p:tgtEl>
+                                          <p:spTgt spid="10"/>
+                                        </p:tgtEl>
+                                        <p:attrNameLst>
+                                          <p:attrName>style.visibility</p:attrName>
+                                        </p:attrNameLst>
+                                      </p:cBhvr>
+                                      <p:to>
+                                        <p:strVal val="visible"/>
+                                      </p:to>
+                                    </p:set>
+                                  </p:childTnLst>
+                                </p:cTn>
+                              </p:par>
+                            </p:childTnLst>
+                          </p:cTn>
+                        </p:par>
+                      </p:childTnLst>
+                    </p:cTn>
+                  </p:par>
+                </p:childTnLst>
+              </p:cTn>
+              <p:prevCondLst>
+                <p:cond evt="onPrev" delay="0">
+                  <p:tgtEl>
+                    <p:sldTgt/>
+                  </p:tgtEl>
+                </p:cond>
+              </p:prevCondLst>
+              <p:nextCondLst>
+                <p:cond evt="onNext" delay="0">
+                  <p:tgtEl>
+                    <p:sldTgt/>
+                  </p:tgtEl>
+                </p:cond>
+              </p:nextCondLst>
+            </p:seq>
+          </p:childTnLst>
+        </p:cTn>
       </p:par>
     </p:tnLst>
   </p:timing>
@@ -12132,49 +17829,14 @@
           <a:lstStyle/>
           <a:p>
             <a:r>
-              <a:rPr lang="en-US" dirty="0" smtClean="0"/>
-              <a:t>Features</a:t>
+              <a:rPr lang="en-US" dirty="0" smtClean="0">
+                <a:solidFill>
+                  <a:srgbClr val="FFFF00"/>
+                </a:solidFill>
+              </a:rPr>
+              <a:t>DSM2-User Mailing List</a:t>
             </a:r>
             <a:endParaRPr lang="en-US" dirty="0"/>
-          </a:p>
-        </p:txBody>
-      </p:sp>
-      <p:sp>
-        <p:nvSpPr>
-          <p:cNvPr id="3" name="Content Placeholder 2"/>
-          <p:cNvSpPr>
-            <a:spLocks noGrp="1"/>
-          </p:cNvSpPr>
-          <p:nvPr>
-            <p:ph idx="1"/>
-          </p:nvPr>
-        </p:nvSpPr>
-        <p:spPr/>
-        <p:txBody>
-          <a:bodyPr/>
-          <a:lstStyle/>
-          <a:p>
-            <a:r>
-              <a:rPr lang="en-US" dirty="0" smtClean="0"/>
-              <a:t>How to request features</a:t>
-            </a:r>
-          </a:p>
-          <a:p>
-            <a:pPr lvl="1"/>
-            <a:r>
-              <a:rPr lang="en-US" dirty="0" smtClean="0"/>
-              <a:t>Send an email to </a:t>
-            </a:r>
-            <a:r>
-              <a:rPr lang="en-US" dirty="0" smtClean="0">
-                <a:hlinkClick r:id="rId2"/>
-              </a:rPr>
-              <a:t>minyu@water.ca.gov</a:t>
-            </a:r>
-            <a:r>
-              <a:rPr lang="en-US" dirty="0" smtClean="0"/>
-              <a:t>, and requested features get put in a cue in the issue tracking system</a:t>
-            </a:r>
           </a:p>
         </p:txBody>
       </p:sp>
@@ -12202,6 +17864,26 @@
           </a:p>
         </p:txBody>
       </p:sp>
+      <p:graphicFrame>
+        <p:nvGraphicFramePr>
+          <p:cNvPr id="7" name="Content Placeholder 6"/>
+          <p:cNvGraphicFramePr>
+            <a:graphicFrameLocks noGrp="1"/>
+          </p:cNvGraphicFramePr>
+          <p:nvPr>
+            <p:ph idx="1"/>
+          </p:nvPr>
+        </p:nvGraphicFramePr>
+        <p:xfrm>
+          <a:off x="685800" y="1981200"/>
+          <a:ext cx="7772400" cy="4114800"/>
+        </p:xfrm>
+        <a:graphic>
+          <a:graphicData uri="http://schemas.openxmlformats.org/drawingml/2006/diagram">
+            <dgm:relIds xmlns:dgm="http://schemas.openxmlformats.org/drawingml/2006/diagram" xmlns:r="http://schemas.openxmlformats.org/officeDocument/2006/relationships" r:dm="rId2" r:lo="rId3" r:qs="rId4" r:cs="rId5"/>
+          </a:graphicData>
+        </a:graphic>
+      </p:graphicFrame>
     </p:spTree>
   </p:cSld>
   <p:clrMapOvr>

--- a/dsm2/presentations/a3_dsm2_user_group.pptx
+++ b/dsm2/presentations/a3_dsm2_user_group.pptx
@@ -5,26 +5,25 @@
     <p:sldMasterId id="2147483648" r:id="rId1"/>
   </p:sldMasterIdLst>
   <p:notesMasterIdLst>
-    <p:notesMasterId r:id="rId16"/>
+    <p:notesMasterId r:id="rId15"/>
   </p:notesMasterIdLst>
   <p:handoutMasterIdLst>
-    <p:handoutMasterId r:id="rId17"/>
+    <p:handoutMasterId r:id="rId16"/>
   </p:handoutMasterIdLst>
   <p:sldIdLst>
-    <p:sldId id="454" r:id="rId2"/>
-    <p:sldId id="430" r:id="rId3"/>
-    <p:sldId id="435" r:id="rId4"/>
-    <p:sldId id="431" r:id="rId5"/>
-    <p:sldId id="436" r:id="rId6"/>
-    <p:sldId id="440" r:id="rId7"/>
-    <p:sldId id="452" r:id="rId8"/>
-    <p:sldId id="453" r:id="rId9"/>
-    <p:sldId id="448" r:id="rId10"/>
-    <p:sldId id="441" r:id="rId11"/>
-    <p:sldId id="444" r:id="rId12"/>
-    <p:sldId id="446" r:id="rId13"/>
-    <p:sldId id="447" r:id="rId14"/>
-    <p:sldId id="438" r:id="rId15"/>
+    <p:sldId id="430" r:id="rId2"/>
+    <p:sldId id="435" r:id="rId3"/>
+    <p:sldId id="431" r:id="rId4"/>
+    <p:sldId id="436" r:id="rId5"/>
+    <p:sldId id="440" r:id="rId6"/>
+    <p:sldId id="452" r:id="rId7"/>
+    <p:sldId id="453" r:id="rId8"/>
+    <p:sldId id="448" r:id="rId9"/>
+    <p:sldId id="441" r:id="rId10"/>
+    <p:sldId id="444" r:id="rId11"/>
+    <p:sldId id="446" r:id="rId12"/>
+    <p:sldId id="447" r:id="rId13"/>
+    <p:sldId id="438" r:id="rId14"/>
   </p:sldIdLst>
   <p:sldSz cx="9144000" cy="6858000" type="screen4x3"/>
   <p:notesSz cx="7010400" cy="9296400"/>
@@ -4838,25 +4837,25 @@
     </dgm:pt>
   </dgm:ptLst>
   <dgm:cxnLst>
+    <dgm:cxn modelId="{3D516E23-1740-43DB-B3CE-A6A4AFD77FB2}" srcId="{53BD7E24-413F-4765-968D-2A61F1853500}" destId="{383720A0-91EF-419E-8B7F-733367C07FCA}" srcOrd="1" destOrd="0" parTransId="{3585C3B7-BD7F-4F60-86E1-412C864D3B36}" sibTransId="{A0E7B6AE-E341-4A49-B1E5-7887FFD57D21}"/>
+    <dgm:cxn modelId="{C111176E-0AD1-4E0E-AFD1-76950BA6A5DE}" srcId="{2E8AFEEB-275B-46B9-AC37-D77265287697}" destId="{D43AFD19-9CC0-453E-8690-82C77C9C3ABF}" srcOrd="1" destOrd="0" parTransId="{21FF414F-2510-46EC-A4DE-5F9DBDC36C17}" sibTransId="{86FDC81C-9E43-4B9F-902B-14C85815F7B8}"/>
+    <dgm:cxn modelId="{3BDEDC78-A162-481B-9B47-ACAD94AB4E6B}" type="presOf" srcId="{B8907C77-4637-41EE-A0F2-06FE8DBD769B}" destId="{F67FB5C7-652D-4EEB-AEBC-B712BC6B41FC}" srcOrd="0" destOrd="0" presId="urn:microsoft.com/office/officeart/2005/8/layout/vList5"/>
+    <dgm:cxn modelId="{FC85AC10-DE98-458C-9A03-AF9F6C2D9CC6}" type="presOf" srcId="{3E80EF76-27F8-45AF-B90D-C8C70528C33C}" destId="{CEF99DA4-525B-4C69-AFF9-2DDF6093BEB3}" srcOrd="0" destOrd="0" presId="urn:microsoft.com/office/officeart/2005/8/layout/vList5"/>
+    <dgm:cxn modelId="{267FDE8A-6D7F-41F9-9FDD-2EAC0148CAD6}" type="presOf" srcId="{D43AFD19-9CC0-453E-8690-82C77C9C3ABF}" destId="{96C64243-B499-46F0-B485-A05A3E0538AE}" srcOrd="0" destOrd="1" presId="urn:microsoft.com/office/officeart/2005/8/layout/vList5"/>
+    <dgm:cxn modelId="{69F95FC1-B6D0-4D53-A678-8E0C99664F97}" srcId="{250FE39D-5398-40E0-A864-C193EEF8C677}" destId="{B8907C77-4637-41EE-A0F2-06FE8DBD769B}" srcOrd="0" destOrd="0" parTransId="{BCAADC4C-5C23-440E-8CA5-39084D966EE8}" sibTransId="{41D2AE71-1160-4641-BD91-A0F710A66F79}"/>
+    <dgm:cxn modelId="{C79DB1E6-E3B3-4A64-B535-E955BE66468E}" type="presOf" srcId="{53BD7E24-413F-4765-968D-2A61F1853500}" destId="{BA133CD9-4093-432D-9D61-76E13DD21DD7}" srcOrd="0" destOrd="0" presId="urn:microsoft.com/office/officeart/2005/8/layout/vList5"/>
+    <dgm:cxn modelId="{304CAB19-D64E-4E22-B44D-4A096B7C2B97}" srcId="{383720A0-91EF-419E-8B7F-733367C07FCA}" destId="{880525BB-9B05-426F-8123-673878A9EC22}" srcOrd="0" destOrd="0" parTransId="{CE7F980A-7527-4E41-B08F-3D6B14DCBED8}" sibTransId="{81635DEE-C0B9-4A8B-9FF6-833E5631D4BC}"/>
+    <dgm:cxn modelId="{C16A153D-B92A-4E0A-B5CF-6365553ADA4E}" srcId="{53BD7E24-413F-4765-968D-2A61F1853500}" destId="{2E8AFEEB-275B-46B9-AC37-D77265287697}" srcOrd="3" destOrd="0" parTransId="{667DB3A7-D571-4291-98E8-728E753633F4}" sibTransId="{AB137900-ECCB-47C7-A05F-AA7FC43BD836}"/>
+    <dgm:cxn modelId="{E415B29E-D7DC-43DE-A1FD-02947B95DE13}" type="presOf" srcId="{383720A0-91EF-419E-8B7F-733367C07FCA}" destId="{21B67BC7-1565-422C-A707-2F3AC33D8B3F}" srcOrd="0" destOrd="0" presId="urn:microsoft.com/office/officeart/2005/8/layout/vList5"/>
+    <dgm:cxn modelId="{645DDEBB-91F7-4845-ADD0-4DC9CAD00313}" type="presOf" srcId="{5FC6A914-36D9-47BD-930B-0AF28F363A6D}" destId="{96C64243-B499-46F0-B485-A05A3E0538AE}" srcOrd="0" destOrd="0" presId="urn:microsoft.com/office/officeart/2005/8/layout/vList5"/>
+    <dgm:cxn modelId="{53823FC2-1D98-4E82-AFF7-2B3E7395A877}" srcId="{64F5D8B4-BB51-472F-A07A-4D1E6654A213}" destId="{3E80EF76-27F8-45AF-B90D-C8C70528C33C}" srcOrd="0" destOrd="0" parTransId="{672D796F-03C2-43FD-8408-C896063A0B6B}" sibTransId="{C1FC978D-25C4-4C1B-B755-FEBCCE2A294D}"/>
     <dgm:cxn modelId="{DA5B2266-1C71-4D94-B0F5-FDAD871B792F}" type="presOf" srcId="{880525BB-9B05-426F-8123-673878A9EC22}" destId="{D23383D2-4F99-496E-BF2E-E95737B9EC0B}" srcOrd="0" destOrd="0" presId="urn:microsoft.com/office/officeart/2005/8/layout/vList5"/>
+    <dgm:cxn modelId="{C5A95B91-CD92-42F3-86DA-A4B15BB8E104}" srcId="{53BD7E24-413F-4765-968D-2A61F1853500}" destId="{250FE39D-5398-40E0-A864-C193EEF8C677}" srcOrd="0" destOrd="0" parTransId="{000CAABC-4612-4300-A499-16C4DAE3CCE0}" sibTransId="{A9104625-147F-4A9C-9E6A-F58FB409602C}"/>
+    <dgm:cxn modelId="{A0052DB1-3C0A-4F89-9C55-3CEAF4BF65F5}" type="presOf" srcId="{64F5D8B4-BB51-472F-A07A-4D1E6654A213}" destId="{CFA80452-6A9F-4195-9B12-E6CD494C7C50}" srcOrd="0" destOrd="0" presId="urn:microsoft.com/office/officeart/2005/8/layout/vList5"/>
+    <dgm:cxn modelId="{2DC3AE60-85FB-4DF8-80A6-C6C0A074E833}" srcId="{53BD7E24-413F-4765-968D-2A61F1853500}" destId="{64F5D8B4-BB51-472F-A07A-4D1E6654A213}" srcOrd="2" destOrd="0" parTransId="{7B8AC2D0-B6F6-49CB-9E12-7C6DA1E5E513}" sibTransId="{3EC82D66-C8E9-43B0-8ED9-AB819E7FCE9F}"/>
+    <dgm:cxn modelId="{7ACCCB34-E3A4-416B-8840-DCBE7291CDEA}" srcId="{2E8AFEEB-275B-46B9-AC37-D77265287697}" destId="{5FC6A914-36D9-47BD-930B-0AF28F363A6D}" srcOrd="0" destOrd="0" parTransId="{0322255A-7D14-4D4C-BB5F-EE86EDE481A7}" sibTransId="{4BE62B14-C876-4A85-A10B-095CF392EEE7}"/>
     <dgm:cxn modelId="{5E50ABE0-17E2-4C9A-BB6A-D08758DFB1E2}" type="presOf" srcId="{250FE39D-5398-40E0-A864-C193EEF8C677}" destId="{0EB18026-EF7D-4F1B-86BD-5C0D9BD92B67}" srcOrd="0" destOrd="0" presId="urn:microsoft.com/office/officeart/2005/8/layout/vList5"/>
-    <dgm:cxn modelId="{2DC3AE60-85FB-4DF8-80A6-C6C0A074E833}" srcId="{53BD7E24-413F-4765-968D-2A61F1853500}" destId="{64F5D8B4-BB51-472F-A07A-4D1E6654A213}" srcOrd="2" destOrd="0" parTransId="{7B8AC2D0-B6F6-49CB-9E12-7C6DA1E5E513}" sibTransId="{3EC82D66-C8E9-43B0-8ED9-AB819E7FCE9F}"/>
-    <dgm:cxn modelId="{53823FC2-1D98-4E82-AFF7-2B3E7395A877}" srcId="{64F5D8B4-BB51-472F-A07A-4D1E6654A213}" destId="{3E80EF76-27F8-45AF-B90D-C8C70528C33C}" srcOrd="0" destOrd="0" parTransId="{672D796F-03C2-43FD-8408-C896063A0B6B}" sibTransId="{C1FC978D-25C4-4C1B-B755-FEBCCE2A294D}"/>
-    <dgm:cxn modelId="{3D516E23-1740-43DB-B3CE-A6A4AFD77FB2}" srcId="{53BD7E24-413F-4765-968D-2A61F1853500}" destId="{383720A0-91EF-419E-8B7F-733367C07FCA}" srcOrd="1" destOrd="0" parTransId="{3585C3B7-BD7F-4F60-86E1-412C864D3B36}" sibTransId="{A0E7B6AE-E341-4A49-B1E5-7887FFD57D21}"/>
-    <dgm:cxn modelId="{304CAB19-D64E-4E22-B44D-4A096B7C2B97}" srcId="{383720A0-91EF-419E-8B7F-733367C07FCA}" destId="{880525BB-9B05-426F-8123-673878A9EC22}" srcOrd="0" destOrd="0" parTransId="{CE7F980A-7527-4E41-B08F-3D6B14DCBED8}" sibTransId="{81635DEE-C0B9-4A8B-9FF6-833E5631D4BC}"/>
-    <dgm:cxn modelId="{3BDEDC78-A162-481B-9B47-ACAD94AB4E6B}" type="presOf" srcId="{B8907C77-4637-41EE-A0F2-06FE8DBD769B}" destId="{F67FB5C7-652D-4EEB-AEBC-B712BC6B41FC}" srcOrd="0" destOrd="0" presId="urn:microsoft.com/office/officeart/2005/8/layout/vList5"/>
-    <dgm:cxn modelId="{C111176E-0AD1-4E0E-AFD1-76950BA6A5DE}" srcId="{2E8AFEEB-275B-46B9-AC37-D77265287697}" destId="{D43AFD19-9CC0-453E-8690-82C77C9C3ABF}" srcOrd="1" destOrd="0" parTransId="{21FF414F-2510-46EC-A4DE-5F9DBDC36C17}" sibTransId="{86FDC81C-9E43-4B9F-902B-14C85815F7B8}"/>
-    <dgm:cxn modelId="{69F95FC1-B6D0-4D53-A678-8E0C99664F97}" srcId="{250FE39D-5398-40E0-A864-C193EEF8C677}" destId="{B8907C77-4637-41EE-A0F2-06FE8DBD769B}" srcOrd="0" destOrd="0" parTransId="{BCAADC4C-5C23-440E-8CA5-39084D966EE8}" sibTransId="{41D2AE71-1160-4641-BD91-A0F710A66F79}"/>
-    <dgm:cxn modelId="{7ACCCB34-E3A4-416B-8840-DCBE7291CDEA}" srcId="{2E8AFEEB-275B-46B9-AC37-D77265287697}" destId="{5FC6A914-36D9-47BD-930B-0AF28F363A6D}" srcOrd="0" destOrd="0" parTransId="{0322255A-7D14-4D4C-BB5F-EE86EDE481A7}" sibTransId="{4BE62B14-C876-4A85-A10B-095CF392EEE7}"/>
-    <dgm:cxn modelId="{E415B29E-D7DC-43DE-A1FD-02947B95DE13}" type="presOf" srcId="{383720A0-91EF-419E-8B7F-733367C07FCA}" destId="{21B67BC7-1565-422C-A707-2F3AC33D8B3F}" srcOrd="0" destOrd="0" presId="urn:microsoft.com/office/officeart/2005/8/layout/vList5"/>
-    <dgm:cxn modelId="{A0052DB1-3C0A-4F89-9C55-3CEAF4BF65F5}" type="presOf" srcId="{64F5D8B4-BB51-472F-A07A-4D1E6654A213}" destId="{CFA80452-6A9F-4195-9B12-E6CD494C7C50}" srcOrd="0" destOrd="0" presId="urn:microsoft.com/office/officeart/2005/8/layout/vList5"/>
-    <dgm:cxn modelId="{645DDEBB-91F7-4845-ADD0-4DC9CAD00313}" type="presOf" srcId="{5FC6A914-36D9-47BD-930B-0AF28F363A6D}" destId="{96C64243-B499-46F0-B485-A05A3E0538AE}" srcOrd="0" destOrd="0" presId="urn:microsoft.com/office/officeart/2005/8/layout/vList5"/>
-    <dgm:cxn modelId="{C79DB1E6-E3B3-4A64-B535-E955BE66468E}" type="presOf" srcId="{53BD7E24-413F-4765-968D-2A61F1853500}" destId="{BA133CD9-4093-432D-9D61-76E13DD21DD7}" srcOrd="0" destOrd="0" presId="urn:microsoft.com/office/officeart/2005/8/layout/vList5"/>
-    <dgm:cxn modelId="{C5A95B91-CD92-42F3-86DA-A4B15BB8E104}" srcId="{53BD7E24-413F-4765-968D-2A61F1853500}" destId="{250FE39D-5398-40E0-A864-C193EEF8C677}" srcOrd="0" destOrd="0" parTransId="{000CAABC-4612-4300-A499-16C4DAE3CCE0}" sibTransId="{A9104625-147F-4A9C-9E6A-F58FB409602C}"/>
-    <dgm:cxn modelId="{C16A153D-B92A-4E0A-B5CF-6365553ADA4E}" srcId="{53BD7E24-413F-4765-968D-2A61F1853500}" destId="{2E8AFEEB-275B-46B9-AC37-D77265287697}" srcOrd="3" destOrd="0" parTransId="{667DB3A7-D571-4291-98E8-728E753633F4}" sibTransId="{AB137900-ECCB-47C7-A05F-AA7FC43BD836}"/>
-    <dgm:cxn modelId="{267FDE8A-6D7F-41F9-9FDD-2EAC0148CAD6}" type="presOf" srcId="{D43AFD19-9CC0-453E-8690-82C77C9C3ABF}" destId="{96C64243-B499-46F0-B485-A05A3E0538AE}" srcOrd="0" destOrd="1" presId="urn:microsoft.com/office/officeart/2005/8/layout/vList5"/>
     <dgm:cxn modelId="{B55F60AD-F286-4A68-B4E3-7134EBDC1A8E}" type="presOf" srcId="{2E8AFEEB-275B-46B9-AC37-D77265287697}" destId="{A75452C9-25D2-4B42-8EFC-1122FCF0016D}" srcOrd="0" destOrd="0" presId="urn:microsoft.com/office/officeart/2005/8/layout/vList5"/>
-    <dgm:cxn modelId="{FC85AC10-DE98-458C-9A03-AF9F6C2D9CC6}" type="presOf" srcId="{3E80EF76-27F8-45AF-B90D-C8C70528C33C}" destId="{CEF99DA4-525B-4C69-AFF9-2DDF6093BEB3}" srcOrd="0" destOrd="0" presId="urn:microsoft.com/office/officeart/2005/8/layout/vList5"/>
     <dgm:cxn modelId="{C74D4FAC-ED63-4F68-BD1A-BAC19A05696D}" type="presParOf" srcId="{BA133CD9-4093-432D-9D61-76E13DD21DD7}" destId="{D9D52773-2047-4BA8-8C36-989AAAC367D4}" srcOrd="0" destOrd="0" presId="urn:microsoft.com/office/officeart/2005/8/layout/vList5"/>
     <dgm:cxn modelId="{071DDFDE-DDDE-48A6-A0B7-9F0E3EBD7399}" type="presParOf" srcId="{D9D52773-2047-4BA8-8C36-989AAAC367D4}" destId="{0EB18026-EF7D-4F1B-86BD-5C0D9BD92B67}" srcOrd="0" destOrd="0" presId="urn:microsoft.com/office/officeart/2005/8/layout/vList5"/>
     <dgm:cxn modelId="{52799049-40BE-46E3-8BA2-CE9E961D4944}" type="presParOf" srcId="{D9D52773-2047-4BA8-8C36-989AAAC367D4}" destId="{F67FB5C7-652D-4EEB-AEBC-B712BC6B41FC}" srcOrd="1" destOrd="0" presId="urn:microsoft.com/office/officeart/2005/8/layout/vList5"/>
@@ -12996,7 +12995,7 @@
             <a:fld id="{A1FD88C7-F46E-4F69-9FAD-0E0ED04CBE5A}" type="slidenum">
               <a:rPr lang="en-US"/>
               <a:pPr/>
-              <a:t>2</a:t>
+              <a:t>1</a:t>
             </a:fld>
             <a:endParaRPr lang="en-US"/>
           </a:p>
@@ -15556,1056 +15555,6 @@
       </p:grpSpPr>
       <p:sp>
         <p:nvSpPr>
-          <p:cNvPr id="2" name="Title 1"/>
-          <p:cNvSpPr>
-            <a:spLocks noGrp="1"/>
-          </p:cNvSpPr>
-          <p:nvPr>
-            <p:ph type="ctrTitle"/>
-          </p:nvPr>
-        </p:nvSpPr>
-        <p:spPr/>
-        <p:txBody>
-          <a:bodyPr/>
-          <a:lstStyle/>
-          <a:p>
-            <a:r>
-              <a:rPr lang="en-US" sz="6600" dirty="0" smtClean="0"/>
-              <a:t>DSM2UG</a:t>
-            </a:r>
-            <a:endParaRPr lang="en-US" sz="6600" dirty="0"/>
-          </a:p>
-        </p:txBody>
-      </p:sp>
-    </p:spTree>
-  </p:cSld>
-  <p:clrMapOvr>
-    <a:masterClrMapping/>
-  </p:clrMapOvr>
-  <p:transition/>
-  <p:timing>
-    <p:tnLst>
-      <p:par>
-        <p:cTn id="1" dur="indefinite" restart="never" nodeType="tmRoot">
-          <p:childTnLst>
-            <p:seq concurrent="1" nextAc="seek">
-              <p:cTn id="2" dur="indefinite" nodeType="mainSeq">
-                <p:childTnLst>
-                  <p:par>
-                    <p:cTn id="3" fill="hold">
-                      <p:stCondLst>
-                        <p:cond delay="indefinite"/>
-                      </p:stCondLst>
-                      <p:childTnLst>
-                        <p:par>
-                          <p:cTn id="4" fill="hold">
-                            <p:stCondLst>
-                              <p:cond delay="0"/>
-                            </p:stCondLst>
-                            <p:childTnLst>
-                              <p:par>
-                                <p:cTn id="5" presetID="6" presetClass="emph" presetSubtype="0" fill="hold" grpId="0" nodeType="clickEffect">
-                                  <p:stCondLst>
-                                    <p:cond delay="0"/>
-                                  </p:stCondLst>
-                                  <p:childTnLst>
-                                    <p:animScale>
-                                      <p:cBhvr>
-                                        <p:cTn id="6" dur="2000" fill="hold"/>
-                                        <p:tgtEl>
-                                          <p:spTgt spid="2"/>
-                                        </p:tgtEl>
-                                      </p:cBhvr>
-                                      <p:by x="150000" y="150000"/>
-                                    </p:animScale>
-                                  </p:childTnLst>
-                                </p:cTn>
-                              </p:par>
-                            </p:childTnLst>
-                          </p:cTn>
-                        </p:par>
-                      </p:childTnLst>
-                    </p:cTn>
-                  </p:par>
-                </p:childTnLst>
-              </p:cTn>
-              <p:prevCondLst>
-                <p:cond evt="onPrev" delay="0">
-                  <p:tgtEl>
-                    <p:sldTgt/>
-                  </p:tgtEl>
-                </p:cond>
-              </p:prevCondLst>
-              <p:nextCondLst>
-                <p:cond evt="onNext" delay="0">
-                  <p:tgtEl>
-                    <p:sldTgt/>
-                  </p:tgtEl>
-                </p:cond>
-              </p:nextCondLst>
-            </p:seq>
-          </p:childTnLst>
-        </p:cTn>
-      </p:par>
-    </p:tnLst>
-    <p:bldLst>
-      <p:bldP spid="2" grpId="0"/>
-    </p:bldLst>
-  </p:timing>
-</p:sld>
-</file>
-
-<file path=ppt/slides/slide10.xml><?xml version="1.0" encoding="utf-8"?>
-<p:sld xmlns:a="http://schemas.openxmlformats.org/drawingml/2006/main" xmlns:r="http://schemas.openxmlformats.org/officeDocument/2006/relationships" xmlns:p="http://schemas.openxmlformats.org/presentationml/2006/main">
-  <p:cSld>
-    <p:spTree>
-      <p:nvGrpSpPr>
-        <p:cNvPr id="1" name=""/>
-        <p:cNvGrpSpPr/>
-        <p:nvPr/>
-      </p:nvGrpSpPr>
-      <p:grpSpPr>
-        <a:xfrm>
-          <a:off x="0" y="0"/>
-          <a:ext cx="0" cy="0"/>
-          <a:chOff x="0" y="0"/>
-          <a:chExt cx="0" cy="0"/>
-        </a:xfrm>
-      </p:grpSpPr>
-      <p:pic>
-        <p:nvPicPr>
-          <p:cNvPr id="3083" name="Picture 11" descr="C:\Documents and Settings\minyu\Local Settings\Temporary Internet Files\Content.IE5\7Q658622\MCj02374910000[1].wmf"/>
-          <p:cNvPicPr>
-            <a:picLocks noChangeAspect="1" noChangeArrowheads="1"/>
-          </p:cNvPicPr>
-          <p:nvPr/>
-        </p:nvPicPr>
-        <p:blipFill>
-          <a:blip r:embed="rId2"/>
-          <a:srcRect/>
-          <a:stretch>
-            <a:fillRect/>
-          </a:stretch>
-        </p:blipFill>
-        <p:spPr bwMode="auto">
-          <a:xfrm>
-            <a:off x="6870693" y="2701059"/>
-            <a:ext cx="2086824" cy="2278455"/>
-          </a:xfrm>
-          <a:prstGeom prst="rect">
-            <a:avLst/>
-          </a:prstGeom>
-          <a:noFill/>
-        </p:spPr>
-      </p:pic>
-      <p:sp>
-        <p:nvSpPr>
-          <p:cNvPr id="2" name="Title 1"/>
-          <p:cNvSpPr>
-            <a:spLocks noGrp="1"/>
-          </p:cNvSpPr>
-          <p:nvPr>
-            <p:ph type="title"/>
-          </p:nvPr>
-        </p:nvSpPr>
-        <p:spPr/>
-        <p:txBody>
-          <a:bodyPr/>
-          <a:lstStyle/>
-          <a:p>
-            <a:r>
-              <a:rPr lang="en-US" dirty="0" smtClean="0"/>
-              <a:t>Technical Support</a:t>
-            </a:r>
-            <a:endParaRPr lang="en-US" sz="3600" dirty="0"/>
-          </a:p>
-        </p:txBody>
-      </p:sp>
-      <p:sp>
-        <p:nvSpPr>
-          <p:cNvPr id="3" name="Content Placeholder 2"/>
-          <p:cNvSpPr>
-            <a:spLocks noGrp="1"/>
-          </p:cNvSpPr>
-          <p:nvPr>
-            <p:ph sz="half" idx="1"/>
-          </p:nvPr>
-        </p:nvSpPr>
-        <p:spPr/>
-        <p:txBody>
-          <a:bodyPr/>
-          <a:lstStyle/>
-          <a:p>
-            <a:pPr lvl="1">
-              <a:buNone/>
-            </a:pPr>
-            <a:endParaRPr lang="en-US" dirty="0" smtClean="0"/>
-          </a:p>
-          <a:p>
-            <a:endParaRPr lang="en-US" dirty="0"/>
-          </a:p>
-        </p:txBody>
-      </p:sp>
-      <p:sp>
-        <p:nvSpPr>
-          <p:cNvPr id="4" name="Date Placeholder 3"/>
-          <p:cNvSpPr>
-            <a:spLocks noGrp="1"/>
-          </p:cNvSpPr>
-          <p:nvPr>
-            <p:ph type="dt" sz="half" idx="10"/>
-          </p:nvPr>
-        </p:nvSpPr>
-        <p:spPr/>
-        <p:txBody>
-          <a:bodyPr/>
-          <a:lstStyle/>
-          <a:p>
-            <a:fld id="{AB98F214-5D90-468C-9EE8-E1612B8D2BE2}" type="slidenum">
-              <a:rPr lang="en-US" smtClean="0"/>
-              <a:pPr/>
-              <a:t>10</a:t>
-            </a:fld>
-            <a:endParaRPr lang="en-US"/>
-          </a:p>
-        </p:txBody>
-      </p:sp>
-      <p:graphicFrame>
-        <p:nvGraphicFramePr>
-          <p:cNvPr id="7" name="Diagram 6"/>
-          <p:cNvGraphicFramePr/>
-          <p:nvPr/>
-        </p:nvGraphicFramePr>
-        <p:xfrm>
-          <a:off x="595086" y="1857828"/>
-          <a:ext cx="6551650" cy="4277200"/>
-        </p:xfrm>
-        <a:graphic>
-          <a:graphicData uri="http://schemas.openxmlformats.org/drawingml/2006/diagram">
-            <dgm:relIds xmlns:dgm="http://schemas.openxmlformats.org/drawingml/2006/diagram" xmlns:r="http://schemas.openxmlformats.org/officeDocument/2006/relationships" r:dm="rId3" r:lo="rId4" r:qs="rId5" r:cs="rId6"/>
-          </a:graphicData>
-        </a:graphic>
-      </p:graphicFrame>
-      <p:sp>
-        <p:nvSpPr>
-          <p:cNvPr id="9" name="Content Placeholder 2"/>
-          <p:cNvSpPr txBox="1">
-            <a:spLocks/>
-          </p:cNvSpPr>
-          <p:nvPr/>
-        </p:nvSpPr>
-        <p:spPr bwMode="auto">
-          <a:xfrm>
-            <a:off x="685800" y="1981200"/>
-            <a:ext cx="7772400" cy="4114800"/>
-          </a:xfrm>
-          <a:prstGeom prst="rect">
-            <a:avLst/>
-          </a:prstGeom>
-          <a:noFill/>
-          <a:ln w="9525">
-            <a:noFill/>
-            <a:miter lim="800000"/>
-            <a:headEnd/>
-            <a:tailEnd/>
-          </a:ln>
-          <a:effectLst/>
-        </p:spPr>
-        <p:txBody>
-          <a:bodyPr vert="horz" wrap="square" lIns="91440" tIns="45720" rIns="91440" bIns="45720" numCol="1" anchor="t" anchorCtr="0" compatLnSpc="1">
-            <a:prstTxWarp prst="textNoShape">
-              <a:avLst/>
-            </a:prstTxWarp>
-          </a:bodyPr>
-          <a:lstStyle/>
-          <a:p>
-            <a:pPr marL="342900" marR="0" lvl="0" indent="-342900" algn="l" defTabSz="914400" rtl="0" eaLnBrk="0" fontAlgn="base" latinLnBrk="0" hangingPunct="0">
-              <a:lnSpc>
-                <a:spcPct val="100000"/>
-              </a:lnSpc>
-              <a:spcBef>
-                <a:spcPct val="20000"/>
-              </a:spcBef>
-              <a:spcAft>
-                <a:spcPct val="0"/>
-              </a:spcAft>
-              <a:buClrTx/>
-              <a:buSzTx/>
-              <a:buFontTx/>
-              <a:buNone/>
-              <a:tabLst/>
-              <a:defRPr/>
-            </a:pPr>
-            <a:r>
-              <a:rPr kumimoji="0" lang="en-US" sz="3200" b="0" i="0" u="none" strike="noStrike" kern="0" cap="none" spc="0" normalizeH="0" baseline="0" noProof="0" dirty="0" smtClean="0">
-                <a:ln>
-                  <a:noFill/>
-                </a:ln>
-                <a:solidFill>
-                  <a:schemeClr val="tx1"/>
-                </a:solidFill>
-                <a:effectLst/>
-                <a:uLnTx/>
-                <a:uFillTx/>
-                <a:latin typeface="+mn-lt"/>
-                <a:ea typeface="+mn-ea"/>
-                <a:cs typeface="+mn-cs"/>
-              </a:rPr>
-              <a:t>Questions</a:t>
-            </a:r>
-          </a:p>
-        </p:txBody>
-      </p:sp>
-    </p:spTree>
-  </p:cSld>
-  <p:clrMapOvr>
-    <a:masterClrMapping/>
-  </p:clrMapOvr>
-  <p:transition/>
-  <p:timing>
-    <p:tnLst>
-      <p:par>
-        <p:cTn id="1" dur="indefinite" restart="never" nodeType="tmRoot"/>
-      </p:par>
-    </p:tnLst>
-  </p:timing>
-</p:sld>
-</file>
-
-<file path=ppt/slides/slide11.xml><?xml version="1.0" encoding="utf-8"?>
-<p:sld xmlns:a="http://schemas.openxmlformats.org/drawingml/2006/main" xmlns:r="http://schemas.openxmlformats.org/officeDocument/2006/relationships" xmlns:p="http://schemas.openxmlformats.org/presentationml/2006/main">
-  <p:cSld>
-    <p:spTree>
-      <p:nvGrpSpPr>
-        <p:cNvPr id="1" name=""/>
-        <p:cNvGrpSpPr/>
-        <p:nvPr/>
-      </p:nvGrpSpPr>
-      <p:grpSpPr>
-        <a:xfrm>
-          <a:off x="0" y="0"/>
-          <a:ext cx="0" cy="0"/>
-          <a:chOff x="0" y="0"/>
-          <a:chExt cx="0" cy="0"/>
-        </a:xfrm>
-      </p:grpSpPr>
-      <p:sp>
-        <p:nvSpPr>
-          <p:cNvPr id="2" name="Title 1"/>
-          <p:cNvSpPr>
-            <a:spLocks noGrp="1"/>
-          </p:cNvSpPr>
-          <p:nvPr>
-            <p:ph type="title"/>
-          </p:nvPr>
-        </p:nvSpPr>
-        <p:spPr/>
-        <p:txBody>
-          <a:bodyPr/>
-          <a:lstStyle/>
-          <a:p>
-            <a:r>
-              <a:rPr lang="en-US" dirty="0" smtClean="0"/>
-              <a:t>Technical Support</a:t>
-            </a:r>
-            <a:endParaRPr lang="en-US" sz="3600" dirty="0"/>
-          </a:p>
-        </p:txBody>
-      </p:sp>
-      <p:sp>
-        <p:nvSpPr>
-          <p:cNvPr id="3" name="Content Placeholder 2"/>
-          <p:cNvSpPr>
-            <a:spLocks noGrp="1"/>
-          </p:cNvSpPr>
-          <p:nvPr>
-            <p:ph idx="1"/>
-          </p:nvPr>
-        </p:nvSpPr>
-        <p:spPr/>
-        <p:txBody>
-          <a:bodyPr/>
-          <a:lstStyle/>
-          <a:p>
-            <a:pPr>
-              <a:buNone/>
-            </a:pPr>
-            <a:r>
-              <a:rPr lang="en-US" dirty="0" smtClean="0"/>
-              <a:t>Issues</a:t>
-            </a:r>
-          </a:p>
-          <a:p>
-            <a:pPr lvl="1"/>
-            <a:r>
-              <a:rPr lang="en-US" dirty="0" smtClean="0"/>
-              <a:t>How to report issues</a:t>
-            </a:r>
-          </a:p>
-        </p:txBody>
-      </p:sp>
-      <p:sp>
-        <p:nvSpPr>
-          <p:cNvPr id="4" name="Date Placeholder 3"/>
-          <p:cNvSpPr>
-            <a:spLocks noGrp="1"/>
-          </p:cNvSpPr>
-          <p:nvPr>
-            <p:ph type="dt" sz="half" idx="10"/>
-          </p:nvPr>
-        </p:nvSpPr>
-        <p:spPr/>
-        <p:txBody>
-          <a:bodyPr/>
-          <a:lstStyle/>
-          <a:p>
-            <a:fld id="{AB98F214-5D90-468C-9EE8-E1612B8D2BE2}" type="slidenum">
-              <a:rPr lang="en-US" smtClean="0"/>
-              <a:pPr/>
-              <a:t>11</a:t>
-            </a:fld>
-            <a:endParaRPr lang="en-US"/>
-          </a:p>
-        </p:txBody>
-      </p:sp>
-      <p:pic>
-        <p:nvPicPr>
-          <p:cNvPr id="4099" name="Picture 3" descr="C:\Documents and Settings\minyu\Local Settings\Temporary Internet Files\Content.IE5\V9S5T2JG\MCj04260840000[1].wmf"/>
-          <p:cNvPicPr>
-            <a:picLocks noChangeAspect="1" noChangeArrowheads="1"/>
-          </p:cNvPicPr>
-          <p:nvPr/>
-        </p:nvPicPr>
-        <p:blipFill>
-          <a:blip r:embed="rId2"/>
-          <a:srcRect/>
-          <a:stretch>
-            <a:fillRect/>
-          </a:stretch>
-        </p:blipFill>
-        <p:spPr bwMode="auto">
-          <a:xfrm>
-            <a:off x="3396342" y="3585484"/>
-            <a:ext cx="1841500" cy="1631950"/>
-          </a:xfrm>
-          <a:prstGeom prst="rect">
-            <a:avLst/>
-          </a:prstGeom>
-          <a:noFill/>
-        </p:spPr>
-      </p:pic>
-    </p:spTree>
-  </p:cSld>
-  <p:clrMapOvr>
-    <a:masterClrMapping/>
-  </p:clrMapOvr>
-  <p:transition/>
-  <p:timing>
-    <p:tnLst>
-      <p:par>
-        <p:cTn id="1" dur="indefinite" restart="never" nodeType="tmRoot">
-          <p:childTnLst>
-            <p:seq concurrent="1" nextAc="seek">
-              <p:cTn id="2" dur="indefinite" nodeType="mainSeq">
-                <p:childTnLst>
-                  <p:par>
-                    <p:cTn id="3" fill="hold">
-                      <p:stCondLst>
-                        <p:cond delay="indefinite"/>
-                      </p:stCondLst>
-                      <p:childTnLst>
-                        <p:par>
-                          <p:cTn id="4" fill="hold">
-                            <p:stCondLst>
-                              <p:cond delay="0"/>
-                            </p:stCondLst>
-                            <p:childTnLst>
-                              <p:par>
-                                <p:cTn id="5" presetID="53" presetClass="entr" presetSubtype="0" fill="hold" nodeType="clickEffect">
-                                  <p:stCondLst>
-                                    <p:cond delay="0"/>
-                                  </p:stCondLst>
-                                  <p:childTnLst>
-                                    <p:set>
-                                      <p:cBhvr>
-                                        <p:cTn id="6" dur="1" fill="hold">
-                                          <p:stCondLst>
-                                            <p:cond delay="0"/>
-                                          </p:stCondLst>
-                                        </p:cTn>
-                                        <p:tgtEl>
-                                          <p:spTgt spid="4099"/>
-                                        </p:tgtEl>
-                                        <p:attrNameLst>
-                                          <p:attrName>style.visibility</p:attrName>
-                                        </p:attrNameLst>
-                                      </p:cBhvr>
-                                      <p:to>
-                                        <p:strVal val="visible"/>
-                                      </p:to>
-                                    </p:set>
-                                    <p:anim calcmode="lin" valueType="num">
-                                      <p:cBhvr>
-                                        <p:cTn id="7" dur="500" fill="hold"/>
-                                        <p:tgtEl>
-                                          <p:spTgt spid="4099"/>
-                                        </p:tgtEl>
-                                        <p:attrNameLst>
-                                          <p:attrName>ppt_w</p:attrName>
-                                        </p:attrNameLst>
-                                      </p:cBhvr>
-                                      <p:tavLst>
-                                        <p:tav tm="0">
-                                          <p:val>
-                                            <p:fltVal val="0"/>
-                                          </p:val>
-                                        </p:tav>
-                                        <p:tav tm="100000">
-                                          <p:val>
-                                            <p:strVal val="#ppt_w"/>
-                                          </p:val>
-                                        </p:tav>
-                                      </p:tavLst>
-                                    </p:anim>
-                                    <p:anim calcmode="lin" valueType="num">
-                                      <p:cBhvr>
-                                        <p:cTn id="8" dur="500" fill="hold"/>
-                                        <p:tgtEl>
-                                          <p:spTgt spid="4099"/>
-                                        </p:tgtEl>
-                                        <p:attrNameLst>
-                                          <p:attrName>ppt_h</p:attrName>
-                                        </p:attrNameLst>
-                                      </p:cBhvr>
-                                      <p:tavLst>
-                                        <p:tav tm="0">
-                                          <p:val>
-                                            <p:fltVal val="0"/>
-                                          </p:val>
-                                        </p:tav>
-                                        <p:tav tm="100000">
-                                          <p:val>
-                                            <p:strVal val="#ppt_h"/>
-                                          </p:val>
-                                        </p:tav>
-                                      </p:tavLst>
-                                    </p:anim>
-                                    <p:animEffect transition="in" filter="fade">
-                                      <p:cBhvr>
-                                        <p:cTn id="9" dur="500"/>
-                                        <p:tgtEl>
-                                          <p:spTgt spid="4099"/>
-                                        </p:tgtEl>
-                                      </p:cBhvr>
-                                    </p:animEffect>
-                                  </p:childTnLst>
-                                </p:cTn>
-                              </p:par>
-                            </p:childTnLst>
-                          </p:cTn>
-                        </p:par>
-                      </p:childTnLst>
-                    </p:cTn>
-                  </p:par>
-                </p:childTnLst>
-              </p:cTn>
-              <p:prevCondLst>
-                <p:cond evt="onPrev" delay="0">
-                  <p:tgtEl>
-                    <p:sldTgt/>
-                  </p:tgtEl>
-                </p:cond>
-              </p:prevCondLst>
-              <p:nextCondLst>
-                <p:cond evt="onNext" delay="0">
-                  <p:tgtEl>
-                    <p:sldTgt/>
-                  </p:tgtEl>
-                </p:cond>
-              </p:nextCondLst>
-            </p:seq>
-          </p:childTnLst>
-        </p:cTn>
-      </p:par>
-    </p:tnLst>
-  </p:timing>
-</p:sld>
-</file>
-
-<file path=ppt/slides/slide12.xml><?xml version="1.0" encoding="utf-8"?>
-<p:sld xmlns:a="http://schemas.openxmlformats.org/drawingml/2006/main" xmlns:r="http://schemas.openxmlformats.org/officeDocument/2006/relationships" xmlns:p="http://schemas.openxmlformats.org/presentationml/2006/main">
-  <p:cSld>
-    <p:spTree>
-      <p:nvGrpSpPr>
-        <p:cNvPr id="1" name=""/>
-        <p:cNvGrpSpPr/>
-        <p:nvPr/>
-      </p:nvGrpSpPr>
-      <p:grpSpPr>
-        <a:xfrm>
-          <a:off x="0" y="0"/>
-          <a:ext cx="0" cy="0"/>
-          <a:chOff x="0" y="0"/>
-          <a:chExt cx="0" cy="0"/>
-        </a:xfrm>
-      </p:grpSpPr>
-      <p:sp>
-        <p:nvSpPr>
-          <p:cNvPr id="2" name="Title 1"/>
-          <p:cNvSpPr>
-            <a:spLocks noGrp="1"/>
-          </p:cNvSpPr>
-          <p:nvPr>
-            <p:ph type="title"/>
-          </p:nvPr>
-        </p:nvSpPr>
-        <p:spPr/>
-        <p:txBody>
-          <a:bodyPr/>
-          <a:lstStyle/>
-          <a:p>
-            <a:r>
-              <a:rPr lang="en-US" dirty="0" smtClean="0"/>
-              <a:t>Technical Support</a:t>
-            </a:r>
-            <a:endParaRPr lang="en-US" sz="3600" dirty="0"/>
-          </a:p>
-        </p:txBody>
-      </p:sp>
-      <p:sp>
-        <p:nvSpPr>
-          <p:cNvPr id="3" name="Content Placeholder 2"/>
-          <p:cNvSpPr>
-            <a:spLocks noGrp="1"/>
-          </p:cNvSpPr>
-          <p:nvPr>
-            <p:ph idx="1"/>
-          </p:nvPr>
-        </p:nvSpPr>
-        <p:spPr>
-          <a:xfrm>
-            <a:off x="642258" y="1966685"/>
-            <a:ext cx="7772400" cy="4114800"/>
-          </a:xfrm>
-        </p:spPr>
-        <p:txBody>
-          <a:bodyPr/>
-          <a:lstStyle/>
-          <a:p>
-            <a:pPr>
-              <a:buNone/>
-            </a:pPr>
-            <a:r>
-              <a:rPr lang="en-US" dirty="0" smtClean="0"/>
-              <a:t>Issues</a:t>
-            </a:r>
-          </a:p>
-          <a:p>
-            <a:pPr lvl="1"/>
-            <a:r>
-              <a:rPr lang="en-US" dirty="0" smtClean="0"/>
-              <a:t>How to report issues</a:t>
-            </a:r>
-          </a:p>
-        </p:txBody>
-      </p:sp>
-      <p:sp>
-        <p:nvSpPr>
-          <p:cNvPr id="4" name="Date Placeholder 3"/>
-          <p:cNvSpPr>
-            <a:spLocks noGrp="1"/>
-          </p:cNvSpPr>
-          <p:nvPr>
-            <p:ph type="dt" sz="half" idx="10"/>
-          </p:nvPr>
-        </p:nvSpPr>
-        <p:spPr/>
-        <p:txBody>
-          <a:bodyPr/>
-          <a:lstStyle/>
-          <a:p>
-            <a:fld id="{AB98F214-5D90-468C-9EE8-E1612B8D2BE2}" type="slidenum">
-              <a:rPr lang="en-US" smtClean="0"/>
-              <a:pPr/>
-              <a:t>12</a:t>
-            </a:fld>
-            <a:endParaRPr lang="en-US"/>
-          </a:p>
-        </p:txBody>
-      </p:sp>
-      <p:graphicFrame>
-        <p:nvGraphicFramePr>
-          <p:cNvPr id="6" name="Diagram 5"/>
-          <p:cNvGraphicFramePr/>
-          <p:nvPr/>
-        </p:nvGraphicFramePr>
-        <p:xfrm>
-          <a:off x="1309618" y="3135133"/>
-          <a:ext cx="6096000" cy="3432587"/>
-        </p:xfrm>
-        <a:graphic>
-          <a:graphicData uri="http://schemas.openxmlformats.org/drawingml/2006/diagram">
-            <dgm:relIds xmlns:dgm="http://schemas.openxmlformats.org/drawingml/2006/diagram" xmlns:r="http://schemas.openxmlformats.org/officeDocument/2006/relationships" r:dm="rId2" r:lo="rId3" r:qs="rId4" r:cs="rId5"/>
-          </a:graphicData>
-        </a:graphic>
-      </p:graphicFrame>
-    </p:spTree>
-  </p:cSld>
-  <p:clrMapOvr>
-    <a:masterClrMapping/>
-  </p:clrMapOvr>
-  <p:transition/>
-  <p:timing>
-    <p:tnLst>
-      <p:par>
-        <p:cTn id="1" dur="indefinite" restart="never" nodeType="tmRoot"/>
-      </p:par>
-    </p:tnLst>
-  </p:timing>
-</p:sld>
-</file>
-
-<file path=ppt/slides/slide13.xml><?xml version="1.0" encoding="utf-8"?>
-<p:sld xmlns:a="http://schemas.openxmlformats.org/drawingml/2006/main" xmlns:r="http://schemas.openxmlformats.org/officeDocument/2006/relationships" xmlns:p="http://schemas.openxmlformats.org/presentationml/2006/main">
-  <p:cSld>
-    <p:spTree>
-      <p:nvGrpSpPr>
-        <p:cNvPr id="1" name=""/>
-        <p:cNvGrpSpPr/>
-        <p:nvPr/>
-      </p:nvGrpSpPr>
-      <p:grpSpPr>
-        <a:xfrm>
-          <a:off x="0" y="0"/>
-          <a:ext cx="0" cy="0"/>
-          <a:chOff x="0" y="0"/>
-          <a:chExt cx="0" cy="0"/>
-        </a:xfrm>
-      </p:grpSpPr>
-      <p:sp>
-        <p:nvSpPr>
-          <p:cNvPr id="2" name="Title 1"/>
-          <p:cNvSpPr>
-            <a:spLocks noGrp="1"/>
-          </p:cNvSpPr>
-          <p:nvPr>
-            <p:ph type="title"/>
-          </p:nvPr>
-        </p:nvSpPr>
-        <p:spPr/>
-        <p:txBody>
-          <a:bodyPr/>
-          <a:lstStyle/>
-          <a:p>
-            <a:r>
-              <a:rPr lang="en-US" dirty="0" smtClean="0"/>
-              <a:t>Technical Support</a:t>
-            </a:r>
-            <a:endParaRPr lang="en-US" sz="3600" dirty="0"/>
-          </a:p>
-        </p:txBody>
-      </p:sp>
-      <p:sp>
-        <p:nvSpPr>
-          <p:cNvPr id="3" name="Content Placeholder 2"/>
-          <p:cNvSpPr>
-            <a:spLocks noGrp="1"/>
-          </p:cNvSpPr>
-          <p:nvPr>
-            <p:ph idx="1"/>
-          </p:nvPr>
-        </p:nvSpPr>
-        <p:spPr/>
-        <p:txBody>
-          <a:bodyPr/>
-          <a:lstStyle/>
-          <a:p>
-            <a:pPr>
-              <a:buNone/>
-            </a:pPr>
-            <a:r>
-              <a:rPr lang="en-US" dirty="0" smtClean="0"/>
-              <a:t>Features</a:t>
-            </a:r>
-          </a:p>
-          <a:p>
-            <a:pPr lvl="1"/>
-            <a:r>
-              <a:rPr lang="en-US" dirty="0" smtClean="0"/>
-              <a:t>How to request features</a:t>
-            </a:r>
-          </a:p>
-          <a:p>
-            <a:pPr lvl="2">
-              <a:buNone/>
-            </a:pPr>
-            <a:endParaRPr lang="en-US" dirty="0" smtClean="0"/>
-          </a:p>
-          <a:p>
-            <a:pPr lvl="2">
-              <a:buNone/>
-            </a:pPr>
-            <a:endParaRPr lang="en-US" dirty="0" smtClean="0"/>
-          </a:p>
-          <a:p>
-            <a:pPr>
-              <a:buNone/>
-            </a:pPr>
-            <a:endParaRPr lang="en-US" dirty="0" smtClean="0"/>
-          </a:p>
-        </p:txBody>
-      </p:sp>
-      <p:sp>
-        <p:nvSpPr>
-          <p:cNvPr id="4" name="Date Placeholder 3"/>
-          <p:cNvSpPr>
-            <a:spLocks noGrp="1"/>
-          </p:cNvSpPr>
-          <p:nvPr>
-            <p:ph type="dt" sz="half" idx="10"/>
-          </p:nvPr>
-        </p:nvSpPr>
-        <p:spPr/>
-        <p:txBody>
-          <a:bodyPr/>
-          <a:lstStyle/>
-          <a:p>
-            <a:fld id="{AB98F214-5D90-468C-9EE8-E1612B8D2BE2}" type="slidenum">
-              <a:rPr lang="en-US" smtClean="0"/>
-              <a:pPr/>
-              <a:t>13</a:t>
-            </a:fld>
-            <a:endParaRPr lang="en-US"/>
-          </a:p>
-        </p:txBody>
-      </p:sp>
-      <p:graphicFrame>
-        <p:nvGraphicFramePr>
-          <p:cNvPr id="6" name="Diagram 5"/>
-          <p:cNvGraphicFramePr/>
-          <p:nvPr/>
-        </p:nvGraphicFramePr>
-        <p:xfrm>
-          <a:off x="1353160" y="2757720"/>
-          <a:ext cx="6096000" cy="2322285"/>
-        </p:xfrm>
-        <a:graphic>
-          <a:graphicData uri="http://schemas.openxmlformats.org/drawingml/2006/diagram">
-            <dgm:relIds xmlns:dgm="http://schemas.openxmlformats.org/drawingml/2006/diagram" xmlns:r="http://schemas.openxmlformats.org/officeDocument/2006/relationships" r:dm="rId2" r:lo="rId3" r:qs="rId4" r:cs="rId5"/>
-          </a:graphicData>
-        </a:graphic>
-      </p:graphicFrame>
-    </p:spTree>
-  </p:cSld>
-  <p:clrMapOvr>
-    <a:masterClrMapping/>
-  </p:clrMapOvr>
-  <p:transition/>
-  <p:timing>
-    <p:tnLst>
-      <p:par>
-        <p:cTn id="1" dur="indefinite" restart="never" nodeType="tmRoot"/>
-      </p:par>
-    </p:tnLst>
-  </p:timing>
-</p:sld>
-</file>
-
-<file path=ppt/slides/slide14.xml><?xml version="1.0" encoding="utf-8"?>
-<p:sld xmlns:a="http://schemas.openxmlformats.org/drawingml/2006/main" xmlns:r="http://schemas.openxmlformats.org/officeDocument/2006/relationships" xmlns:p="http://schemas.openxmlformats.org/presentationml/2006/main">
-  <p:cSld>
-    <p:spTree>
-      <p:nvGrpSpPr>
-        <p:cNvPr id="1" name=""/>
-        <p:cNvGrpSpPr/>
-        <p:nvPr/>
-      </p:nvGrpSpPr>
-      <p:grpSpPr>
-        <a:xfrm>
-          <a:off x="0" y="0"/>
-          <a:ext cx="0" cy="0"/>
-          <a:chOff x="0" y="0"/>
-          <a:chExt cx="0" cy="0"/>
-        </a:xfrm>
-      </p:grpSpPr>
-      <p:sp>
-        <p:nvSpPr>
-          <p:cNvPr id="2" name="Title 1"/>
-          <p:cNvSpPr>
-            <a:spLocks noGrp="1"/>
-          </p:cNvSpPr>
-          <p:nvPr>
-            <p:ph type="title"/>
-          </p:nvPr>
-        </p:nvSpPr>
-        <p:spPr/>
-        <p:txBody>
-          <a:bodyPr/>
-          <a:lstStyle/>
-          <a:p>
-            <a:r>
-              <a:rPr lang="en-US" dirty="0" smtClean="0"/>
-              <a:t>Contact</a:t>
-            </a:r>
-            <a:endParaRPr lang="en-US" dirty="0"/>
-          </a:p>
-        </p:txBody>
-      </p:sp>
-      <p:sp>
-        <p:nvSpPr>
-          <p:cNvPr id="3" name="Content Placeholder 2"/>
-          <p:cNvSpPr>
-            <a:spLocks noGrp="1"/>
-          </p:cNvSpPr>
-          <p:nvPr>
-            <p:ph idx="1"/>
-          </p:nvPr>
-        </p:nvSpPr>
-        <p:spPr/>
-        <p:txBody>
-          <a:bodyPr/>
-          <a:lstStyle/>
-          <a:p>
-            <a:pPr algn="ctr">
-              <a:buNone/>
-            </a:pPr>
-            <a:r>
-              <a:rPr lang="en-US" dirty="0" smtClean="0"/>
-              <a:t>Min Yu</a:t>
-            </a:r>
-          </a:p>
-          <a:p>
-            <a:pPr algn="ctr">
-              <a:buNone/>
-            </a:pPr>
-            <a:r>
-              <a:rPr lang="en-US" dirty="0" smtClean="0"/>
-              <a:t>Delta Modeling Section</a:t>
-            </a:r>
-          </a:p>
-          <a:p>
-            <a:pPr algn="ctr">
-              <a:buNone/>
-            </a:pPr>
-            <a:r>
-              <a:rPr lang="en-US" i="1" dirty="0" smtClean="0">
-                <a:hlinkClick r:id="rId2"/>
-              </a:rPr>
-              <a:t>minyu@water.ca.gov</a:t>
-            </a:r>
-            <a:endParaRPr lang="en-US" i="1" dirty="0" smtClean="0"/>
-          </a:p>
-          <a:p>
-            <a:pPr algn="ctr">
-              <a:buNone/>
-            </a:pPr>
-            <a:r>
-              <a:rPr lang="en-US" dirty="0" smtClean="0"/>
-              <a:t>916.653.5225</a:t>
-            </a:r>
-          </a:p>
-          <a:p>
-            <a:pPr algn="ctr">
-              <a:buNone/>
-            </a:pPr>
-            <a:endParaRPr lang="en-US" i="1" dirty="0" smtClean="0"/>
-          </a:p>
-          <a:p>
-            <a:endParaRPr lang="en-US" dirty="0" smtClean="0"/>
-          </a:p>
-          <a:p>
-            <a:pPr>
-              <a:buNone/>
-            </a:pPr>
-            <a:endParaRPr lang="en-US" dirty="0"/>
-          </a:p>
-        </p:txBody>
-      </p:sp>
-      <p:sp>
-        <p:nvSpPr>
-          <p:cNvPr id="4" name="Date Placeholder 3"/>
-          <p:cNvSpPr>
-            <a:spLocks noGrp="1"/>
-          </p:cNvSpPr>
-          <p:nvPr>
-            <p:ph type="dt" sz="half" idx="10"/>
-          </p:nvPr>
-        </p:nvSpPr>
-        <p:spPr/>
-        <p:txBody>
-          <a:bodyPr/>
-          <a:lstStyle/>
-          <a:p>
-            <a:fld id="{AB98F214-5D90-468C-9EE8-E1612B8D2BE2}" type="slidenum">
-              <a:rPr lang="en-US" smtClean="0"/>
-              <a:pPr/>
-              <a:t>14</a:t>
-            </a:fld>
-            <a:endParaRPr lang="en-US"/>
-          </a:p>
-        </p:txBody>
-      </p:sp>
-      <p:pic>
-        <p:nvPicPr>
-          <p:cNvPr id="1034" name="Picture 10" descr="C:\Documents and Settings\minyu\Local Settings\Temporary Internet Files\Content.IE5\M6AMB87K\MCj02873130000[1].wmf"/>
-          <p:cNvPicPr>
-            <a:picLocks noChangeAspect="1" noChangeArrowheads="1"/>
-          </p:cNvPicPr>
-          <p:nvPr/>
-        </p:nvPicPr>
-        <p:blipFill>
-          <a:blip r:embed="rId3"/>
-          <a:srcRect/>
-          <a:stretch>
-            <a:fillRect/>
-          </a:stretch>
-        </p:blipFill>
-        <p:spPr bwMode="auto">
-          <a:xfrm>
-            <a:off x="739834" y="435428"/>
-            <a:ext cx="1887648" cy="1531545"/>
-          </a:xfrm>
-          <a:prstGeom prst="rect">
-            <a:avLst/>
-          </a:prstGeom>
-          <a:noFill/>
-        </p:spPr>
-      </p:pic>
-    </p:spTree>
-  </p:cSld>
-  <p:clrMapOvr>
-    <a:masterClrMapping/>
-  </p:clrMapOvr>
-  <p:transition/>
-  <p:timing>
-    <p:tnLst>
-      <p:par>
-        <p:cTn id="1" dur="indefinite" restart="never" nodeType="tmRoot"/>
-      </p:par>
-    </p:tnLst>
-  </p:timing>
-</p:sld>
-</file>
-
-<file path=ppt/slides/slide2.xml><?xml version="1.0" encoding="utf-8"?>
-<p:sld xmlns:a="http://schemas.openxmlformats.org/drawingml/2006/main" xmlns:r="http://schemas.openxmlformats.org/officeDocument/2006/relationships" xmlns:p="http://schemas.openxmlformats.org/presentationml/2006/main">
-  <p:cSld>
-    <p:spTree>
-      <p:nvGrpSpPr>
-        <p:cNvPr id="1" name=""/>
-        <p:cNvGrpSpPr/>
-        <p:nvPr/>
-      </p:nvGrpSpPr>
-      <p:grpSpPr>
-        <a:xfrm>
-          <a:off x="0" y="0"/>
-          <a:ext cx="0" cy="0"/>
-          <a:chOff x="0" y="0"/>
-          <a:chExt cx="0" cy="0"/>
-        </a:xfrm>
-      </p:grpSpPr>
-      <p:sp>
-        <p:nvSpPr>
           <p:cNvPr id="381954" name="AutoShape 2"/>
           <p:cNvSpPr>
             <a:spLocks noGrp="1" noChangeArrowheads="1"/>
@@ -16793,7 +15742,722 @@
 </p:sld>
 </file>
 
-<file path=ppt/slides/slide3.xml><?xml version="1.0" encoding="utf-8"?>
+<file path=ppt/slides/slide10.xml><?xml version="1.0" encoding="utf-8"?>
+<p:sld xmlns:a="http://schemas.openxmlformats.org/drawingml/2006/main" xmlns:r="http://schemas.openxmlformats.org/officeDocument/2006/relationships" xmlns:p="http://schemas.openxmlformats.org/presentationml/2006/main">
+  <p:cSld>
+    <p:spTree>
+      <p:nvGrpSpPr>
+        <p:cNvPr id="1" name=""/>
+        <p:cNvGrpSpPr/>
+        <p:nvPr/>
+      </p:nvGrpSpPr>
+      <p:grpSpPr>
+        <a:xfrm>
+          <a:off x="0" y="0"/>
+          <a:ext cx="0" cy="0"/>
+          <a:chOff x="0" y="0"/>
+          <a:chExt cx="0" cy="0"/>
+        </a:xfrm>
+      </p:grpSpPr>
+      <p:sp>
+        <p:nvSpPr>
+          <p:cNvPr id="2" name="Title 1"/>
+          <p:cNvSpPr>
+            <a:spLocks noGrp="1"/>
+          </p:cNvSpPr>
+          <p:nvPr>
+            <p:ph type="title"/>
+          </p:nvPr>
+        </p:nvSpPr>
+        <p:spPr/>
+        <p:txBody>
+          <a:bodyPr/>
+          <a:lstStyle/>
+          <a:p>
+            <a:r>
+              <a:rPr lang="en-US" dirty="0" smtClean="0"/>
+              <a:t>Technical Support</a:t>
+            </a:r>
+            <a:endParaRPr lang="en-US" sz="3600" dirty="0"/>
+          </a:p>
+        </p:txBody>
+      </p:sp>
+      <p:sp>
+        <p:nvSpPr>
+          <p:cNvPr id="3" name="Content Placeholder 2"/>
+          <p:cNvSpPr>
+            <a:spLocks noGrp="1"/>
+          </p:cNvSpPr>
+          <p:nvPr>
+            <p:ph idx="1"/>
+          </p:nvPr>
+        </p:nvSpPr>
+        <p:spPr/>
+        <p:txBody>
+          <a:bodyPr/>
+          <a:lstStyle/>
+          <a:p>
+            <a:pPr>
+              <a:buNone/>
+            </a:pPr>
+            <a:r>
+              <a:rPr lang="en-US" dirty="0" smtClean="0"/>
+              <a:t>Issues</a:t>
+            </a:r>
+          </a:p>
+          <a:p>
+            <a:pPr lvl="1"/>
+            <a:r>
+              <a:rPr lang="en-US" dirty="0" smtClean="0"/>
+              <a:t>How to report issues</a:t>
+            </a:r>
+          </a:p>
+        </p:txBody>
+      </p:sp>
+      <p:sp>
+        <p:nvSpPr>
+          <p:cNvPr id="4" name="Date Placeholder 3"/>
+          <p:cNvSpPr>
+            <a:spLocks noGrp="1"/>
+          </p:cNvSpPr>
+          <p:nvPr>
+            <p:ph type="dt" sz="half" idx="10"/>
+          </p:nvPr>
+        </p:nvSpPr>
+        <p:spPr/>
+        <p:txBody>
+          <a:bodyPr/>
+          <a:lstStyle/>
+          <a:p>
+            <a:fld id="{AB98F214-5D90-468C-9EE8-E1612B8D2BE2}" type="slidenum">
+              <a:rPr lang="en-US" smtClean="0"/>
+              <a:pPr/>
+              <a:t>10</a:t>
+            </a:fld>
+            <a:endParaRPr lang="en-US"/>
+          </a:p>
+        </p:txBody>
+      </p:sp>
+      <p:pic>
+        <p:nvPicPr>
+          <p:cNvPr id="4099" name="Picture 3" descr="C:\Documents and Settings\minyu\Local Settings\Temporary Internet Files\Content.IE5\V9S5T2JG\MCj04260840000[1].wmf"/>
+          <p:cNvPicPr>
+            <a:picLocks noChangeAspect="1" noChangeArrowheads="1"/>
+          </p:cNvPicPr>
+          <p:nvPr/>
+        </p:nvPicPr>
+        <p:blipFill>
+          <a:blip r:embed="rId2"/>
+          <a:srcRect/>
+          <a:stretch>
+            <a:fillRect/>
+          </a:stretch>
+        </p:blipFill>
+        <p:spPr bwMode="auto">
+          <a:xfrm>
+            <a:off x="3396342" y="3585484"/>
+            <a:ext cx="1841500" cy="1631950"/>
+          </a:xfrm>
+          <a:prstGeom prst="rect">
+            <a:avLst/>
+          </a:prstGeom>
+          <a:noFill/>
+        </p:spPr>
+      </p:pic>
+    </p:spTree>
+  </p:cSld>
+  <p:clrMapOvr>
+    <a:masterClrMapping/>
+  </p:clrMapOvr>
+  <p:transition/>
+  <p:timing>
+    <p:tnLst>
+      <p:par>
+        <p:cTn id="1" dur="indefinite" restart="never" nodeType="tmRoot">
+          <p:childTnLst>
+            <p:seq concurrent="1" nextAc="seek">
+              <p:cTn id="2" dur="indefinite" nodeType="mainSeq">
+                <p:childTnLst>
+                  <p:par>
+                    <p:cTn id="3" fill="hold">
+                      <p:stCondLst>
+                        <p:cond delay="indefinite"/>
+                      </p:stCondLst>
+                      <p:childTnLst>
+                        <p:par>
+                          <p:cTn id="4" fill="hold">
+                            <p:stCondLst>
+                              <p:cond delay="0"/>
+                            </p:stCondLst>
+                            <p:childTnLst>
+                              <p:par>
+                                <p:cTn id="5" presetID="53" presetClass="entr" presetSubtype="0" fill="hold" nodeType="clickEffect">
+                                  <p:stCondLst>
+                                    <p:cond delay="0"/>
+                                  </p:stCondLst>
+                                  <p:childTnLst>
+                                    <p:set>
+                                      <p:cBhvr>
+                                        <p:cTn id="6" dur="1" fill="hold">
+                                          <p:stCondLst>
+                                            <p:cond delay="0"/>
+                                          </p:stCondLst>
+                                        </p:cTn>
+                                        <p:tgtEl>
+                                          <p:spTgt spid="4099"/>
+                                        </p:tgtEl>
+                                        <p:attrNameLst>
+                                          <p:attrName>style.visibility</p:attrName>
+                                        </p:attrNameLst>
+                                      </p:cBhvr>
+                                      <p:to>
+                                        <p:strVal val="visible"/>
+                                      </p:to>
+                                    </p:set>
+                                    <p:anim calcmode="lin" valueType="num">
+                                      <p:cBhvr>
+                                        <p:cTn id="7" dur="500" fill="hold"/>
+                                        <p:tgtEl>
+                                          <p:spTgt spid="4099"/>
+                                        </p:tgtEl>
+                                        <p:attrNameLst>
+                                          <p:attrName>ppt_w</p:attrName>
+                                        </p:attrNameLst>
+                                      </p:cBhvr>
+                                      <p:tavLst>
+                                        <p:tav tm="0">
+                                          <p:val>
+                                            <p:fltVal val="0"/>
+                                          </p:val>
+                                        </p:tav>
+                                        <p:tav tm="100000">
+                                          <p:val>
+                                            <p:strVal val="#ppt_w"/>
+                                          </p:val>
+                                        </p:tav>
+                                      </p:tavLst>
+                                    </p:anim>
+                                    <p:anim calcmode="lin" valueType="num">
+                                      <p:cBhvr>
+                                        <p:cTn id="8" dur="500" fill="hold"/>
+                                        <p:tgtEl>
+                                          <p:spTgt spid="4099"/>
+                                        </p:tgtEl>
+                                        <p:attrNameLst>
+                                          <p:attrName>ppt_h</p:attrName>
+                                        </p:attrNameLst>
+                                      </p:cBhvr>
+                                      <p:tavLst>
+                                        <p:tav tm="0">
+                                          <p:val>
+                                            <p:fltVal val="0"/>
+                                          </p:val>
+                                        </p:tav>
+                                        <p:tav tm="100000">
+                                          <p:val>
+                                            <p:strVal val="#ppt_h"/>
+                                          </p:val>
+                                        </p:tav>
+                                      </p:tavLst>
+                                    </p:anim>
+                                    <p:animEffect transition="in" filter="fade">
+                                      <p:cBhvr>
+                                        <p:cTn id="9" dur="500"/>
+                                        <p:tgtEl>
+                                          <p:spTgt spid="4099"/>
+                                        </p:tgtEl>
+                                      </p:cBhvr>
+                                    </p:animEffect>
+                                  </p:childTnLst>
+                                </p:cTn>
+                              </p:par>
+                            </p:childTnLst>
+                          </p:cTn>
+                        </p:par>
+                      </p:childTnLst>
+                    </p:cTn>
+                  </p:par>
+                </p:childTnLst>
+              </p:cTn>
+              <p:prevCondLst>
+                <p:cond evt="onPrev" delay="0">
+                  <p:tgtEl>
+                    <p:sldTgt/>
+                  </p:tgtEl>
+                </p:cond>
+              </p:prevCondLst>
+              <p:nextCondLst>
+                <p:cond evt="onNext" delay="0">
+                  <p:tgtEl>
+                    <p:sldTgt/>
+                  </p:tgtEl>
+                </p:cond>
+              </p:nextCondLst>
+            </p:seq>
+          </p:childTnLst>
+        </p:cTn>
+      </p:par>
+    </p:tnLst>
+  </p:timing>
+</p:sld>
+</file>
+
+<file path=ppt/slides/slide11.xml><?xml version="1.0" encoding="utf-8"?>
+<p:sld xmlns:a="http://schemas.openxmlformats.org/drawingml/2006/main" xmlns:r="http://schemas.openxmlformats.org/officeDocument/2006/relationships" xmlns:p="http://schemas.openxmlformats.org/presentationml/2006/main">
+  <p:cSld>
+    <p:spTree>
+      <p:nvGrpSpPr>
+        <p:cNvPr id="1" name=""/>
+        <p:cNvGrpSpPr/>
+        <p:nvPr/>
+      </p:nvGrpSpPr>
+      <p:grpSpPr>
+        <a:xfrm>
+          <a:off x="0" y="0"/>
+          <a:ext cx="0" cy="0"/>
+          <a:chOff x="0" y="0"/>
+          <a:chExt cx="0" cy="0"/>
+        </a:xfrm>
+      </p:grpSpPr>
+      <p:sp>
+        <p:nvSpPr>
+          <p:cNvPr id="2" name="Title 1"/>
+          <p:cNvSpPr>
+            <a:spLocks noGrp="1"/>
+          </p:cNvSpPr>
+          <p:nvPr>
+            <p:ph type="title"/>
+          </p:nvPr>
+        </p:nvSpPr>
+        <p:spPr/>
+        <p:txBody>
+          <a:bodyPr/>
+          <a:lstStyle/>
+          <a:p>
+            <a:r>
+              <a:rPr lang="en-US" dirty="0" smtClean="0"/>
+              <a:t>Technical Support</a:t>
+            </a:r>
+            <a:endParaRPr lang="en-US" sz="3600" dirty="0"/>
+          </a:p>
+        </p:txBody>
+      </p:sp>
+      <p:sp>
+        <p:nvSpPr>
+          <p:cNvPr id="3" name="Content Placeholder 2"/>
+          <p:cNvSpPr>
+            <a:spLocks noGrp="1"/>
+          </p:cNvSpPr>
+          <p:nvPr>
+            <p:ph idx="1"/>
+          </p:nvPr>
+        </p:nvSpPr>
+        <p:spPr>
+          <a:xfrm>
+            <a:off x="642258" y="1966685"/>
+            <a:ext cx="7772400" cy="4114800"/>
+          </a:xfrm>
+        </p:spPr>
+        <p:txBody>
+          <a:bodyPr/>
+          <a:lstStyle/>
+          <a:p>
+            <a:pPr>
+              <a:buNone/>
+            </a:pPr>
+            <a:r>
+              <a:rPr lang="en-US" dirty="0" smtClean="0"/>
+              <a:t>Issues</a:t>
+            </a:r>
+          </a:p>
+          <a:p>
+            <a:pPr lvl="1"/>
+            <a:r>
+              <a:rPr lang="en-US" dirty="0" smtClean="0"/>
+              <a:t>How to report issues</a:t>
+            </a:r>
+          </a:p>
+        </p:txBody>
+      </p:sp>
+      <p:sp>
+        <p:nvSpPr>
+          <p:cNvPr id="4" name="Date Placeholder 3"/>
+          <p:cNvSpPr>
+            <a:spLocks noGrp="1"/>
+          </p:cNvSpPr>
+          <p:nvPr>
+            <p:ph type="dt" sz="half" idx="10"/>
+          </p:nvPr>
+        </p:nvSpPr>
+        <p:spPr/>
+        <p:txBody>
+          <a:bodyPr/>
+          <a:lstStyle/>
+          <a:p>
+            <a:fld id="{AB98F214-5D90-468C-9EE8-E1612B8D2BE2}" type="slidenum">
+              <a:rPr lang="en-US" smtClean="0"/>
+              <a:pPr/>
+              <a:t>11</a:t>
+            </a:fld>
+            <a:endParaRPr lang="en-US"/>
+          </a:p>
+        </p:txBody>
+      </p:sp>
+      <p:graphicFrame>
+        <p:nvGraphicFramePr>
+          <p:cNvPr id="6" name="Diagram 5"/>
+          <p:cNvGraphicFramePr/>
+          <p:nvPr/>
+        </p:nvGraphicFramePr>
+        <p:xfrm>
+          <a:off x="1309618" y="3135133"/>
+          <a:ext cx="6096000" cy="3432587"/>
+        </p:xfrm>
+        <a:graphic>
+          <a:graphicData uri="http://schemas.openxmlformats.org/drawingml/2006/diagram">
+            <dgm:relIds xmlns:dgm="http://schemas.openxmlformats.org/drawingml/2006/diagram" xmlns:r="http://schemas.openxmlformats.org/officeDocument/2006/relationships" r:dm="rId2" r:lo="rId3" r:qs="rId4" r:cs="rId5"/>
+          </a:graphicData>
+        </a:graphic>
+      </p:graphicFrame>
+    </p:spTree>
+  </p:cSld>
+  <p:clrMapOvr>
+    <a:masterClrMapping/>
+  </p:clrMapOvr>
+  <p:transition/>
+  <p:timing>
+    <p:tnLst>
+      <p:par>
+        <p:cTn id="1" dur="indefinite" restart="never" nodeType="tmRoot"/>
+      </p:par>
+    </p:tnLst>
+  </p:timing>
+</p:sld>
+</file>
+
+<file path=ppt/slides/slide12.xml><?xml version="1.0" encoding="utf-8"?>
+<p:sld xmlns:a="http://schemas.openxmlformats.org/drawingml/2006/main" xmlns:r="http://schemas.openxmlformats.org/officeDocument/2006/relationships" xmlns:p="http://schemas.openxmlformats.org/presentationml/2006/main">
+  <p:cSld>
+    <p:spTree>
+      <p:nvGrpSpPr>
+        <p:cNvPr id="1" name=""/>
+        <p:cNvGrpSpPr/>
+        <p:nvPr/>
+      </p:nvGrpSpPr>
+      <p:grpSpPr>
+        <a:xfrm>
+          <a:off x="0" y="0"/>
+          <a:ext cx="0" cy="0"/>
+          <a:chOff x="0" y="0"/>
+          <a:chExt cx="0" cy="0"/>
+        </a:xfrm>
+      </p:grpSpPr>
+      <p:sp>
+        <p:nvSpPr>
+          <p:cNvPr id="2" name="Title 1"/>
+          <p:cNvSpPr>
+            <a:spLocks noGrp="1"/>
+          </p:cNvSpPr>
+          <p:nvPr>
+            <p:ph type="title"/>
+          </p:nvPr>
+        </p:nvSpPr>
+        <p:spPr/>
+        <p:txBody>
+          <a:bodyPr/>
+          <a:lstStyle/>
+          <a:p>
+            <a:r>
+              <a:rPr lang="en-US" dirty="0" smtClean="0"/>
+              <a:t>Technical Support</a:t>
+            </a:r>
+            <a:endParaRPr lang="en-US" sz="3600" dirty="0"/>
+          </a:p>
+        </p:txBody>
+      </p:sp>
+      <p:sp>
+        <p:nvSpPr>
+          <p:cNvPr id="3" name="Content Placeholder 2"/>
+          <p:cNvSpPr>
+            <a:spLocks noGrp="1"/>
+          </p:cNvSpPr>
+          <p:nvPr>
+            <p:ph idx="1"/>
+          </p:nvPr>
+        </p:nvSpPr>
+        <p:spPr/>
+        <p:txBody>
+          <a:bodyPr/>
+          <a:lstStyle/>
+          <a:p>
+            <a:pPr>
+              <a:buNone/>
+            </a:pPr>
+            <a:r>
+              <a:rPr lang="en-US" dirty="0" smtClean="0"/>
+              <a:t>Features</a:t>
+            </a:r>
+          </a:p>
+          <a:p>
+            <a:pPr lvl="1"/>
+            <a:r>
+              <a:rPr lang="en-US" dirty="0" smtClean="0"/>
+              <a:t>How to request features</a:t>
+            </a:r>
+          </a:p>
+          <a:p>
+            <a:pPr lvl="2">
+              <a:buNone/>
+            </a:pPr>
+            <a:endParaRPr lang="en-US" dirty="0" smtClean="0"/>
+          </a:p>
+          <a:p>
+            <a:pPr lvl="2">
+              <a:buNone/>
+            </a:pPr>
+            <a:endParaRPr lang="en-US" dirty="0" smtClean="0"/>
+          </a:p>
+          <a:p>
+            <a:pPr>
+              <a:buNone/>
+            </a:pPr>
+            <a:endParaRPr lang="en-US" dirty="0" smtClean="0"/>
+          </a:p>
+        </p:txBody>
+      </p:sp>
+      <p:sp>
+        <p:nvSpPr>
+          <p:cNvPr id="4" name="Date Placeholder 3"/>
+          <p:cNvSpPr>
+            <a:spLocks noGrp="1"/>
+          </p:cNvSpPr>
+          <p:nvPr>
+            <p:ph type="dt" sz="half" idx="10"/>
+          </p:nvPr>
+        </p:nvSpPr>
+        <p:spPr/>
+        <p:txBody>
+          <a:bodyPr/>
+          <a:lstStyle/>
+          <a:p>
+            <a:fld id="{AB98F214-5D90-468C-9EE8-E1612B8D2BE2}" type="slidenum">
+              <a:rPr lang="en-US" smtClean="0"/>
+              <a:pPr/>
+              <a:t>12</a:t>
+            </a:fld>
+            <a:endParaRPr lang="en-US"/>
+          </a:p>
+        </p:txBody>
+      </p:sp>
+      <p:graphicFrame>
+        <p:nvGraphicFramePr>
+          <p:cNvPr id="6" name="Diagram 5"/>
+          <p:cNvGraphicFramePr/>
+          <p:nvPr/>
+        </p:nvGraphicFramePr>
+        <p:xfrm>
+          <a:off x="1353160" y="2757720"/>
+          <a:ext cx="6096000" cy="2322285"/>
+        </p:xfrm>
+        <a:graphic>
+          <a:graphicData uri="http://schemas.openxmlformats.org/drawingml/2006/diagram">
+            <dgm:relIds xmlns:dgm="http://schemas.openxmlformats.org/drawingml/2006/diagram" xmlns:r="http://schemas.openxmlformats.org/officeDocument/2006/relationships" r:dm="rId2" r:lo="rId3" r:qs="rId4" r:cs="rId5"/>
+          </a:graphicData>
+        </a:graphic>
+      </p:graphicFrame>
+    </p:spTree>
+  </p:cSld>
+  <p:clrMapOvr>
+    <a:masterClrMapping/>
+  </p:clrMapOvr>
+  <p:transition/>
+  <p:timing>
+    <p:tnLst>
+      <p:par>
+        <p:cTn id="1" dur="indefinite" restart="never" nodeType="tmRoot"/>
+      </p:par>
+    </p:tnLst>
+  </p:timing>
+</p:sld>
+</file>
+
+<file path=ppt/slides/slide13.xml><?xml version="1.0" encoding="utf-8"?>
+<p:sld xmlns:a="http://schemas.openxmlformats.org/drawingml/2006/main" xmlns:r="http://schemas.openxmlformats.org/officeDocument/2006/relationships" xmlns:p="http://schemas.openxmlformats.org/presentationml/2006/main">
+  <p:cSld>
+    <p:spTree>
+      <p:nvGrpSpPr>
+        <p:cNvPr id="1" name=""/>
+        <p:cNvGrpSpPr/>
+        <p:nvPr/>
+      </p:nvGrpSpPr>
+      <p:grpSpPr>
+        <a:xfrm>
+          <a:off x="0" y="0"/>
+          <a:ext cx="0" cy="0"/>
+          <a:chOff x="0" y="0"/>
+          <a:chExt cx="0" cy="0"/>
+        </a:xfrm>
+      </p:grpSpPr>
+      <p:sp>
+        <p:nvSpPr>
+          <p:cNvPr id="2" name="Title 1"/>
+          <p:cNvSpPr>
+            <a:spLocks noGrp="1"/>
+          </p:cNvSpPr>
+          <p:nvPr>
+            <p:ph type="title"/>
+          </p:nvPr>
+        </p:nvSpPr>
+        <p:spPr/>
+        <p:txBody>
+          <a:bodyPr/>
+          <a:lstStyle/>
+          <a:p>
+            <a:r>
+              <a:rPr lang="en-US" dirty="0" smtClean="0"/>
+              <a:t>Contact</a:t>
+            </a:r>
+            <a:endParaRPr lang="en-US" dirty="0"/>
+          </a:p>
+        </p:txBody>
+      </p:sp>
+      <p:sp>
+        <p:nvSpPr>
+          <p:cNvPr id="3" name="Content Placeholder 2"/>
+          <p:cNvSpPr>
+            <a:spLocks noGrp="1"/>
+          </p:cNvSpPr>
+          <p:nvPr>
+            <p:ph idx="1"/>
+          </p:nvPr>
+        </p:nvSpPr>
+        <p:spPr/>
+        <p:txBody>
+          <a:bodyPr/>
+          <a:lstStyle/>
+          <a:p>
+            <a:pPr algn="ctr">
+              <a:buNone/>
+            </a:pPr>
+            <a:r>
+              <a:rPr lang="en-US" dirty="0" smtClean="0"/>
+              <a:t>Min Yu</a:t>
+            </a:r>
+          </a:p>
+          <a:p>
+            <a:pPr algn="ctr">
+              <a:buNone/>
+            </a:pPr>
+            <a:r>
+              <a:rPr lang="en-US" dirty="0" smtClean="0"/>
+              <a:t>Delta Modeling Section</a:t>
+            </a:r>
+          </a:p>
+          <a:p>
+            <a:pPr algn="ctr">
+              <a:buNone/>
+            </a:pPr>
+            <a:r>
+              <a:rPr lang="en-US" i="1" dirty="0" smtClean="0">
+                <a:hlinkClick r:id="rId2"/>
+              </a:rPr>
+              <a:t>minyu@water.ca.gov</a:t>
+            </a:r>
+            <a:endParaRPr lang="en-US" i="1" dirty="0" smtClean="0"/>
+          </a:p>
+          <a:p>
+            <a:pPr algn="ctr">
+              <a:buNone/>
+            </a:pPr>
+            <a:r>
+              <a:rPr lang="en-US" dirty="0" smtClean="0"/>
+              <a:t>916.653.5225</a:t>
+            </a:r>
+          </a:p>
+          <a:p>
+            <a:pPr algn="ctr">
+              <a:buNone/>
+            </a:pPr>
+            <a:endParaRPr lang="en-US" i="1" dirty="0" smtClean="0"/>
+          </a:p>
+          <a:p>
+            <a:endParaRPr lang="en-US" dirty="0" smtClean="0"/>
+          </a:p>
+          <a:p>
+            <a:pPr>
+              <a:buNone/>
+            </a:pPr>
+            <a:endParaRPr lang="en-US" dirty="0"/>
+          </a:p>
+        </p:txBody>
+      </p:sp>
+      <p:sp>
+        <p:nvSpPr>
+          <p:cNvPr id="4" name="Date Placeholder 3"/>
+          <p:cNvSpPr>
+            <a:spLocks noGrp="1"/>
+          </p:cNvSpPr>
+          <p:nvPr>
+            <p:ph type="dt" sz="half" idx="10"/>
+          </p:nvPr>
+        </p:nvSpPr>
+        <p:spPr/>
+        <p:txBody>
+          <a:bodyPr/>
+          <a:lstStyle/>
+          <a:p>
+            <a:fld id="{AB98F214-5D90-468C-9EE8-E1612B8D2BE2}" type="slidenum">
+              <a:rPr lang="en-US" smtClean="0"/>
+              <a:pPr/>
+              <a:t>13</a:t>
+            </a:fld>
+            <a:endParaRPr lang="en-US"/>
+          </a:p>
+        </p:txBody>
+      </p:sp>
+      <p:pic>
+        <p:nvPicPr>
+          <p:cNvPr id="1034" name="Picture 10" descr="C:\Documents and Settings\minyu\Local Settings\Temporary Internet Files\Content.IE5\M6AMB87K\MCj02873130000[1].wmf"/>
+          <p:cNvPicPr>
+            <a:picLocks noChangeAspect="1" noChangeArrowheads="1"/>
+          </p:cNvPicPr>
+          <p:nvPr/>
+        </p:nvPicPr>
+        <p:blipFill>
+          <a:blip r:embed="rId3"/>
+          <a:srcRect/>
+          <a:stretch>
+            <a:fillRect/>
+          </a:stretch>
+        </p:blipFill>
+        <p:spPr bwMode="auto">
+          <a:xfrm>
+            <a:off x="739834" y="435428"/>
+            <a:ext cx="1887648" cy="1531545"/>
+          </a:xfrm>
+          <a:prstGeom prst="rect">
+            <a:avLst/>
+          </a:prstGeom>
+          <a:noFill/>
+        </p:spPr>
+      </p:pic>
+    </p:spTree>
+  </p:cSld>
+  <p:clrMapOvr>
+    <a:masterClrMapping/>
+  </p:clrMapOvr>
+  <p:transition/>
+  <p:timing>
+    <p:tnLst>
+      <p:par>
+        <p:cTn id="1" dur="indefinite" restart="never" nodeType="tmRoot"/>
+      </p:par>
+    </p:tnLst>
+  </p:timing>
+</p:sld>
+</file>
+
+<file path=ppt/slides/slide2.xml><?xml version="1.0" encoding="utf-8"?>
 <p:sld xmlns:a="http://schemas.openxmlformats.org/drawingml/2006/main" xmlns:r="http://schemas.openxmlformats.org/officeDocument/2006/relationships" xmlns:p="http://schemas.openxmlformats.org/presentationml/2006/main">
   <p:cSld>
     <p:spTree>
@@ -16915,6 +16579,137 @@
             <a:fld id="{AB98F214-5D90-468C-9EE8-E1612B8D2BE2}" type="slidenum">
               <a:rPr lang="en-US" smtClean="0"/>
               <a:pPr/>
+              <a:t>2</a:t>
+            </a:fld>
+            <a:endParaRPr lang="en-US"/>
+          </a:p>
+        </p:txBody>
+      </p:sp>
+    </p:spTree>
+  </p:cSld>
+  <p:clrMapOvr>
+    <a:masterClrMapping/>
+  </p:clrMapOvr>
+  <p:transition/>
+  <p:timing>
+    <p:tnLst>
+      <p:par>
+        <p:cTn id="1" dur="indefinite" restart="never" nodeType="tmRoot"/>
+      </p:par>
+    </p:tnLst>
+  </p:timing>
+</p:sld>
+</file>
+
+<file path=ppt/slides/slide3.xml><?xml version="1.0" encoding="utf-8"?>
+<p:sld xmlns:a="http://schemas.openxmlformats.org/drawingml/2006/main" xmlns:r="http://schemas.openxmlformats.org/officeDocument/2006/relationships" xmlns:p="http://schemas.openxmlformats.org/presentationml/2006/main">
+  <p:cSld>
+    <p:spTree>
+      <p:nvGrpSpPr>
+        <p:cNvPr id="1" name=""/>
+        <p:cNvGrpSpPr/>
+        <p:nvPr/>
+      </p:nvGrpSpPr>
+      <p:grpSpPr>
+        <a:xfrm>
+          <a:off x="0" y="0"/>
+          <a:ext cx="0" cy="0"/>
+          <a:chOff x="0" y="0"/>
+          <a:chExt cx="0" cy="0"/>
+        </a:xfrm>
+      </p:grpSpPr>
+      <p:sp>
+        <p:nvSpPr>
+          <p:cNvPr id="2" name="Title 1"/>
+          <p:cNvSpPr>
+            <a:spLocks noGrp="1"/>
+          </p:cNvSpPr>
+          <p:nvPr>
+            <p:ph type="title"/>
+          </p:nvPr>
+        </p:nvSpPr>
+        <p:spPr/>
+        <p:txBody>
+          <a:bodyPr/>
+          <a:lstStyle/>
+          <a:p>
+            <a:r>
+              <a:rPr lang="en-US" dirty="0" smtClean="0"/>
+              <a:t>Overview</a:t>
+            </a:r>
+            <a:endParaRPr lang="en-US" dirty="0"/>
+          </a:p>
+        </p:txBody>
+      </p:sp>
+      <p:sp>
+        <p:nvSpPr>
+          <p:cNvPr id="3" name="Content Placeholder 2"/>
+          <p:cNvSpPr>
+            <a:spLocks noGrp="1"/>
+          </p:cNvSpPr>
+          <p:nvPr>
+            <p:ph idx="1"/>
+          </p:nvPr>
+        </p:nvSpPr>
+        <p:spPr/>
+        <p:txBody>
+          <a:bodyPr/>
+          <a:lstStyle/>
+          <a:p>
+            <a:r>
+              <a:rPr lang="en-US" dirty="0" smtClean="0"/>
+              <a:t>DSM2UG initiated in Jan. 2004</a:t>
+            </a:r>
+          </a:p>
+          <a:p>
+            <a:r>
+              <a:rPr lang="en-US" dirty="0" smtClean="0"/>
+              <a:t>A well-established model user group with 50</a:t>
+            </a:r>
+            <a:r>
+              <a:rPr lang="en-US" baseline="30000" dirty="0" smtClean="0"/>
+              <a:t>+</a:t>
+            </a:r>
+            <a:r>
+              <a:rPr lang="en-US" dirty="0" smtClean="0"/>
+              <a:t> members</a:t>
+            </a:r>
+          </a:p>
+          <a:p>
+            <a:r>
+              <a:rPr lang="en-US" dirty="0" smtClean="0"/>
+              <a:t>Becoming a member</a:t>
+            </a:r>
+          </a:p>
+          <a:p>
+            <a:pPr>
+              <a:buNone/>
+            </a:pPr>
+            <a:endParaRPr lang="en-US" dirty="0" smtClean="0"/>
+          </a:p>
+          <a:p>
+            <a:endParaRPr lang="en-US" dirty="0"/>
+          </a:p>
+        </p:txBody>
+      </p:sp>
+      <p:sp>
+        <p:nvSpPr>
+          <p:cNvPr id="4" name="Date Placeholder 3"/>
+          <p:cNvSpPr>
+            <a:spLocks noGrp="1"/>
+          </p:cNvSpPr>
+          <p:nvPr>
+            <p:ph type="dt" sz="half" idx="10"/>
+          </p:nvPr>
+        </p:nvSpPr>
+        <p:spPr/>
+        <p:txBody>
+          <a:bodyPr/>
+          <a:lstStyle/>
+          <a:p>
+            <a:fld id="{AB98F214-5D90-468C-9EE8-E1612B8D2BE2}" type="slidenum">
+              <a:rPr lang="en-US" smtClean="0"/>
+              <a:pPr/>
               <a:t>3</a:t>
             </a:fld>
             <a:endParaRPr lang="en-US"/>
@@ -16971,7 +16766,7 @@
           <a:p>
             <a:r>
               <a:rPr lang="en-US" dirty="0" smtClean="0"/>
-              <a:t>Overview</a:t>
+              <a:t>DSM2UG Objective</a:t>
             </a:r>
             <a:endParaRPr lang="en-US" dirty="0"/>
           </a:p>
@@ -16992,48 +16787,34 @@
           <a:bodyPr/>
           <a:lstStyle/>
           <a:p>
+            <a:pPr>
+              <a:buNone/>
+            </a:pPr>
             <a:r>
               <a:rPr lang="en-US" dirty="0" smtClean="0"/>
-              <a:t>DSM2UG </a:t>
+              <a:t>	To promote the exchange of ideas, information, and issues involving the use of DSM2 and/or the development </a:t>
+            </a:r>
+            <a:r>
+              <a:rPr lang="en-US" smtClean="0"/>
+              <a:t>of </a:t>
+            </a:r>
+            <a:r>
+              <a:rPr lang="en-US" smtClean="0"/>
+              <a:t>future </a:t>
             </a:r>
             <a:r>
               <a:rPr lang="en-US" dirty="0" smtClean="0"/>
-              <a:t>initiated </a:t>
+              <a:t>versions </a:t>
             </a:r>
             <a:r>
               <a:rPr lang="en-US" dirty="0" smtClean="0"/>
-              <a:t>in Jan. 2004</a:t>
-            </a:r>
-          </a:p>
-          <a:p>
-            <a:r>
-              <a:rPr lang="en-US" dirty="0" smtClean="0"/>
-              <a:t>A well-established model user group with 50</a:t>
-            </a:r>
-            <a:r>
-              <a:rPr lang="en-US" baseline="30000" dirty="0" smtClean="0"/>
-              <a:t>+</a:t>
+              <a:t>of </a:t>
             </a:r>
             <a:r>
               <a:rPr lang="en-US" dirty="0" smtClean="0"/>
-              <a:t> members</a:t>
+              <a:t>DSM2.</a:t>
             </a:r>
-          </a:p>
-          <a:p>
-            <a:r>
-              <a:rPr lang="en-US" dirty="0" smtClean="0"/>
-              <a:t>Becoming a member</a:t>
-            </a:r>
-            <a:endParaRPr lang="en-US" dirty="0" smtClean="0"/>
-          </a:p>
-          <a:p>
-            <a:pPr>
-              <a:buNone/>
-            </a:pPr>
-            <a:endParaRPr lang="en-US" dirty="0" smtClean="0"/>
-          </a:p>
-          <a:p>
-            <a:endParaRPr lang="en-US" dirty="0"/>
+            <a:endParaRPr lang="en-US" sz="1800" i="1" dirty="0"/>
           </a:p>
         </p:txBody>
       </p:sp>
@@ -17111,116 +16892,6 @@
           <a:p>
             <a:r>
               <a:rPr lang="en-US" dirty="0" smtClean="0"/>
-              <a:t>DSM2UG Objective</a:t>
-            </a:r>
-            <a:endParaRPr lang="en-US" dirty="0"/>
-          </a:p>
-        </p:txBody>
-      </p:sp>
-      <p:sp>
-        <p:nvSpPr>
-          <p:cNvPr id="3" name="Content Placeholder 2"/>
-          <p:cNvSpPr>
-            <a:spLocks noGrp="1"/>
-          </p:cNvSpPr>
-          <p:nvPr>
-            <p:ph idx="1"/>
-          </p:nvPr>
-        </p:nvSpPr>
-        <p:spPr/>
-        <p:txBody>
-          <a:bodyPr/>
-          <a:lstStyle/>
-          <a:p>
-            <a:pPr>
-              <a:buNone/>
-            </a:pPr>
-            <a:r>
-              <a:rPr lang="en-US" dirty="0" smtClean="0"/>
-              <a:t>	To promote the exchange of ideas, information, and issues involving the use of DSM2 and/or the development of any newer version of DSM2 in the future.</a:t>
-            </a:r>
-            <a:r>
-              <a:rPr lang="en-US" sz="2000" dirty="0" smtClean="0"/>
-              <a:t>	</a:t>
-            </a:r>
-            <a:endParaRPr lang="en-US" sz="1800" i="1" dirty="0"/>
-          </a:p>
-        </p:txBody>
-      </p:sp>
-      <p:sp>
-        <p:nvSpPr>
-          <p:cNvPr id="4" name="Date Placeholder 3"/>
-          <p:cNvSpPr>
-            <a:spLocks noGrp="1"/>
-          </p:cNvSpPr>
-          <p:nvPr>
-            <p:ph type="dt" sz="half" idx="10"/>
-          </p:nvPr>
-        </p:nvSpPr>
-        <p:spPr/>
-        <p:txBody>
-          <a:bodyPr/>
-          <a:lstStyle/>
-          <a:p>
-            <a:fld id="{AB98F214-5D90-468C-9EE8-E1612B8D2BE2}" type="slidenum">
-              <a:rPr lang="en-US" smtClean="0"/>
-              <a:pPr/>
-              <a:t>5</a:t>
-            </a:fld>
-            <a:endParaRPr lang="en-US"/>
-          </a:p>
-        </p:txBody>
-      </p:sp>
-    </p:spTree>
-  </p:cSld>
-  <p:clrMapOvr>
-    <a:masterClrMapping/>
-  </p:clrMapOvr>
-  <p:transition/>
-  <p:timing>
-    <p:tnLst>
-      <p:par>
-        <p:cTn id="1" dur="indefinite" restart="never" nodeType="tmRoot"/>
-      </p:par>
-    </p:tnLst>
-  </p:timing>
-</p:sld>
-</file>
-
-<file path=ppt/slides/slide6.xml><?xml version="1.0" encoding="utf-8"?>
-<p:sld xmlns:a="http://schemas.openxmlformats.org/drawingml/2006/main" xmlns:r="http://schemas.openxmlformats.org/officeDocument/2006/relationships" xmlns:p="http://schemas.openxmlformats.org/presentationml/2006/main">
-  <p:cSld>
-    <p:spTree>
-      <p:nvGrpSpPr>
-        <p:cNvPr id="1" name=""/>
-        <p:cNvGrpSpPr/>
-        <p:nvPr/>
-      </p:nvGrpSpPr>
-      <p:grpSpPr>
-        <a:xfrm>
-          <a:off x="0" y="0"/>
-          <a:ext cx="0" cy="0"/>
-          <a:chOff x="0" y="0"/>
-          <a:chExt cx="0" cy="0"/>
-        </a:xfrm>
-      </p:grpSpPr>
-      <p:sp>
-        <p:nvSpPr>
-          <p:cNvPr id="2" name="Title 1"/>
-          <p:cNvSpPr>
-            <a:spLocks noGrp="1"/>
-          </p:cNvSpPr>
-          <p:nvPr>
-            <p:ph type="title"/>
-          </p:nvPr>
-        </p:nvSpPr>
-        <p:spPr/>
-        <p:txBody>
-          <a:bodyPr/>
-          <a:lstStyle/>
-          <a:p>
-            <a:r>
-              <a:rPr lang="en-US" dirty="0" smtClean="0"/>
               <a:t>DSM2UG Activities</a:t>
             </a:r>
             <a:endParaRPr lang="en-US" dirty="0"/>
@@ -17264,7 +16935,7 @@
             <a:fld id="{AB98F214-5D90-468C-9EE8-E1612B8D2BE2}" type="slidenum">
               <a:rPr lang="en-US" smtClean="0"/>
               <a:pPr/>
-              <a:t>6</a:t>
+              <a:t>5</a:t>
             </a:fld>
             <a:endParaRPr lang="en-US" dirty="0"/>
           </a:p>
@@ -17302,7 +16973,7 @@
 </p:sld>
 </file>
 
-<file path=ppt/slides/slide7.xml><?xml version="1.0" encoding="utf-8"?>
+<file path=ppt/slides/slide6.xml><?xml version="1.0" encoding="utf-8"?>
 <p:sld xmlns:a="http://schemas.openxmlformats.org/drawingml/2006/main" xmlns:r="http://schemas.openxmlformats.org/officeDocument/2006/relationships" xmlns:p="http://schemas.openxmlformats.org/presentationml/2006/main">
   <p:cSld>
     <p:spTree>
@@ -17362,13 +17033,8 @@
             </a:pPr>
             <a:r>
               <a:rPr lang="en-US" sz="3100" dirty="0" smtClean="0"/>
-              <a:t>http://</a:t>
+              <a:t>http://baydeltaoffice.water.ca.gov/modeling/deltamodeling/dsm2usersgroup.cfm</a:t>
             </a:r>
-            <a:r>
-              <a:rPr lang="en-US" sz="3100" dirty="0" smtClean="0"/>
-              <a:t>baydeltaoffice.water.ca.gov/modeling/deltamodeling/dsm2usersgroup.cfm</a:t>
-            </a:r>
-            <a:endParaRPr lang="en-US" sz="3100" dirty="0" smtClean="0"/>
           </a:p>
           <a:p>
             <a:pPr>
@@ -17405,7 +17071,7 @@
             <a:fld id="{AB98F214-5D90-468C-9EE8-E1612B8D2BE2}" type="slidenum">
               <a:rPr lang="en-US" smtClean="0"/>
               <a:pPr/>
-              <a:t>7</a:t>
+              <a:t>6</a:t>
             </a:fld>
             <a:endParaRPr lang="en-US"/>
           </a:p>
@@ -17427,7 +17093,7 @@
 </p:sld>
 </file>
 
-<file path=ppt/slides/slide8.xml><?xml version="1.0" encoding="utf-8"?>
+<file path=ppt/slides/slide7.xml><?xml version="1.0" encoding="utf-8"?>
 <p:sld xmlns:a="http://schemas.openxmlformats.org/drawingml/2006/main" xmlns:r="http://schemas.openxmlformats.org/officeDocument/2006/relationships" xmlns:p="http://schemas.openxmlformats.org/presentationml/2006/main">
   <p:cSld>
     <p:spTree>
@@ -17462,7 +17128,7 @@
             <a:fld id="{AB98F214-5D90-468C-9EE8-E1612B8D2BE2}" type="slidenum">
               <a:rPr lang="en-US" smtClean="0"/>
               <a:pPr/>
-              <a:t>8</a:t>
+              <a:t>7</a:t>
             </a:fld>
             <a:endParaRPr lang="en-US"/>
           </a:p>
@@ -17796,7 +17462,7 @@
 </p:sld>
 </file>
 
-<file path=ppt/slides/slide9.xml><?xml version="1.0" encoding="utf-8"?>
+<file path=ppt/slides/slide8.xml><?xml version="1.0" encoding="utf-8"?>
 <p:sld xmlns:a="http://schemas.openxmlformats.org/drawingml/2006/main" xmlns:r="http://schemas.openxmlformats.org/officeDocument/2006/relationships" xmlns:p="http://schemas.openxmlformats.org/presentationml/2006/main">
   <p:cSld>
     <p:spTree>
@@ -17858,7 +17524,7 @@
             <a:fld id="{AB98F214-5D90-468C-9EE8-E1612B8D2BE2}" type="slidenum">
               <a:rPr lang="en-US" smtClean="0"/>
               <a:pPr/>
-              <a:t>9</a:t>
+              <a:t>8</a:t>
             </a:fld>
             <a:endParaRPr lang="en-US"/>
           </a:p>
@@ -17884,6 +17550,223 @@
           </a:graphicData>
         </a:graphic>
       </p:graphicFrame>
+    </p:spTree>
+  </p:cSld>
+  <p:clrMapOvr>
+    <a:masterClrMapping/>
+  </p:clrMapOvr>
+  <p:transition/>
+  <p:timing>
+    <p:tnLst>
+      <p:par>
+        <p:cTn id="1" dur="indefinite" restart="never" nodeType="tmRoot"/>
+      </p:par>
+    </p:tnLst>
+  </p:timing>
+</p:sld>
+</file>
+
+<file path=ppt/slides/slide9.xml><?xml version="1.0" encoding="utf-8"?>
+<p:sld xmlns:a="http://schemas.openxmlformats.org/drawingml/2006/main" xmlns:r="http://schemas.openxmlformats.org/officeDocument/2006/relationships" xmlns:p="http://schemas.openxmlformats.org/presentationml/2006/main">
+  <p:cSld>
+    <p:spTree>
+      <p:nvGrpSpPr>
+        <p:cNvPr id="1" name=""/>
+        <p:cNvGrpSpPr/>
+        <p:nvPr/>
+      </p:nvGrpSpPr>
+      <p:grpSpPr>
+        <a:xfrm>
+          <a:off x="0" y="0"/>
+          <a:ext cx="0" cy="0"/>
+          <a:chOff x="0" y="0"/>
+          <a:chExt cx="0" cy="0"/>
+        </a:xfrm>
+      </p:grpSpPr>
+      <p:pic>
+        <p:nvPicPr>
+          <p:cNvPr id="3083" name="Picture 11" descr="C:\Documents and Settings\minyu\Local Settings\Temporary Internet Files\Content.IE5\7Q658622\MCj02374910000[1].wmf"/>
+          <p:cNvPicPr>
+            <a:picLocks noChangeAspect="1" noChangeArrowheads="1"/>
+          </p:cNvPicPr>
+          <p:nvPr/>
+        </p:nvPicPr>
+        <p:blipFill>
+          <a:blip r:embed="rId2"/>
+          <a:srcRect/>
+          <a:stretch>
+            <a:fillRect/>
+          </a:stretch>
+        </p:blipFill>
+        <p:spPr bwMode="auto">
+          <a:xfrm>
+            <a:off x="6870693" y="2701059"/>
+            <a:ext cx="2086824" cy="2278455"/>
+          </a:xfrm>
+          <a:prstGeom prst="rect">
+            <a:avLst/>
+          </a:prstGeom>
+          <a:noFill/>
+        </p:spPr>
+      </p:pic>
+      <p:sp>
+        <p:nvSpPr>
+          <p:cNvPr id="2" name="Title 1"/>
+          <p:cNvSpPr>
+            <a:spLocks noGrp="1"/>
+          </p:cNvSpPr>
+          <p:nvPr>
+            <p:ph type="title"/>
+          </p:nvPr>
+        </p:nvSpPr>
+        <p:spPr/>
+        <p:txBody>
+          <a:bodyPr/>
+          <a:lstStyle/>
+          <a:p>
+            <a:r>
+              <a:rPr lang="en-US" dirty="0" smtClean="0"/>
+              <a:t>Technical Support</a:t>
+            </a:r>
+            <a:endParaRPr lang="en-US" sz="3600" dirty="0"/>
+          </a:p>
+        </p:txBody>
+      </p:sp>
+      <p:sp>
+        <p:nvSpPr>
+          <p:cNvPr id="3" name="Content Placeholder 2"/>
+          <p:cNvSpPr>
+            <a:spLocks noGrp="1"/>
+          </p:cNvSpPr>
+          <p:nvPr>
+            <p:ph sz="half" idx="1"/>
+          </p:nvPr>
+        </p:nvSpPr>
+        <p:spPr/>
+        <p:txBody>
+          <a:bodyPr/>
+          <a:lstStyle/>
+          <a:p>
+            <a:pPr lvl="1">
+              <a:buNone/>
+            </a:pPr>
+            <a:endParaRPr lang="en-US" dirty="0" smtClean="0"/>
+          </a:p>
+          <a:p>
+            <a:endParaRPr lang="en-US" dirty="0"/>
+          </a:p>
+        </p:txBody>
+      </p:sp>
+      <p:sp>
+        <p:nvSpPr>
+          <p:cNvPr id="4" name="Date Placeholder 3"/>
+          <p:cNvSpPr>
+            <a:spLocks noGrp="1"/>
+          </p:cNvSpPr>
+          <p:nvPr>
+            <p:ph type="dt" sz="half" idx="10"/>
+          </p:nvPr>
+        </p:nvSpPr>
+        <p:spPr/>
+        <p:txBody>
+          <a:bodyPr/>
+          <a:lstStyle/>
+          <a:p>
+            <a:fld id="{AB98F214-5D90-468C-9EE8-E1612B8D2BE2}" type="slidenum">
+              <a:rPr lang="en-US" smtClean="0"/>
+              <a:pPr/>
+              <a:t>9</a:t>
+            </a:fld>
+            <a:endParaRPr lang="en-US"/>
+          </a:p>
+        </p:txBody>
+      </p:sp>
+      <p:graphicFrame>
+        <p:nvGraphicFramePr>
+          <p:cNvPr id="7" name="Diagram 6"/>
+          <p:cNvGraphicFramePr/>
+          <p:nvPr/>
+        </p:nvGraphicFramePr>
+        <p:xfrm>
+          <a:off x="595086" y="1857828"/>
+          <a:ext cx="6551650" cy="4277200"/>
+        </p:xfrm>
+        <a:graphic>
+          <a:graphicData uri="http://schemas.openxmlformats.org/drawingml/2006/diagram">
+            <dgm:relIds xmlns:dgm="http://schemas.openxmlformats.org/drawingml/2006/diagram" xmlns:r="http://schemas.openxmlformats.org/officeDocument/2006/relationships" r:dm="rId3" r:lo="rId4" r:qs="rId5" r:cs="rId6"/>
+          </a:graphicData>
+        </a:graphic>
+      </p:graphicFrame>
+      <p:sp>
+        <p:nvSpPr>
+          <p:cNvPr id="9" name="Content Placeholder 2"/>
+          <p:cNvSpPr txBox="1">
+            <a:spLocks/>
+          </p:cNvSpPr>
+          <p:nvPr/>
+        </p:nvSpPr>
+        <p:spPr bwMode="auto">
+          <a:xfrm>
+            <a:off x="685800" y="1981200"/>
+            <a:ext cx="7772400" cy="4114800"/>
+          </a:xfrm>
+          <a:prstGeom prst="rect">
+            <a:avLst/>
+          </a:prstGeom>
+          <a:noFill/>
+          <a:ln w="9525">
+            <a:noFill/>
+            <a:miter lim="800000"/>
+            <a:headEnd/>
+            <a:tailEnd/>
+          </a:ln>
+          <a:effectLst/>
+        </p:spPr>
+        <p:txBody>
+          <a:bodyPr vert="horz" wrap="square" lIns="91440" tIns="45720" rIns="91440" bIns="45720" numCol="1" anchor="t" anchorCtr="0" compatLnSpc="1">
+            <a:prstTxWarp prst="textNoShape">
+              <a:avLst/>
+            </a:prstTxWarp>
+          </a:bodyPr>
+          <a:lstStyle/>
+          <a:p>
+            <a:pPr marL="342900" marR="0" lvl="0" indent="-342900" algn="l" defTabSz="914400" rtl="0" eaLnBrk="0" fontAlgn="base" latinLnBrk="0" hangingPunct="0">
+              <a:lnSpc>
+                <a:spcPct val="100000"/>
+              </a:lnSpc>
+              <a:spcBef>
+                <a:spcPct val="20000"/>
+              </a:spcBef>
+              <a:spcAft>
+                <a:spcPct val="0"/>
+              </a:spcAft>
+              <a:buClrTx/>
+              <a:buSzTx/>
+              <a:buFontTx/>
+              <a:buNone/>
+              <a:tabLst/>
+              <a:defRPr/>
+            </a:pPr>
+            <a:r>
+              <a:rPr kumimoji="0" lang="en-US" sz="3200" b="0" i="0" u="none" strike="noStrike" kern="0" cap="none" spc="0" normalizeH="0" baseline="0" noProof="0" dirty="0" smtClean="0">
+                <a:ln>
+                  <a:noFill/>
+                </a:ln>
+                <a:solidFill>
+                  <a:schemeClr val="tx1"/>
+                </a:solidFill>
+                <a:effectLst/>
+                <a:uLnTx/>
+                <a:uFillTx/>
+                <a:latin typeface="+mn-lt"/>
+                <a:ea typeface="+mn-ea"/>
+                <a:cs typeface="+mn-cs"/>
+              </a:rPr>
+              <a:t>Questions</a:t>
+            </a:r>
+          </a:p>
+        </p:txBody>
+      </p:sp>
     </p:spTree>
   </p:cSld>
   <p:clrMapOvr>
